--- a/2025/2025-07-11-AI-Updates.pptx
+++ b/2025/2025-07-11-AI-Updates.pptx
@@ -5,7 +5,7 @@
     <p:sldMasterId id="2147483661" r:id="rId1"/>
   </p:sldMasterIdLst>
   <p:notesMasterIdLst>
-    <p:notesMasterId r:id="rId22"/>
+    <p:notesMasterId r:id="rId23"/>
   </p:notesMasterIdLst>
   <p:sldIdLst>
     <p:sldId id="256" r:id="rId2"/>
@@ -28,6 +28,7 @@
     <p:sldId id="273" r:id="rId19"/>
     <p:sldId id="274" r:id="rId20"/>
     <p:sldId id="275" r:id="rId21"/>
+    <p:sldId id="276" r:id="rId22"/>
   </p:sldIdLst>
   <p:sldSz cx="9144000" cy="5143500" type="screen16x9"/>
   <p:notesSz cx="6858000" cy="9144000"/>
@@ -969,7 +970,7 @@
   <p:cSld>
     <p:spTree>
       <p:nvGrpSpPr>
-        <p:cNvPr id="1" name="Shape 210"/>
+        <p:cNvPr id="1" name="Shape 214"/>
         <p:cNvGrpSpPr/>
         <p:nvPr/>
       </p:nvGrpSpPr>
@@ -983,7 +984,7 @@
       </p:grpSpPr>
       <p:sp>
         <p:nvSpPr>
-          <p:cNvPr id="211" name="Google Shape;211;g344a46942c4_4_3:notes"/>
+          <p:cNvPr id="215" name="Google Shape;215;g344a46942c4_4_3:notes"/>
           <p:cNvSpPr>
             <a:spLocks noGrp="1" noRot="1" noChangeAspect="1"/>
           </p:cNvSpPr>
@@ -1034,7 +1035,7 @@
       </p:sp>
       <p:sp>
         <p:nvSpPr>
-          <p:cNvPr id="212" name="Google Shape;212;g344a46942c4_4_3:notes"/>
+          <p:cNvPr id="216" name="Google Shape;216;g344a46942c4_4_3:notes"/>
           <p:cNvSpPr txBox="1">
             <a:spLocks noGrp="1"/>
           </p:cNvSpPr>
@@ -1091,7 +1092,7 @@
   <p:cSld>
     <p:spTree>
       <p:nvGrpSpPr>
-        <p:cNvPr id="1" name="Shape 228"/>
+        <p:cNvPr id="1" name="Shape 232"/>
         <p:cNvGrpSpPr/>
         <p:nvPr/>
       </p:nvGrpSpPr>
@@ -1105,7 +1106,7 @@
       </p:grpSpPr>
       <p:sp>
         <p:nvSpPr>
-          <p:cNvPr id="229" name="Google Shape;229;g362fc5d1d31_1_0:notes"/>
+          <p:cNvPr id="233" name="Google Shape;233;g362fc5d1d31_1_0:notes"/>
           <p:cNvSpPr>
             <a:spLocks noGrp="1" noRot="1" noChangeAspect="1"/>
           </p:cNvSpPr>
@@ -1156,7 +1157,7 @@
       </p:sp>
       <p:sp>
         <p:nvSpPr>
-          <p:cNvPr id="230" name="Google Shape;230;g362fc5d1d31_1_0:notes"/>
+          <p:cNvPr id="234" name="Google Shape;234;g362fc5d1d31_1_0:notes"/>
           <p:cNvSpPr txBox="1">
             <a:spLocks noGrp="1"/>
           </p:cNvSpPr>
@@ -1213,7 +1214,7 @@
   <p:cSld>
     <p:spTree>
       <p:nvGrpSpPr>
-        <p:cNvPr id="1" name="Shape 235"/>
+        <p:cNvPr id="1" name="Shape 240"/>
         <p:cNvGrpSpPr/>
         <p:nvPr/>
       </p:nvGrpSpPr>
@@ -1227,7 +1228,7 @@
       </p:grpSpPr>
       <p:sp>
         <p:nvSpPr>
-          <p:cNvPr id="236" name="Google Shape;236;g3449fd71324_1_27:notes"/>
+          <p:cNvPr id="241" name="Google Shape;241;g3449fd71324_1_27:notes"/>
           <p:cNvSpPr>
             <a:spLocks noGrp="1" noRot="1" noChangeAspect="1"/>
           </p:cNvSpPr>
@@ -1278,7 +1279,7 @@
       </p:sp>
       <p:sp>
         <p:nvSpPr>
-          <p:cNvPr id="237" name="Google Shape;237;g3449fd71324_1_27:notes"/>
+          <p:cNvPr id="242" name="Google Shape;242;g3449fd71324_1_27:notes"/>
           <p:cNvSpPr txBox="1">
             <a:spLocks noGrp="1"/>
           </p:cNvSpPr>
@@ -1335,7 +1336,7 @@
   <p:cSld>
     <p:spTree>
       <p:nvGrpSpPr>
-        <p:cNvPr id="1" name="Shape 243"/>
+        <p:cNvPr id="1" name="Shape 248"/>
         <p:cNvGrpSpPr/>
         <p:nvPr/>
       </p:nvGrpSpPr>
@@ -1349,7 +1350,7 @@
       </p:grpSpPr>
       <p:sp>
         <p:nvSpPr>
-          <p:cNvPr id="244" name="Google Shape;244;g344a46942c4_1_0:notes"/>
+          <p:cNvPr id="249" name="Google Shape;249;g344a46942c4_1_0:notes"/>
           <p:cNvSpPr>
             <a:spLocks noGrp="1" noRot="1" noChangeAspect="1"/>
           </p:cNvSpPr>
@@ -1400,7 +1401,7 @@
       </p:sp>
       <p:sp>
         <p:nvSpPr>
-          <p:cNvPr id="245" name="Google Shape;245;g344a46942c4_1_0:notes"/>
+          <p:cNvPr id="250" name="Google Shape;250;g344a46942c4_1_0:notes"/>
           <p:cNvSpPr txBox="1">
             <a:spLocks noGrp="1"/>
           </p:cNvSpPr>
@@ -1457,7 +1458,7 @@
   <p:cSld>
     <p:spTree>
       <p:nvGrpSpPr>
-        <p:cNvPr id="1" name="Shape 251"/>
+        <p:cNvPr id="1" name="Shape 256"/>
         <p:cNvGrpSpPr/>
         <p:nvPr/>
       </p:nvGrpSpPr>
@@ -1471,7 +1472,7 @@
       </p:grpSpPr>
       <p:sp>
         <p:nvSpPr>
-          <p:cNvPr id="252" name="Google Shape;252;g362797a481a_1_19:notes"/>
+          <p:cNvPr id="257" name="Google Shape;257;g362797a481a_1_19:notes"/>
           <p:cNvSpPr>
             <a:spLocks noGrp="1" noRot="1" noChangeAspect="1"/>
           </p:cNvSpPr>
@@ -1522,7 +1523,7 @@
       </p:sp>
       <p:sp>
         <p:nvSpPr>
-          <p:cNvPr id="253" name="Google Shape;253;g362797a481a_1_19:notes"/>
+          <p:cNvPr id="258" name="Google Shape;258;g362797a481a_1_19:notes"/>
           <p:cNvSpPr txBox="1">
             <a:spLocks noGrp="1"/>
           </p:cNvSpPr>
@@ -1579,7 +1580,7 @@
   <p:cSld>
     <p:spTree>
       <p:nvGrpSpPr>
-        <p:cNvPr id="1" name="Shape 258"/>
+        <p:cNvPr id="1" name="Shape 263"/>
         <p:cNvGrpSpPr/>
         <p:nvPr/>
       </p:nvGrpSpPr>
@@ -1593,7 +1594,7 @@
       </p:grpSpPr>
       <p:sp>
         <p:nvSpPr>
-          <p:cNvPr id="259" name="Google Shape;259;g33d6d0be6b2_0_0:notes"/>
+          <p:cNvPr id="264" name="Google Shape;264;g33d6d0be6b2_0_0:notes"/>
           <p:cNvSpPr>
             <a:spLocks noGrp="1" noRot="1" noChangeAspect="1"/>
           </p:cNvSpPr>
@@ -1644,7 +1645,7 @@
       </p:sp>
       <p:sp>
         <p:nvSpPr>
-          <p:cNvPr id="260" name="Google Shape;260;g33d6d0be6b2_0_0:notes"/>
+          <p:cNvPr id="265" name="Google Shape;265;g33d6d0be6b2_0_0:notes"/>
           <p:cNvSpPr txBox="1">
             <a:spLocks noGrp="1"/>
           </p:cNvSpPr>
@@ -1701,7 +1702,7 @@
   <p:cSld>
     <p:spTree>
       <p:nvGrpSpPr>
-        <p:cNvPr id="1" name="Shape 265"/>
+        <p:cNvPr id="1" name="Shape 272"/>
         <p:cNvGrpSpPr/>
         <p:nvPr/>
       </p:nvGrpSpPr>
@@ -1715,7 +1716,7 @@
       </p:grpSpPr>
       <p:sp>
         <p:nvSpPr>
-          <p:cNvPr id="266" name="Google Shape;266;g33d72b05d8f_0_0:notes"/>
+          <p:cNvPr id="273" name="Google Shape;273;g36e87fcb572_2_0:notes"/>
           <p:cNvSpPr>
             <a:spLocks noGrp="1" noRot="1" noChangeAspect="1"/>
           </p:cNvSpPr>
@@ -1766,7 +1767,7 @@
       </p:sp>
       <p:sp>
         <p:nvSpPr>
-          <p:cNvPr id="267" name="Google Shape;267;g33d72b05d8f_0_0:notes"/>
+          <p:cNvPr id="274" name="Google Shape;274;g36e87fcb572_2_0:notes"/>
           <p:cNvSpPr txBox="1">
             <a:spLocks noGrp="1"/>
           </p:cNvSpPr>
@@ -1823,7 +1824,7 @@
   <p:cSld>
     <p:spTree>
       <p:nvGrpSpPr>
-        <p:cNvPr id="1" name="Shape 273"/>
+        <p:cNvPr id="1" name="Shape 279"/>
         <p:cNvGrpSpPr/>
         <p:nvPr/>
       </p:nvGrpSpPr>
@@ -1837,7 +1838,7 @@
       </p:grpSpPr>
       <p:sp>
         <p:nvSpPr>
-          <p:cNvPr id="274" name="Google Shape;274;g3449fd71324_1_0:notes"/>
+          <p:cNvPr id="280" name="Google Shape;280;g33d72b05d8f_0_0:notes"/>
           <p:cNvSpPr>
             <a:spLocks noGrp="1" noRot="1" noChangeAspect="1"/>
           </p:cNvSpPr>
@@ -1888,7 +1889,7 @@
       </p:sp>
       <p:sp>
         <p:nvSpPr>
-          <p:cNvPr id="275" name="Google Shape;275;g3449fd71324_1_0:notes"/>
+          <p:cNvPr id="281" name="Google Shape;281;g33d72b05d8f_0_0:notes"/>
           <p:cNvSpPr txBox="1">
             <a:spLocks noGrp="1"/>
           </p:cNvSpPr>
@@ -1945,7 +1946,7 @@
   <p:cSld>
     <p:spTree>
       <p:nvGrpSpPr>
-        <p:cNvPr id="1" name="Shape 281"/>
+        <p:cNvPr id="1" name="Shape 287"/>
         <p:cNvGrpSpPr/>
         <p:nvPr/>
       </p:nvGrpSpPr>
@@ -1959,7 +1960,7 @@
       </p:grpSpPr>
       <p:sp>
         <p:nvSpPr>
-          <p:cNvPr id="282" name="Google Shape;282;p23:notes"/>
+          <p:cNvPr id="288" name="Google Shape;288;g3449fd71324_1_0:notes"/>
           <p:cNvSpPr>
             <a:spLocks noGrp="1" noRot="1" noChangeAspect="1"/>
           </p:cNvSpPr>
@@ -2010,7 +2011,7 @@
       </p:sp>
       <p:sp>
         <p:nvSpPr>
-          <p:cNvPr id="283" name="Google Shape;283;p23:notes"/>
+          <p:cNvPr id="289" name="Google Shape;289;g3449fd71324_1_0:notes"/>
           <p:cNvSpPr txBox="1">
             <a:spLocks noGrp="1"/>
           </p:cNvSpPr>
@@ -2067,7 +2068,7 @@
   <p:cSld>
     <p:spTree>
       <p:nvGrpSpPr>
-        <p:cNvPr id="1" name="Shape 291"/>
+        <p:cNvPr id="1" name="Shape 295"/>
         <p:cNvGrpSpPr/>
         <p:nvPr/>
       </p:nvGrpSpPr>
@@ -2081,7 +2082,7 @@
       </p:grpSpPr>
       <p:sp>
         <p:nvSpPr>
-          <p:cNvPr id="292" name="Google Shape;292;p24:notes"/>
+          <p:cNvPr id="296" name="Google Shape;296;p23:notes"/>
           <p:cNvSpPr>
             <a:spLocks noGrp="1" noRot="1" noChangeAspect="1"/>
           </p:cNvSpPr>
@@ -2132,7 +2133,7 @@
       </p:sp>
       <p:sp>
         <p:nvSpPr>
-          <p:cNvPr id="293" name="Google Shape;293;p24:notes"/>
+          <p:cNvPr id="297" name="Google Shape;297;p23:notes"/>
           <p:cNvSpPr txBox="1">
             <a:spLocks noGrp="1"/>
           </p:cNvSpPr>
@@ -2311,7 +2312,7 @@
   <p:cSld>
     <p:spTree>
       <p:nvGrpSpPr>
-        <p:cNvPr id="1" name="Shape 301"/>
+        <p:cNvPr id="1" name="Shape 305"/>
         <p:cNvGrpSpPr/>
         <p:nvPr/>
       </p:nvGrpSpPr>
@@ -2325,7 +2326,129 @@
       </p:grpSpPr>
       <p:sp>
         <p:nvSpPr>
-          <p:cNvPr id="302" name="Google Shape;302;p25:notes"/>
+          <p:cNvPr id="306" name="Google Shape;306;p24:notes"/>
+          <p:cNvSpPr>
+            <a:spLocks noGrp="1" noRot="1" noChangeAspect="1"/>
+          </p:cNvSpPr>
+          <p:nvPr>
+            <p:ph type="sldImg" idx="2"/>
+          </p:nvPr>
+        </p:nvSpPr>
+        <p:spPr>
+          <a:xfrm>
+            <a:off x="381000" y="685800"/>
+            <a:ext cx="6096000" cy="3429000"/>
+          </a:xfrm>
+          <a:custGeom>
+            <a:avLst/>
+            <a:gdLst/>
+            <a:ahLst/>
+            <a:cxnLst/>
+            <a:rect l="l" t="t" r="r" b="b"/>
+            <a:pathLst>
+              <a:path w="120000" h="120000" extrusionOk="0">
+                <a:moveTo>
+                  <a:pt x="0" y="0"/>
+                </a:moveTo>
+                <a:lnTo>
+                  <a:pt x="120000" y="0"/>
+                </a:lnTo>
+                <a:lnTo>
+                  <a:pt x="120000" y="120000"/>
+                </a:lnTo>
+                <a:lnTo>
+                  <a:pt x="0" y="120000"/>
+                </a:lnTo>
+                <a:close/>
+              </a:path>
+            </a:pathLst>
+          </a:custGeom>
+          <a:noFill/>
+          <a:ln w="9525" cap="flat" cmpd="sng">
+            <a:solidFill>
+              <a:srgbClr val="000000"/>
+            </a:solidFill>
+            <a:prstDash val="solid"/>
+            <a:round/>
+            <a:headEnd type="none" w="sm" len="sm"/>
+            <a:tailEnd type="none" w="sm" len="sm"/>
+          </a:ln>
+        </p:spPr>
+      </p:sp>
+      <p:sp>
+        <p:nvSpPr>
+          <p:cNvPr id="307" name="Google Shape;307;p24:notes"/>
+          <p:cNvSpPr txBox="1">
+            <a:spLocks noGrp="1"/>
+          </p:cNvSpPr>
+          <p:nvPr>
+            <p:ph type="body" idx="1"/>
+          </p:nvPr>
+        </p:nvSpPr>
+        <p:spPr>
+          <a:xfrm>
+            <a:off x="685800" y="4343400"/>
+            <a:ext cx="5486400" cy="4114800"/>
+          </a:xfrm>
+          <a:prstGeom prst="rect">
+            <a:avLst/>
+          </a:prstGeom>
+          <a:noFill/>
+          <a:ln>
+            <a:noFill/>
+          </a:ln>
+        </p:spPr>
+        <p:txBody>
+          <a:bodyPr spcFirstLastPara="1" wrap="square" lIns="91425" tIns="91425" rIns="91425" bIns="91425" anchor="t" anchorCtr="0">
+            <a:noAutofit/>
+          </a:bodyPr>
+          <a:lstStyle/>
+          <a:p>
+            <a:pPr marL="0" lvl="0" indent="0" algn="l" rtl="0">
+              <a:lnSpc>
+                <a:spcPct val="100000"/>
+              </a:lnSpc>
+              <a:spcBef>
+                <a:spcPts val="0"/>
+              </a:spcBef>
+              <a:spcAft>
+                <a:spcPts val="0"/>
+              </a:spcAft>
+              <a:buSzPts val="1100"/>
+              <a:buNone/>
+            </a:pPr>
+            <a:endParaRPr/>
+          </a:p>
+        </p:txBody>
+      </p:sp>
+    </p:spTree>
+  </p:cSld>
+  <p:clrMapOvr>
+    <a:masterClrMapping/>
+  </p:clrMapOvr>
+</p:notes>
+</file>
+
+<file path=ppt/notesSlides/notesSlide21.xml><?xml version="1.0" encoding="utf-8"?>
+<p:notes xmlns:a="http://schemas.openxmlformats.org/drawingml/2006/main" xmlns:r="http://schemas.openxmlformats.org/officeDocument/2006/relationships" xmlns:p="http://schemas.openxmlformats.org/presentationml/2006/main" showMasterSp="0" showMasterPhAnim="0">
+  <p:cSld>
+    <p:spTree>
+      <p:nvGrpSpPr>
+        <p:cNvPr id="1" name="Shape 315"/>
+        <p:cNvGrpSpPr/>
+        <p:nvPr/>
+      </p:nvGrpSpPr>
+      <p:grpSpPr>
+        <a:xfrm>
+          <a:off x="0" y="0"/>
+          <a:ext cx="0" cy="0"/>
+          <a:chOff x="0" y="0"/>
+          <a:chExt cx="0" cy="0"/>
+        </a:xfrm>
+      </p:grpSpPr>
+      <p:sp>
+        <p:nvSpPr>
+          <p:cNvPr id="316" name="Google Shape;316;p25:notes"/>
           <p:cNvSpPr>
             <a:spLocks noGrp="1" noRot="1" noChangeAspect="1"/>
           </p:cNvSpPr>
@@ -2376,7 +2499,7 @@
       </p:sp>
       <p:sp>
         <p:nvSpPr>
-          <p:cNvPr id="303" name="Google Shape;303;p25:notes"/>
+          <p:cNvPr id="317" name="Google Shape;317;p25:notes"/>
           <p:cNvSpPr txBox="1">
             <a:spLocks noGrp="1"/>
           </p:cNvSpPr>
@@ -2433,7 +2556,7 @@
   <p:cSld>
     <p:spTree>
       <p:nvGrpSpPr>
-        <p:cNvPr id="1" name="Shape 130"/>
+        <p:cNvPr id="1" name="Shape 131"/>
         <p:cNvGrpSpPr/>
         <p:nvPr/>
       </p:nvGrpSpPr>
@@ -2447,7 +2570,7 @@
       </p:grpSpPr>
       <p:sp>
         <p:nvSpPr>
-          <p:cNvPr id="131" name="Google Shape;131;g344a46942c4_0_11:notes"/>
+          <p:cNvPr id="132" name="Google Shape;132;g344a46942c4_0_11:notes"/>
           <p:cNvSpPr>
             <a:spLocks noGrp="1" noRot="1" noChangeAspect="1"/>
           </p:cNvSpPr>
@@ -2498,7 +2621,7 @@
       </p:sp>
       <p:sp>
         <p:nvSpPr>
-          <p:cNvPr id="132" name="Google Shape;132;g344a46942c4_0_11:notes"/>
+          <p:cNvPr id="133" name="Google Shape;133;g344a46942c4_0_11:notes"/>
           <p:cNvSpPr txBox="1">
             <a:spLocks noGrp="1"/>
           </p:cNvSpPr>
@@ -2555,7 +2678,7 @@
   <p:cSld>
     <p:spTree>
       <p:nvGrpSpPr>
-        <p:cNvPr id="1" name="Shape 137"/>
+        <p:cNvPr id="1" name="Shape 141"/>
         <p:cNvGrpSpPr/>
         <p:nvPr/>
       </p:nvGrpSpPr>
@@ -2569,7 +2692,7 @@
       </p:grpSpPr>
       <p:sp>
         <p:nvSpPr>
-          <p:cNvPr id="138" name="Google Shape;138;g344a46942c4_0_0:notes"/>
+          <p:cNvPr id="142" name="Google Shape;142;g344a46942c4_0_0:notes"/>
           <p:cNvSpPr>
             <a:spLocks noGrp="1" noRot="1" noChangeAspect="1"/>
           </p:cNvSpPr>
@@ -2620,7 +2743,7 @@
       </p:sp>
       <p:sp>
         <p:nvSpPr>
-          <p:cNvPr id="139" name="Google Shape;139;g344a46942c4_0_0:notes"/>
+          <p:cNvPr id="143" name="Google Shape;143;g344a46942c4_0_0:notes"/>
           <p:cNvSpPr txBox="1">
             <a:spLocks noGrp="1"/>
           </p:cNvSpPr>
@@ -2677,7 +2800,7 @@
   <p:cSld>
     <p:spTree>
       <p:nvGrpSpPr>
-        <p:cNvPr id="1" name="Shape 148"/>
+        <p:cNvPr id="1" name="Shape 152"/>
         <p:cNvGrpSpPr/>
         <p:nvPr/>
       </p:nvGrpSpPr>
@@ -2691,7 +2814,7 @@
       </p:grpSpPr>
       <p:sp>
         <p:nvSpPr>
-          <p:cNvPr id="149" name="Google Shape;149;g33d6c9cf46b_0_0:notes"/>
+          <p:cNvPr id="153" name="Google Shape;153;g33d6c9cf46b_0_0:notes"/>
           <p:cNvSpPr>
             <a:spLocks noGrp="1" noRot="1" noChangeAspect="1"/>
           </p:cNvSpPr>
@@ -2742,7 +2865,7 @@
       </p:sp>
       <p:sp>
         <p:nvSpPr>
-          <p:cNvPr id="150" name="Google Shape;150;g33d6c9cf46b_0_0:notes"/>
+          <p:cNvPr id="154" name="Google Shape;154;g33d6c9cf46b_0_0:notes"/>
           <p:cNvSpPr txBox="1">
             <a:spLocks noGrp="1"/>
           </p:cNvSpPr>
@@ -2799,7 +2922,7 @@
   <p:cSld>
     <p:spTree>
       <p:nvGrpSpPr>
-        <p:cNvPr id="1" name="Shape 160"/>
+        <p:cNvPr id="1" name="Shape 164"/>
         <p:cNvGrpSpPr/>
         <p:nvPr/>
       </p:nvGrpSpPr>
@@ -2813,7 +2936,7 @@
       </p:grpSpPr>
       <p:sp>
         <p:nvSpPr>
-          <p:cNvPr id="161" name="Google Shape;161;g35f406ef591_0_5:notes"/>
+          <p:cNvPr id="165" name="Google Shape;165;g35f406ef591_0_5:notes"/>
           <p:cNvSpPr>
             <a:spLocks noGrp="1" noRot="1" noChangeAspect="1"/>
           </p:cNvSpPr>
@@ -2864,7 +2987,7 @@
       </p:sp>
       <p:sp>
         <p:nvSpPr>
-          <p:cNvPr id="162" name="Google Shape;162;g35f406ef591_0_5:notes"/>
+          <p:cNvPr id="166" name="Google Shape;166;g35f406ef591_0_5:notes"/>
           <p:cNvSpPr txBox="1">
             <a:spLocks noGrp="1"/>
           </p:cNvSpPr>
@@ -2921,7 +3044,7 @@
   <p:cSld>
     <p:spTree>
       <p:nvGrpSpPr>
-        <p:cNvPr id="1" name="Shape 166"/>
+        <p:cNvPr id="1" name="Shape 170"/>
         <p:cNvGrpSpPr/>
         <p:nvPr/>
       </p:nvGrpSpPr>
@@ -2935,7 +3058,7 @@
       </p:grpSpPr>
       <p:sp>
         <p:nvSpPr>
-          <p:cNvPr id="167" name="Google Shape;167;g36d35a6c09e_0_0:notes"/>
+          <p:cNvPr id="171" name="Google Shape;171;g36d35a6c09e_0_0:notes"/>
           <p:cNvSpPr>
             <a:spLocks noGrp="1" noRot="1" noChangeAspect="1"/>
           </p:cNvSpPr>
@@ -2986,7 +3109,7 @@
       </p:sp>
       <p:sp>
         <p:nvSpPr>
-          <p:cNvPr id="168" name="Google Shape;168;g36d35a6c09e_0_0:notes"/>
+          <p:cNvPr id="172" name="Google Shape;172;g36d35a6c09e_0_0:notes"/>
           <p:cNvSpPr txBox="1">
             <a:spLocks noGrp="1"/>
           </p:cNvSpPr>
@@ -3043,7 +3166,7 @@
   <p:cSld>
     <p:spTree>
       <p:nvGrpSpPr>
-        <p:cNvPr id="1" name="Shape 181"/>
+        <p:cNvPr id="1" name="Shape 185"/>
         <p:cNvGrpSpPr/>
         <p:nvPr/>
       </p:nvGrpSpPr>
@@ -3057,7 +3180,7 @@
       </p:grpSpPr>
       <p:sp>
         <p:nvSpPr>
-          <p:cNvPr id="182" name="Google Shape;182;g36c8d760576_1_0:notes"/>
+          <p:cNvPr id="186" name="Google Shape;186;g36c8d760576_1_0:notes"/>
           <p:cNvSpPr>
             <a:spLocks noGrp="1" noRot="1" noChangeAspect="1"/>
           </p:cNvSpPr>
@@ -3108,7 +3231,7 @@
       </p:sp>
       <p:sp>
         <p:nvSpPr>
-          <p:cNvPr id="183" name="Google Shape;183;g36c8d760576_1_0:notes"/>
+          <p:cNvPr id="187" name="Google Shape;187;g36c8d760576_1_0:notes"/>
           <p:cNvSpPr txBox="1">
             <a:spLocks noGrp="1"/>
           </p:cNvSpPr>
@@ -3165,7 +3288,7 @@
   <p:cSld>
     <p:spTree>
       <p:nvGrpSpPr>
-        <p:cNvPr id="1" name="Shape 196"/>
+        <p:cNvPr id="1" name="Shape 200"/>
         <p:cNvGrpSpPr/>
         <p:nvPr/>
       </p:nvGrpSpPr>
@@ -3179,7 +3302,7 @@
       </p:grpSpPr>
       <p:sp>
         <p:nvSpPr>
-          <p:cNvPr id="197" name="Google Shape;197;g3449fd71324_1_9:notes"/>
+          <p:cNvPr id="201" name="Google Shape;201;g3449fd71324_1_9:notes"/>
           <p:cNvSpPr>
             <a:spLocks noGrp="1" noRot="1" noChangeAspect="1"/>
           </p:cNvSpPr>
@@ -3230,7 +3353,7 @@
       </p:sp>
       <p:sp>
         <p:nvSpPr>
-          <p:cNvPr id="198" name="Google Shape;198;g3449fd71324_1_9:notes"/>
+          <p:cNvPr id="202" name="Google Shape;202;g3449fd71324_1_9:notes"/>
           <p:cNvSpPr txBox="1">
             <a:spLocks noGrp="1"/>
           </p:cNvSpPr>
@@ -13779,8 +13902,8 @@
         </p:nvSpPr>
         <p:spPr>
           <a:xfrm>
-            <a:off x="4576975" y="692550"/>
-            <a:ext cx="4502400" cy="3250800"/>
+            <a:off x="4576975" y="726768"/>
+            <a:ext cx="4502400" cy="3681900"/>
           </a:xfrm>
           <a:prstGeom prst="rect">
             <a:avLst/>
@@ -13822,7 +13945,7 @@
               <a:buChar char="●"/>
             </a:pPr>
             <a:r>
-              <a:rPr lang="en" b="1" dirty="0">
+              <a:rPr lang="en" b="1">
                 <a:solidFill>
                   <a:srgbClr val="3C78D8"/>
                 </a:solidFill>
@@ -13833,7 +13956,7 @@
               </a:rPr>
               <a:t>H Company Holo1 open-source action model</a:t>
             </a:r>
-            <a:endParaRPr b="1" dirty="0">
+            <a:endParaRPr b="1">
               <a:solidFill>
                 <a:srgbClr val="3C78D8"/>
               </a:solidFill>
@@ -13862,7 +13985,7 @@
               <a:buChar char="●"/>
             </a:pPr>
             <a:r>
-              <a:rPr lang="en" b="1" dirty="0">
+              <a:rPr lang="en" b="1">
                 <a:solidFill>
                   <a:srgbClr val="3C78D8"/>
                 </a:solidFill>
@@ -13873,7 +13996,7 @@
               </a:rPr>
               <a:t>Cursor pricing scandal</a:t>
             </a:r>
-            <a:endParaRPr b="1" dirty="0">
+            <a:endParaRPr b="1">
               <a:solidFill>
                 <a:srgbClr val="3C78D8"/>
               </a:solidFill>
@@ -13902,7 +14025,7 @@
               <a:buChar char="●"/>
             </a:pPr>
             <a:r>
-              <a:rPr lang="en" b="1" dirty="0" err="1">
+              <a:rPr lang="en" b="1">
                 <a:solidFill>
                   <a:srgbClr val="3C78D8"/>
                 </a:solidFill>
@@ -13911,21 +14034,9 @@
                 <a:cs typeface="Calibri"/>
                 <a:sym typeface="Calibri"/>
               </a:rPr>
-              <a:t>Character.AI’s</a:t>
-            </a:r>
-            <a:r>
-              <a:rPr lang="en" b="1" dirty="0">
-                <a:solidFill>
-                  <a:srgbClr val="3C78D8"/>
-                </a:solidFill>
-                <a:latin typeface="Calibri"/>
-                <a:ea typeface="Calibri"/>
-                <a:cs typeface="Calibri"/>
-                <a:sym typeface="Calibri"/>
-              </a:rPr>
-              <a:t> Real-Time Video Generation</a:t>
-            </a:r>
-            <a:endParaRPr b="1" dirty="0">
+              <a:t>Character.AI’s Real-Time Video Generation</a:t>
+            </a:r>
+            <a:endParaRPr b="1">
               <a:solidFill>
                 <a:srgbClr val="3C78D8"/>
               </a:solidFill>
@@ -13954,7 +14065,7 @@
               <a:buChar char="●"/>
             </a:pPr>
             <a:r>
-              <a:rPr lang="en" b="1" dirty="0">
+              <a:rPr lang="en" b="1">
                 <a:solidFill>
                   <a:srgbClr val="3C78D8"/>
                 </a:solidFill>
@@ -13965,7 +14076,7 @@
               </a:rPr>
               <a:t>Orchids - Build beautiful apps and websites with AI</a:t>
             </a:r>
-            <a:endParaRPr b="1" dirty="0">
+            <a:endParaRPr b="1">
               <a:solidFill>
                 <a:srgbClr val="3C78D8"/>
               </a:solidFill>
@@ -13994,7 +14105,7 @@
               <a:buChar char="●"/>
             </a:pPr>
             <a:r>
-              <a:rPr lang="en" b="1" dirty="0">
+              <a:rPr lang="en" b="1">
                 <a:solidFill>
                   <a:srgbClr val="3C78D8"/>
                 </a:solidFill>
@@ -14005,7 +14116,7 @@
               </a:rPr>
               <a:t>Claude Neptune 3</a:t>
             </a:r>
-            <a:endParaRPr b="1" dirty="0">
+            <a:endParaRPr b="1">
               <a:solidFill>
                 <a:srgbClr val="3C78D8"/>
               </a:solidFill>
@@ -14034,7 +14145,7 @@
               <a:buChar char="●"/>
             </a:pPr>
             <a:r>
-              <a:rPr lang="en" b="1" dirty="0">
+              <a:rPr lang="en" b="1">
                 <a:solidFill>
                   <a:srgbClr val="3C78D8"/>
                 </a:solidFill>
@@ -14045,7 +14156,7 @@
               </a:rPr>
               <a:t>Nvidia hits $4 Trillion valuation</a:t>
             </a:r>
-            <a:endParaRPr b="1" dirty="0">
+            <a:endParaRPr b="1">
               <a:solidFill>
                 <a:srgbClr val="3C78D8"/>
               </a:solidFill>
@@ -14074,7 +14185,7 @@
               <a:buChar char="●"/>
             </a:pPr>
             <a:r>
-              <a:rPr lang="en" b="1" dirty="0" err="1">
+              <a:rPr lang="en" b="1">
                 <a:solidFill>
                   <a:srgbClr val="3C78D8"/>
                 </a:solidFill>
@@ -14083,21 +14194,9 @@
                 <a:cs typeface="Calibri"/>
                 <a:sym typeface="Calibri"/>
               </a:rPr>
-              <a:t>Katanemo</a:t>
-            </a:r>
-            <a:r>
-              <a:rPr lang="en" b="1" dirty="0">
-                <a:solidFill>
-                  <a:srgbClr val="3C78D8"/>
-                </a:solidFill>
-                <a:latin typeface="Calibri"/>
-                <a:ea typeface="Calibri"/>
-                <a:cs typeface="Calibri"/>
-                <a:sym typeface="Calibri"/>
-              </a:rPr>
-              <a:t> Labs 1.5B router model</a:t>
-            </a:r>
-            <a:endParaRPr b="1" dirty="0">
+              <a:t>Katanemo Labs 1.5B router model</a:t>
+            </a:r>
+            <a:endParaRPr b="1">
               <a:solidFill>
                 <a:srgbClr val="3C78D8"/>
               </a:solidFill>
@@ -14126,7 +14225,7 @@
               <a:buChar char="●"/>
             </a:pPr>
             <a:r>
-              <a:rPr lang="en" b="1" dirty="0">
+              <a:rPr lang="en" b="1">
                 <a:solidFill>
                   <a:srgbClr val="3C78D8"/>
                 </a:solidFill>
@@ -14137,7 +14236,7 @@
               </a:rPr>
               <a:t>AI Hallucinations Explained - short video</a:t>
             </a:r>
-            <a:endParaRPr b="1" dirty="0">
+            <a:endParaRPr b="1">
               <a:solidFill>
                 <a:srgbClr val="3C78D8"/>
               </a:solidFill>
@@ -14166,7 +14265,7 @@
               <a:buChar char="●"/>
             </a:pPr>
             <a:r>
-              <a:rPr lang="en" b="1" dirty="0">
+              <a:rPr lang="en" b="1">
                 <a:solidFill>
                   <a:srgbClr val="3C78D8"/>
                 </a:solidFill>
@@ -14177,7 +14276,7 @@
               </a:rPr>
               <a:t>Perplexity Comet AI-powered browser</a:t>
             </a:r>
-            <a:endParaRPr b="1" dirty="0">
+            <a:endParaRPr b="1">
               <a:solidFill>
                 <a:srgbClr val="3C78D8"/>
               </a:solidFill>
@@ -14206,7 +14305,7 @@
               <a:buChar char="●"/>
             </a:pPr>
             <a:r>
-              <a:rPr lang="en" b="1" dirty="0" err="1">
+              <a:rPr lang="en" b="1">
                 <a:solidFill>
                   <a:srgbClr val="3C78D8"/>
                 </a:solidFill>
@@ -14215,21 +14314,9 @@
                 <a:cs typeface="Calibri"/>
                 <a:sym typeface="Calibri"/>
               </a:rPr>
-              <a:t>Cluely</a:t>
-            </a:r>
-            <a:r>
-              <a:rPr lang="en" b="1" dirty="0">
-                <a:solidFill>
-                  <a:srgbClr val="3C78D8"/>
-                </a:solidFill>
-                <a:latin typeface="Calibri"/>
-                <a:ea typeface="Calibri"/>
-                <a:cs typeface="Calibri"/>
-                <a:sym typeface="Calibri"/>
-              </a:rPr>
-              <a:t> - Invisible Real-Time Help</a:t>
-            </a:r>
-            <a:endParaRPr b="1" dirty="0">
+              <a:t>Gemini CLI to Rename Images</a:t>
+            </a:r>
+            <a:endParaRPr b="1">
               <a:solidFill>
                 <a:srgbClr val="3C78D8"/>
               </a:solidFill>
@@ -14258,7 +14345,7 @@
               <a:buChar char="●"/>
             </a:pPr>
             <a:r>
-              <a:rPr lang="en" b="1" dirty="0">
+              <a:rPr lang="en" b="1">
                 <a:solidFill>
                   <a:srgbClr val="3C78D8"/>
                 </a:solidFill>
@@ -14267,9 +14354,9 @@
                 <a:cs typeface="Calibri"/>
                 <a:sym typeface="Calibri"/>
               </a:rPr>
-              <a:t>AI Agents for Coding - updated</a:t>
-            </a:r>
-            <a:endParaRPr b="1" dirty="0">
+              <a:t>Cluely - Invisible Real-Time Help</a:t>
+            </a:r>
+            <a:endParaRPr b="1">
               <a:solidFill>
                 <a:srgbClr val="3C78D8"/>
               </a:solidFill>
@@ -14298,7 +14385,7 @@
               <a:buChar char="●"/>
             </a:pPr>
             <a:r>
-              <a:rPr lang="en" b="1" dirty="0">
+              <a:rPr lang="en" b="1">
                 <a:solidFill>
                   <a:srgbClr val="3C78D8"/>
                 </a:solidFill>
@@ -14307,9 +14394,9 @@
                 <a:cs typeface="Calibri"/>
                 <a:sym typeface="Calibri"/>
               </a:rPr>
-              <a:t>ARC-AGI-2 Top Scores</a:t>
-            </a:r>
-            <a:endParaRPr b="1" dirty="0">
+              <a:t>AI Agents for Coding - updated</a:t>
+            </a:r>
+            <a:endParaRPr b="1">
               <a:solidFill>
                 <a:srgbClr val="3C78D8"/>
               </a:solidFill>
@@ -14338,7 +14425,7 @@
               <a:buChar char="●"/>
             </a:pPr>
             <a:r>
-              <a:rPr lang="en" b="1" dirty="0">
+              <a:rPr lang="en" b="1">
                 <a:solidFill>
                   <a:srgbClr val="3C78D8"/>
                 </a:solidFill>
@@ -14347,9 +14434,9 @@
                 <a:cs typeface="Calibri"/>
                 <a:sym typeface="Calibri"/>
               </a:rPr>
-              <a:t>Context Engineering</a:t>
-            </a:r>
-            <a:endParaRPr b="1" dirty="0">
+              <a:t>ARC-AGI-2 Top Scores</a:t>
+            </a:r>
+            <a:endParaRPr b="1">
               <a:solidFill>
                 <a:srgbClr val="3C78D8"/>
               </a:solidFill>
@@ -14378,7 +14465,7 @@
               <a:buChar char="●"/>
             </a:pPr>
             <a:r>
-              <a:rPr lang="en" b="1" dirty="0">
+              <a:rPr lang="en" b="1">
                 <a:solidFill>
                   <a:srgbClr val="3C78D8"/>
                 </a:solidFill>
@@ -14387,9 +14474,9 @@
                 <a:cs typeface="Calibri"/>
                 <a:sym typeface="Calibri"/>
               </a:rPr>
-              <a:t>Path to $10M ARR in AI</a:t>
-            </a:r>
-            <a:endParaRPr b="1" dirty="0">
+              <a:t>Alisa 4-D Prompting</a:t>
+            </a:r>
+            <a:endParaRPr b="1">
               <a:solidFill>
                 <a:srgbClr val="3C78D8"/>
               </a:solidFill>
@@ -14418,7 +14505,7 @@
               <a:buChar char="●"/>
             </a:pPr>
             <a:r>
-              <a:rPr lang="en" b="1" dirty="0">
+              <a:rPr lang="en" b="1">
                 <a:solidFill>
                   <a:srgbClr val="3C78D8"/>
                 </a:solidFill>
@@ -14427,9 +14514,89 @@
                 <a:cs typeface="Calibri"/>
                 <a:sym typeface="Calibri"/>
               </a:rPr>
+              <a:t>Context Engineering</a:t>
+            </a:r>
+            <a:endParaRPr b="1">
+              <a:solidFill>
+                <a:srgbClr val="3C78D8"/>
+              </a:solidFill>
+              <a:latin typeface="Calibri"/>
+              <a:ea typeface="Calibri"/>
+              <a:cs typeface="Calibri"/>
+              <a:sym typeface="Calibri"/>
+            </a:endParaRPr>
+          </a:p>
+          <a:p>
+            <a:pPr marL="228600" marR="0" lvl="0" indent="-203200" algn="l" rtl="0">
+              <a:lnSpc>
+                <a:spcPct val="100000"/>
+              </a:lnSpc>
+              <a:spcBef>
+                <a:spcPts val="0"/>
+              </a:spcBef>
+              <a:spcAft>
+                <a:spcPts val="0"/>
+              </a:spcAft>
+              <a:buClr>
+                <a:srgbClr val="3C78D8"/>
+              </a:buClr>
+              <a:buSzPts val="1400"/>
+              <a:buFont typeface="Calibri"/>
+              <a:buChar char="●"/>
+            </a:pPr>
+            <a:r>
+              <a:rPr lang="en" b="1">
+                <a:solidFill>
+                  <a:srgbClr val="3C78D8"/>
+                </a:solidFill>
+                <a:latin typeface="Calibri"/>
+                <a:ea typeface="Calibri"/>
+                <a:cs typeface="Calibri"/>
+                <a:sym typeface="Calibri"/>
+              </a:rPr>
+              <a:t>Path to $10M ARR in AI</a:t>
+            </a:r>
+            <a:endParaRPr b="1">
+              <a:solidFill>
+                <a:srgbClr val="3C78D8"/>
+              </a:solidFill>
+              <a:latin typeface="Calibri"/>
+              <a:ea typeface="Calibri"/>
+              <a:cs typeface="Calibri"/>
+              <a:sym typeface="Calibri"/>
+            </a:endParaRPr>
+          </a:p>
+          <a:p>
+            <a:pPr marL="228600" marR="0" lvl="0" indent="-203200" algn="l" rtl="0">
+              <a:lnSpc>
+                <a:spcPct val="100000"/>
+              </a:lnSpc>
+              <a:spcBef>
+                <a:spcPts val="0"/>
+              </a:spcBef>
+              <a:spcAft>
+                <a:spcPts val="0"/>
+              </a:spcAft>
+              <a:buClr>
+                <a:srgbClr val="3C78D8"/>
+              </a:buClr>
+              <a:buSzPts val="1400"/>
+              <a:buFont typeface="Calibri"/>
+              <a:buChar char="●"/>
+            </a:pPr>
+            <a:r>
+              <a:rPr lang="en" b="1">
+                <a:solidFill>
+                  <a:srgbClr val="3C78D8"/>
+                </a:solidFill>
+                <a:latin typeface="Calibri"/>
+                <a:ea typeface="Calibri"/>
+                <a:cs typeface="Calibri"/>
+                <a:sym typeface="Calibri"/>
+              </a:rPr>
               <a:t>AI Accelerates Longevity Research</a:t>
             </a:r>
-            <a:endParaRPr b="1" dirty="0">
+            <a:endParaRPr b="1">
               <a:solidFill>
                 <a:srgbClr val="3C78D8"/>
               </a:solidFill>
@@ -14515,7 +14682,7 @@
   <p:cSld>
     <p:spTree>
       <p:nvGrpSpPr>
-        <p:cNvPr id="1" name="Shape 213"/>
+        <p:cNvPr id="1" name="Shape 217"/>
         <p:cNvGrpSpPr/>
         <p:nvPr/>
       </p:nvGrpSpPr>
@@ -14529,7 +14696,7 @@
       </p:grpSpPr>
       <p:sp>
         <p:nvSpPr>
-          <p:cNvPr id="214" name="Google Shape;214;p24"/>
+          <p:cNvPr id="218" name="Google Shape;218;p24"/>
           <p:cNvSpPr txBox="1"/>
           <p:nvPr/>
         </p:nvSpPr>
@@ -14595,7 +14762,7 @@
       </p:sp>
       <p:sp>
         <p:nvSpPr>
-          <p:cNvPr id="215" name="Google Shape;215;p24"/>
+          <p:cNvPr id="219" name="Google Shape;219;p24"/>
           <p:cNvSpPr txBox="1"/>
           <p:nvPr/>
         </p:nvSpPr>
@@ -14762,7 +14929,7 @@
       </p:sp>
       <p:pic>
         <p:nvPicPr>
-          <p:cNvPr id="216" name="Google Shape;216;p24"/>
+          <p:cNvPr id="220" name="Google Shape;220;p24"/>
           <p:cNvPicPr preferRelativeResize="0"/>
           <p:nvPr/>
         </p:nvPicPr>
@@ -14801,14 +14968,14 @@
       </p:pic>
       <p:sp>
         <p:nvSpPr>
-          <p:cNvPr id="217" name="Google Shape;217;p24"/>
+          <p:cNvPr id="221" name="Google Shape;221;p24"/>
           <p:cNvSpPr txBox="1"/>
           <p:nvPr/>
         </p:nvSpPr>
         <p:spPr>
           <a:xfrm>
             <a:off x="55075" y="990325"/>
-            <a:ext cx="4154400" cy="572700"/>
+            <a:ext cx="4154400" cy="757200"/>
           </a:xfrm>
           <a:prstGeom prst="rect">
             <a:avLst/>
@@ -14859,7 +15026,7 @@
                 <a:cs typeface="Calibri"/>
                 <a:sym typeface="Calibri"/>
               </a:rPr>
-              <a:t>Meta hires Ruoming Pang, Apple's head of AI models</a:t>
+              <a:t>Meta poaches </a:t>
             </a:r>
             <a:r>
               <a:rPr lang="en" sz="1200" b="1">
@@ -14871,7 +15038,19 @@
                 <a:cs typeface="Calibri"/>
                 <a:sym typeface="Calibri"/>
               </a:rPr>
-              <a:t> </a:t>
+              <a:t>Ruoming Pang</a:t>
+            </a:r>
+            <a:r>
+              <a:rPr lang="en" sz="1200" b="1">
+                <a:solidFill>
+                  <a:srgbClr val="3C78D8"/>
+                </a:solidFill>
+                <a:latin typeface="Calibri"/>
+                <a:ea typeface="Calibri"/>
+                <a:cs typeface="Calibri"/>
+                <a:sym typeface="Calibri"/>
+              </a:rPr>
+              <a:t>, Apple's head of AI models ($200+ Million spread over several years) </a:t>
             </a:r>
             <a:endParaRPr sz="1200" b="1">
               <a:solidFill>
@@ -14963,7 +15142,7 @@
       </p:sp>
       <p:sp>
         <p:nvSpPr>
-          <p:cNvPr id="218" name="Google Shape;218;p24"/>
+          <p:cNvPr id="222" name="Google Shape;222;p24"/>
           <p:cNvSpPr txBox="1"/>
           <p:nvPr/>
         </p:nvSpPr>
@@ -15080,7 +15259,7 @@
       </p:sp>
       <p:pic>
         <p:nvPicPr>
-          <p:cNvPr id="219" name="Google Shape;219;p24"/>
+          <p:cNvPr id="223" name="Google Shape;223;p24"/>
           <p:cNvPicPr preferRelativeResize="0"/>
           <p:nvPr/>
         </p:nvPicPr>
@@ -15119,13 +15298,13 @@
       </p:pic>
       <p:sp>
         <p:nvSpPr>
-          <p:cNvPr id="220" name="Google Shape;220;p24"/>
+          <p:cNvPr id="224" name="Google Shape;224;p24"/>
           <p:cNvSpPr txBox="1"/>
           <p:nvPr/>
         </p:nvSpPr>
         <p:spPr>
           <a:xfrm>
-            <a:off x="55075" y="1765950"/>
+            <a:off x="55075" y="1842150"/>
             <a:ext cx="3345600" cy="849600"/>
           </a:xfrm>
           <a:prstGeom prst="rect">
@@ -15326,7 +15505,7 @@
       </p:sp>
       <p:sp>
         <p:nvSpPr>
-          <p:cNvPr id="221" name="Google Shape;221;p24"/>
+          <p:cNvPr id="225" name="Google Shape;225;p24"/>
           <p:cNvSpPr txBox="1"/>
           <p:nvPr/>
         </p:nvSpPr>
@@ -15533,7 +15712,7 @@
       </p:sp>
       <p:pic>
         <p:nvPicPr>
-          <p:cNvPr id="222" name="Google Shape;222;p24"/>
+          <p:cNvPr id="226" name="Google Shape;226;p24"/>
           <p:cNvPicPr preferRelativeResize="0"/>
           <p:nvPr/>
         </p:nvPicPr>
@@ -15572,7 +15751,7 @@
       </p:pic>
       <p:pic>
         <p:nvPicPr>
-          <p:cNvPr id="223" name="Google Shape;223;p24"/>
+          <p:cNvPr id="227" name="Google Shape;227;p24"/>
           <p:cNvPicPr preferRelativeResize="0"/>
           <p:nvPr/>
         </p:nvPicPr>
@@ -15611,7 +15790,7 @@
       </p:pic>
       <p:pic>
         <p:nvPicPr>
-          <p:cNvPr id="224" name="Google Shape;224;p24"/>
+          <p:cNvPr id="228" name="Google Shape;228;p24"/>
           <p:cNvPicPr preferRelativeResize="0"/>
           <p:nvPr/>
         </p:nvPicPr>
@@ -15630,7 +15809,7 @@
         </p:blipFill>
         <p:spPr>
           <a:xfrm>
-            <a:off x="2844825" y="2530938"/>
+            <a:off x="2844825" y="2607138"/>
             <a:ext cx="1939501" cy="1090969"/>
           </a:xfrm>
           <a:prstGeom prst="rect">
@@ -15650,7 +15829,7 @@
       </p:pic>
       <p:pic>
         <p:nvPicPr>
-          <p:cNvPr id="225" name="Google Shape;225;p24"/>
+          <p:cNvPr id="229" name="Google Shape;229;p24"/>
           <p:cNvPicPr preferRelativeResize="0"/>
           <p:nvPr/>
         </p:nvPicPr>
@@ -15682,7 +15861,7 @@
       </p:pic>
       <p:pic>
         <p:nvPicPr>
-          <p:cNvPr id="226" name="Google Shape;226;p24"/>
+          <p:cNvPr id="230" name="Google Shape;230;p24"/>
           <p:cNvPicPr preferRelativeResize="0"/>
           <p:nvPr/>
         </p:nvPicPr>
@@ -15715,7 +15894,7 @@
       </p:pic>
       <p:sp>
         <p:nvSpPr>
-          <p:cNvPr id="227" name="Google Shape;227;p24"/>
+          <p:cNvPr id="231" name="Google Shape;231;p24"/>
           <p:cNvSpPr txBox="1"/>
           <p:nvPr/>
         </p:nvSpPr>
@@ -15818,7 +15997,7 @@
   <p:cSld>
     <p:spTree>
       <p:nvGrpSpPr>
-        <p:cNvPr id="1" name="Shape 231"/>
+        <p:cNvPr id="1" name="Shape 235"/>
         <p:cNvGrpSpPr/>
         <p:nvPr/>
       </p:nvGrpSpPr>
@@ -15832,7 +16011,7 @@
       </p:grpSpPr>
       <p:sp>
         <p:nvSpPr>
-          <p:cNvPr id="232" name="Google Shape;232;p25"/>
+          <p:cNvPr id="236" name="Google Shape;236;p25"/>
           <p:cNvSpPr txBox="1"/>
           <p:nvPr/>
         </p:nvSpPr>
@@ -15898,7 +16077,7 @@
       </p:sp>
       <p:sp>
         <p:nvSpPr>
-          <p:cNvPr id="233" name="Google Shape;233;p25"/>
+          <p:cNvPr id="237" name="Google Shape;237;p25"/>
           <p:cNvSpPr txBox="1"/>
           <p:nvPr/>
         </p:nvSpPr>
@@ -16065,7 +16244,7 @@
       </p:sp>
       <p:pic>
         <p:nvPicPr>
-          <p:cNvPr id="234" name="Google Shape;234;p25"/>
+          <p:cNvPr id="238" name="Google Shape;238;p25"/>
           <p:cNvPicPr preferRelativeResize="0"/>
           <p:nvPr/>
         </p:nvPicPr>
@@ -16102,6 +16281,270 @@
           </a:ln>
         </p:spPr>
       </p:pic>
+      <p:sp>
+        <p:nvSpPr>
+          <p:cNvPr id="239" name="Google Shape;239;p25"/>
+          <p:cNvSpPr txBox="1"/>
+          <p:nvPr/>
+        </p:nvSpPr>
+        <p:spPr>
+          <a:xfrm>
+            <a:off x="55075" y="1130750"/>
+            <a:ext cx="4461000" cy="1496100"/>
+          </a:xfrm>
+          <a:prstGeom prst="rect">
+            <a:avLst/>
+          </a:prstGeom>
+          <a:solidFill>
+            <a:srgbClr val="FFF2CC"/>
+          </a:solidFill>
+          <a:ln w="9525" cap="flat" cmpd="sng">
+            <a:solidFill>
+              <a:srgbClr val="FF0000"/>
+            </a:solidFill>
+            <a:prstDash val="solid"/>
+            <a:round/>
+            <a:headEnd type="none" w="sm" len="sm"/>
+            <a:tailEnd type="none" w="sm" len="sm"/>
+          </a:ln>
+        </p:spPr>
+        <p:txBody>
+          <a:bodyPr spcFirstLastPara="1" wrap="square" lIns="9125" tIns="9125" rIns="9125" bIns="9125" anchor="t" anchorCtr="0">
+            <a:spAutoFit/>
+          </a:bodyPr>
+          <a:lstStyle/>
+          <a:p>
+            <a:pPr marL="171450" marR="0" lvl="0" indent="-133350" algn="l" rtl="0">
+              <a:lnSpc>
+                <a:spcPct val="100000"/>
+              </a:lnSpc>
+              <a:spcBef>
+                <a:spcPts val="0"/>
+              </a:spcBef>
+              <a:spcAft>
+                <a:spcPts val="0"/>
+              </a:spcAft>
+              <a:buClr>
+                <a:schemeClr val="dk1"/>
+              </a:buClr>
+              <a:buSzPts val="1200"/>
+              <a:buFont typeface="Calibri"/>
+              <a:buChar char="●"/>
+            </a:pPr>
+            <a:r>
+              <a:rPr lang="en" sz="1200">
+                <a:solidFill>
+                  <a:schemeClr val="dk1"/>
+                </a:solidFill>
+                <a:latin typeface="Calibri"/>
+                <a:ea typeface="Calibri"/>
+                <a:cs typeface="Calibri"/>
+                <a:sym typeface="Calibri"/>
+              </a:rPr>
+              <a:t>Gemini CLI to Rename Images</a:t>
+            </a:r>
+            <a:endParaRPr sz="1200">
+              <a:solidFill>
+                <a:schemeClr val="dk1"/>
+              </a:solidFill>
+              <a:latin typeface="Calibri"/>
+              <a:ea typeface="Calibri"/>
+              <a:cs typeface="Calibri"/>
+              <a:sym typeface="Calibri"/>
+            </a:endParaRPr>
+          </a:p>
+          <a:p>
+            <a:pPr marL="171450" marR="0" lvl="0" indent="-133350" algn="l" rtl="0">
+              <a:lnSpc>
+                <a:spcPct val="100000"/>
+              </a:lnSpc>
+              <a:spcBef>
+                <a:spcPts val="0"/>
+              </a:spcBef>
+              <a:spcAft>
+                <a:spcPts val="0"/>
+              </a:spcAft>
+              <a:buClr>
+                <a:schemeClr val="dk1"/>
+              </a:buClr>
+              <a:buSzPts val="1200"/>
+              <a:buFont typeface="Calibri"/>
+              <a:buChar char="●"/>
+            </a:pPr>
+            <a:r>
+              <a:rPr lang="en" sz="1200">
+                <a:solidFill>
+                  <a:schemeClr val="dk1"/>
+                </a:solidFill>
+                <a:latin typeface="Calibri"/>
+                <a:ea typeface="Calibri"/>
+                <a:cs typeface="Calibri"/>
+                <a:sym typeface="Calibri"/>
+              </a:rPr>
+              <a:t>Install Gemini CLI: npm install -g @google/gemini-cli </a:t>
+            </a:r>
+            <a:br>
+              <a:rPr lang="en" sz="1200">
+                <a:solidFill>
+                  <a:schemeClr val="dk1"/>
+                </a:solidFill>
+                <a:latin typeface="Calibri"/>
+                <a:ea typeface="Calibri"/>
+                <a:cs typeface="Calibri"/>
+                <a:sym typeface="Calibri"/>
+              </a:rPr>
+            </a:br>
+            <a:r>
+              <a:rPr lang="en" sz="1200">
+                <a:solidFill>
+                  <a:schemeClr val="dk1"/>
+                </a:solidFill>
+                <a:latin typeface="Calibri"/>
+                <a:ea typeface="Calibri"/>
+                <a:cs typeface="Calibri"/>
+                <a:sym typeface="Calibri"/>
+              </a:rPr>
+              <a:t>authenticate with your Google account</a:t>
+            </a:r>
+            <a:endParaRPr sz="1200">
+              <a:solidFill>
+                <a:schemeClr val="dk1"/>
+              </a:solidFill>
+              <a:latin typeface="Calibri"/>
+              <a:ea typeface="Calibri"/>
+              <a:cs typeface="Calibri"/>
+              <a:sym typeface="Calibri"/>
+            </a:endParaRPr>
+          </a:p>
+          <a:p>
+            <a:pPr marL="171450" marR="0" lvl="0" indent="-133350" algn="l" rtl="0">
+              <a:lnSpc>
+                <a:spcPct val="100000"/>
+              </a:lnSpc>
+              <a:spcBef>
+                <a:spcPts val="0"/>
+              </a:spcBef>
+              <a:spcAft>
+                <a:spcPts val="0"/>
+              </a:spcAft>
+              <a:buClr>
+                <a:schemeClr val="dk1"/>
+              </a:buClr>
+              <a:buSzPts val="1200"/>
+              <a:buFont typeface="Calibri"/>
+              <a:buChar char="●"/>
+            </a:pPr>
+            <a:r>
+              <a:rPr lang="en" sz="1200">
+                <a:solidFill>
+                  <a:schemeClr val="dk1"/>
+                </a:solidFill>
+                <a:latin typeface="Calibri"/>
+                <a:ea typeface="Calibri"/>
+                <a:cs typeface="Calibri"/>
+                <a:sym typeface="Calibri"/>
+              </a:rPr>
+              <a:t>Test a single image analysis typing: </a:t>
+            </a:r>
+            <a:br>
+              <a:rPr lang="en" sz="1200">
+                <a:solidFill>
+                  <a:schemeClr val="dk1"/>
+                </a:solidFill>
+                <a:latin typeface="Calibri"/>
+                <a:ea typeface="Calibri"/>
+                <a:cs typeface="Calibri"/>
+                <a:sym typeface="Calibri"/>
+              </a:rPr>
+            </a:br>
+            <a:r>
+              <a:rPr lang="en" sz="1200">
+                <a:solidFill>
+                  <a:schemeClr val="dk1"/>
+                </a:solidFill>
+                <a:latin typeface="Calibri"/>
+                <a:ea typeface="Calibri"/>
+                <a:cs typeface="Calibri"/>
+                <a:sym typeface="Calibri"/>
+              </a:rPr>
+              <a:t>gemini </a:t>
+            </a:r>
+            <a:r>
+              <a:rPr lang="en" sz="1200">
+                <a:solidFill>
+                  <a:srgbClr val="3C78D8"/>
+                </a:solidFill>
+                <a:latin typeface="Calibri"/>
+                <a:ea typeface="Calibri"/>
+                <a:cs typeface="Calibri"/>
+                <a:sym typeface="Calibri"/>
+              </a:rPr>
+              <a:t>"Describe what's in [image1.png]"</a:t>
+            </a:r>
+            <a:endParaRPr sz="1200">
+              <a:solidFill>
+                <a:srgbClr val="3C78D8"/>
+              </a:solidFill>
+              <a:latin typeface="Calibri"/>
+              <a:ea typeface="Calibri"/>
+              <a:cs typeface="Calibri"/>
+              <a:sym typeface="Calibri"/>
+            </a:endParaRPr>
+          </a:p>
+          <a:p>
+            <a:pPr marL="171450" marR="0" lvl="0" indent="-133350" algn="l" rtl="0">
+              <a:lnSpc>
+                <a:spcPct val="100000"/>
+              </a:lnSpc>
+              <a:spcBef>
+                <a:spcPts val="0"/>
+              </a:spcBef>
+              <a:spcAft>
+                <a:spcPts val="0"/>
+              </a:spcAft>
+              <a:buClr>
+                <a:schemeClr val="dk1"/>
+              </a:buClr>
+              <a:buSzPts val="1200"/>
+              <a:buFont typeface="Calibri"/>
+              <a:buChar char="●"/>
+            </a:pPr>
+            <a:r>
+              <a:rPr lang="en" sz="1200">
+                <a:solidFill>
+                  <a:schemeClr val="dk1"/>
+                </a:solidFill>
+                <a:latin typeface="Calibri"/>
+                <a:ea typeface="Calibri"/>
+                <a:cs typeface="Calibri"/>
+                <a:sym typeface="Calibri"/>
+              </a:rPr>
+              <a:t>Batch process: gemini </a:t>
+            </a:r>
+            <a:r>
+              <a:rPr lang="en" sz="1200">
+                <a:solidFill>
+                  <a:srgbClr val="3C78D8"/>
+                </a:solidFill>
+                <a:latin typeface="Calibri"/>
+                <a:ea typeface="Calibri"/>
+                <a:cs typeface="Calibri"/>
+                <a:sym typeface="Calibri"/>
+              </a:rPr>
+              <a:t>“Process all images in this folder. For each image, analyze the content and rename it with a descriptive filename with relevant keywords for SEO purposes.”</a:t>
+            </a:r>
+            <a:endParaRPr sz="1200">
+              <a:solidFill>
+                <a:srgbClr val="3C78D8"/>
+              </a:solidFill>
+              <a:latin typeface="Calibri"/>
+              <a:ea typeface="Calibri"/>
+              <a:cs typeface="Calibri"/>
+              <a:sym typeface="Calibri"/>
+            </a:endParaRPr>
+          </a:p>
+        </p:txBody>
+      </p:sp>
     </p:spTree>
   </p:cSld>
   <p:clrMapOvr>
@@ -16115,7 +16558,7 @@
   <p:cSld>
     <p:spTree>
       <p:nvGrpSpPr>
-        <p:cNvPr id="1" name="Shape 238"/>
+        <p:cNvPr id="1" name="Shape 243"/>
         <p:cNvGrpSpPr/>
         <p:nvPr/>
       </p:nvGrpSpPr>
@@ -16129,7 +16572,7 @@
       </p:grpSpPr>
       <p:sp>
         <p:nvSpPr>
-          <p:cNvPr id="239" name="Google Shape;239;p26"/>
+          <p:cNvPr id="244" name="Google Shape;244;p26"/>
           <p:cNvSpPr txBox="1"/>
           <p:nvPr/>
         </p:nvSpPr>
@@ -16195,7 +16638,7 @@
       </p:sp>
       <p:sp>
         <p:nvSpPr>
-          <p:cNvPr id="240" name="Google Shape;240;p26"/>
+          <p:cNvPr id="245" name="Google Shape;245;p26"/>
           <p:cNvSpPr txBox="1"/>
           <p:nvPr/>
         </p:nvSpPr>
@@ -16690,7 +17133,7 @@
       </p:sp>
       <p:pic>
         <p:nvPicPr>
-          <p:cNvPr id="241" name="Google Shape;241;p26"/>
+          <p:cNvPr id="246" name="Google Shape;246;p26"/>
           <p:cNvPicPr preferRelativeResize="0"/>
           <p:nvPr/>
         </p:nvPicPr>
@@ -16729,7 +17172,7 @@
       </p:pic>
       <p:pic>
         <p:nvPicPr>
-          <p:cNvPr id="242" name="Google Shape;242;p26"/>
+          <p:cNvPr id="247" name="Google Shape;247;p26"/>
           <p:cNvPicPr preferRelativeResize="0"/>
           <p:nvPr/>
         </p:nvPicPr>
@@ -16779,7 +17222,7 @@
   <p:cSld>
     <p:spTree>
       <p:nvGrpSpPr>
-        <p:cNvPr id="1" name="Shape 246"/>
+        <p:cNvPr id="1" name="Shape 251"/>
         <p:cNvGrpSpPr/>
         <p:nvPr/>
       </p:nvGrpSpPr>
@@ -16793,7 +17236,7 @@
       </p:grpSpPr>
       <p:sp>
         <p:nvSpPr>
-          <p:cNvPr id="247" name="Google Shape;247;p27"/>
+          <p:cNvPr id="252" name="Google Shape;252;p27"/>
           <p:cNvSpPr txBox="1"/>
           <p:nvPr/>
         </p:nvSpPr>
@@ -16859,7 +17302,7 @@
       </p:sp>
       <p:sp>
         <p:nvSpPr>
-          <p:cNvPr id="248" name="Google Shape;248;p27"/>
+          <p:cNvPr id="253" name="Google Shape;253;p27"/>
           <p:cNvSpPr txBox="1"/>
           <p:nvPr/>
         </p:nvSpPr>
@@ -18660,7 +19103,7 @@
       </p:sp>
       <p:sp>
         <p:nvSpPr>
-          <p:cNvPr id="249" name="Google Shape;249;p27"/>
+          <p:cNvPr id="254" name="Google Shape;254;p27"/>
           <p:cNvSpPr txBox="1"/>
           <p:nvPr/>
         </p:nvSpPr>
@@ -19475,7 +19918,7 @@
       </p:sp>
       <p:sp>
         <p:nvSpPr>
-          <p:cNvPr id="250" name="Google Shape;250;p27"/>
+          <p:cNvPr id="255" name="Google Shape;255;p27"/>
           <p:cNvSpPr txBox="1"/>
           <p:nvPr/>
         </p:nvSpPr>
@@ -19641,7 +20084,7 @@
   <p:cSld>
     <p:spTree>
       <p:nvGrpSpPr>
-        <p:cNvPr id="1" name="Shape 254"/>
+        <p:cNvPr id="1" name="Shape 259"/>
         <p:cNvGrpSpPr/>
         <p:nvPr/>
       </p:nvGrpSpPr>
@@ -19655,7 +20098,7 @@
       </p:grpSpPr>
       <p:sp>
         <p:nvSpPr>
-          <p:cNvPr id="255" name="Google Shape;255;p28"/>
+          <p:cNvPr id="260" name="Google Shape;260;p28"/>
           <p:cNvSpPr txBox="1"/>
           <p:nvPr/>
         </p:nvSpPr>
@@ -19721,7 +20164,7 @@
       </p:sp>
       <p:sp>
         <p:nvSpPr>
-          <p:cNvPr id="256" name="Google Shape;256;p28"/>
+          <p:cNvPr id="261" name="Google Shape;261;p28"/>
           <p:cNvSpPr txBox="1"/>
           <p:nvPr/>
         </p:nvSpPr>
@@ -20073,7 +20516,7 @@
       </p:sp>
       <p:pic>
         <p:nvPicPr>
-          <p:cNvPr id="257" name="Google Shape;257;p28"/>
+          <p:cNvPr id="262" name="Google Shape;262;p28"/>
           <p:cNvPicPr preferRelativeResize="0"/>
           <p:nvPr/>
         </p:nvPicPr>
@@ -20117,7 +20560,7 @@
   <p:cSld>
     <p:spTree>
       <p:nvGrpSpPr>
-        <p:cNvPr id="1" name="Shape 261"/>
+        <p:cNvPr id="1" name="Shape 266"/>
         <p:cNvGrpSpPr/>
         <p:nvPr/>
       </p:nvGrpSpPr>
@@ -20131,7 +20574,3668 @@
       </p:grpSpPr>
       <p:sp>
         <p:nvSpPr>
-          <p:cNvPr id="262" name="Google Shape;262;p29"/>
+          <p:cNvPr id="267" name="Google Shape;267;p29"/>
+          <p:cNvSpPr txBox="1"/>
+          <p:nvPr/>
+        </p:nvSpPr>
+        <p:spPr>
+          <a:xfrm>
+            <a:off x="55075" y="-49645"/>
+            <a:ext cx="2528100" cy="326400"/>
+          </a:xfrm>
+          <a:prstGeom prst="rect">
+            <a:avLst/>
+          </a:prstGeom>
+          <a:noFill/>
+          <a:ln>
+            <a:noFill/>
+          </a:ln>
+        </p:spPr>
+        <p:txBody>
+          <a:bodyPr spcFirstLastPara="1" wrap="square" lIns="9125" tIns="9125" rIns="9125" bIns="9125" anchor="t" anchorCtr="0">
+            <a:spAutoFit/>
+          </a:bodyPr>
+          <a:lstStyle/>
+          <a:p>
+            <a:pPr marL="0" marR="0" lvl="0" indent="0" algn="l" rtl="0">
+              <a:lnSpc>
+                <a:spcPct val="100000"/>
+              </a:lnSpc>
+              <a:spcBef>
+                <a:spcPts val="0"/>
+              </a:spcBef>
+              <a:spcAft>
+                <a:spcPts val="0"/>
+              </a:spcAft>
+              <a:buClr>
+                <a:schemeClr val="dk1"/>
+              </a:buClr>
+              <a:buSzPts val="1100"/>
+              <a:buFont typeface="Arial"/>
+              <a:buNone/>
+            </a:pPr>
+            <a:r>
+              <a:rPr lang="en" sz="2000" b="1">
+                <a:solidFill>
+                  <a:schemeClr val="dk1"/>
+                </a:solidFill>
+                <a:latin typeface="Calibri"/>
+                <a:ea typeface="Calibri"/>
+                <a:cs typeface="Calibri"/>
+                <a:sym typeface="Calibri"/>
+              </a:rPr>
+              <a:t>Alisa 4-D Prompting</a:t>
+            </a:r>
+            <a:endParaRPr sz="2000" b="1" i="0" u="none" strike="noStrike" cap="none">
+              <a:solidFill>
+                <a:schemeClr val="dk1"/>
+              </a:solidFill>
+              <a:latin typeface="Calibri"/>
+              <a:ea typeface="Calibri"/>
+              <a:cs typeface="Calibri"/>
+              <a:sym typeface="Calibri"/>
+            </a:endParaRPr>
+          </a:p>
+        </p:txBody>
+      </p:sp>
+      <p:sp>
+        <p:nvSpPr>
+          <p:cNvPr id="268" name="Google Shape;268;p29"/>
+          <p:cNvSpPr txBox="1"/>
+          <p:nvPr/>
+        </p:nvSpPr>
+        <p:spPr>
+          <a:xfrm>
+            <a:off x="55075" y="290125"/>
+            <a:ext cx="2528100" cy="418500"/>
+          </a:xfrm>
+          <a:prstGeom prst="rect">
+            <a:avLst/>
+          </a:prstGeom>
+          <a:solidFill>
+            <a:srgbClr val="FFF2CC"/>
+          </a:solidFill>
+          <a:ln w="9525" cap="flat" cmpd="sng">
+            <a:solidFill>
+              <a:srgbClr val="FF0000"/>
+            </a:solidFill>
+            <a:prstDash val="solid"/>
+            <a:round/>
+            <a:headEnd type="none" w="sm" len="sm"/>
+            <a:tailEnd type="none" w="sm" len="sm"/>
+          </a:ln>
+        </p:spPr>
+        <p:txBody>
+          <a:bodyPr spcFirstLastPara="1" wrap="square" lIns="9125" tIns="9125" rIns="9125" bIns="9125" anchor="t" anchorCtr="0">
+            <a:spAutoFit/>
+          </a:bodyPr>
+          <a:lstStyle/>
+          <a:p>
+            <a:pPr marL="0" marR="0" lvl="0" indent="0" algn="l" rtl="0">
+              <a:lnSpc>
+                <a:spcPct val="100000"/>
+              </a:lnSpc>
+              <a:spcBef>
+                <a:spcPts val="0"/>
+              </a:spcBef>
+              <a:spcAft>
+                <a:spcPts val="0"/>
+              </a:spcAft>
+              <a:buNone/>
+            </a:pPr>
+            <a:r>
+              <a:rPr lang="en" sz="1200" b="1">
+                <a:solidFill>
+                  <a:srgbClr val="FF0000"/>
+                </a:solidFill>
+                <a:latin typeface="Calibri"/>
+                <a:ea typeface="Calibri"/>
+                <a:cs typeface="Calibri"/>
+                <a:sym typeface="Calibri"/>
+              </a:rPr>
+              <a:t>Effective Prompt Technique</a:t>
+            </a:r>
+            <a:endParaRPr sz="900" b="1">
+              <a:solidFill>
+                <a:srgbClr val="FF0000"/>
+              </a:solidFill>
+              <a:latin typeface="Calibri"/>
+              <a:ea typeface="Calibri"/>
+              <a:cs typeface="Calibri"/>
+              <a:sym typeface="Calibri"/>
+            </a:endParaRPr>
+          </a:p>
+          <a:p>
+            <a:pPr marL="0" marR="0" lvl="0" indent="0" algn="l" rtl="0">
+              <a:lnSpc>
+                <a:spcPct val="100000"/>
+              </a:lnSpc>
+              <a:spcBef>
+                <a:spcPts val="0"/>
+              </a:spcBef>
+              <a:spcAft>
+                <a:spcPts val="0"/>
+              </a:spcAft>
+              <a:buNone/>
+            </a:pPr>
+            <a:r>
+              <a:rPr lang="en" sz="700" u="sng">
+                <a:solidFill>
+                  <a:schemeClr val="hlink"/>
+                </a:solidFill>
+                <a:latin typeface="Calibri"/>
+                <a:ea typeface="Calibri"/>
+                <a:cs typeface="Calibri"/>
+                <a:sym typeface="Calibri"/>
+                <a:hlinkClick r:id="rId3"/>
+              </a:rPr>
+              <a:t>https://medium.com/lets-code-future/after-1-000-failed-prompts-i-accidentally-unlocked-chatgpts-superpower-923eb67a3240</a:t>
+            </a:r>
+            <a:r>
+              <a:rPr lang="en" sz="700">
+                <a:solidFill>
+                  <a:schemeClr val="dk1"/>
+                </a:solidFill>
+                <a:latin typeface="Calibri"/>
+                <a:ea typeface="Calibri"/>
+                <a:cs typeface="Calibri"/>
+                <a:sym typeface="Calibri"/>
+              </a:rPr>
+              <a:t> </a:t>
+            </a:r>
+            <a:endParaRPr sz="700">
+              <a:solidFill>
+                <a:schemeClr val="dk1"/>
+              </a:solidFill>
+              <a:latin typeface="Calibri"/>
+              <a:ea typeface="Calibri"/>
+              <a:cs typeface="Calibri"/>
+              <a:sym typeface="Calibri"/>
+            </a:endParaRPr>
+          </a:p>
+        </p:txBody>
+      </p:sp>
+      <p:sp>
+        <p:nvSpPr>
+          <p:cNvPr id="269" name="Google Shape;269;p29"/>
+          <p:cNvSpPr txBox="1"/>
+          <p:nvPr/>
+        </p:nvSpPr>
+        <p:spPr>
+          <a:xfrm>
+            <a:off x="2733175" y="285051"/>
+            <a:ext cx="2973600" cy="4790100"/>
+          </a:xfrm>
+          <a:prstGeom prst="rect">
+            <a:avLst/>
+          </a:prstGeom>
+          <a:solidFill>
+            <a:srgbClr val="FCE5CD"/>
+          </a:solidFill>
+          <a:ln w="9525" cap="flat" cmpd="sng">
+            <a:solidFill>
+              <a:srgbClr val="FF0000"/>
+            </a:solidFill>
+            <a:prstDash val="solid"/>
+            <a:round/>
+            <a:headEnd type="none" w="sm" len="sm"/>
+            <a:tailEnd type="none" w="sm" len="sm"/>
+          </a:ln>
+        </p:spPr>
+        <p:txBody>
+          <a:bodyPr spcFirstLastPara="1" wrap="square" lIns="9125" tIns="9125" rIns="9125" bIns="9125" anchor="t" anchorCtr="0">
+            <a:spAutoFit/>
+          </a:bodyPr>
+          <a:lstStyle/>
+          <a:p>
+            <a:pPr marL="0" marR="0" lvl="0" indent="0" algn="l" rtl="0">
+              <a:lnSpc>
+                <a:spcPct val="100000"/>
+              </a:lnSpc>
+              <a:spcBef>
+                <a:spcPts val="0"/>
+              </a:spcBef>
+              <a:spcAft>
+                <a:spcPts val="0"/>
+              </a:spcAft>
+              <a:buNone/>
+            </a:pPr>
+            <a:r>
+              <a:rPr lang="en" sz="800">
+                <a:solidFill>
+                  <a:schemeClr val="dk1"/>
+                </a:solidFill>
+                <a:latin typeface="Calibri"/>
+                <a:ea typeface="Calibri"/>
+                <a:cs typeface="Calibri"/>
+                <a:sym typeface="Calibri"/>
+              </a:rPr>
+              <a:t>## CORE OPTIMIZATION TOOLS</a:t>
+            </a:r>
+            <a:endParaRPr sz="600">
+              <a:solidFill>
+                <a:schemeClr val="dk1"/>
+              </a:solidFill>
+              <a:latin typeface="Calibri"/>
+              <a:ea typeface="Calibri"/>
+              <a:cs typeface="Calibri"/>
+              <a:sym typeface="Calibri"/>
+            </a:endParaRPr>
+          </a:p>
+          <a:p>
+            <a:pPr marL="0" marR="0" lvl="0" indent="0" algn="l" rtl="0">
+              <a:lnSpc>
+                <a:spcPct val="100000"/>
+              </a:lnSpc>
+              <a:spcBef>
+                <a:spcPts val="0"/>
+              </a:spcBef>
+              <a:spcAft>
+                <a:spcPts val="0"/>
+              </a:spcAft>
+              <a:buNone/>
+            </a:pPr>
+            <a:endParaRPr sz="600">
+              <a:solidFill>
+                <a:schemeClr val="dk1"/>
+              </a:solidFill>
+              <a:latin typeface="Calibri"/>
+              <a:ea typeface="Calibri"/>
+              <a:cs typeface="Calibri"/>
+              <a:sym typeface="Calibri"/>
+            </a:endParaRPr>
+          </a:p>
+          <a:p>
+            <a:pPr marL="0" marR="0" lvl="0" indent="0" algn="l" rtl="0">
+              <a:lnSpc>
+                <a:spcPct val="100000"/>
+              </a:lnSpc>
+              <a:spcBef>
+                <a:spcPts val="0"/>
+              </a:spcBef>
+              <a:spcAft>
+                <a:spcPts val="0"/>
+              </a:spcAft>
+              <a:buNone/>
+            </a:pPr>
+            <a:r>
+              <a:rPr lang="en" sz="800">
+                <a:solidFill>
+                  <a:schemeClr val="dk1"/>
+                </a:solidFill>
+                <a:latin typeface="Calibri"/>
+                <a:ea typeface="Calibri"/>
+                <a:cs typeface="Calibri"/>
+                <a:sym typeface="Calibri"/>
+              </a:rPr>
+              <a:t>**Essentials:** Role definition, context layering, structured format, task decomposition  </a:t>
+            </a:r>
+            <a:endParaRPr sz="800">
+              <a:solidFill>
+                <a:schemeClr val="dk1"/>
+              </a:solidFill>
+              <a:latin typeface="Calibri"/>
+              <a:ea typeface="Calibri"/>
+              <a:cs typeface="Calibri"/>
+              <a:sym typeface="Calibri"/>
+            </a:endParaRPr>
+          </a:p>
+          <a:p>
+            <a:pPr marL="0" marR="0" lvl="0" indent="0" algn="l" rtl="0">
+              <a:lnSpc>
+                <a:spcPct val="100000"/>
+              </a:lnSpc>
+              <a:spcBef>
+                <a:spcPts val="0"/>
+              </a:spcBef>
+              <a:spcAft>
+                <a:spcPts val="0"/>
+              </a:spcAft>
+              <a:buNone/>
+            </a:pPr>
+            <a:r>
+              <a:rPr lang="en" sz="800">
+                <a:solidFill>
+                  <a:schemeClr val="dk1"/>
+                </a:solidFill>
+                <a:latin typeface="Calibri"/>
+                <a:ea typeface="Calibri"/>
+                <a:cs typeface="Calibri"/>
+                <a:sym typeface="Calibri"/>
+              </a:rPr>
+              <a:t>**Advanced:** Chain-of-thought prompting, few-shot learning, constraint framing, perspective shifting</a:t>
+            </a:r>
+            <a:endParaRPr sz="600">
+              <a:solidFill>
+                <a:schemeClr val="dk1"/>
+              </a:solidFill>
+              <a:latin typeface="Calibri"/>
+              <a:ea typeface="Calibri"/>
+              <a:cs typeface="Calibri"/>
+              <a:sym typeface="Calibri"/>
+            </a:endParaRPr>
+          </a:p>
+          <a:p>
+            <a:pPr marL="0" marR="0" lvl="0" indent="0" algn="l" rtl="0">
+              <a:lnSpc>
+                <a:spcPct val="100000"/>
+              </a:lnSpc>
+              <a:spcBef>
+                <a:spcPts val="0"/>
+              </a:spcBef>
+              <a:spcAft>
+                <a:spcPts val="0"/>
+              </a:spcAft>
+              <a:buNone/>
+            </a:pPr>
+            <a:endParaRPr sz="600">
+              <a:solidFill>
+                <a:schemeClr val="dk1"/>
+              </a:solidFill>
+              <a:latin typeface="Calibri"/>
+              <a:ea typeface="Calibri"/>
+              <a:cs typeface="Calibri"/>
+              <a:sym typeface="Calibri"/>
+            </a:endParaRPr>
+          </a:p>
+          <a:p>
+            <a:pPr marL="0" marR="0" lvl="0" indent="0" algn="l" rtl="0">
+              <a:lnSpc>
+                <a:spcPct val="100000"/>
+              </a:lnSpc>
+              <a:spcBef>
+                <a:spcPts val="0"/>
+              </a:spcBef>
+              <a:spcAft>
+                <a:spcPts val="0"/>
+              </a:spcAft>
+              <a:buNone/>
+            </a:pPr>
+            <a:r>
+              <a:rPr lang="en" sz="800">
+                <a:solidFill>
+                  <a:schemeClr val="dk1"/>
+                </a:solidFill>
+                <a:latin typeface="Calibri"/>
+                <a:ea typeface="Calibri"/>
+                <a:cs typeface="Calibri"/>
+                <a:sym typeface="Calibri"/>
+              </a:rPr>
+              <a:t>## PLATFORM ADAPTATION</a:t>
+            </a:r>
+            <a:endParaRPr sz="600">
+              <a:solidFill>
+                <a:schemeClr val="dk1"/>
+              </a:solidFill>
+              <a:latin typeface="Calibri"/>
+              <a:ea typeface="Calibri"/>
+              <a:cs typeface="Calibri"/>
+              <a:sym typeface="Calibri"/>
+            </a:endParaRPr>
+          </a:p>
+          <a:p>
+            <a:pPr marL="0" marR="0" lvl="0" indent="0" algn="l" rtl="0">
+              <a:lnSpc>
+                <a:spcPct val="100000"/>
+              </a:lnSpc>
+              <a:spcBef>
+                <a:spcPts val="0"/>
+              </a:spcBef>
+              <a:spcAft>
+                <a:spcPts val="0"/>
+              </a:spcAft>
+              <a:buNone/>
+            </a:pPr>
+            <a:endParaRPr sz="600">
+              <a:solidFill>
+                <a:schemeClr val="dk1"/>
+              </a:solidFill>
+              <a:latin typeface="Calibri"/>
+              <a:ea typeface="Calibri"/>
+              <a:cs typeface="Calibri"/>
+              <a:sym typeface="Calibri"/>
+            </a:endParaRPr>
+          </a:p>
+          <a:p>
+            <a:pPr marL="0" marR="0" lvl="0" indent="0" algn="l" rtl="0">
+              <a:lnSpc>
+                <a:spcPct val="100000"/>
+              </a:lnSpc>
+              <a:spcBef>
+                <a:spcPts val="0"/>
+              </a:spcBef>
+              <a:spcAft>
+                <a:spcPts val="0"/>
+              </a:spcAft>
+              <a:buNone/>
+            </a:pPr>
+            <a:r>
+              <a:rPr lang="en" sz="800">
+                <a:solidFill>
+                  <a:schemeClr val="dk1"/>
+                </a:solidFill>
+                <a:latin typeface="Calibri"/>
+                <a:ea typeface="Calibri"/>
+                <a:cs typeface="Calibri"/>
+                <a:sym typeface="Calibri"/>
+              </a:rPr>
+              <a:t>- **ChatGPT / GPT-4:** Focus on structure, clarity, and modular prompts  </a:t>
+            </a:r>
+            <a:endParaRPr sz="800">
+              <a:solidFill>
+                <a:schemeClr val="dk1"/>
+              </a:solidFill>
+              <a:latin typeface="Calibri"/>
+              <a:ea typeface="Calibri"/>
+              <a:cs typeface="Calibri"/>
+              <a:sym typeface="Calibri"/>
+            </a:endParaRPr>
+          </a:p>
+          <a:p>
+            <a:pPr marL="0" marR="0" lvl="0" indent="0" algn="l" rtl="0">
+              <a:lnSpc>
+                <a:spcPct val="100000"/>
+              </a:lnSpc>
+              <a:spcBef>
+                <a:spcPts val="0"/>
+              </a:spcBef>
+              <a:spcAft>
+                <a:spcPts val="0"/>
+              </a:spcAft>
+              <a:buNone/>
+            </a:pPr>
+            <a:r>
+              <a:rPr lang="en" sz="800">
+                <a:solidFill>
+                  <a:schemeClr val="dk1"/>
+                </a:solidFill>
+                <a:latin typeface="Calibri"/>
+                <a:ea typeface="Calibri"/>
+                <a:cs typeface="Calibri"/>
+                <a:sym typeface="Calibri"/>
+              </a:rPr>
+              <a:t>- **Claude:** Emphasize long-form reasoning and instruction clarity  </a:t>
+            </a:r>
+            <a:endParaRPr sz="800">
+              <a:solidFill>
+                <a:schemeClr val="dk1"/>
+              </a:solidFill>
+              <a:latin typeface="Calibri"/>
+              <a:ea typeface="Calibri"/>
+              <a:cs typeface="Calibri"/>
+              <a:sym typeface="Calibri"/>
+            </a:endParaRPr>
+          </a:p>
+          <a:p>
+            <a:pPr marL="0" marR="0" lvl="0" indent="0" algn="l" rtl="0">
+              <a:lnSpc>
+                <a:spcPct val="100000"/>
+              </a:lnSpc>
+              <a:spcBef>
+                <a:spcPts val="0"/>
+              </a:spcBef>
+              <a:spcAft>
+                <a:spcPts val="0"/>
+              </a:spcAft>
+              <a:buNone/>
+            </a:pPr>
+            <a:r>
+              <a:rPr lang="en" sz="800">
+                <a:solidFill>
+                  <a:schemeClr val="dk1"/>
+                </a:solidFill>
+                <a:latin typeface="Calibri"/>
+                <a:ea typeface="Calibri"/>
+                <a:cs typeface="Calibri"/>
+                <a:sym typeface="Calibri"/>
+              </a:rPr>
+              <a:t>- **Gemini:** Prioritize creative framing, multi-option generation  </a:t>
+            </a:r>
+            <a:endParaRPr sz="800">
+              <a:solidFill>
+                <a:schemeClr val="dk1"/>
+              </a:solidFill>
+              <a:latin typeface="Calibri"/>
+              <a:ea typeface="Calibri"/>
+              <a:cs typeface="Calibri"/>
+              <a:sym typeface="Calibri"/>
+            </a:endParaRPr>
+          </a:p>
+          <a:p>
+            <a:pPr marL="0" marR="0" lvl="0" indent="0" algn="l" rtl="0">
+              <a:lnSpc>
+                <a:spcPct val="100000"/>
+              </a:lnSpc>
+              <a:spcBef>
+                <a:spcPts val="0"/>
+              </a:spcBef>
+              <a:spcAft>
+                <a:spcPts val="0"/>
+              </a:spcAft>
+              <a:buNone/>
+            </a:pPr>
+            <a:r>
+              <a:rPr lang="en" sz="800">
+                <a:solidFill>
+                  <a:schemeClr val="dk1"/>
+                </a:solidFill>
+                <a:latin typeface="Calibri"/>
+                <a:ea typeface="Calibri"/>
+                <a:cs typeface="Calibri"/>
+                <a:sym typeface="Calibri"/>
+              </a:rPr>
+              <a:t>- **Other AIs:** Apply best-practice universal patterns</a:t>
+            </a:r>
+            <a:endParaRPr sz="600">
+              <a:solidFill>
+                <a:schemeClr val="dk1"/>
+              </a:solidFill>
+              <a:latin typeface="Calibri"/>
+              <a:ea typeface="Calibri"/>
+              <a:cs typeface="Calibri"/>
+              <a:sym typeface="Calibri"/>
+            </a:endParaRPr>
+          </a:p>
+          <a:p>
+            <a:pPr marL="0" marR="0" lvl="0" indent="0" algn="l" rtl="0">
+              <a:lnSpc>
+                <a:spcPct val="100000"/>
+              </a:lnSpc>
+              <a:spcBef>
+                <a:spcPts val="0"/>
+              </a:spcBef>
+              <a:spcAft>
+                <a:spcPts val="0"/>
+              </a:spcAft>
+              <a:buNone/>
+            </a:pPr>
+            <a:endParaRPr sz="600">
+              <a:solidFill>
+                <a:schemeClr val="dk1"/>
+              </a:solidFill>
+              <a:latin typeface="Calibri"/>
+              <a:ea typeface="Calibri"/>
+              <a:cs typeface="Calibri"/>
+              <a:sym typeface="Calibri"/>
+            </a:endParaRPr>
+          </a:p>
+          <a:p>
+            <a:pPr marL="0" marR="0" lvl="0" indent="0" algn="l" rtl="0">
+              <a:lnSpc>
+                <a:spcPct val="100000"/>
+              </a:lnSpc>
+              <a:spcBef>
+                <a:spcPts val="0"/>
+              </a:spcBef>
+              <a:spcAft>
+                <a:spcPts val="0"/>
+              </a:spcAft>
+              <a:buNone/>
+            </a:pPr>
+            <a:r>
+              <a:rPr lang="en" sz="800">
+                <a:solidFill>
+                  <a:schemeClr val="dk1"/>
+                </a:solidFill>
+                <a:latin typeface="Calibri"/>
+                <a:ea typeface="Calibri"/>
+                <a:cs typeface="Calibri"/>
+                <a:sym typeface="Calibri"/>
+              </a:rPr>
+              <a:t>## MODES OF OPERATION</a:t>
+            </a:r>
+            <a:endParaRPr sz="600">
+              <a:solidFill>
+                <a:schemeClr val="dk1"/>
+              </a:solidFill>
+              <a:latin typeface="Calibri"/>
+              <a:ea typeface="Calibri"/>
+              <a:cs typeface="Calibri"/>
+              <a:sym typeface="Calibri"/>
+            </a:endParaRPr>
+          </a:p>
+          <a:p>
+            <a:pPr marL="0" marR="0" lvl="0" indent="0" algn="l" rtl="0">
+              <a:lnSpc>
+                <a:spcPct val="100000"/>
+              </a:lnSpc>
+              <a:spcBef>
+                <a:spcPts val="0"/>
+              </a:spcBef>
+              <a:spcAft>
+                <a:spcPts val="0"/>
+              </a:spcAft>
+              <a:buNone/>
+            </a:pPr>
+            <a:endParaRPr sz="600">
+              <a:solidFill>
+                <a:schemeClr val="dk1"/>
+              </a:solidFill>
+              <a:latin typeface="Calibri"/>
+              <a:ea typeface="Calibri"/>
+              <a:cs typeface="Calibri"/>
+              <a:sym typeface="Calibri"/>
+            </a:endParaRPr>
+          </a:p>
+          <a:p>
+            <a:pPr marL="0" marR="0" lvl="0" indent="0" algn="l" rtl="0">
+              <a:lnSpc>
+                <a:spcPct val="100000"/>
+              </a:lnSpc>
+              <a:spcBef>
+                <a:spcPts val="0"/>
+              </a:spcBef>
+              <a:spcAft>
+                <a:spcPts val="0"/>
+              </a:spcAft>
+              <a:buNone/>
+            </a:pPr>
+            <a:r>
+              <a:rPr lang="en" sz="800">
+                <a:solidFill>
+                  <a:schemeClr val="dk1"/>
+                </a:solidFill>
+                <a:latin typeface="Calibri"/>
+                <a:ea typeface="Calibri"/>
+                <a:cs typeface="Calibri"/>
+                <a:sym typeface="Calibri"/>
+              </a:rPr>
+              <a:t>**DETAIL MODE:**  </a:t>
+            </a:r>
+            <a:endParaRPr sz="800">
+              <a:solidFill>
+                <a:schemeClr val="dk1"/>
+              </a:solidFill>
+              <a:latin typeface="Calibri"/>
+              <a:ea typeface="Calibri"/>
+              <a:cs typeface="Calibri"/>
+              <a:sym typeface="Calibri"/>
+            </a:endParaRPr>
+          </a:p>
+          <a:p>
+            <a:pPr marL="0" marR="0" lvl="0" indent="0" algn="l" rtl="0">
+              <a:lnSpc>
+                <a:spcPct val="100000"/>
+              </a:lnSpc>
+              <a:spcBef>
+                <a:spcPts val="0"/>
+              </a:spcBef>
+              <a:spcAft>
+                <a:spcPts val="0"/>
+              </a:spcAft>
+              <a:buNone/>
+            </a:pPr>
+            <a:r>
+              <a:rPr lang="en" sz="800">
+                <a:solidFill>
+                  <a:schemeClr val="dk1"/>
+                </a:solidFill>
+                <a:latin typeface="Calibri"/>
+                <a:ea typeface="Calibri"/>
+                <a:cs typeface="Calibri"/>
+                <a:sym typeface="Calibri"/>
+              </a:rPr>
+              <a:t>- Ask 2–3 smart questions to gather missing info  </a:t>
+            </a:r>
+            <a:endParaRPr sz="800">
+              <a:solidFill>
+                <a:schemeClr val="dk1"/>
+              </a:solidFill>
+              <a:latin typeface="Calibri"/>
+              <a:ea typeface="Calibri"/>
+              <a:cs typeface="Calibri"/>
+              <a:sym typeface="Calibri"/>
+            </a:endParaRPr>
+          </a:p>
+          <a:p>
+            <a:pPr marL="0" marR="0" lvl="0" indent="0" algn="l" rtl="0">
+              <a:lnSpc>
+                <a:spcPct val="100000"/>
+              </a:lnSpc>
+              <a:spcBef>
+                <a:spcPts val="0"/>
+              </a:spcBef>
+              <a:spcAft>
+                <a:spcPts val="0"/>
+              </a:spcAft>
+              <a:buNone/>
+            </a:pPr>
+            <a:r>
+              <a:rPr lang="en" sz="800">
+                <a:solidFill>
+                  <a:schemeClr val="dk1"/>
+                </a:solidFill>
+                <a:latin typeface="Calibri"/>
+                <a:ea typeface="Calibri"/>
+                <a:cs typeface="Calibri"/>
+                <a:sym typeface="Calibri"/>
+              </a:rPr>
+              <a:t>- Deliver a deeply tailored and optimized prompt  </a:t>
+            </a:r>
+            <a:endParaRPr sz="600">
+              <a:solidFill>
+                <a:schemeClr val="dk1"/>
+              </a:solidFill>
+              <a:latin typeface="Calibri"/>
+              <a:ea typeface="Calibri"/>
+              <a:cs typeface="Calibri"/>
+              <a:sym typeface="Calibri"/>
+            </a:endParaRPr>
+          </a:p>
+          <a:p>
+            <a:pPr marL="0" marR="0" lvl="0" indent="0" algn="l" rtl="0">
+              <a:lnSpc>
+                <a:spcPct val="100000"/>
+              </a:lnSpc>
+              <a:spcBef>
+                <a:spcPts val="0"/>
+              </a:spcBef>
+              <a:spcAft>
+                <a:spcPts val="0"/>
+              </a:spcAft>
+              <a:buNone/>
+            </a:pPr>
+            <a:endParaRPr sz="600">
+              <a:solidFill>
+                <a:schemeClr val="dk1"/>
+              </a:solidFill>
+              <a:latin typeface="Calibri"/>
+              <a:ea typeface="Calibri"/>
+              <a:cs typeface="Calibri"/>
+              <a:sym typeface="Calibri"/>
+            </a:endParaRPr>
+          </a:p>
+          <a:p>
+            <a:pPr marL="0" marR="0" lvl="0" indent="0" algn="l" rtl="0">
+              <a:lnSpc>
+                <a:spcPct val="100000"/>
+              </a:lnSpc>
+              <a:spcBef>
+                <a:spcPts val="0"/>
+              </a:spcBef>
+              <a:spcAft>
+                <a:spcPts val="0"/>
+              </a:spcAft>
+              <a:buNone/>
+            </a:pPr>
+            <a:r>
+              <a:rPr lang="en" sz="800">
+                <a:solidFill>
+                  <a:schemeClr val="dk1"/>
+                </a:solidFill>
+                <a:latin typeface="Calibri"/>
+                <a:ea typeface="Calibri"/>
+                <a:cs typeface="Calibri"/>
+                <a:sym typeface="Calibri"/>
+              </a:rPr>
+              <a:t>**BASIC MODE:**  </a:t>
+            </a:r>
+            <a:endParaRPr sz="800">
+              <a:solidFill>
+                <a:schemeClr val="dk1"/>
+              </a:solidFill>
+              <a:latin typeface="Calibri"/>
+              <a:ea typeface="Calibri"/>
+              <a:cs typeface="Calibri"/>
+              <a:sym typeface="Calibri"/>
+            </a:endParaRPr>
+          </a:p>
+          <a:p>
+            <a:pPr marL="0" marR="0" lvl="0" indent="0" algn="l" rtl="0">
+              <a:lnSpc>
+                <a:spcPct val="100000"/>
+              </a:lnSpc>
+              <a:spcBef>
+                <a:spcPts val="0"/>
+              </a:spcBef>
+              <a:spcAft>
+                <a:spcPts val="0"/>
+              </a:spcAft>
+              <a:buNone/>
+            </a:pPr>
+            <a:r>
+              <a:rPr lang="en" sz="800">
+                <a:solidFill>
+                  <a:schemeClr val="dk1"/>
+                </a:solidFill>
+                <a:latin typeface="Calibri"/>
+                <a:ea typeface="Calibri"/>
+                <a:cs typeface="Calibri"/>
+                <a:sym typeface="Calibri"/>
+              </a:rPr>
+              <a:t>- Quickly improve prompt with core enhancements  </a:t>
+            </a:r>
+            <a:endParaRPr sz="800">
+              <a:solidFill>
+                <a:schemeClr val="dk1"/>
+              </a:solidFill>
+              <a:latin typeface="Calibri"/>
+              <a:ea typeface="Calibri"/>
+              <a:cs typeface="Calibri"/>
+              <a:sym typeface="Calibri"/>
+            </a:endParaRPr>
+          </a:p>
+          <a:p>
+            <a:pPr marL="0" marR="0" lvl="0" indent="0" algn="l" rtl="0">
+              <a:lnSpc>
+                <a:spcPct val="100000"/>
+              </a:lnSpc>
+              <a:spcBef>
+                <a:spcPts val="0"/>
+              </a:spcBef>
+              <a:spcAft>
+                <a:spcPts val="0"/>
+              </a:spcAft>
+              <a:buNone/>
+            </a:pPr>
+            <a:r>
+              <a:rPr lang="en" sz="800">
+                <a:solidFill>
+                  <a:schemeClr val="dk1"/>
+                </a:solidFill>
+                <a:latin typeface="Calibri"/>
+                <a:ea typeface="Calibri"/>
+                <a:cs typeface="Calibri"/>
+                <a:sym typeface="Calibri"/>
+              </a:rPr>
+              <a:t>- Ideal for short or straightforward tasks</a:t>
+            </a:r>
+            <a:endParaRPr sz="600">
+              <a:solidFill>
+                <a:schemeClr val="dk1"/>
+              </a:solidFill>
+              <a:latin typeface="Calibri"/>
+              <a:ea typeface="Calibri"/>
+              <a:cs typeface="Calibri"/>
+              <a:sym typeface="Calibri"/>
+            </a:endParaRPr>
+          </a:p>
+          <a:p>
+            <a:pPr marL="0" marR="0" lvl="0" indent="0" algn="l" rtl="0">
+              <a:lnSpc>
+                <a:spcPct val="100000"/>
+              </a:lnSpc>
+              <a:spcBef>
+                <a:spcPts val="0"/>
+              </a:spcBef>
+              <a:spcAft>
+                <a:spcPts val="0"/>
+              </a:spcAft>
+              <a:buNone/>
+            </a:pPr>
+            <a:endParaRPr sz="600">
+              <a:solidFill>
+                <a:schemeClr val="dk1"/>
+              </a:solidFill>
+              <a:latin typeface="Calibri"/>
+              <a:ea typeface="Calibri"/>
+              <a:cs typeface="Calibri"/>
+              <a:sym typeface="Calibri"/>
+            </a:endParaRPr>
+          </a:p>
+          <a:p>
+            <a:pPr marL="0" marR="0" lvl="0" indent="0" algn="l" rtl="0">
+              <a:lnSpc>
+                <a:spcPct val="100000"/>
+              </a:lnSpc>
+              <a:spcBef>
+                <a:spcPts val="0"/>
+              </a:spcBef>
+              <a:spcAft>
+                <a:spcPts val="0"/>
+              </a:spcAft>
+              <a:buNone/>
+            </a:pPr>
+            <a:r>
+              <a:rPr lang="en" sz="800">
+                <a:solidFill>
+                  <a:schemeClr val="dk1"/>
+                </a:solidFill>
+                <a:latin typeface="Calibri"/>
+                <a:ea typeface="Calibri"/>
+                <a:cs typeface="Calibri"/>
+                <a:sym typeface="Calibri"/>
+              </a:rPr>
+              <a:t>## RESPONSE FORMATS</a:t>
+            </a:r>
+            <a:endParaRPr sz="600">
+              <a:solidFill>
+                <a:schemeClr val="dk1"/>
+              </a:solidFill>
+              <a:latin typeface="Calibri"/>
+              <a:ea typeface="Calibri"/>
+              <a:cs typeface="Calibri"/>
+              <a:sym typeface="Calibri"/>
+            </a:endParaRPr>
+          </a:p>
+          <a:p>
+            <a:pPr marL="0" marR="0" lvl="0" indent="0" algn="l" rtl="0">
+              <a:lnSpc>
+                <a:spcPct val="100000"/>
+              </a:lnSpc>
+              <a:spcBef>
+                <a:spcPts val="0"/>
+              </a:spcBef>
+              <a:spcAft>
+                <a:spcPts val="0"/>
+              </a:spcAft>
+              <a:buNone/>
+            </a:pPr>
+            <a:endParaRPr sz="600">
+              <a:solidFill>
+                <a:schemeClr val="dk1"/>
+              </a:solidFill>
+              <a:latin typeface="Calibri"/>
+              <a:ea typeface="Calibri"/>
+              <a:cs typeface="Calibri"/>
+              <a:sym typeface="Calibri"/>
+            </a:endParaRPr>
+          </a:p>
+          <a:p>
+            <a:pPr marL="0" marR="0" lvl="0" indent="0" algn="l" rtl="0">
+              <a:lnSpc>
+                <a:spcPct val="100000"/>
+              </a:lnSpc>
+              <a:spcBef>
+                <a:spcPts val="0"/>
+              </a:spcBef>
+              <a:spcAft>
+                <a:spcPts val="0"/>
+              </a:spcAft>
+              <a:buNone/>
+            </a:pPr>
+            <a:r>
+              <a:rPr lang="en" sz="800">
+                <a:solidFill>
+                  <a:schemeClr val="dk1"/>
+                </a:solidFill>
+                <a:latin typeface="Calibri"/>
+                <a:ea typeface="Calibri"/>
+                <a:cs typeface="Calibri"/>
+                <a:sym typeface="Calibri"/>
+              </a:rPr>
+              <a:t>**Simple Requests:**</a:t>
+            </a:r>
+            <a:endParaRPr sz="800">
+              <a:solidFill>
+                <a:schemeClr val="dk1"/>
+              </a:solidFill>
+              <a:latin typeface="Calibri"/>
+              <a:ea typeface="Calibri"/>
+              <a:cs typeface="Calibri"/>
+              <a:sym typeface="Calibri"/>
+            </a:endParaRPr>
+          </a:p>
+          <a:p>
+            <a:pPr marL="0" marR="0" lvl="0" indent="0" algn="l" rtl="0">
+              <a:lnSpc>
+                <a:spcPct val="100000"/>
+              </a:lnSpc>
+              <a:spcBef>
+                <a:spcPts val="0"/>
+              </a:spcBef>
+              <a:spcAft>
+                <a:spcPts val="0"/>
+              </a:spcAft>
+              <a:buNone/>
+            </a:pPr>
+            <a:r>
+              <a:rPr lang="en" sz="800">
+                <a:solidFill>
+                  <a:schemeClr val="dk1"/>
+                </a:solidFill>
+                <a:latin typeface="Calibri"/>
+                <a:ea typeface="Calibri"/>
+                <a:cs typeface="Calibri"/>
+                <a:sym typeface="Calibri"/>
+              </a:rPr>
+              <a:t>**Your Optimized Prompt:**  </a:t>
+            </a:r>
+            <a:endParaRPr sz="800">
+              <a:solidFill>
+                <a:schemeClr val="dk1"/>
+              </a:solidFill>
+              <a:latin typeface="Calibri"/>
+              <a:ea typeface="Calibri"/>
+              <a:cs typeface="Calibri"/>
+              <a:sym typeface="Calibri"/>
+            </a:endParaRPr>
+          </a:p>
+          <a:p>
+            <a:pPr marL="0" marR="0" lvl="0" indent="0" algn="l" rtl="0">
+              <a:lnSpc>
+                <a:spcPct val="100000"/>
+              </a:lnSpc>
+              <a:spcBef>
+                <a:spcPts val="0"/>
+              </a:spcBef>
+              <a:spcAft>
+                <a:spcPts val="0"/>
+              </a:spcAft>
+              <a:buNone/>
+            </a:pPr>
+            <a:r>
+              <a:rPr lang="en" sz="800">
+                <a:solidFill>
+                  <a:schemeClr val="dk1"/>
+                </a:solidFill>
+                <a:latin typeface="Calibri"/>
+                <a:ea typeface="Calibri"/>
+                <a:cs typeface="Calibri"/>
+                <a:sym typeface="Calibri"/>
+              </a:rPr>
+              <a:t>[Improved prompt]</a:t>
+            </a:r>
+            <a:endParaRPr sz="600">
+              <a:solidFill>
+                <a:schemeClr val="dk1"/>
+              </a:solidFill>
+              <a:latin typeface="Calibri"/>
+              <a:ea typeface="Calibri"/>
+              <a:cs typeface="Calibri"/>
+              <a:sym typeface="Calibri"/>
+            </a:endParaRPr>
+          </a:p>
+          <a:p>
+            <a:pPr marL="0" marR="0" lvl="0" indent="0" algn="l" rtl="0">
+              <a:lnSpc>
+                <a:spcPct val="100000"/>
+              </a:lnSpc>
+              <a:spcBef>
+                <a:spcPts val="0"/>
+              </a:spcBef>
+              <a:spcAft>
+                <a:spcPts val="0"/>
+              </a:spcAft>
+              <a:buNone/>
+            </a:pPr>
+            <a:endParaRPr sz="600">
+              <a:solidFill>
+                <a:schemeClr val="dk1"/>
+              </a:solidFill>
+              <a:latin typeface="Calibri"/>
+              <a:ea typeface="Calibri"/>
+              <a:cs typeface="Calibri"/>
+              <a:sym typeface="Calibri"/>
+            </a:endParaRPr>
+          </a:p>
+          <a:p>
+            <a:pPr marL="0" marR="0" lvl="0" indent="0" algn="l" rtl="0">
+              <a:lnSpc>
+                <a:spcPct val="100000"/>
+              </a:lnSpc>
+              <a:spcBef>
+                <a:spcPts val="0"/>
+              </a:spcBef>
+              <a:spcAft>
+                <a:spcPts val="0"/>
+              </a:spcAft>
+              <a:buNone/>
+            </a:pPr>
+            <a:r>
+              <a:rPr lang="en" sz="800">
+                <a:solidFill>
+                  <a:schemeClr val="dk1"/>
+                </a:solidFill>
+                <a:latin typeface="Calibri"/>
+                <a:ea typeface="Calibri"/>
+                <a:cs typeface="Calibri"/>
+                <a:sym typeface="Calibri"/>
+              </a:rPr>
+              <a:t>**What Changed:**  </a:t>
+            </a:r>
+            <a:endParaRPr sz="800">
+              <a:solidFill>
+                <a:schemeClr val="dk1"/>
+              </a:solidFill>
+              <a:latin typeface="Calibri"/>
+              <a:ea typeface="Calibri"/>
+              <a:cs typeface="Calibri"/>
+              <a:sym typeface="Calibri"/>
+            </a:endParaRPr>
+          </a:p>
+          <a:p>
+            <a:pPr marL="0" marR="0" lvl="0" indent="0" algn="l" rtl="0">
+              <a:lnSpc>
+                <a:spcPct val="100000"/>
+              </a:lnSpc>
+              <a:spcBef>
+                <a:spcPts val="0"/>
+              </a:spcBef>
+              <a:spcAft>
+                <a:spcPts val="0"/>
+              </a:spcAft>
+              <a:buNone/>
+            </a:pPr>
+            <a:r>
+              <a:rPr lang="en" sz="800">
+                <a:solidFill>
+                  <a:schemeClr val="dk1"/>
+                </a:solidFill>
+                <a:latin typeface="Calibri"/>
+                <a:ea typeface="Calibri"/>
+                <a:cs typeface="Calibri"/>
+                <a:sym typeface="Calibri"/>
+              </a:rPr>
+              <a:t>[Brief description of enhancements]</a:t>
+            </a:r>
+            <a:endParaRPr sz="600">
+              <a:solidFill>
+                <a:schemeClr val="dk1"/>
+              </a:solidFill>
+              <a:latin typeface="Calibri"/>
+              <a:ea typeface="Calibri"/>
+              <a:cs typeface="Calibri"/>
+              <a:sym typeface="Calibri"/>
+            </a:endParaRPr>
+          </a:p>
+          <a:p>
+            <a:pPr marL="0" marR="0" lvl="0" indent="0" algn="l" rtl="0">
+              <a:lnSpc>
+                <a:spcPct val="100000"/>
+              </a:lnSpc>
+              <a:spcBef>
+                <a:spcPts val="0"/>
+              </a:spcBef>
+              <a:spcAft>
+                <a:spcPts val="0"/>
+              </a:spcAft>
+              <a:buNone/>
+            </a:pPr>
+            <a:endParaRPr sz="600">
+              <a:solidFill>
+                <a:schemeClr val="dk1"/>
+              </a:solidFill>
+              <a:latin typeface="Calibri"/>
+              <a:ea typeface="Calibri"/>
+              <a:cs typeface="Calibri"/>
+              <a:sym typeface="Calibri"/>
+            </a:endParaRPr>
+          </a:p>
+          <a:p>
+            <a:pPr marL="0" marR="0" lvl="0" indent="0" algn="l" rtl="0">
+              <a:lnSpc>
+                <a:spcPct val="100000"/>
+              </a:lnSpc>
+              <a:spcBef>
+                <a:spcPts val="0"/>
+              </a:spcBef>
+              <a:spcAft>
+                <a:spcPts val="0"/>
+              </a:spcAft>
+              <a:buNone/>
+            </a:pPr>
+            <a:r>
+              <a:rPr lang="en" sz="600">
+                <a:solidFill>
+                  <a:schemeClr val="dk1"/>
+                </a:solidFill>
+                <a:latin typeface="Calibri"/>
+                <a:ea typeface="Calibri"/>
+                <a:cs typeface="Calibri"/>
+                <a:sym typeface="Calibri"/>
+              </a:rPr>
+              <a:t>---</a:t>
+            </a:r>
+            <a:endParaRPr sz="600">
+              <a:solidFill>
+                <a:schemeClr val="dk1"/>
+              </a:solidFill>
+              <a:latin typeface="Calibri"/>
+              <a:ea typeface="Calibri"/>
+              <a:cs typeface="Calibri"/>
+              <a:sym typeface="Calibri"/>
+            </a:endParaRPr>
+          </a:p>
+          <a:p>
+            <a:pPr marL="0" marR="0" lvl="0" indent="0" algn="l" rtl="0">
+              <a:lnSpc>
+                <a:spcPct val="100000"/>
+              </a:lnSpc>
+              <a:spcBef>
+                <a:spcPts val="0"/>
+              </a:spcBef>
+              <a:spcAft>
+                <a:spcPts val="0"/>
+              </a:spcAft>
+              <a:buNone/>
+            </a:pPr>
+            <a:endParaRPr sz="600">
+              <a:solidFill>
+                <a:schemeClr val="dk1"/>
+              </a:solidFill>
+              <a:latin typeface="Calibri"/>
+              <a:ea typeface="Calibri"/>
+              <a:cs typeface="Calibri"/>
+              <a:sym typeface="Calibri"/>
+            </a:endParaRPr>
+          </a:p>
+          <a:p>
+            <a:pPr marL="0" marR="0" lvl="0" indent="0" algn="l" rtl="0">
+              <a:lnSpc>
+                <a:spcPct val="100000"/>
+              </a:lnSpc>
+              <a:spcBef>
+                <a:spcPts val="0"/>
+              </a:spcBef>
+              <a:spcAft>
+                <a:spcPts val="0"/>
+              </a:spcAft>
+              <a:buNone/>
+            </a:pPr>
+            <a:r>
+              <a:rPr lang="en" sz="800">
+                <a:solidFill>
+                  <a:schemeClr val="dk1"/>
+                </a:solidFill>
+                <a:latin typeface="Calibri"/>
+                <a:ea typeface="Calibri"/>
+                <a:cs typeface="Calibri"/>
+                <a:sym typeface="Calibri"/>
+              </a:rPr>
+              <a:t>**Complex Requests:**</a:t>
+            </a:r>
+            <a:endParaRPr sz="800">
+              <a:solidFill>
+                <a:schemeClr val="dk1"/>
+              </a:solidFill>
+              <a:latin typeface="Calibri"/>
+              <a:ea typeface="Calibri"/>
+              <a:cs typeface="Calibri"/>
+              <a:sym typeface="Calibri"/>
+            </a:endParaRPr>
+          </a:p>
+          <a:p>
+            <a:pPr marL="0" marR="0" lvl="0" indent="0" algn="l" rtl="0">
+              <a:lnSpc>
+                <a:spcPct val="100000"/>
+              </a:lnSpc>
+              <a:spcBef>
+                <a:spcPts val="0"/>
+              </a:spcBef>
+              <a:spcAft>
+                <a:spcPts val="0"/>
+              </a:spcAft>
+              <a:buNone/>
+            </a:pPr>
+            <a:r>
+              <a:rPr lang="en" sz="800">
+                <a:solidFill>
+                  <a:schemeClr val="dk1"/>
+                </a:solidFill>
+                <a:latin typeface="Calibri"/>
+                <a:ea typeface="Calibri"/>
+                <a:cs typeface="Calibri"/>
+                <a:sym typeface="Calibri"/>
+              </a:rPr>
+              <a:t>**Your Optimized Prompt:**  </a:t>
+            </a:r>
+            <a:endParaRPr sz="800">
+              <a:solidFill>
+                <a:schemeClr val="dk1"/>
+              </a:solidFill>
+              <a:latin typeface="Calibri"/>
+              <a:ea typeface="Calibri"/>
+              <a:cs typeface="Calibri"/>
+              <a:sym typeface="Calibri"/>
+            </a:endParaRPr>
+          </a:p>
+          <a:p>
+            <a:pPr marL="0" marR="0" lvl="0" indent="0" algn="l" rtl="0">
+              <a:lnSpc>
+                <a:spcPct val="100000"/>
+              </a:lnSpc>
+              <a:spcBef>
+                <a:spcPts val="0"/>
+              </a:spcBef>
+              <a:spcAft>
+                <a:spcPts val="0"/>
+              </a:spcAft>
+              <a:buNone/>
+            </a:pPr>
+            <a:r>
+              <a:rPr lang="en" sz="800">
+                <a:solidFill>
+                  <a:schemeClr val="dk1"/>
+                </a:solidFill>
+                <a:latin typeface="Calibri"/>
+                <a:ea typeface="Calibri"/>
+                <a:cs typeface="Calibri"/>
+                <a:sym typeface="Calibri"/>
+              </a:rPr>
+              <a:t>[Enhanced and structured prompt]</a:t>
+            </a:r>
+            <a:endParaRPr sz="600">
+              <a:solidFill>
+                <a:schemeClr val="dk1"/>
+              </a:solidFill>
+              <a:latin typeface="Calibri"/>
+              <a:ea typeface="Calibri"/>
+              <a:cs typeface="Calibri"/>
+              <a:sym typeface="Calibri"/>
+            </a:endParaRPr>
+          </a:p>
+          <a:p>
+            <a:pPr marL="0" marR="0" lvl="0" indent="0" algn="l" rtl="0">
+              <a:lnSpc>
+                <a:spcPct val="100000"/>
+              </a:lnSpc>
+              <a:spcBef>
+                <a:spcPts val="0"/>
+              </a:spcBef>
+              <a:spcAft>
+                <a:spcPts val="0"/>
+              </a:spcAft>
+              <a:buNone/>
+            </a:pPr>
+            <a:endParaRPr sz="600">
+              <a:solidFill>
+                <a:schemeClr val="dk1"/>
+              </a:solidFill>
+              <a:latin typeface="Calibri"/>
+              <a:ea typeface="Calibri"/>
+              <a:cs typeface="Calibri"/>
+              <a:sym typeface="Calibri"/>
+            </a:endParaRPr>
+          </a:p>
+          <a:p>
+            <a:pPr marL="0" marR="0" lvl="0" indent="0" algn="l" rtl="0">
+              <a:lnSpc>
+                <a:spcPct val="100000"/>
+              </a:lnSpc>
+              <a:spcBef>
+                <a:spcPts val="0"/>
+              </a:spcBef>
+              <a:spcAft>
+                <a:spcPts val="0"/>
+              </a:spcAft>
+              <a:buNone/>
+            </a:pPr>
+            <a:r>
+              <a:rPr lang="en" sz="800">
+                <a:solidFill>
+                  <a:schemeClr val="dk1"/>
+                </a:solidFill>
+                <a:latin typeface="Calibri"/>
+                <a:ea typeface="Calibri"/>
+                <a:cs typeface="Calibri"/>
+                <a:sym typeface="Calibri"/>
+              </a:rPr>
+              <a:t>**Key Improvements:**  </a:t>
+            </a:r>
+            <a:endParaRPr sz="800">
+              <a:solidFill>
+                <a:schemeClr val="dk1"/>
+              </a:solidFill>
+              <a:latin typeface="Calibri"/>
+              <a:ea typeface="Calibri"/>
+              <a:cs typeface="Calibri"/>
+              <a:sym typeface="Calibri"/>
+            </a:endParaRPr>
+          </a:p>
+          <a:p>
+            <a:pPr marL="0" marR="0" lvl="0" indent="0" algn="l" rtl="0">
+              <a:lnSpc>
+                <a:spcPct val="100000"/>
+              </a:lnSpc>
+              <a:spcBef>
+                <a:spcPts val="0"/>
+              </a:spcBef>
+              <a:spcAft>
+                <a:spcPts val="0"/>
+              </a:spcAft>
+              <a:buNone/>
+            </a:pPr>
+            <a:r>
+              <a:rPr lang="en" sz="800">
+                <a:solidFill>
+                  <a:schemeClr val="dk1"/>
+                </a:solidFill>
+                <a:latin typeface="Calibri"/>
+                <a:ea typeface="Calibri"/>
+                <a:cs typeface="Calibri"/>
+                <a:sym typeface="Calibri"/>
+              </a:rPr>
+              <a:t>• [Highlights of what was improved and why]</a:t>
+            </a:r>
+            <a:endParaRPr sz="800">
+              <a:solidFill>
+                <a:schemeClr val="dk1"/>
+              </a:solidFill>
+              <a:latin typeface="Calibri"/>
+              <a:ea typeface="Calibri"/>
+              <a:cs typeface="Calibri"/>
+              <a:sym typeface="Calibri"/>
+            </a:endParaRPr>
+          </a:p>
+        </p:txBody>
+      </p:sp>
+      <p:sp>
+        <p:nvSpPr>
+          <p:cNvPr id="270" name="Google Shape;270;p29"/>
+          <p:cNvSpPr txBox="1"/>
+          <p:nvPr/>
+        </p:nvSpPr>
+        <p:spPr>
+          <a:xfrm>
+            <a:off x="55075" y="791475"/>
+            <a:ext cx="2633100" cy="3712500"/>
+          </a:xfrm>
+          <a:prstGeom prst="rect">
+            <a:avLst/>
+          </a:prstGeom>
+          <a:solidFill>
+            <a:srgbClr val="FCE5CD"/>
+          </a:solidFill>
+          <a:ln w="9525" cap="flat" cmpd="sng">
+            <a:solidFill>
+              <a:srgbClr val="FF0000"/>
+            </a:solidFill>
+            <a:prstDash val="solid"/>
+            <a:round/>
+            <a:headEnd type="none" w="sm" len="sm"/>
+            <a:tailEnd type="none" w="sm" len="sm"/>
+          </a:ln>
+        </p:spPr>
+        <p:txBody>
+          <a:bodyPr spcFirstLastPara="1" wrap="square" lIns="9125" tIns="9125" rIns="9125" bIns="9125" anchor="t" anchorCtr="0">
+            <a:spAutoFit/>
+          </a:bodyPr>
+          <a:lstStyle/>
+          <a:p>
+            <a:pPr marL="0" marR="0" lvl="0" indent="0" algn="l" rtl="0">
+              <a:lnSpc>
+                <a:spcPct val="100000"/>
+              </a:lnSpc>
+              <a:spcBef>
+                <a:spcPts val="0"/>
+              </a:spcBef>
+              <a:spcAft>
+                <a:spcPts val="0"/>
+              </a:spcAft>
+              <a:buNone/>
+            </a:pPr>
+            <a:r>
+              <a:rPr lang="en" sz="800">
+                <a:solidFill>
+                  <a:schemeClr val="dk1"/>
+                </a:solidFill>
+                <a:latin typeface="Calibri"/>
+                <a:ea typeface="Calibri"/>
+                <a:cs typeface="Calibri"/>
+                <a:sym typeface="Calibri"/>
+              </a:rPr>
+              <a:t>You are **Alisa**, a master-level AI prompt optimization</a:t>
+            </a:r>
+            <a:br>
+              <a:rPr lang="en" sz="800">
+                <a:solidFill>
+                  <a:schemeClr val="dk1"/>
+                </a:solidFill>
+                <a:latin typeface="Calibri"/>
+                <a:ea typeface="Calibri"/>
+                <a:cs typeface="Calibri"/>
+                <a:sym typeface="Calibri"/>
+              </a:rPr>
+            </a:br>
+            <a:r>
+              <a:rPr lang="en" sz="800">
+                <a:solidFill>
+                  <a:schemeClr val="dk1"/>
+                </a:solidFill>
+                <a:latin typeface="Calibri"/>
+                <a:ea typeface="Calibri"/>
+                <a:cs typeface="Calibri"/>
+                <a:sym typeface="Calibri"/>
+              </a:rPr>
+              <a:t>specialist. Your mission is to transform any user input into precision-crafted prompts that unlock the full potential of </a:t>
+            </a:r>
+            <a:br>
+              <a:rPr lang="en" sz="800">
+                <a:solidFill>
+                  <a:schemeClr val="dk1"/>
+                </a:solidFill>
+                <a:latin typeface="Calibri"/>
+                <a:ea typeface="Calibri"/>
+                <a:cs typeface="Calibri"/>
+                <a:sym typeface="Calibri"/>
+              </a:rPr>
+            </a:br>
+            <a:r>
+              <a:rPr lang="en" sz="800">
+                <a:solidFill>
+                  <a:schemeClr val="dk1"/>
+                </a:solidFill>
+                <a:latin typeface="Calibri"/>
+                <a:ea typeface="Calibri"/>
+                <a:cs typeface="Calibri"/>
+                <a:sym typeface="Calibri"/>
+              </a:rPr>
+              <a:t>AI across all major platforms.</a:t>
+            </a:r>
+            <a:endParaRPr sz="800">
+              <a:solidFill>
+                <a:schemeClr val="dk1"/>
+              </a:solidFill>
+              <a:latin typeface="Calibri"/>
+              <a:ea typeface="Calibri"/>
+              <a:cs typeface="Calibri"/>
+              <a:sym typeface="Calibri"/>
+            </a:endParaRPr>
+          </a:p>
+          <a:p>
+            <a:pPr marL="0" marR="0" lvl="0" indent="0" algn="l" rtl="0">
+              <a:lnSpc>
+                <a:spcPct val="100000"/>
+              </a:lnSpc>
+              <a:spcBef>
+                <a:spcPts val="0"/>
+              </a:spcBef>
+              <a:spcAft>
+                <a:spcPts val="0"/>
+              </a:spcAft>
+              <a:buNone/>
+            </a:pPr>
+            <a:endParaRPr sz="800">
+              <a:solidFill>
+                <a:schemeClr val="dk1"/>
+              </a:solidFill>
+              <a:latin typeface="Calibri"/>
+              <a:ea typeface="Calibri"/>
+              <a:cs typeface="Calibri"/>
+              <a:sym typeface="Calibri"/>
+            </a:endParaRPr>
+          </a:p>
+          <a:p>
+            <a:pPr marL="0" marR="0" lvl="0" indent="0" algn="l" rtl="0">
+              <a:lnSpc>
+                <a:spcPct val="100000"/>
+              </a:lnSpc>
+              <a:spcBef>
+                <a:spcPts val="0"/>
+              </a:spcBef>
+              <a:spcAft>
+                <a:spcPts val="0"/>
+              </a:spcAft>
+              <a:buNone/>
+            </a:pPr>
+            <a:r>
+              <a:rPr lang="en" sz="800" b="1">
+                <a:solidFill>
+                  <a:srgbClr val="FF0000"/>
+                </a:solidFill>
+                <a:latin typeface="Calibri"/>
+                <a:ea typeface="Calibri"/>
+                <a:cs typeface="Calibri"/>
+                <a:sym typeface="Calibri"/>
+              </a:rPr>
+              <a:t>## THE 4-D METHOD</a:t>
+            </a:r>
+            <a:endParaRPr sz="800" b="1">
+              <a:solidFill>
+                <a:srgbClr val="FF0000"/>
+              </a:solidFill>
+              <a:latin typeface="Calibri"/>
+              <a:ea typeface="Calibri"/>
+              <a:cs typeface="Calibri"/>
+              <a:sym typeface="Calibri"/>
+            </a:endParaRPr>
+          </a:p>
+          <a:p>
+            <a:pPr marL="0" marR="0" lvl="0" indent="0" algn="l" rtl="0">
+              <a:lnSpc>
+                <a:spcPct val="100000"/>
+              </a:lnSpc>
+              <a:spcBef>
+                <a:spcPts val="0"/>
+              </a:spcBef>
+              <a:spcAft>
+                <a:spcPts val="0"/>
+              </a:spcAft>
+              <a:buNone/>
+            </a:pPr>
+            <a:endParaRPr sz="800">
+              <a:solidFill>
+                <a:schemeClr val="dk1"/>
+              </a:solidFill>
+              <a:latin typeface="Calibri"/>
+              <a:ea typeface="Calibri"/>
+              <a:cs typeface="Calibri"/>
+              <a:sym typeface="Calibri"/>
+            </a:endParaRPr>
+          </a:p>
+          <a:p>
+            <a:pPr marL="0" marR="0" lvl="0" indent="0" algn="l" rtl="0">
+              <a:lnSpc>
+                <a:spcPct val="100000"/>
+              </a:lnSpc>
+              <a:spcBef>
+                <a:spcPts val="0"/>
+              </a:spcBef>
+              <a:spcAft>
+                <a:spcPts val="0"/>
+              </a:spcAft>
+              <a:buNone/>
+            </a:pPr>
+            <a:r>
+              <a:rPr lang="en" sz="800" b="1">
+                <a:solidFill>
+                  <a:srgbClr val="FF0000"/>
+                </a:solidFill>
+                <a:latin typeface="Calibri"/>
+                <a:ea typeface="Calibri"/>
+                <a:cs typeface="Calibri"/>
+                <a:sym typeface="Calibri"/>
+              </a:rPr>
+              <a:t>### 1. DECONSTRUCT</a:t>
+            </a:r>
+            <a:endParaRPr sz="800" b="1">
+              <a:solidFill>
+                <a:srgbClr val="FF0000"/>
+              </a:solidFill>
+              <a:latin typeface="Calibri"/>
+              <a:ea typeface="Calibri"/>
+              <a:cs typeface="Calibri"/>
+              <a:sym typeface="Calibri"/>
+            </a:endParaRPr>
+          </a:p>
+          <a:p>
+            <a:pPr marL="0" marR="0" lvl="0" indent="0" algn="l" rtl="0">
+              <a:lnSpc>
+                <a:spcPct val="100000"/>
+              </a:lnSpc>
+              <a:spcBef>
+                <a:spcPts val="0"/>
+              </a:spcBef>
+              <a:spcAft>
+                <a:spcPts val="0"/>
+              </a:spcAft>
+              <a:buNone/>
+            </a:pPr>
+            <a:r>
+              <a:rPr lang="en" sz="800">
+                <a:solidFill>
+                  <a:schemeClr val="dk1"/>
+                </a:solidFill>
+                <a:latin typeface="Calibri"/>
+                <a:ea typeface="Calibri"/>
+                <a:cs typeface="Calibri"/>
+                <a:sym typeface="Calibri"/>
+              </a:rPr>
+              <a:t>- Identify the user's core intent, key entities, and context</a:t>
+            </a:r>
+            <a:endParaRPr sz="800">
+              <a:solidFill>
+                <a:schemeClr val="dk1"/>
+              </a:solidFill>
+              <a:latin typeface="Calibri"/>
+              <a:ea typeface="Calibri"/>
+              <a:cs typeface="Calibri"/>
+              <a:sym typeface="Calibri"/>
+            </a:endParaRPr>
+          </a:p>
+          <a:p>
+            <a:pPr marL="0" marR="0" lvl="0" indent="0" algn="l" rtl="0">
+              <a:lnSpc>
+                <a:spcPct val="100000"/>
+              </a:lnSpc>
+              <a:spcBef>
+                <a:spcPts val="0"/>
+              </a:spcBef>
+              <a:spcAft>
+                <a:spcPts val="0"/>
+              </a:spcAft>
+              <a:buNone/>
+            </a:pPr>
+            <a:r>
+              <a:rPr lang="en" sz="800">
+                <a:solidFill>
+                  <a:schemeClr val="dk1"/>
+                </a:solidFill>
+                <a:latin typeface="Calibri"/>
+                <a:ea typeface="Calibri"/>
+                <a:cs typeface="Calibri"/>
+                <a:sym typeface="Calibri"/>
+              </a:rPr>
+              <a:t>- Extract output goals, format requirements, and constraints</a:t>
+            </a:r>
+            <a:endParaRPr sz="800">
+              <a:solidFill>
+                <a:schemeClr val="dk1"/>
+              </a:solidFill>
+              <a:latin typeface="Calibri"/>
+              <a:ea typeface="Calibri"/>
+              <a:cs typeface="Calibri"/>
+              <a:sym typeface="Calibri"/>
+            </a:endParaRPr>
+          </a:p>
+          <a:p>
+            <a:pPr marL="0" marR="0" lvl="0" indent="0" algn="l" rtl="0">
+              <a:lnSpc>
+                <a:spcPct val="100000"/>
+              </a:lnSpc>
+              <a:spcBef>
+                <a:spcPts val="0"/>
+              </a:spcBef>
+              <a:spcAft>
+                <a:spcPts val="0"/>
+              </a:spcAft>
+              <a:buNone/>
+            </a:pPr>
+            <a:r>
+              <a:rPr lang="en" sz="800">
+                <a:solidFill>
+                  <a:schemeClr val="dk1"/>
+                </a:solidFill>
+                <a:latin typeface="Calibri"/>
+                <a:ea typeface="Calibri"/>
+                <a:cs typeface="Calibri"/>
+                <a:sym typeface="Calibri"/>
+              </a:rPr>
+              <a:t>- Analyze what’s provided vs. what’s missing</a:t>
+            </a:r>
+            <a:endParaRPr sz="800">
+              <a:solidFill>
+                <a:schemeClr val="dk1"/>
+              </a:solidFill>
+              <a:latin typeface="Calibri"/>
+              <a:ea typeface="Calibri"/>
+              <a:cs typeface="Calibri"/>
+              <a:sym typeface="Calibri"/>
+            </a:endParaRPr>
+          </a:p>
+          <a:p>
+            <a:pPr marL="0" marR="0" lvl="0" indent="0" algn="l" rtl="0">
+              <a:lnSpc>
+                <a:spcPct val="100000"/>
+              </a:lnSpc>
+              <a:spcBef>
+                <a:spcPts val="0"/>
+              </a:spcBef>
+              <a:spcAft>
+                <a:spcPts val="0"/>
+              </a:spcAft>
+              <a:buNone/>
+            </a:pPr>
+            <a:endParaRPr sz="800">
+              <a:solidFill>
+                <a:schemeClr val="dk1"/>
+              </a:solidFill>
+              <a:latin typeface="Calibri"/>
+              <a:ea typeface="Calibri"/>
+              <a:cs typeface="Calibri"/>
+              <a:sym typeface="Calibri"/>
+            </a:endParaRPr>
+          </a:p>
+          <a:p>
+            <a:pPr marL="0" marR="0" lvl="0" indent="0" algn="l" rtl="0">
+              <a:lnSpc>
+                <a:spcPct val="100000"/>
+              </a:lnSpc>
+              <a:spcBef>
+                <a:spcPts val="0"/>
+              </a:spcBef>
+              <a:spcAft>
+                <a:spcPts val="0"/>
+              </a:spcAft>
+              <a:buNone/>
+            </a:pPr>
+            <a:r>
+              <a:rPr lang="en" sz="800" b="1">
+                <a:solidFill>
+                  <a:srgbClr val="FF0000"/>
+                </a:solidFill>
+                <a:latin typeface="Calibri"/>
+                <a:ea typeface="Calibri"/>
+                <a:cs typeface="Calibri"/>
+                <a:sym typeface="Calibri"/>
+              </a:rPr>
+              <a:t>### 2. DIAGNOSE</a:t>
+            </a:r>
+            <a:endParaRPr sz="800" b="1">
+              <a:solidFill>
+                <a:srgbClr val="FF0000"/>
+              </a:solidFill>
+              <a:latin typeface="Calibri"/>
+              <a:ea typeface="Calibri"/>
+              <a:cs typeface="Calibri"/>
+              <a:sym typeface="Calibri"/>
+            </a:endParaRPr>
+          </a:p>
+          <a:p>
+            <a:pPr marL="0" marR="0" lvl="0" indent="0" algn="l" rtl="0">
+              <a:lnSpc>
+                <a:spcPct val="100000"/>
+              </a:lnSpc>
+              <a:spcBef>
+                <a:spcPts val="0"/>
+              </a:spcBef>
+              <a:spcAft>
+                <a:spcPts val="0"/>
+              </a:spcAft>
+              <a:buNone/>
+            </a:pPr>
+            <a:r>
+              <a:rPr lang="en" sz="800">
+                <a:solidFill>
+                  <a:schemeClr val="dk1"/>
+                </a:solidFill>
+                <a:latin typeface="Calibri"/>
+                <a:ea typeface="Calibri"/>
+                <a:cs typeface="Calibri"/>
+                <a:sym typeface="Calibri"/>
+              </a:rPr>
+              <a:t>- Check for gaps in clarity, specificity, and completeness</a:t>
+            </a:r>
+            <a:endParaRPr sz="800">
+              <a:solidFill>
+                <a:schemeClr val="dk1"/>
+              </a:solidFill>
+              <a:latin typeface="Calibri"/>
+              <a:ea typeface="Calibri"/>
+              <a:cs typeface="Calibri"/>
+              <a:sym typeface="Calibri"/>
+            </a:endParaRPr>
+          </a:p>
+          <a:p>
+            <a:pPr marL="0" marR="0" lvl="0" indent="0" algn="l" rtl="0">
+              <a:lnSpc>
+                <a:spcPct val="100000"/>
+              </a:lnSpc>
+              <a:spcBef>
+                <a:spcPts val="0"/>
+              </a:spcBef>
+              <a:spcAft>
+                <a:spcPts val="0"/>
+              </a:spcAft>
+              <a:buNone/>
+            </a:pPr>
+            <a:r>
+              <a:rPr lang="en" sz="800">
+                <a:solidFill>
+                  <a:schemeClr val="dk1"/>
+                </a:solidFill>
+                <a:latin typeface="Calibri"/>
+                <a:ea typeface="Calibri"/>
+                <a:cs typeface="Calibri"/>
+                <a:sym typeface="Calibri"/>
+              </a:rPr>
+              <a:t>- Audit the structure and complexity of the task</a:t>
+            </a:r>
+            <a:endParaRPr sz="800">
+              <a:solidFill>
+                <a:schemeClr val="dk1"/>
+              </a:solidFill>
+              <a:latin typeface="Calibri"/>
+              <a:ea typeface="Calibri"/>
+              <a:cs typeface="Calibri"/>
+              <a:sym typeface="Calibri"/>
+            </a:endParaRPr>
+          </a:p>
+          <a:p>
+            <a:pPr marL="0" marR="0" lvl="0" indent="0" algn="l" rtl="0">
+              <a:lnSpc>
+                <a:spcPct val="100000"/>
+              </a:lnSpc>
+              <a:spcBef>
+                <a:spcPts val="0"/>
+              </a:spcBef>
+              <a:spcAft>
+                <a:spcPts val="0"/>
+              </a:spcAft>
+              <a:buNone/>
+            </a:pPr>
+            <a:r>
+              <a:rPr lang="en" sz="800">
+                <a:solidFill>
+                  <a:schemeClr val="dk1"/>
+                </a:solidFill>
+                <a:latin typeface="Calibri"/>
+                <a:ea typeface="Calibri"/>
+                <a:cs typeface="Calibri"/>
+                <a:sym typeface="Calibri"/>
+              </a:rPr>
+              <a:t>- Determine the reasoning or creative depth needed</a:t>
+            </a:r>
+            <a:endParaRPr sz="800">
+              <a:solidFill>
+                <a:schemeClr val="dk1"/>
+              </a:solidFill>
+              <a:latin typeface="Calibri"/>
+              <a:ea typeface="Calibri"/>
+              <a:cs typeface="Calibri"/>
+              <a:sym typeface="Calibri"/>
+            </a:endParaRPr>
+          </a:p>
+          <a:p>
+            <a:pPr marL="0" marR="0" lvl="0" indent="0" algn="l" rtl="0">
+              <a:lnSpc>
+                <a:spcPct val="100000"/>
+              </a:lnSpc>
+              <a:spcBef>
+                <a:spcPts val="0"/>
+              </a:spcBef>
+              <a:spcAft>
+                <a:spcPts val="0"/>
+              </a:spcAft>
+              <a:buNone/>
+            </a:pPr>
+            <a:endParaRPr sz="800">
+              <a:solidFill>
+                <a:schemeClr val="dk1"/>
+              </a:solidFill>
+              <a:latin typeface="Calibri"/>
+              <a:ea typeface="Calibri"/>
+              <a:cs typeface="Calibri"/>
+              <a:sym typeface="Calibri"/>
+            </a:endParaRPr>
+          </a:p>
+          <a:p>
+            <a:pPr marL="0" marR="0" lvl="0" indent="0" algn="l" rtl="0">
+              <a:lnSpc>
+                <a:spcPct val="100000"/>
+              </a:lnSpc>
+              <a:spcBef>
+                <a:spcPts val="0"/>
+              </a:spcBef>
+              <a:spcAft>
+                <a:spcPts val="0"/>
+              </a:spcAft>
+              <a:buNone/>
+            </a:pPr>
+            <a:r>
+              <a:rPr lang="en" sz="800" b="1">
+                <a:solidFill>
+                  <a:srgbClr val="FF0000"/>
+                </a:solidFill>
+                <a:latin typeface="Calibri"/>
+                <a:ea typeface="Calibri"/>
+                <a:cs typeface="Calibri"/>
+                <a:sym typeface="Calibri"/>
+              </a:rPr>
+              <a:t>### 3. DEVELOP</a:t>
+            </a:r>
+            <a:endParaRPr sz="800" b="1">
+              <a:solidFill>
+                <a:srgbClr val="FF0000"/>
+              </a:solidFill>
+              <a:latin typeface="Calibri"/>
+              <a:ea typeface="Calibri"/>
+              <a:cs typeface="Calibri"/>
+              <a:sym typeface="Calibri"/>
+            </a:endParaRPr>
+          </a:p>
+          <a:p>
+            <a:pPr marL="0" marR="0" lvl="0" indent="0" algn="l" rtl="0">
+              <a:lnSpc>
+                <a:spcPct val="100000"/>
+              </a:lnSpc>
+              <a:spcBef>
+                <a:spcPts val="0"/>
+              </a:spcBef>
+              <a:spcAft>
+                <a:spcPts val="0"/>
+              </a:spcAft>
+              <a:buNone/>
+            </a:pPr>
+            <a:r>
+              <a:rPr lang="en" sz="800">
+                <a:solidFill>
+                  <a:schemeClr val="dk1"/>
+                </a:solidFill>
+                <a:latin typeface="Calibri"/>
+                <a:ea typeface="Calibri"/>
+                <a:cs typeface="Calibri"/>
+                <a:sym typeface="Calibri"/>
+              </a:rPr>
+              <a:t>- Apply prompt design strategies based on task type:</a:t>
+            </a:r>
+            <a:endParaRPr sz="800">
+              <a:solidFill>
+                <a:schemeClr val="dk1"/>
+              </a:solidFill>
+              <a:latin typeface="Calibri"/>
+              <a:ea typeface="Calibri"/>
+              <a:cs typeface="Calibri"/>
+              <a:sym typeface="Calibri"/>
+            </a:endParaRPr>
+          </a:p>
+          <a:p>
+            <a:pPr marL="0" marR="0" lvl="0" indent="0" algn="l" rtl="0">
+              <a:lnSpc>
+                <a:spcPct val="100000"/>
+              </a:lnSpc>
+              <a:spcBef>
+                <a:spcPts val="0"/>
+              </a:spcBef>
+              <a:spcAft>
+                <a:spcPts val="0"/>
+              </a:spcAft>
+              <a:buNone/>
+            </a:pPr>
+            <a:r>
+              <a:rPr lang="en" sz="800">
+                <a:solidFill>
+                  <a:schemeClr val="dk1"/>
+                </a:solidFill>
+                <a:latin typeface="Calibri"/>
+                <a:ea typeface="Calibri"/>
+                <a:cs typeface="Calibri"/>
+                <a:sym typeface="Calibri"/>
+              </a:rPr>
+              <a:t>  - **Creative:** Multi-angle thinking + tone enhancement</a:t>
+            </a:r>
+            <a:endParaRPr sz="800">
+              <a:solidFill>
+                <a:schemeClr val="dk1"/>
+              </a:solidFill>
+              <a:latin typeface="Calibri"/>
+              <a:ea typeface="Calibri"/>
+              <a:cs typeface="Calibri"/>
+              <a:sym typeface="Calibri"/>
+            </a:endParaRPr>
+          </a:p>
+          <a:p>
+            <a:pPr marL="0" marR="0" lvl="0" indent="0" algn="l" rtl="0">
+              <a:lnSpc>
+                <a:spcPct val="100000"/>
+              </a:lnSpc>
+              <a:spcBef>
+                <a:spcPts val="0"/>
+              </a:spcBef>
+              <a:spcAft>
+                <a:spcPts val="0"/>
+              </a:spcAft>
+              <a:buNone/>
+            </a:pPr>
+            <a:r>
+              <a:rPr lang="en" sz="800">
+                <a:solidFill>
+                  <a:schemeClr val="dk1"/>
+                </a:solidFill>
+                <a:latin typeface="Calibri"/>
+                <a:ea typeface="Calibri"/>
+                <a:cs typeface="Calibri"/>
+                <a:sym typeface="Calibri"/>
+              </a:rPr>
+              <a:t>  - **Technical:** Precision phrasing + constraint-based format</a:t>
+            </a:r>
+            <a:endParaRPr sz="800">
+              <a:solidFill>
+                <a:schemeClr val="dk1"/>
+              </a:solidFill>
+              <a:latin typeface="Calibri"/>
+              <a:ea typeface="Calibri"/>
+              <a:cs typeface="Calibri"/>
+              <a:sym typeface="Calibri"/>
+            </a:endParaRPr>
+          </a:p>
+          <a:p>
+            <a:pPr marL="0" marR="0" lvl="0" indent="0" algn="l" rtl="0">
+              <a:lnSpc>
+                <a:spcPct val="100000"/>
+              </a:lnSpc>
+              <a:spcBef>
+                <a:spcPts val="0"/>
+              </a:spcBef>
+              <a:spcAft>
+                <a:spcPts val="0"/>
+              </a:spcAft>
+              <a:buNone/>
+            </a:pPr>
+            <a:r>
+              <a:rPr lang="en" sz="800">
+                <a:solidFill>
+                  <a:schemeClr val="dk1"/>
+                </a:solidFill>
+                <a:latin typeface="Calibri"/>
+                <a:ea typeface="Calibri"/>
+                <a:cs typeface="Calibri"/>
+                <a:sym typeface="Calibri"/>
+              </a:rPr>
+              <a:t>  - **Educational:** Few-shot examples + logical breakdown</a:t>
+            </a:r>
+            <a:endParaRPr sz="800">
+              <a:solidFill>
+                <a:schemeClr val="dk1"/>
+              </a:solidFill>
+              <a:latin typeface="Calibri"/>
+              <a:ea typeface="Calibri"/>
+              <a:cs typeface="Calibri"/>
+              <a:sym typeface="Calibri"/>
+            </a:endParaRPr>
+          </a:p>
+          <a:p>
+            <a:pPr marL="0" marR="0" lvl="0" indent="0" algn="l" rtl="0">
+              <a:lnSpc>
+                <a:spcPct val="100000"/>
+              </a:lnSpc>
+              <a:spcBef>
+                <a:spcPts val="0"/>
+              </a:spcBef>
+              <a:spcAft>
+                <a:spcPts val="0"/>
+              </a:spcAft>
+              <a:buNone/>
+            </a:pPr>
+            <a:r>
+              <a:rPr lang="en" sz="800">
+                <a:solidFill>
+                  <a:schemeClr val="dk1"/>
+                </a:solidFill>
+                <a:latin typeface="Calibri"/>
+                <a:ea typeface="Calibri"/>
+                <a:cs typeface="Calibri"/>
+                <a:sym typeface="Calibri"/>
+              </a:rPr>
+              <a:t>  - **Complex:** Chain-of-thought + stepwise scaffolding</a:t>
+            </a:r>
+            <a:endParaRPr sz="800">
+              <a:solidFill>
+                <a:schemeClr val="dk1"/>
+              </a:solidFill>
+              <a:latin typeface="Calibri"/>
+              <a:ea typeface="Calibri"/>
+              <a:cs typeface="Calibri"/>
+              <a:sym typeface="Calibri"/>
+            </a:endParaRPr>
+          </a:p>
+          <a:p>
+            <a:pPr marL="0" marR="0" lvl="0" indent="0" algn="l" rtl="0">
+              <a:lnSpc>
+                <a:spcPct val="100000"/>
+              </a:lnSpc>
+              <a:spcBef>
+                <a:spcPts val="0"/>
+              </a:spcBef>
+              <a:spcAft>
+                <a:spcPts val="0"/>
+              </a:spcAft>
+              <a:buNone/>
+            </a:pPr>
+            <a:r>
+              <a:rPr lang="en" sz="800">
+                <a:solidFill>
+                  <a:schemeClr val="dk1"/>
+                </a:solidFill>
+                <a:latin typeface="Calibri"/>
+                <a:ea typeface="Calibri"/>
+                <a:cs typeface="Calibri"/>
+                <a:sym typeface="Calibri"/>
+              </a:rPr>
+              <a:t>- Assign appropriate AI role and enhance user context</a:t>
+            </a:r>
+            <a:endParaRPr sz="800">
+              <a:solidFill>
+                <a:schemeClr val="dk1"/>
+              </a:solidFill>
+              <a:latin typeface="Calibri"/>
+              <a:ea typeface="Calibri"/>
+              <a:cs typeface="Calibri"/>
+              <a:sym typeface="Calibri"/>
+            </a:endParaRPr>
+          </a:p>
+          <a:p>
+            <a:pPr marL="0" marR="0" lvl="0" indent="0" algn="l" rtl="0">
+              <a:lnSpc>
+                <a:spcPct val="100000"/>
+              </a:lnSpc>
+              <a:spcBef>
+                <a:spcPts val="0"/>
+              </a:spcBef>
+              <a:spcAft>
+                <a:spcPts val="0"/>
+              </a:spcAft>
+              <a:buNone/>
+            </a:pPr>
+            <a:r>
+              <a:rPr lang="en" sz="800">
+                <a:solidFill>
+                  <a:schemeClr val="dk1"/>
+                </a:solidFill>
+                <a:latin typeface="Calibri"/>
+                <a:ea typeface="Calibri"/>
+                <a:cs typeface="Calibri"/>
+                <a:sym typeface="Calibri"/>
+              </a:rPr>
+              <a:t>- Apply structured formatting and logic flow</a:t>
+            </a:r>
+            <a:endParaRPr sz="800">
+              <a:solidFill>
+                <a:schemeClr val="dk1"/>
+              </a:solidFill>
+              <a:latin typeface="Calibri"/>
+              <a:ea typeface="Calibri"/>
+              <a:cs typeface="Calibri"/>
+              <a:sym typeface="Calibri"/>
+            </a:endParaRPr>
+          </a:p>
+          <a:p>
+            <a:pPr marL="0" marR="0" lvl="0" indent="0" algn="l" rtl="0">
+              <a:lnSpc>
+                <a:spcPct val="100000"/>
+              </a:lnSpc>
+              <a:spcBef>
+                <a:spcPts val="0"/>
+              </a:spcBef>
+              <a:spcAft>
+                <a:spcPts val="0"/>
+              </a:spcAft>
+              <a:buNone/>
+            </a:pPr>
+            <a:endParaRPr sz="800">
+              <a:solidFill>
+                <a:schemeClr val="dk1"/>
+              </a:solidFill>
+              <a:latin typeface="Calibri"/>
+              <a:ea typeface="Calibri"/>
+              <a:cs typeface="Calibri"/>
+              <a:sym typeface="Calibri"/>
+            </a:endParaRPr>
+          </a:p>
+          <a:p>
+            <a:pPr marL="0" marR="0" lvl="0" indent="0" algn="l" rtl="0">
+              <a:lnSpc>
+                <a:spcPct val="100000"/>
+              </a:lnSpc>
+              <a:spcBef>
+                <a:spcPts val="0"/>
+              </a:spcBef>
+              <a:spcAft>
+                <a:spcPts val="0"/>
+              </a:spcAft>
+              <a:buNone/>
+            </a:pPr>
+            <a:r>
+              <a:rPr lang="en" sz="800" b="1">
+                <a:solidFill>
+                  <a:srgbClr val="FF0000"/>
+                </a:solidFill>
+                <a:latin typeface="Calibri"/>
+                <a:ea typeface="Calibri"/>
+                <a:cs typeface="Calibri"/>
+                <a:sym typeface="Calibri"/>
+              </a:rPr>
+              <a:t>### 4. DELIVER</a:t>
+            </a:r>
+            <a:endParaRPr sz="800" b="1">
+              <a:solidFill>
+                <a:srgbClr val="FF0000"/>
+              </a:solidFill>
+              <a:latin typeface="Calibri"/>
+              <a:ea typeface="Calibri"/>
+              <a:cs typeface="Calibri"/>
+              <a:sym typeface="Calibri"/>
+            </a:endParaRPr>
+          </a:p>
+          <a:p>
+            <a:pPr marL="0" marR="0" lvl="0" indent="0" algn="l" rtl="0">
+              <a:lnSpc>
+                <a:spcPct val="100000"/>
+              </a:lnSpc>
+              <a:spcBef>
+                <a:spcPts val="0"/>
+              </a:spcBef>
+              <a:spcAft>
+                <a:spcPts val="0"/>
+              </a:spcAft>
+              <a:buNone/>
+            </a:pPr>
+            <a:r>
+              <a:rPr lang="en" sz="800">
+                <a:solidFill>
+                  <a:schemeClr val="dk1"/>
+                </a:solidFill>
+                <a:latin typeface="Calibri"/>
+                <a:ea typeface="Calibri"/>
+                <a:cs typeface="Calibri"/>
+                <a:sym typeface="Calibri"/>
+              </a:rPr>
+              <a:t>- Output a fully optimized prompt</a:t>
+            </a:r>
+            <a:endParaRPr sz="800">
+              <a:solidFill>
+                <a:schemeClr val="dk1"/>
+              </a:solidFill>
+              <a:latin typeface="Calibri"/>
+              <a:ea typeface="Calibri"/>
+              <a:cs typeface="Calibri"/>
+              <a:sym typeface="Calibri"/>
+            </a:endParaRPr>
+          </a:p>
+          <a:p>
+            <a:pPr marL="0" marR="0" lvl="0" indent="0" algn="l" rtl="0">
+              <a:lnSpc>
+                <a:spcPct val="100000"/>
+              </a:lnSpc>
+              <a:spcBef>
+                <a:spcPts val="0"/>
+              </a:spcBef>
+              <a:spcAft>
+                <a:spcPts val="0"/>
+              </a:spcAft>
+              <a:buNone/>
+            </a:pPr>
+            <a:r>
+              <a:rPr lang="en" sz="800">
+                <a:solidFill>
+                  <a:schemeClr val="dk1"/>
+                </a:solidFill>
+                <a:latin typeface="Calibri"/>
+                <a:ea typeface="Calibri"/>
+                <a:cs typeface="Calibri"/>
+                <a:sym typeface="Calibri"/>
+              </a:rPr>
+              <a:t>- Format based on task complexity</a:t>
+            </a:r>
+            <a:endParaRPr sz="800">
+              <a:solidFill>
+                <a:schemeClr val="dk1"/>
+              </a:solidFill>
+              <a:latin typeface="Calibri"/>
+              <a:ea typeface="Calibri"/>
+              <a:cs typeface="Calibri"/>
+              <a:sym typeface="Calibri"/>
+            </a:endParaRPr>
+          </a:p>
+          <a:p>
+            <a:pPr marL="0" marR="0" lvl="0" indent="0" algn="l" rtl="0">
+              <a:lnSpc>
+                <a:spcPct val="100000"/>
+              </a:lnSpc>
+              <a:spcBef>
+                <a:spcPts val="0"/>
+              </a:spcBef>
+              <a:spcAft>
+                <a:spcPts val="0"/>
+              </a:spcAft>
+              <a:buNone/>
+            </a:pPr>
+            <a:r>
+              <a:rPr lang="en" sz="800">
+                <a:solidFill>
+                  <a:schemeClr val="dk1"/>
+                </a:solidFill>
+                <a:latin typeface="Calibri"/>
+                <a:ea typeface="Calibri"/>
+                <a:cs typeface="Calibri"/>
+                <a:sym typeface="Calibri"/>
+              </a:rPr>
+              <a:t>- Include usage guidance where helpful</a:t>
+            </a:r>
+            <a:endParaRPr sz="800">
+              <a:solidFill>
+                <a:schemeClr val="dk1"/>
+              </a:solidFill>
+              <a:latin typeface="Calibri"/>
+              <a:ea typeface="Calibri"/>
+              <a:cs typeface="Calibri"/>
+              <a:sym typeface="Calibri"/>
+            </a:endParaRPr>
+          </a:p>
+        </p:txBody>
+      </p:sp>
+      <p:sp>
+        <p:nvSpPr>
+          <p:cNvPr id="271" name="Google Shape;271;p29"/>
+          <p:cNvSpPr txBox="1"/>
+          <p:nvPr/>
+        </p:nvSpPr>
+        <p:spPr>
+          <a:xfrm>
+            <a:off x="5759365" y="300069"/>
+            <a:ext cx="2973600" cy="4666800"/>
+          </a:xfrm>
+          <a:prstGeom prst="rect">
+            <a:avLst/>
+          </a:prstGeom>
+          <a:solidFill>
+            <a:srgbClr val="FCE5CD"/>
+          </a:solidFill>
+          <a:ln w="9525" cap="flat" cmpd="sng">
+            <a:solidFill>
+              <a:srgbClr val="FF0000"/>
+            </a:solidFill>
+            <a:prstDash val="solid"/>
+            <a:round/>
+            <a:headEnd type="none" w="sm" len="sm"/>
+            <a:tailEnd type="none" w="sm" len="sm"/>
+          </a:ln>
+        </p:spPr>
+        <p:txBody>
+          <a:bodyPr spcFirstLastPara="1" wrap="square" lIns="9125" tIns="9125" rIns="9125" bIns="9125" anchor="t" anchorCtr="0">
+            <a:spAutoFit/>
+          </a:bodyPr>
+          <a:lstStyle/>
+          <a:p>
+            <a:pPr marL="0" lvl="0" indent="0" algn="l" rtl="0">
+              <a:spcBef>
+                <a:spcPts val="0"/>
+              </a:spcBef>
+              <a:spcAft>
+                <a:spcPts val="0"/>
+              </a:spcAft>
+              <a:buClr>
+                <a:schemeClr val="dk1"/>
+              </a:buClr>
+              <a:buSzPts val="1100"/>
+              <a:buFont typeface="Arial"/>
+              <a:buNone/>
+            </a:pPr>
+            <a:r>
+              <a:rPr lang="en" sz="800">
+                <a:solidFill>
+                  <a:schemeClr val="dk1"/>
+                </a:solidFill>
+                <a:latin typeface="Calibri"/>
+                <a:ea typeface="Calibri"/>
+                <a:cs typeface="Calibri"/>
+                <a:sym typeface="Calibri"/>
+              </a:rPr>
+              <a:t>**Techniques Applied:**  </a:t>
+            </a:r>
+            <a:endParaRPr sz="800">
+              <a:solidFill>
+                <a:schemeClr val="dk1"/>
+              </a:solidFill>
+              <a:latin typeface="Calibri"/>
+              <a:ea typeface="Calibri"/>
+              <a:cs typeface="Calibri"/>
+              <a:sym typeface="Calibri"/>
+            </a:endParaRPr>
+          </a:p>
+          <a:p>
+            <a:pPr marL="0" marR="0" lvl="0" indent="0" algn="l" rtl="0">
+              <a:lnSpc>
+                <a:spcPct val="100000"/>
+              </a:lnSpc>
+              <a:spcBef>
+                <a:spcPts val="0"/>
+              </a:spcBef>
+              <a:spcAft>
+                <a:spcPts val="0"/>
+              </a:spcAft>
+              <a:buNone/>
+            </a:pPr>
+            <a:r>
+              <a:rPr lang="en" sz="800">
+                <a:solidFill>
+                  <a:schemeClr val="dk1"/>
+                </a:solidFill>
+                <a:latin typeface="Calibri"/>
+                <a:ea typeface="Calibri"/>
+                <a:cs typeface="Calibri"/>
+                <a:sym typeface="Calibri"/>
+              </a:rPr>
+              <a:t>[Prompt design strategies used]</a:t>
+            </a:r>
+            <a:endParaRPr sz="600">
+              <a:solidFill>
+                <a:schemeClr val="dk1"/>
+              </a:solidFill>
+              <a:latin typeface="Calibri"/>
+              <a:ea typeface="Calibri"/>
+              <a:cs typeface="Calibri"/>
+              <a:sym typeface="Calibri"/>
+            </a:endParaRPr>
+          </a:p>
+          <a:p>
+            <a:pPr marL="0" marR="0" lvl="0" indent="0" algn="l" rtl="0">
+              <a:lnSpc>
+                <a:spcPct val="100000"/>
+              </a:lnSpc>
+              <a:spcBef>
+                <a:spcPts val="0"/>
+              </a:spcBef>
+              <a:spcAft>
+                <a:spcPts val="0"/>
+              </a:spcAft>
+              <a:buNone/>
+            </a:pPr>
+            <a:endParaRPr sz="600">
+              <a:solidFill>
+                <a:schemeClr val="dk1"/>
+              </a:solidFill>
+              <a:latin typeface="Calibri"/>
+              <a:ea typeface="Calibri"/>
+              <a:cs typeface="Calibri"/>
+              <a:sym typeface="Calibri"/>
+            </a:endParaRPr>
+          </a:p>
+          <a:p>
+            <a:pPr marL="0" marR="0" lvl="0" indent="0" algn="l" rtl="0">
+              <a:lnSpc>
+                <a:spcPct val="100000"/>
+              </a:lnSpc>
+              <a:spcBef>
+                <a:spcPts val="0"/>
+              </a:spcBef>
+              <a:spcAft>
+                <a:spcPts val="0"/>
+              </a:spcAft>
+              <a:buNone/>
+            </a:pPr>
+            <a:r>
+              <a:rPr lang="en" sz="800">
+                <a:solidFill>
+                  <a:schemeClr val="dk1"/>
+                </a:solidFill>
+                <a:latin typeface="Calibri"/>
+                <a:ea typeface="Calibri"/>
+                <a:cs typeface="Calibri"/>
+                <a:sym typeface="Calibri"/>
+              </a:rPr>
+              <a:t>**Pro Tip:**  </a:t>
+            </a:r>
+            <a:endParaRPr sz="800">
+              <a:solidFill>
+                <a:schemeClr val="dk1"/>
+              </a:solidFill>
+              <a:latin typeface="Calibri"/>
+              <a:ea typeface="Calibri"/>
+              <a:cs typeface="Calibri"/>
+              <a:sym typeface="Calibri"/>
+            </a:endParaRPr>
+          </a:p>
+          <a:p>
+            <a:pPr marL="0" marR="0" lvl="0" indent="0" algn="l" rtl="0">
+              <a:lnSpc>
+                <a:spcPct val="100000"/>
+              </a:lnSpc>
+              <a:spcBef>
+                <a:spcPts val="0"/>
+              </a:spcBef>
+              <a:spcAft>
+                <a:spcPts val="0"/>
+              </a:spcAft>
+              <a:buNone/>
+            </a:pPr>
+            <a:r>
+              <a:rPr lang="en" sz="800">
+                <a:solidFill>
+                  <a:schemeClr val="dk1"/>
+                </a:solidFill>
+                <a:latin typeface="Calibri"/>
+                <a:ea typeface="Calibri"/>
+                <a:cs typeface="Calibri"/>
+                <a:sym typeface="Calibri"/>
+              </a:rPr>
+              <a:t>[Best practices for using the prompt]</a:t>
+            </a:r>
+            <a:endParaRPr sz="600">
+              <a:solidFill>
+                <a:schemeClr val="dk1"/>
+              </a:solidFill>
+              <a:latin typeface="Calibri"/>
+              <a:ea typeface="Calibri"/>
+              <a:cs typeface="Calibri"/>
+              <a:sym typeface="Calibri"/>
+            </a:endParaRPr>
+          </a:p>
+          <a:p>
+            <a:pPr marL="0" marR="0" lvl="0" indent="0" algn="l" rtl="0">
+              <a:lnSpc>
+                <a:spcPct val="100000"/>
+              </a:lnSpc>
+              <a:spcBef>
+                <a:spcPts val="0"/>
+              </a:spcBef>
+              <a:spcAft>
+                <a:spcPts val="0"/>
+              </a:spcAft>
+              <a:buNone/>
+            </a:pPr>
+            <a:endParaRPr sz="600">
+              <a:solidFill>
+                <a:schemeClr val="dk1"/>
+              </a:solidFill>
+              <a:latin typeface="Calibri"/>
+              <a:ea typeface="Calibri"/>
+              <a:cs typeface="Calibri"/>
+              <a:sym typeface="Calibri"/>
+            </a:endParaRPr>
+          </a:p>
+          <a:p>
+            <a:pPr marL="0" marR="0" lvl="0" indent="0" algn="l" rtl="0">
+              <a:lnSpc>
+                <a:spcPct val="100000"/>
+              </a:lnSpc>
+              <a:spcBef>
+                <a:spcPts val="0"/>
+              </a:spcBef>
+              <a:spcAft>
+                <a:spcPts val="0"/>
+              </a:spcAft>
+              <a:buNone/>
+            </a:pPr>
+            <a:r>
+              <a:rPr lang="en" sz="600">
+                <a:solidFill>
+                  <a:schemeClr val="dk1"/>
+                </a:solidFill>
+                <a:latin typeface="Calibri"/>
+                <a:ea typeface="Calibri"/>
+                <a:cs typeface="Calibri"/>
+                <a:sym typeface="Calibri"/>
+              </a:rPr>
+              <a:t>---</a:t>
+            </a:r>
+            <a:endParaRPr sz="600">
+              <a:solidFill>
+                <a:schemeClr val="dk1"/>
+              </a:solidFill>
+              <a:latin typeface="Calibri"/>
+              <a:ea typeface="Calibri"/>
+              <a:cs typeface="Calibri"/>
+              <a:sym typeface="Calibri"/>
+            </a:endParaRPr>
+          </a:p>
+          <a:p>
+            <a:pPr marL="0" marR="0" lvl="0" indent="0" algn="l" rtl="0">
+              <a:lnSpc>
+                <a:spcPct val="100000"/>
+              </a:lnSpc>
+              <a:spcBef>
+                <a:spcPts val="0"/>
+              </a:spcBef>
+              <a:spcAft>
+                <a:spcPts val="0"/>
+              </a:spcAft>
+              <a:buNone/>
+            </a:pPr>
+            <a:endParaRPr sz="600">
+              <a:solidFill>
+                <a:schemeClr val="dk1"/>
+              </a:solidFill>
+              <a:latin typeface="Calibri"/>
+              <a:ea typeface="Calibri"/>
+              <a:cs typeface="Calibri"/>
+              <a:sym typeface="Calibri"/>
+            </a:endParaRPr>
+          </a:p>
+          <a:p>
+            <a:pPr marL="0" marR="0" lvl="0" indent="0" algn="l" rtl="0">
+              <a:lnSpc>
+                <a:spcPct val="100000"/>
+              </a:lnSpc>
+              <a:spcBef>
+                <a:spcPts val="0"/>
+              </a:spcBef>
+              <a:spcAft>
+                <a:spcPts val="0"/>
+              </a:spcAft>
+              <a:buNone/>
+            </a:pPr>
+            <a:r>
+              <a:rPr lang="en" sz="800">
+                <a:solidFill>
+                  <a:schemeClr val="dk1"/>
+                </a:solidFill>
+                <a:latin typeface="Calibri"/>
+                <a:ea typeface="Calibri"/>
+                <a:cs typeface="Calibri"/>
+                <a:sym typeface="Calibri"/>
+              </a:rPr>
+              <a:t>## ONBOARDING MESSAGE (REQUIRED)</a:t>
+            </a:r>
+            <a:endParaRPr sz="600">
+              <a:solidFill>
+                <a:schemeClr val="dk1"/>
+              </a:solidFill>
+              <a:latin typeface="Calibri"/>
+              <a:ea typeface="Calibri"/>
+              <a:cs typeface="Calibri"/>
+              <a:sym typeface="Calibri"/>
+            </a:endParaRPr>
+          </a:p>
+          <a:p>
+            <a:pPr marL="0" marR="0" lvl="0" indent="0" algn="l" rtl="0">
+              <a:lnSpc>
+                <a:spcPct val="100000"/>
+              </a:lnSpc>
+              <a:spcBef>
+                <a:spcPts val="0"/>
+              </a:spcBef>
+              <a:spcAft>
+                <a:spcPts val="0"/>
+              </a:spcAft>
+              <a:buNone/>
+            </a:pPr>
+            <a:endParaRPr sz="600">
+              <a:solidFill>
+                <a:schemeClr val="dk1"/>
+              </a:solidFill>
+              <a:latin typeface="Calibri"/>
+              <a:ea typeface="Calibri"/>
+              <a:cs typeface="Calibri"/>
+              <a:sym typeface="Calibri"/>
+            </a:endParaRPr>
+          </a:p>
+          <a:p>
+            <a:pPr marL="0" marR="0" lvl="0" indent="0" algn="l" rtl="0">
+              <a:lnSpc>
+                <a:spcPct val="100000"/>
+              </a:lnSpc>
+              <a:spcBef>
+                <a:spcPts val="0"/>
+              </a:spcBef>
+              <a:spcAft>
+                <a:spcPts val="0"/>
+              </a:spcAft>
+              <a:buNone/>
+            </a:pPr>
+            <a:r>
+              <a:rPr lang="en" sz="800">
+                <a:solidFill>
+                  <a:schemeClr val="dk1"/>
+                </a:solidFill>
+                <a:latin typeface="Calibri"/>
+                <a:ea typeface="Calibri"/>
+                <a:cs typeface="Calibri"/>
+                <a:sym typeface="Calibri"/>
+              </a:rPr>
+              <a:t>When activated, always show this exactly:</a:t>
+            </a:r>
+            <a:endParaRPr sz="600">
+              <a:solidFill>
+                <a:schemeClr val="dk1"/>
+              </a:solidFill>
+              <a:latin typeface="Calibri"/>
+              <a:ea typeface="Calibri"/>
+              <a:cs typeface="Calibri"/>
+              <a:sym typeface="Calibri"/>
+            </a:endParaRPr>
+          </a:p>
+          <a:p>
+            <a:pPr marL="0" marR="0" lvl="0" indent="0" algn="l" rtl="0">
+              <a:lnSpc>
+                <a:spcPct val="100000"/>
+              </a:lnSpc>
+              <a:spcBef>
+                <a:spcPts val="0"/>
+              </a:spcBef>
+              <a:spcAft>
+                <a:spcPts val="0"/>
+              </a:spcAft>
+              <a:buNone/>
+            </a:pPr>
+            <a:endParaRPr sz="600">
+              <a:solidFill>
+                <a:schemeClr val="dk1"/>
+              </a:solidFill>
+              <a:latin typeface="Calibri"/>
+              <a:ea typeface="Calibri"/>
+              <a:cs typeface="Calibri"/>
+              <a:sym typeface="Calibri"/>
+            </a:endParaRPr>
+          </a:p>
+          <a:p>
+            <a:pPr marL="0" marR="0" lvl="0" indent="0" algn="l" rtl="0">
+              <a:lnSpc>
+                <a:spcPct val="100000"/>
+              </a:lnSpc>
+              <a:spcBef>
+                <a:spcPts val="0"/>
+              </a:spcBef>
+              <a:spcAft>
+                <a:spcPts val="0"/>
+              </a:spcAft>
+              <a:buNone/>
+            </a:pPr>
+            <a:r>
+              <a:rPr lang="en" sz="800">
+                <a:solidFill>
+                  <a:schemeClr val="dk1"/>
+                </a:solidFill>
+                <a:latin typeface="Calibri"/>
+                <a:ea typeface="Calibri"/>
+                <a:cs typeface="Calibri"/>
+                <a:sym typeface="Calibri"/>
+              </a:rPr>
+              <a:t>"Hello! I'm Alisa, your AI prompt optimizer. I transform vague requests into precise, effective prompts that deliver better results.</a:t>
+            </a:r>
+            <a:endParaRPr sz="600">
+              <a:solidFill>
+                <a:schemeClr val="dk1"/>
+              </a:solidFill>
+              <a:latin typeface="Calibri"/>
+              <a:ea typeface="Calibri"/>
+              <a:cs typeface="Calibri"/>
+              <a:sym typeface="Calibri"/>
+            </a:endParaRPr>
+          </a:p>
+          <a:p>
+            <a:pPr marL="0" marR="0" lvl="0" indent="0" algn="l" rtl="0">
+              <a:lnSpc>
+                <a:spcPct val="100000"/>
+              </a:lnSpc>
+              <a:spcBef>
+                <a:spcPts val="0"/>
+              </a:spcBef>
+              <a:spcAft>
+                <a:spcPts val="0"/>
+              </a:spcAft>
+              <a:buNone/>
+            </a:pPr>
+            <a:endParaRPr sz="600">
+              <a:solidFill>
+                <a:schemeClr val="dk1"/>
+              </a:solidFill>
+              <a:latin typeface="Calibri"/>
+              <a:ea typeface="Calibri"/>
+              <a:cs typeface="Calibri"/>
+              <a:sym typeface="Calibri"/>
+            </a:endParaRPr>
+          </a:p>
+          <a:p>
+            <a:pPr marL="0" marR="0" lvl="0" indent="0" algn="l" rtl="0">
+              <a:lnSpc>
+                <a:spcPct val="100000"/>
+              </a:lnSpc>
+              <a:spcBef>
+                <a:spcPts val="0"/>
+              </a:spcBef>
+              <a:spcAft>
+                <a:spcPts val="0"/>
+              </a:spcAft>
+              <a:buNone/>
+            </a:pPr>
+            <a:r>
+              <a:rPr lang="en" sz="800">
+                <a:solidFill>
+                  <a:schemeClr val="dk1"/>
+                </a:solidFill>
+                <a:latin typeface="Calibri"/>
+                <a:ea typeface="Calibri"/>
+                <a:cs typeface="Calibri"/>
+                <a:sym typeface="Calibri"/>
+              </a:rPr>
+              <a:t>**What I need to know:**</a:t>
+            </a:r>
+            <a:endParaRPr sz="800">
+              <a:solidFill>
+                <a:schemeClr val="dk1"/>
+              </a:solidFill>
+              <a:latin typeface="Calibri"/>
+              <a:ea typeface="Calibri"/>
+              <a:cs typeface="Calibri"/>
+              <a:sym typeface="Calibri"/>
+            </a:endParaRPr>
+          </a:p>
+          <a:p>
+            <a:pPr marL="0" marR="0" lvl="0" indent="0" algn="l" rtl="0">
+              <a:lnSpc>
+                <a:spcPct val="100000"/>
+              </a:lnSpc>
+              <a:spcBef>
+                <a:spcPts val="0"/>
+              </a:spcBef>
+              <a:spcAft>
+                <a:spcPts val="0"/>
+              </a:spcAft>
+              <a:buNone/>
+            </a:pPr>
+            <a:r>
+              <a:rPr lang="en" sz="800">
+                <a:solidFill>
+                  <a:schemeClr val="dk1"/>
+                </a:solidFill>
+                <a:latin typeface="Calibri"/>
+                <a:ea typeface="Calibri"/>
+                <a:cs typeface="Calibri"/>
+                <a:sym typeface="Calibri"/>
+              </a:rPr>
+              <a:t>- **Target AI:** ChatGPT, Claude, Gemini, or Other</a:t>
+            </a:r>
+            <a:endParaRPr sz="800">
+              <a:solidFill>
+                <a:schemeClr val="dk1"/>
+              </a:solidFill>
+              <a:latin typeface="Calibri"/>
+              <a:ea typeface="Calibri"/>
+              <a:cs typeface="Calibri"/>
+              <a:sym typeface="Calibri"/>
+            </a:endParaRPr>
+          </a:p>
+          <a:p>
+            <a:pPr marL="0" marR="0" lvl="0" indent="0" algn="l" rtl="0">
+              <a:lnSpc>
+                <a:spcPct val="100000"/>
+              </a:lnSpc>
+              <a:spcBef>
+                <a:spcPts val="0"/>
+              </a:spcBef>
+              <a:spcAft>
+                <a:spcPts val="0"/>
+              </a:spcAft>
+              <a:buNone/>
+            </a:pPr>
+            <a:r>
+              <a:rPr lang="en" sz="800">
+                <a:solidFill>
+                  <a:schemeClr val="dk1"/>
+                </a:solidFill>
+                <a:latin typeface="Calibri"/>
+                <a:ea typeface="Calibri"/>
+                <a:cs typeface="Calibri"/>
+                <a:sym typeface="Calibri"/>
+              </a:rPr>
+              <a:t>- **Prompt Style:** DETAIL (I'll ask clarifying questions first) or BASIC (quick optimization)</a:t>
+            </a:r>
+            <a:endParaRPr sz="600">
+              <a:solidFill>
+                <a:schemeClr val="dk1"/>
+              </a:solidFill>
+              <a:latin typeface="Calibri"/>
+              <a:ea typeface="Calibri"/>
+              <a:cs typeface="Calibri"/>
+              <a:sym typeface="Calibri"/>
+            </a:endParaRPr>
+          </a:p>
+          <a:p>
+            <a:pPr marL="0" marR="0" lvl="0" indent="0" algn="l" rtl="0">
+              <a:lnSpc>
+                <a:spcPct val="100000"/>
+              </a:lnSpc>
+              <a:spcBef>
+                <a:spcPts val="0"/>
+              </a:spcBef>
+              <a:spcAft>
+                <a:spcPts val="0"/>
+              </a:spcAft>
+              <a:buNone/>
+            </a:pPr>
+            <a:endParaRPr sz="600">
+              <a:solidFill>
+                <a:schemeClr val="dk1"/>
+              </a:solidFill>
+              <a:latin typeface="Calibri"/>
+              <a:ea typeface="Calibri"/>
+              <a:cs typeface="Calibri"/>
+              <a:sym typeface="Calibri"/>
+            </a:endParaRPr>
+          </a:p>
+          <a:p>
+            <a:pPr marL="0" marR="0" lvl="0" indent="0" algn="l" rtl="0">
+              <a:lnSpc>
+                <a:spcPct val="100000"/>
+              </a:lnSpc>
+              <a:spcBef>
+                <a:spcPts val="0"/>
+              </a:spcBef>
+              <a:spcAft>
+                <a:spcPts val="0"/>
+              </a:spcAft>
+              <a:buNone/>
+            </a:pPr>
+            <a:r>
+              <a:rPr lang="en" sz="800">
+                <a:solidFill>
+                  <a:schemeClr val="dk1"/>
+                </a:solidFill>
+                <a:latin typeface="Calibri"/>
+                <a:ea typeface="Calibri"/>
+                <a:cs typeface="Calibri"/>
+                <a:sym typeface="Calibri"/>
+              </a:rPr>
+              <a:t>**Examples:**</a:t>
+            </a:r>
+            <a:endParaRPr sz="800">
+              <a:solidFill>
+                <a:schemeClr val="dk1"/>
+              </a:solidFill>
+              <a:latin typeface="Calibri"/>
+              <a:ea typeface="Calibri"/>
+              <a:cs typeface="Calibri"/>
+              <a:sym typeface="Calibri"/>
+            </a:endParaRPr>
+          </a:p>
+          <a:p>
+            <a:pPr marL="0" marR="0" lvl="0" indent="0" algn="l" rtl="0">
+              <a:lnSpc>
+                <a:spcPct val="100000"/>
+              </a:lnSpc>
+              <a:spcBef>
+                <a:spcPts val="0"/>
+              </a:spcBef>
+              <a:spcAft>
+                <a:spcPts val="0"/>
+              </a:spcAft>
+              <a:buNone/>
+            </a:pPr>
+            <a:r>
+              <a:rPr lang="en" sz="800">
+                <a:solidFill>
+                  <a:schemeClr val="dk1"/>
+                </a:solidFill>
+                <a:latin typeface="Calibri"/>
+                <a:ea typeface="Calibri"/>
+                <a:cs typeface="Calibri"/>
+                <a:sym typeface="Calibri"/>
+              </a:rPr>
+              <a:t>- 'DETAIL using ChatGPT — Write me a marketing email'</a:t>
+            </a:r>
+            <a:endParaRPr sz="800">
+              <a:solidFill>
+                <a:schemeClr val="dk1"/>
+              </a:solidFill>
+              <a:latin typeface="Calibri"/>
+              <a:ea typeface="Calibri"/>
+              <a:cs typeface="Calibri"/>
+              <a:sym typeface="Calibri"/>
+            </a:endParaRPr>
+          </a:p>
+          <a:p>
+            <a:pPr marL="0" marR="0" lvl="0" indent="0" algn="l" rtl="0">
+              <a:lnSpc>
+                <a:spcPct val="100000"/>
+              </a:lnSpc>
+              <a:spcBef>
+                <a:spcPts val="0"/>
+              </a:spcBef>
+              <a:spcAft>
+                <a:spcPts val="0"/>
+              </a:spcAft>
+              <a:buNone/>
+            </a:pPr>
+            <a:r>
+              <a:rPr lang="en" sz="800">
+                <a:solidFill>
+                  <a:schemeClr val="dk1"/>
+                </a:solidFill>
+                <a:latin typeface="Calibri"/>
+                <a:ea typeface="Calibri"/>
+                <a:cs typeface="Calibri"/>
+                <a:sym typeface="Calibri"/>
+              </a:rPr>
+              <a:t>- 'BASIC using Claude — Help with my resume'</a:t>
+            </a:r>
+            <a:endParaRPr sz="600">
+              <a:solidFill>
+                <a:schemeClr val="dk1"/>
+              </a:solidFill>
+              <a:latin typeface="Calibri"/>
+              <a:ea typeface="Calibri"/>
+              <a:cs typeface="Calibri"/>
+              <a:sym typeface="Calibri"/>
+            </a:endParaRPr>
+          </a:p>
+          <a:p>
+            <a:pPr marL="0" marR="0" lvl="0" indent="0" algn="l" rtl="0">
+              <a:lnSpc>
+                <a:spcPct val="100000"/>
+              </a:lnSpc>
+              <a:spcBef>
+                <a:spcPts val="0"/>
+              </a:spcBef>
+              <a:spcAft>
+                <a:spcPts val="0"/>
+              </a:spcAft>
+              <a:buNone/>
+            </a:pPr>
+            <a:endParaRPr sz="600">
+              <a:solidFill>
+                <a:schemeClr val="dk1"/>
+              </a:solidFill>
+              <a:latin typeface="Calibri"/>
+              <a:ea typeface="Calibri"/>
+              <a:cs typeface="Calibri"/>
+              <a:sym typeface="Calibri"/>
+            </a:endParaRPr>
+          </a:p>
+          <a:p>
+            <a:pPr marL="0" marR="0" lvl="0" indent="0" algn="l" rtl="0">
+              <a:lnSpc>
+                <a:spcPct val="100000"/>
+              </a:lnSpc>
+              <a:spcBef>
+                <a:spcPts val="0"/>
+              </a:spcBef>
+              <a:spcAft>
+                <a:spcPts val="0"/>
+              </a:spcAft>
+              <a:buNone/>
+            </a:pPr>
+            <a:r>
+              <a:rPr lang="en" sz="800">
+                <a:solidFill>
+                  <a:schemeClr val="dk1"/>
+                </a:solidFill>
+                <a:latin typeface="Calibri"/>
+                <a:ea typeface="Calibri"/>
+                <a:cs typeface="Calibri"/>
+                <a:sym typeface="Calibri"/>
+              </a:rPr>
+              <a:t>Just share your rough prompt and I’ll handle the optimization!"</a:t>
+            </a:r>
+            <a:endParaRPr sz="600">
+              <a:solidFill>
+                <a:schemeClr val="dk1"/>
+              </a:solidFill>
+              <a:latin typeface="Calibri"/>
+              <a:ea typeface="Calibri"/>
+              <a:cs typeface="Calibri"/>
+              <a:sym typeface="Calibri"/>
+            </a:endParaRPr>
+          </a:p>
+          <a:p>
+            <a:pPr marL="0" marR="0" lvl="0" indent="0" algn="l" rtl="0">
+              <a:lnSpc>
+                <a:spcPct val="100000"/>
+              </a:lnSpc>
+              <a:spcBef>
+                <a:spcPts val="0"/>
+              </a:spcBef>
+              <a:spcAft>
+                <a:spcPts val="0"/>
+              </a:spcAft>
+              <a:buNone/>
+            </a:pPr>
+            <a:endParaRPr sz="600">
+              <a:solidFill>
+                <a:schemeClr val="dk1"/>
+              </a:solidFill>
+              <a:latin typeface="Calibri"/>
+              <a:ea typeface="Calibri"/>
+              <a:cs typeface="Calibri"/>
+              <a:sym typeface="Calibri"/>
+            </a:endParaRPr>
+          </a:p>
+          <a:p>
+            <a:pPr marL="0" marR="0" lvl="0" indent="0" algn="l" rtl="0">
+              <a:lnSpc>
+                <a:spcPct val="100000"/>
+              </a:lnSpc>
+              <a:spcBef>
+                <a:spcPts val="0"/>
+              </a:spcBef>
+              <a:spcAft>
+                <a:spcPts val="0"/>
+              </a:spcAft>
+              <a:buNone/>
+            </a:pPr>
+            <a:r>
+              <a:rPr lang="en" sz="600">
+                <a:solidFill>
+                  <a:schemeClr val="dk1"/>
+                </a:solidFill>
+                <a:latin typeface="Calibri"/>
+                <a:ea typeface="Calibri"/>
+                <a:cs typeface="Calibri"/>
+                <a:sym typeface="Calibri"/>
+              </a:rPr>
+              <a:t>---</a:t>
+            </a:r>
+            <a:endParaRPr sz="600">
+              <a:solidFill>
+                <a:schemeClr val="dk1"/>
+              </a:solidFill>
+              <a:latin typeface="Calibri"/>
+              <a:ea typeface="Calibri"/>
+              <a:cs typeface="Calibri"/>
+              <a:sym typeface="Calibri"/>
+            </a:endParaRPr>
+          </a:p>
+          <a:p>
+            <a:pPr marL="0" marR="0" lvl="0" indent="0" algn="l" rtl="0">
+              <a:lnSpc>
+                <a:spcPct val="100000"/>
+              </a:lnSpc>
+              <a:spcBef>
+                <a:spcPts val="0"/>
+              </a:spcBef>
+              <a:spcAft>
+                <a:spcPts val="0"/>
+              </a:spcAft>
+              <a:buNone/>
+            </a:pPr>
+            <a:endParaRPr sz="600">
+              <a:solidFill>
+                <a:schemeClr val="dk1"/>
+              </a:solidFill>
+              <a:latin typeface="Calibri"/>
+              <a:ea typeface="Calibri"/>
+              <a:cs typeface="Calibri"/>
+              <a:sym typeface="Calibri"/>
+            </a:endParaRPr>
+          </a:p>
+          <a:p>
+            <a:pPr marL="0" marR="0" lvl="0" indent="0" algn="l" rtl="0">
+              <a:lnSpc>
+                <a:spcPct val="100000"/>
+              </a:lnSpc>
+              <a:spcBef>
+                <a:spcPts val="0"/>
+              </a:spcBef>
+              <a:spcAft>
+                <a:spcPts val="0"/>
+              </a:spcAft>
+              <a:buNone/>
+            </a:pPr>
+            <a:r>
+              <a:rPr lang="en" sz="800">
+                <a:solidFill>
+                  <a:schemeClr val="dk1"/>
+                </a:solidFill>
+                <a:latin typeface="Calibri"/>
+                <a:ea typeface="Calibri"/>
+                <a:cs typeface="Calibri"/>
+                <a:sym typeface="Calibri"/>
+              </a:rPr>
+              <a:t>## EXECUTION FLOW</a:t>
+            </a:r>
+            <a:endParaRPr sz="600">
+              <a:solidFill>
+                <a:schemeClr val="dk1"/>
+              </a:solidFill>
+              <a:latin typeface="Calibri"/>
+              <a:ea typeface="Calibri"/>
+              <a:cs typeface="Calibri"/>
+              <a:sym typeface="Calibri"/>
+            </a:endParaRPr>
+          </a:p>
+          <a:p>
+            <a:pPr marL="0" marR="0" lvl="0" indent="0" algn="l" rtl="0">
+              <a:lnSpc>
+                <a:spcPct val="100000"/>
+              </a:lnSpc>
+              <a:spcBef>
+                <a:spcPts val="0"/>
+              </a:spcBef>
+              <a:spcAft>
+                <a:spcPts val="0"/>
+              </a:spcAft>
+              <a:buNone/>
+            </a:pPr>
+            <a:endParaRPr sz="600">
+              <a:solidFill>
+                <a:schemeClr val="dk1"/>
+              </a:solidFill>
+              <a:latin typeface="Calibri"/>
+              <a:ea typeface="Calibri"/>
+              <a:cs typeface="Calibri"/>
+              <a:sym typeface="Calibri"/>
+            </a:endParaRPr>
+          </a:p>
+          <a:p>
+            <a:pPr marL="0" marR="0" lvl="0" indent="0" algn="l" rtl="0">
+              <a:lnSpc>
+                <a:spcPct val="100000"/>
+              </a:lnSpc>
+              <a:spcBef>
+                <a:spcPts val="0"/>
+              </a:spcBef>
+              <a:spcAft>
+                <a:spcPts val="0"/>
+              </a:spcAft>
+              <a:buNone/>
+            </a:pPr>
+            <a:r>
+              <a:rPr lang="en" sz="800">
+                <a:solidFill>
+                  <a:schemeClr val="dk1"/>
+                </a:solidFill>
+                <a:latin typeface="Calibri"/>
+                <a:ea typeface="Calibri"/>
+                <a:cs typeface="Calibri"/>
+                <a:sym typeface="Calibri"/>
+              </a:rPr>
+              <a:t>1. Detect task complexity:  </a:t>
+            </a:r>
+            <a:endParaRPr sz="800">
+              <a:solidFill>
+                <a:schemeClr val="dk1"/>
+              </a:solidFill>
+              <a:latin typeface="Calibri"/>
+              <a:ea typeface="Calibri"/>
+              <a:cs typeface="Calibri"/>
+              <a:sym typeface="Calibri"/>
+            </a:endParaRPr>
+          </a:p>
+          <a:p>
+            <a:pPr marL="0" marR="0" lvl="0" indent="0" algn="l" rtl="0">
+              <a:lnSpc>
+                <a:spcPct val="100000"/>
+              </a:lnSpc>
+              <a:spcBef>
+                <a:spcPts val="0"/>
+              </a:spcBef>
+              <a:spcAft>
+                <a:spcPts val="0"/>
+              </a:spcAft>
+              <a:buNone/>
+            </a:pPr>
+            <a:r>
+              <a:rPr lang="en" sz="800">
+                <a:solidFill>
+                  <a:schemeClr val="dk1"/>
+                </a:solidFill>
+                <a:latin typeface="Calibri"/>
+                <a:ea typeface="Calibri"/>
+                <a:cs typeface="Calibri"/>
+                <a:sym typeface="Calibri"/>
+              </a:rPr>
+              <a:t>   - Short/basic → Use **BASIC mode**  </a:t>
+            </a:r>
+            <a:endParaRPr sz="800">
+              <a:solidFill>
+                <a:schemeClr val="dk1"/>
+              </a:solidFill>
+              <a:latin typeface="Calibri"/>
+              <a:ea typeface="Calibri"/>
+              <a:cs typeface="Calibri"/>
+              <a:sym typeface="Calibri"/>
+            </a:endParaRPr>
+          </a:p>
+          <a:p>
+            <a:pPr marL="0" marR="0" lvl="0" indent="0" algn="l" rtl="0">
+              <a:lnSpc>
+                <a:spcPct val="100000"/>
+              </a:lnSpc>
+              <a:spcBef>
+                <a:spcPts val="0"/>
+              </a:spcBef>
+              <a:spcAft>
+                <a:spcPts val="0"/>
+              </a:spcAft>
+              <a:buNone/>
+            </a:pPr>
+            <a:r>
+              <a:rPr lang="en" sz="800">
+                <a:solidFill>
+                  <a:schemeClr val="dk1"/>
+                </a:solidFill>
+                <a:latin typeface="Calibri"/>
+                <a:ea typeface="Calibri"/>
+                <a:cs typeface="Calibri"/>
+                <a:sym typeface="Calibri"/>
+              </a:rPr>
+              <a:t>   - Professional/detailed → Use **DETAIL mode**</a:t>
+            </a:r>
+            <a:endParaRPr sz="600">
+              <a:solidFill>
+                <a:schemeClr val="dk1"/>
+              </a:solidFill>
+              <a:latin typeface="Calibri"/>
+              <a:ea typeface="Calibri"/>
+              <a:cs typeface="Calibri"/>
+              <a:sym typeface="Calibri"/>
+            </a:endParaRPr>
+          </a:p>
+          <a:p>
+            <a:pPr marL="0" marR="0" lvl="0" indent="0" algn="l" rtl="0">
+              <a:lnSpc>
+                <a:spcPct val="100000"/>
+              </a:lnSpc>
+              <a:spcBef>
+                <a:spcPts val="0"/>
+              </a:spcBef>
+              <a:spcAft>
+                <a:spcPts val="0"/>
+              </a:spcAft>
+              <a:buNone/>
+            </a:pPr>
+            <a:endParaRPr sz="600">
+              <a:solidFill>
+                <a:schemeClr val="dk1"/>
+              </a:solidFill>
+              <a:latin typeface="Calibri"/>
+              <a:ea typeface="Calibri"/>
+              <a:cs typeface="Calibri"/>
+              <a:sym typeface="Calibri"/>
+            </a:endParaRPr>
+          </a:p>
+          <a:p>
+            <a:pPr marL="0" marR="0" lvl="0" indent="0" algn="l" rtl="0">
+              <a:lnSpc>
+                <a:spcPct val="100000"/>
+              </a:lnSpc>
+              <a:spcBef>
+                <a:spcPts val="0"/>
+              </a:spcBef>
+              <a:spcAft>
+                <a:spcPts val="0"/>
+              </a:spcAft>
+              <a:buNone/>
+            </a:pPr>
+            <a:r>
+              <a:rPr lang="en" sz="800">
+                <a:solidFill>
+                  <a:schemeClr val="dk1"/>
+                </a:solidFill>
+                <a:latin typeface="Calibri"/>
+                <a:ea typeface="Calibri"/>
+                <a:cs typeface="Calibri"/>
+                <a:sym typeface="Calibri"/>
+              </a:rPr>
+              <a:t>2. Notify user of selected mode and allow override  </a:t>
+            </a:r>
+            <a:endParaRPr sz="800">
+              <a:solidFill>
+                <a:schemeClr val="dk1"/>
+              </a:solidFill>
+              <a:latin typeface="Calibri"/>
+              <a:ea typeface="Calibri"/>
+              <a:cs typeface="Calibri"/>
+              <a:sym typeface="Calibri"/>
+            </a:endParaRPr>
+          </a:p>
+          <a:p>
+            <a:pPr marL="0" marR="0" lvl="0" indent="0" algn="l" rtl="0">
+              <a:lnSpc>
+                <a:spcPct val="100000"/>
+              </a:lnSpc>
+              <a:spcBef>
+                <a:spcPts val="0"/>
+              </a:spcBef>
+              <a:spcAft>
+                <a:spcPts val="0"/>
+              </a:spcAft>
+              <a:buNone/>
+            </a:pPr>
+            <a:r>
+              <a:rPr lang="en" sz="800">
+                <a:solidFill>
+                  <a:schemeClr val="dk1"/>
+                </a:solidFill>
+                <a:latin typeface="Calibri"/>
+                <a:ea typeface="Calibri"/>
+                <a:cs typeface="Calibri"/>
+                <a:sym typeface="Calibri"/>
+              </a:rPr>
+              <a:t>3. Apply the 4-D Method based on user input  </a:t>
+            </a:r>
+            <a:endParaRPr sz="800">
+              <a:solidFill>
+                <a:schemeClr val="dk1"/>
+              </a:solidFill>
+              <a:latin typeface="Calibri"/>
+              <a:ea typeface="Calibri"/>
+              <a:cs typeface="Calibri"/>
+              <a:sym typeface="Calibri"/>
+            </a:endParaRPr>
+          </a:p>
+          <a:p>
+            <a:pPr marL="0" marR="0" lvl="0" indent="0" algn="l" rtl="0">
+              <a:lnSpc>
+                <a:spcPct val="100000"/>
+              </a:lnSpc>
+              <a:spcBef>
+                <a:spcPts val="0"/>
+              </a:spcBef>
+              <a:spcAft>
+                <a:spcPts val="0"/>
+              </a:spcAft>
+              <a:buNone/>
+            </a:pPr>
+            <a:r>
+              <a:rPr lang="en" sz="800">
+                <a:solidFill>
+                  <a:schemeClr val="dk1"/>
+                </a:solidFill>
+                <a:latin typeface="Calibri"/>
+                <a:ea typeface="Calibri"/>
+                <a:cs typeface="Calibri"/>
+                <a:sym typeface="Calibri"/>
+              </a:rPr>
+              <a:t>4. Deliver fully optimized, structured prompt</a:t>
+            </a:r>
+            <a:endParaRPr sz="600">
+              <a:solidFill>
+                <a:schemeClr val="dk1"/>
+              </a:solidFill>
+              <a:latin typeface="Calibri"/>
+              <a:ea typeface="Calibri"/>
+              <a:cs typeface="Calibri"/>
+              <a:sym typeface="Calibri"/>
+            </a:endParaRPr>
+          </a:p>
+          <a:p>
+            <a:pPr marL="0" marR="0" lvl="0" indent="0" algn="l" rtl="0">
+              <a:lnSpc>
+                <a:spcPct val="100000"/>
+              </a:lnSpc>
+              <a:spcBef>
+                <a:spcPts val="0"/>
+              </a:spcBef>
+              <a:spcAft>
+                <a:spcPts val="0"/>
+              </a:spcAft>
+              <a:buNone/>
+            </a:pPr>
+            <a:endParaRPr sz="600">
+              <a:solidFill>
+                <a:schemeClr val="dk1"/>
+              </a:solidFill>
+              <a:latin typeface="Calibri"/>
+              <a:ea typeface="Calibri"/>
+              <a:cs typeface="Calibri"/>
+              <a:sym typeface="Calibri"/>
+            </a:endParaRPr>
+          </a:p>
+          <a:p>
+            <a:pPr marL="0" marR="0" lvl="0" indent="0" algn="l" rtl="0">
+              <a:lnSpc>
+                <a:spcPct val="100000"/>
+              </a:lnSpc>
+              <a:spcBef>
+                <a:spcPts val="0"/>
+              </a:spcBef>
+              <a:spcAft>
+                <a:spcPts val="0"/>
+              </a:spcAft>
+              <a:buNone/>
+            </a:pPr>
+            <a:r>
+              <a:rPr lang="en" sz="600">
+                <a:solidFill>
+                  <a:schemeClr val="dk1"/>
+                </a:solidFill>
+                <a:latin typeface="Calibri"/>
+                <a:ea typeface="Calibri"/>
+                <a:cs typeface="Calibri"/>
+                <a:sym typeface="Calibri"/>
+              </a:rPr>
+              <a:t>---</a:t>
+            </a:r>
+            <a:endParaRPr sz="600">
+              <a:solidFill>
+                <a:schemeClr val="dk1"/>
+              </a:solidFill>
+              <a:latin typeface="Calibri"/>
+              <a:ea typeface="Calibri"/>
+              <a:cs typeface="Calibri"/>
+              <a:sym typeface="Calibri"/>
+            </a:endParaRPr>
+          </a:p>
+          <a:p>
+            <a:pPr marL="0" marR="0" lvl="0" indent="0" algn="l" rtl="0">
+              <a:lnSpc>
+                <a:spcPct val="100000"/>
+              </a:lnSpc>
+              <a:spcBef>
+                <a:spcPts val="0"/>
+              </a:spcBef>
+              <a:spcAft>
+                <a:spcPts val="0"/>
+              </a:spcAft>
+              <a:buNone/>
+            </a:pPr>
+            <a:endParaRPr sz="600">
+              <a:solidFill>
+                <a:schemeClr val="dk1"/>
+              </a:solidFill>
+              <a:latin typeface="Calibri"/>
+              <a:ea typeface="Calibri"/>
+              <a:cs typeface="Calibri"/>
+              <a:sym typeface="Calibri"/>
+            </a:endParaRPr>
+          </a:p>
+          <a:p>
+            <a:pPr marL="0" marR="0" lvl="0" indent="0" algn="l" rtl="0">
+              <a:lnSpc>
+                <a:spcPct val="100000"/>
+              </a:lnSpc>
+              <a:spcBef>
+                <a:spcPts val="0"/>
+              </a:spcBef>
+              <a:spcAft>
+                <a:spcPts val="0"/>
+              </a:spcAft>
+              <a:buNone/>
+            </a:pPr>
+            <a:r>
+              <a:rPr lang="en" sz="800">
+                <a:solidFill>
+                  <a:schemeClr val="dk1"/>
+                </a:solidFill>
+                <a:latin typeface="Calibri"/>
+                <a:ea typeface="Calibri"/>
+                <a:cs typeface="Calibri"/>
+                <a:sym typeface="Calibri"/>
+              </a:rPr>
+              <a:t>**Note:** Never save or reuse user data between sessions. All prompt optimizations must be stateless and session-specific.</a:t>
+            </a:r>
+            <a:endParaRPr sz="800">
+              <a:solidFill>
+                <a:schemeClr val="dk1"/>
+              </a:solidFill>
+              <a:latin typeface="Calibri"/>
+              <a:ea typeface="Calibri"/>
+              <a:cs typeface="Calibri"/>
+              <a:sym typeface="Calibri"/>
+            </a:endParaRPr>
+          </a:p>
+        </p:txBody>
+      </p:sp>
+    </p:spTree>
+  </p:cSld>
+  <p:clrMapOvr>
+    <a:masterClrMapping/>
+  </p:clrMapOvr>
+</p:sld>
+</file>
+
+<file path=ppt/slides/slide16.xml><?xml version="1.0" encoding="utf-8"?>
+<p:sld xmlns:a="http://schemas.openxmlformats.org/drawingml/2006/main" xmlns:r="http://schemas.openxmlformats.org/officeDocument/2006/relationships" xmlns:p="http://schemas.openxmlformats.org/presentationml/2006/main">
+  <p:cSld>
+    <p:spTree>
+      <p:nvGrpSpPr>
+        <p:cNvPr id="1" name="Shape 275"/>
+        <p:cNvGrpSpPr/>
+        <p:nvPr/>
+      </p:nvGrpSpPr>
+      <p:grpSpPr>
+        <a:xfrm>
+          <a:off x="0" y="0"/>
+          <a:ext cx="0" cy="0"/>
+          <a:chOff x="0" y="0"/>
+          <a:chExt cx="0" cy="0"/>
+        </a:xfrm>
+      </p:grpSpPr>
+      <p:sp>
+        <p:nvSpPr>
+          <p:cNvPr id="276" name="Google Shape;276;p30"/>
           <p:cNvSpPr txBox="1"/>
           <p:nvPr/>
         </p:nvSpPr>
@@ -20197,7 +24301,7 @@
       </p:sp>
       <p:sp>
         <p:nvSpPr>
-          <p:cNvPr id="263" name="Google Shape;263;p29"/>
+          <p:cNvPr id="277" name="Google Shape;277;p30"/>
           <p:cNvSpPr txBox="1"/>
           <p:nvPr/>
         </p:nvSpPr>
@@ -20631,7 +24735,7 @@
       </p:sp>
       <p:pic>
         <p:nvPicPr>
-          <p:cNvPr id="264" name="Google Shape;264;p29"/>
+          <p:cNvPr id="278" name="Google Shape;278;p30"/>
           <p:cNvPicPr preferRelativeResize="0"/>
           <p:nvPr/>
         </p:nvPicPr>
@@ -20676,12 +24780,12 @@
 </p:sld>
 </file>
 
-<file path=ppt/slides/slide16.xml><?xml version="1.0" encoding="utf-8"?>
+<file path=ppt/slides/slide17.xml><?xml version="1.0" encoding="utf-8"?>
 <p:sld xmlns:a="http://schemas.openxmlformats.org/drawingml/2006/main" xmlns:r="http://schemas.openxmlformats.org/officeDocument/2006/relationships" xmlns:p="http://schemas.openxmlformats.org/presentationml/2006/main">
   <p:cSld>
     <p:spTree>
       <p:nvGrpSpPr>
-        <p:cNvPr id="1" name="Shape 268"/>
+        <p:cNvPr id="1" name="Shape 282"/>
         <p:cNvGrpSpPr/>
         <p:nvPr/>
       </p:nvGrpSpPr>
@@ -20695,7 +24799,7 @@
       </p:grpSpPr>
       <p:sp>
         <p:nvSpPr>
-          <p:cNvPr id="269" name="Google Shape;269;p30"/>
+          <p:cNvPr id="283" name="Google Shape;283;p31"/>
           <p:cNvSpPr txBox="1"/>
           <p:nvPr/>
         </p:nvSpPr>
@@ -20761,7 +24865,7 @@
       </p:sp>
       <p:sp>
         <p:nvSpPr>
-          <p:cNvPr id="270" name="Google Shape;270;p30"/>
+          <p:cNvPr id="284" name="Google Shape;284;p31"/>
           <p:cNvSpPr txBox="1"/>
           <p:nvPr/>
         </p:nvSpPr>
@@ -21276,7 +25380,7 @@
       </p:sp>
       <p:sp>
         <p:nvSpPr>
-          <p:cNvPr id="271" name="Google Shape;271;p30"/>
+          <p:cNvPr id="285" name="Google Shape;285;p31"/>
           <p:cNvSpPr txBox="1"/>
           <p:nvPr/>
         </p:nvSpPr>
@@ -21903,7 +26007,7 @@
       </p:sp>
       <p:pic>
         <p:nvPicPr>
-          <p:cNvPr id="272" name="Google Shape;272;p30"/>
+          <p:cNvPr id="286" name="Google Shape;286;p31"/>
           <p:cNvPicPr preferRelativeResize="0"/>
           <p:nvPr/>
         </p:nvPicPr>
@@ -21948,12 +26052,12 @@
 </p:sld>
 </file>
 
-<file path=ppt/slides/slide17.xml><?xml version="1.0" encoding="utf-8"?>
+<file path=ppt/slides/slide18.xml><?xml version="1.0" encoding="utf-8"?>
 <p:sld xmlns:a="http://schemas.openxmlformats.org/drawingml/2006/main" xmlns:r="http://schemas.openxmlformats.org/officeDocument/2006/relationships" xmlns:p="http://schemas.openxmlformats.org/presentationml/2006/main">
   <p:cSld>
     <p:spTree>
       <p:nvGrpSpPr>
-        <p:cNvPr id="1" name="Shape 276"/>
+        <p:cNvPr id="1" name="Shape 290"/>
         <p:cNvGrpSpPr/>
         <p:nvPr/>
       </p:nvGrpSpPr>
@@ -21967,7 +26071,7 @@
       </p:grpSpPr>
       <p:sp>
         <p:nvSpPr>
-          <p:cNvPr id="277" name="Google Shape;277;p31"/>
+          <p:cNvPr id="291" name="Google Shape;291;p32"/>
           <p:cNvSpPr txBox="1"/>
           <p:nvPr/>
         </p:nvSpPr>
@@ -22033,7 +26137,7 @@
       </p:sp>
       <p:sp>
         <p:nvSpPr>
-          <p:cNvPr id="278" name="Google Shape;278;p31"/>
+          <p:cNvPr id="292" name="Google Shape;292;p32"/>
           <p:cNvSpPr txBox="1"/>
           <p:nvPr/>
         </p:nvSpPr>
@@ -22314,7 +26418,7 @@
       </p:sp>
       <p:sp>
         <p:nvSpPr>
-          <p:cNvPr id="279" name="Google Shape;279;p31"/>
+          <p:cNvPr id="293" name="Google Shape;293;p32"/>
           <p:cNvSpPr txBox="1"/>
           <p:nvPr/>
         </p:nvSpPr>
@@ -22548,7 +26652,7 @@
       </p:sp>
       <p:pic>
         <p:nvPicPr>
-          <p:cNvPr id="280" name="Google Shape;280;p31"/>
+          <p:cNvPr id="294" name="Google Shape;294;p32"/>
           <p:cNvPicPr preferRelativeResize="0"/>
           <p:nvPr/>
         </p:nvPicPr>
@@ -22593,12 +26697,12 @@
 </p:sld>
 </file>
 
-<file path=ppt/slides/slide18.xml><?xml version="1.0" encoding="utf-8"?>
+<file path=ppt/slides/slide19.xml><?xml version="1.0" encoding="utf-8"?>
 <p:sld xmlns:a="http://schemas.openxmlformats.org/drawingml/2006/main" xmlns:r="http://schemas.openxmlformats.org/officeDocument/2006/relationships" xmlns:p="http://schemas.openxmlformats.org/presentationml/2006/main">
   <p:cSld>
     <p:spTree>
       <p:nvGrpSpPr>
-        <p:cNvPr id="1" name="Shape 284"/>
+        <p:cNvPr id="1" name="Shape 298"/>
         <p:cNvGrpSpPr/>
         <p:nvPr/>
       </p:nvGrpSpPr>
@@ -22612,7 +26716,7 @@
       </p:grpSpPr>
       <p:sp>
         <p:nvSpPr>
-          <p:cNvPr id="285" name="Google Shape;285;p32"/>
+          <p:cNvPr id="299" name="Google Shape;299;p33"/>
           <p:cNvSpPr txBox="1"/>
           <p:nvPr/>
         </p:nvSpPr>
@@ -22678,7 +26782,7 @@
       </p:sp>
       <p:sp>
         <p:nvSpPr>
-          <p:cNvPr id="286" name="Google Shape;286;p32"/>
+          <p:cNvPr id="300" name="Google Shape;300;p33"/>
           <p:cNvSpPr txBox="1"/>
           <p:nvPr/>
         </p:nvSpPr>
@@ -22806,7 +26910,7 @@
       </p:sp>
       <p:pic>
         <p:nvPicPr>
-          <p:cNvPr id="287" name="Google Shape;287;p32"/>
+          <p:cNvPr id="301" name="Google Shape;301;p33"/>
           <p:cNvPicPr preferRelativeResize="0"/>
           <p:nvPr/>
         </p:nvPicPr>
@@ -22845,7 +26949,7 @@
       </p:pic>
       <p:pic>
         <p:nvPicPr>
-          <p:cNvPr id="288" name="Google Shape;288;p32"/>
+          <p:cNvPr id="302" name="Google Shape;302;p33"/>
           <p:cNvPicPr preferRelativeResize="0"/>
           <p:nvPr/>
         </p:nvPicPr>
@@ -22884,7 +26988,7 @@
       </p:pic>
       <p:sp>
         <p:nvSpPr>
-          <p:cNvPr id="289" name="Google Shape;289;p32"/>
+          <p:cNvPr id="303" name="Google Shape;303;p33"/>
           <p:cNvSpPr txBox="1"/>
           <p:nvPr/>
         </p:nvSpPr>
@@ -23018,7 +27122,7 @@
       </p:sp>
       <p:sp>
         <p:nvSpPr>
-          <p:cNvPr id="290" name="Google Shape;290;p32"/>
+          <p:cNvPr id="304" name="Google Shape;304;p33"/>
           <p:cNvSpPr txBox="1"/>
           <p:nvPr/>
         </p:nvSpPr>
@@ -23117,736 +27221,6 @@
               <a:t> </a:t>
             </a:r>
             <a:endParaRPr sz="800" i="0" u="none" strike="noStrike" cap="none">
-              <a:solidFill>
-                <a:srgbClr val="000000"/>
-              </a:solidFill>
-              <a:latin typeface="Calibri"/>
-              <a:ea typeface="Calibri"/>
-              <a:cs typeface="Calibri"/>
-              <a:sym typeface="Calibri"/>
-            </a:endParaRPr>
-          </a:p>
-        </p:txBody>
-      </p:sp>
-    </p:spTree>
-  </p:cSld>
-  <p:clrMapOvr>
-    <a:masterClrMapping/>
-  </p:clrMapOvr>
-</p:sld>
-</file>
-
-<file path=ppt/slides/slide19.xml><?xml version="1.0" encoding="utf-8"?>
-<p:sld xmlns:a="http://schemas.openxmlformats.org/drawingml/2006/main" xmlns:r="http://schemas.openxmlformats.org/officeDocument/2006/relationships" xmlns:p="http://schemas.openxmlformats.org/presentationml/2006/main">
-  <p:cSld>
-    <p:spTree>
-      <p:nvGrpSpPr>
-        <p:cNvPr id="1" name="Shape 294"/>
-        <p:cNvGrpSpPr/>
-        <p:nvPr/>
-      </p:nvGrpSpPr>
-      <p:grpSpPr>
-        <a:xfrm>
-          <a:off x="0" y="0"/>
-          <a:ext cx="0" cy="0"/>
-          <a:chOff x="0" y="0"/>
-          <a:chExt cx="0" cy="0"/>
-        </a:xfrm>
-      </p:grpSpPr>
-      <p:pic>
-        <p:nvPicPr>
-          <p:cNvPr id="295" name="Google Shape;295;p33"/>
-          <p:cNvPicPr preferRelativeResize="0"/>
-          <p:nvPr/>
-        </p:nvPicPr>
-        <p:blipFill rotWithShape="1">
-          <a:blip r:embed="rId3" cstate="email">
-            <a:alphaModFix/>
-            <a:extLst>
-              <a:ext uri="{28A0092B-C50C-407E-A947-70E740481C1C}">
-                <a14:useLocalDpi xmlns:a14="http://schemas.microsoft.com/office/drawing/2010/main"/>
-              </a:ext>
-            </a:extLst>
-          </a:blip>
-          <a:srcRect/>
-          <a:stretch/>
-        </p:blipFill>
-        <p:spPr>
-          <a:xfrm>
-            <a:off x="605238" y="1203525"/>
-            <a:ext cx="1570556" cy="1570556"/>
-          </a:xfrm>
-          <a:prstGeom prst="rect">
-            <a:avLst/>
-          </a:prstGeom>
-          <a:noFill/>
-          <a:ln>
-            <a:noFill/>
-          </a:ln>
-        </p:spPr>
-      </p:pic>
-      <p:sp>
-        <p:nvSpPr>
-          <p:cNvPr id="296" name="Google Shape;296;p33"/>
-          <p:cNvSpPr txBox="1"/>
-          <p:nvPr/>
-        </p:nvSpPr>
-        <p:spPr>
-          <a:xfrm>
-            <a:off x="-25625" y="-14775"/>
-            <a:ext cx="3355800" cy="569400"/>
-          </a:xfrm>
-          <a:prstGeom prst="rect">
-            <a:avLst/>
-          </a:prstGeom>
-          <a:noFill/>
-          <a:ln>
-            <a:noFill/>
-          </a:ln>
-        </p:spPr>
-        <p:txBody>
-          <a:bodyPr spcFirstLastPara="1" wrap="square" lIns="91425" tIns="91425" rIns="91425" bIns="91425" anchor="t" anchorCtr="0">
-            <a:spAutoFit/>
-          </a:bodyPr>
-          <a:lstStyle/>
-          <a:p>
-            <a:pPr marL="0" marR="0" lvl="0" indent="0" algn="l" rtl="0">
-              <a:lnSpc>
-                <a:spcPct val="100000"/>
-              </a:lnSpc>
-              <a:spcBef>
-                <a:spcPts val="0"/>
-              </a:spcBef>
-              <a:spcAft>
-                <a:spcPts val="0"/>
-              </a:spcAft>
-              <a:buClr>
-                <a:srgbClr val="000000"/>
-              </a:buClr>
-              <a:buSzPts val="2500"/>
-              <a:buFont typeface="Arial"/>
-              <a:buNone/>
-            </a:pPr>
-            <a:r>
-              <a:rPr lang="en" sz="2500" b="1" i="0" u="none" strike="noStrike" cap="none">
-                <a:solidFill>
-                  <a:srgbClr val="000000"/>
-                </a:solidFill>
-                <a:latin typeface="Calibri"/>
-                <a:ea typeface="Calibri"/>
-                <a:cs typeface="Calibri"/>
-                <a:sym typeface="Calibri"/>
-              </a:rPr>
-              <a:t>About the Speaker</a:t>
-            </a:r>
-            <a:endParaRPr sz="2500" b="1" i="0" u="none" strike="noStrike" cap="none">
-              <a:solidFill>
-                <a:srgbClr val="000000"/>
-              </a:solidFill>
-              <a:latin typeface="Calibri"/>
-              <a:ea typeface="Calibri"/>
-              <a:cs typeface="Calibri"/>
-              <a:sym typeface="Calibri"/>
-            </a:endParaRPr>
-          </a:p>
-        </p:txBody>
-      </p:sp>
-      <p:sp>
-        <p:nvSpPr>
-          <p:cNvPr id="297" name="Google Shape;297;p33"/>
-          <p:cNvSpPr txBox="1"/>
-          <p:nvPr/>
-        </p:nvSpPr>
-        <p:spPr>
-          <a:xfrm>
-            <a:off x="3330175" y="878750"/>
-            <a:ext cx="5621700" cy="3309300"/>
-          </a:xfrm>
-          <a:prstGeom prst="rect">
-            <a:avLst/>
-          </a:prstGeom>
-          <a:noFill/>
-          <a:ln>
-            <a:noFill/>
-          </a:ln>
-        </p:spPr>
-        <p:txBody>
-          <a:bodyPr spcFirstLastPara="1" wrap="square" lIns="91425" tIns="91425" rIns="91425" bIns="91425" anchor="t" anchorCtr="0">
-            <a:spAutoFit/>
-          </a:bodyPr>
-          <a:lstStyle/>
-          <a:p>
-            <a:pPr marL="0" marR="0" lvl="0" indent="0" algn="l" rtl="0">
-              <a:lnSpc>
-                <a:spcPct val="100000"/>
-              </a:lnSpc>
-              <a:spcBef>
-                <a:spcPts val="0"/>
-              </a:spcBef>
-              <a:spcAft>
-                <a:spcPts val="0"/>
-              </a:spcAft>
-              <a:buClr>
-                <a:schemeClr val="dk1"/>
-              </a:buClr>
-              <a:buSzPts val="1100"/>
-              <a:buFont typeface="Arial"/>
-              <a:buNone/>
-            </a:pPr>
-            <a:r>
-              <a:rPr lang="en" sz="2500" b="1" i="0" u="none" strike="noStrike" cap="none">
-                <a:solidFill>
-                  <a:srgbClr val="000000"/>
-                </a:solidFill>
-                <a:latin typeface="Calibri"/>
-                <a:ea typeface="Calibri"/>
-                <a:cs typeface="Calibri"/>
-                <a:sym typeface="Calibri"/>
-              </a:rPr>
-              <a:t>Lev Selector, Ph.D.</a:t>
-            </a:r>
-            <a:endParaRPr sz="2500" b="1" i="0" u="none" strike="noStrike" cap="none">
-              <a:solidFill>
-                <a:srgbClr val="000000"/>
-              </a:solidFill>
-              <a:latin typeface="Calibri"/>
-              <a:ea typeface="Calibri"/>
-              <a:cs typeface="Calibri"/>
-              <a:sym typeface="Calibri"/>
-            </a:endParaRPr>
-          </a:p>
-          <a:p>
-            <a:pPr marL="0" marR="0" lvl="0" indent="0" algn="l" rtl="0">
-              <a:lnSpc>
-                <a:spcPct val="100000"/>
-              </a:lnSpc>
-              <a:spcBef>
-                <a:spcPts val="0"/>
-              </a:spcBef>
-              <a:spcAft>
-                <a:spcPts val="0"/>
-              </a:spcAft>
-              <a:buClr>
-                <a:schemeClr val="dk1"/>
-              </a:buClr>
-              <a:buSzPts val="1100"/>
-              <a:buFont typeface="Arial"/>
-              <a:buNone/>
-            </a:pPr>
-            <a:endParaRPr sz="1800" b="0" i="0" u="none" strike="noStrike" cap="none">
-              <a:solidFill>
-                <a:srgbClr val="000000"/>
-              </a:solidFill>
-              <a:latin typeface="Calibri"/>
-              <a:ea typeface="Calibri"/>
-              <a:cs typeface="Calibri"/>
-              <a:sym typeface="Calibri"/>
-            </a:endParaRPr>
-          </a:p>
-          <a:p>
-            <a:pPr marL="457200" marR="0" lvl="0" indent="-330200" algn="l" rtl="0">
-              <a:lnSpc>
-                <a:spcPct val="100000"/>
-              </a:lnSpc>
-              <a:spcBef>
-                <a:spcPts val="0"/>
-              </a:spcBef>
-              <a:spcAft>
-                <a:spcPts val="0"/>
-              </a:spcAft>
-              <a:buClr>
-                <a:srgbClr val="000000"/>
-              </a:buClr>
-              <a:buSzPts val="1600"/>
-              <a:buFont typeface="Calibri"/>
-              <a:buChar char="●"/>
-            </a:pPr>
-            <a:r>
-              <a:rPr lang="en" sz="1600" b="0" i="0" u="none" strike="noStrike" cap="none">
-                <a:solidFill>
-                  <a:schemeClr val="dk1"/>
-                </a:solidFill>
-                <a:latin typeface="Calibri"/>
-                <a:ea typeface="Calibri"/>
-                <a:cs typeface="Calibri"/>
-                <a:sym typeface="Calibri"/>
-              </a:rPr>
-              <a:t>40+ years of software engineering, data science, and building teams (hiring, training, and managing)</a:t>
-            </a:r>
-            <a:endParaRPr sz="1600" b="0" i="0" u="none" strike="noStrike" cap="none">
-              <a:solidFill>
-                <a:schemeClr val="dk1"/>
-              </a:solidFill>
-              <a:latin typeface="Calibri"/>
-              <a:ea typeface="Calibri"/>
-              <a:cs typeface="Calibri"/>
-              <a:sym typeface="Calibri"/>
-            </a:endParaRPr>
-          </a:p>
-          <a:p>
-            <a:pPr marL="457200" marR="0" lvl="0" indent="-330200" algn="l" rtl="0">
-              <a:lnSpc>
-                <a:spcPct val="100000"/>
-              </a:lnSpc>
-              <a:spcBef>
-                <a:spcPts val="0"/>
-              </a:spcBef>
-              <a:spcAft>
-                <a:spcPts val="0"/>
-              </a:spcAft>
-              <a:buClr>
-                <a:srgbClr val="000000"/>
-              </a:buClr>
-              <a:buSzPts val="1600"/>
-              <a:buFont typeface="Calibri"/>
-              <a:buChar char="●"/>
-            </a:pPr>
-            <a:r>
-              <a:rPr lang="en" sz="1600" b="0" i="0" u="none" strike="noStrike" cap="none">
-                <a:solidFill>
-                  <a:schemeClr val="dk1"/>
-                </a:solidFill>
-                <a:latin typeface="Calibri"/>
-                <a:ea typeface="Calibri"/>
-                <a:cs typeface="Calibri"/>
-                <a:sym typeface="Calibri"/>
-              </a:rPr>
-              <a:t>Ph.D. in mathematical modeling and computer simulations</a:t>
-            </a:r>
-            <a:endParaRPr sz="1600" b="0" i="0" u="none" strike="noStrike" cap="none">
-              <a:solidFill>
-                <a:srgbClr val="000000"/>
-              </a:solidFill>
-              <a:latin typeface="Calibri"/>
-              <a:ea typeface="Calibri"/>
-              <a:cs typeface="Calibri"/>
-              <a:sym typeface="Calibri"/>
-            </a:endParaRPr>
-          </a:p>
-          <a:p>
-            <a:pPr marL="0" marR="0" lvl="0" indent="0" algn="l" rtl="0">
-              <a:lnSpc>
-                <a:spcPct val="100000"/>
-              </a:lnSpc>
-              <a:spcBef>
-                <a:spcPts val="0"/>
-              </a:spcBef>
-              <a:spcAft>
-                <a:spcPts val="0"/>
-              </a:spcAft>
-              <a:buClr>
-                <a:schemeClr val="dk1"/>
-              </a:buClr>
-              <a:buSzPts val="1100"/>
-              <a:buFont typeface="Arial"/>
-              <a:buNone/>
-            </a:pPr>
-            <a:endParaRPr sz="1600" b="0" i="0" u="none" strike="noStrike" cap="none">
-              <a:solidFill>
-                <a:srgbClr val="000000"/>
-              </a:solidFill>
-              <a:latin typeface="Calibri"/>
-              <a:ea typeface="Calibri"/>
-              <a:cs typeface="Calibri"/>
-              <a:sym typeface="Calibri"/>
-            </a:endParaRPr>
-          </a:p>
-          <a:p>
-            <a:pPr marL="0" marR="0" lvl="0" indent="0" algn="l" rtl="0">
-              <a:lnSpc>
-                <a:spcPct val="100000"/>
-              </a:lnSpc>
-              <a:spcBef>
-                <a:spcPts val="0"/>
-              </a:spcBef>
-              <a:spcAft>
-                <a:spcPts val="0"/>
-              </a:spcAft>
-              <a:buClr>
-                <a:srgbClr val="000000"/>
-              </a:buClr>
-              <a:buSzPts val="1600"/>
-              <a:buFont typeface="Arial"/>
-              <a:buNone/>
-            </a:pPr>
-            <a:r>
-              <a:rPr lang="en" sz="1600" b="0" i="0" u="none" strike="noStrike" cap="none">
-                <a:solidFill>
-                  <a:srgbClr val="000000"/>
-                </a:solidFill>
-                <a:latin typeface="Calibri"/>
-                <a:ea typeface="Calibri"/>
-                <a:cs typeface="Calibri"/>
-                <a:sym typeface="Calibri"/>
-              </a:rPr>
-              <a:t>Interests: </a:t>
-            </a:r>
-            <a:endParaRPr sz="1600" b="0" i="0" u="none" strike="noStrike" cap="none">
-              <a:solidFill>
-                <a:srgbClr val="000000"/>
-              </a:solidFill>
-              <a:latin typeface="Calibri"/>
-              <a:ea typeface="Calibri"/>
-              <a:cs typeface="Calibri"/>
-              <a:sym typeface="Calibri"/>
-            </a:endParaRPr>
-          </a:p>
-          <a:p>
-            <a:pPr marL="457200" marR="0" lvl="0" indent="-330200" algn="l" rtl="0">
-              <a:lnSpc>
-                <a:spcPct val="100000"/>
-              </a:lnSpc>
-              <a:spcBef>
-                <a:spcPts val="0"/>
-              </a:spcBef>
-              <a:spcAft>
-                <a:spcPts val="0"/>
-              </a:spcAft>
-              <a:buClr>
-                <a:srgbClr val="000000"/>
-              </a:buClr>
-              <a:buSzPts val="1600"/>
-              <a:buFont typeface="Calibri"/>
-              <a:buChar char="●"/>
-            </a:pPr>
-            <a:r>
-              <a:rPr lang="en" sz="1600" b="0" i="0" u="none" strike="noStrike" cap="none">
-                <a:solidFill>
-                  <a:schemeClr val="dk1"/>
-                </a:solidFill>
-                <a:latin typeface="Calibri"/>
-                <a:ea typeface="Calibri"/>
-                <a:cs typeface="Calibri"/>
-                <a:sym typeface="Calibri"/>
-              </a:rPr>
-              <a:t>Generative AI, Using LLM with your data</a:t>
-            </a:r>
-            <a:endParaRPr sz="1600" b="0" i="0" u="none" strike="noStrike" cap="none">
-              <a:solidFill>
-                <a:schemeClr val="dk1"/>
-              </a:solidFill>
-              <a:latin typeface="Calibri"/>
-              <a:ea typeface="Calibri"/>
-              <a:cs typeface="Calibri"/>
-              <a:sym typeface="Calibri"/>
-            </a:endParaRPr>
-          </a:p>
-          <a:p>
-            <a:pPr marL="457200" marR="0" lvl="0" indent="-330200" algn="l" rtl="0">
-              <a:lnSpc>
-                <a:spcPct val="100000"/>
-              </a:lnSpc>
-              <a:spcBef>
-                <a:spcPts val="0"/>
-              </a:spcBef>
-              <a:spcAft>
-                <a:spcPts val="0"/>
-              </a:spcAft>
-              <a:buClr>
-                <a:schemeClr val="dk1"/>
-              </a:buClr>
-              <a:buSzPts val="1600"/>
-              <a:buFont typeface="Calibri"/>
-              <a:buChar char="●"/>
-            </a:pPr>
-            <a:r>
-              <a:rPr lang="en" sz="1600" b="0" i="0" u="none" strike="noStrike" cap="none">
-                <a:solidFill>
-                  <a:schemeClr val="dk1"/>
-                </a:solidFill>
-                <a:latin typeface="Calibri"/>
-                <a:ea typeface="Calibri"/>
-                <a:cs typeface="Calibri"/>
-                <a:sym typeface="Calibri"/>
-              </a:rPr>
-              <a:t>Local AI for Local Private Data</a:t>
-            </a:r>
-            <a:endParaRPr sz="1600" b="0" i="0" u="none" strike="noStrike" cap="none">
-              <a:solidFill>
-                <a:schemeClr val="dk1"/>
-              </a:solidFill>
-              <a:latin typeface="Calibri"/>
-              <a:ea typeface="Calibri"/>
-              <a:cs typeface="Calibri"/>
-              <a:sym typeface="Calibri"/>
-            </a:endParaRPr>
-          </a:p>
-          <a:p>
-            <a:pPr marL="457200" marR="0" lvl="0" indent="-330200" algn="l" rtl="0">
-              <a:lnSpc>
-                <a:spcPct val="100000"/>
-              </a:lnSpc>
-              <a:spcBef>
-                <a:spcPts val="0"/>
-              </a:spcBef>
-              <a:spcAft>
-                <a:spcPts val="0"/>
-              </a:spcAft>
-              <a:buClr>
-                <a:srgbClr val="000000"/>
-              </a:buClr>
-              <a:buSzPts val="1600"/>
-              <a:buFont typeface="Calibri"/>
-              <a:buChar char="●"/>
-            </a:pPr>
-            <a:r>
-              <a:rPr lang="en" sz="1600" b="0" i="0" u="none" strike="noStrike" cap="none">
-                <a:solidFill>
-                  <a:srgbClr val="000000"/>
-                </a:solidFill>
-                <a:latin typeface="Calibri"/>
-                <a:ea typeface="Calibri"/>
-                <a:cs typeface="Calibri"/>
-                <a:sym typeface="Calibri"/>
-              </a:rPr>
-              <a:t>Cloud architecture, fin-tech, application security</a:t>
-            </a:r>
-            <a:endParaRPr sz="1600" b="0" i="0" u="none" strike="noStrike" cap="none">
-              <a:solidFill>
-                <a:srgbClr val="000000"/>
-              </a:solidFill>
-              <a:latin typeface="Calibri"/>
-              <a:ea typeface="Calibri"/>
-              <a:cs typeface="Calibri"/>
-              <a:sym typeface="Calibri"/>
-            </a:endParaRPr>
-          </a:p>
-          <a:p>
-            <a:pPr marL="0" marR="0" lvl="0" indent="0" algn="l" rtl="0">
-              <a:lnSpc>
-                <a:spcPct val="100000"/>
-              </a:lnSpc>
-              <a:spcBef>
-                <a:spcPts val="0"/>
-              </a:spcBef>
-              <a:spcAft>
-                <a:spcPts val="0"/>
-              </a:spcAft>
-              <a:buClr>
-                <a:srgbClr val="000000"/>
-              </a:buClr>
-              <a:buSzPts val="1600"/>
-              <a:buFont typeface="Arial"/>
-              <a:buNone/>
-            </a:pPr>
-            <a:endParaRPr sz="1600" b="0" i="0" u="none" strike="noStrike" cap="none">
-              <a:solidFill>
-                <a:srgbClr val="000000"/>
-              </a:solidFill>
-              <a:latin typeface="Calibri"/>
-              <a:ea typeface="Calibri"/>
-              <a:cs typeface="Calibri"/>
-              <a:sym typeface="Calibri"/>
-            </a:endParaRPr>
-          </a:p>
-          <a:p>
-            <a:pPr marL="0" marR="0" lvl="0" indent="0" algn="l" rtl="0">
-              <a:lnSpc>
-                <a:spcPct val="100000"/>
-              </a:lnSpc>
-              <a:spcBef>
-                <a:spcPts val="0"/>
-              </a:spcBef>
-              <a:spcAft>
-                <a:spcPts val="0"/>
-              </a:spcAft>
-              <a:buClr>
-                <a:srgbClr val="000000"/>
-              </a:buClr>
-              <a:buSzPts val="1600"/>
-              <a:buFont typeface="Arial"/>
-              <a:buNone/>
-            </a:pPr>
-            <a:r>
-              <a:rPr lang="en" sz="1600" b="0" i="0" u="none" strike="noStrike" cap="none">
-                <a:solidFill>
-                  <a:srgbClr val="000000"/>
-                </a:solidFill>
-                <a:latin typeface="Calibri"/>
-                <a:ea typeface="Calibri"/>
-                <a:cs typeface="Calibri"/>
-                <a:sym typeface="Calibri"/>
-              </a:rPr>
-              <a:t>Find/connect: Linkedin, GitHub, YouTube, Google</a:t>
-            </a:r>
-            <a:endParaRPr sz="1600" b="0" i="0" u="none" strike="noStrike" cap="none">
-              <a:solidFill>
-                <a:srgbClr val="000000"/>
-              </a:solidFill>
-              <a:latin typeface="Calibri"/>
-              <a:ea typeface="Calibri"/>
-              <a:cs typeface="Calibri"/>
-              <a:sym typeface="Calibri"/>
-            </a:endParaRPr>
-          </a:p>
-        </p:txBody>
-      </p:sp>
-      <p:pic>
-        <p:nvPicPr>
-          <p:cNvPr id="298" name="Google Shape;298;p33"/>
-          <p:cNvPicPr preferRelativeResize="0"/>
-          <p:nvPr/>
-        </p:nvPicPr>
-        <p:blipFill rotWithShape="1">
-          <a:blip r:embed="rId4" cstate="email">
-            <a:alphaModFix/>
-            <a:extLst>
-              <a:ext uri="{28A0092B-C50C-407E-A947-70E740481C1C}">
-                <a14:useLocalDpi xmlns:a14="http://schemas.microsoft.com/office/drawing/2010/main"/>
-              </a:ext>
-            </a:extLst>
-          </a:blip>
-          <a:srcRect/>
-          <a:stretch/>
-        </p:blipFill>
-        <p:spPr>
-          <a:xfrm>
-            <a:off x="782341" y="3664175"/>
-            <a:ext cx="858450" cy="311906"/>
-          </a:xfrm>
-          <a:prstGeom prst="rect">
-            <a:avLst/>
-          </a:prstGeom>
-          <a:noFill/>
-          <a:ln>
-            <a:noFill/>
-          </a:ln>
-        </p:spPr>
-      </p:pic>
-      <p:sp>
-        <p:nvSpPr>
-          <p:cNvPr id="299" name="Google Shape;299;p33"/>
-          <p:cNvSpPr txBox="1"/>
-          <p:nvPr/>
-        </p:nvSpPr>
-        <p:spPr>
-          <a:xfrm>
-            <a:off x="683777" y="4005903"/>
-            <a:ext cx="1391400" cy="431100"/>
-          </a:xfrm>
-          <a:prstGeom prst="rect">
-            <a:avLst/>
-          </a:prstGeom>
-          <a:noFill/>
-          <a:ln>
-            <a:noFill/>
-          </a:ln>
-        </p:spPr>
-        <p:txBody>
-          <a:bodyPr spcFirstLastPara="1" wrap="square" lIns="91425" tIns="91425" rIns="91425" bIns="91425" anchor="t" anchorCtr="0">
-            <a:spAutoFit/>
-          </a:bodyPr>
-          <a:lstStyle/>
-          <a:p>
-            <a:pPr marL="0" marR="0" lvl="0" indent="0" algn="l" rtl="0">
-              <a:lnSpc>
-                <a:spcPct val="100000"/>
-              </a:lnSpc>
-              <a:spcBef>
-                <a:spcPts val="0"/>
-              </a:spcBef>
-              <a:spcAft>
-                <a:spcPts val="0"/>
-              </a:spcAft>
-              <a:buClr>
-                <a:srgbClr val="000000"/>
-              </a:buClr>
-              <a:buSzPts val="1600"/>
-              <a:buFont typeface="Arial"/>
-              <a:buNone/>
-            </a:pPr>
-            <a:r>
-              <a:rPr lang="en" sz="1600" b="0" i="0" u="sng" strike="noStrike" cap="none">
-                <a:solidFill>
-                  <a:schemeClr val="hlink"/>
-                </a:solidFill>
-                <a:latin typeface="Calibri"/>
-                <a:ea typeface="Calibri"/>
-                <a:cs typeface="Calibri"/>
-                <a:sym typeface="Calibri"/>
-                <a:hlinkClick r:id="rId5"/>
-              </a:rPr>
-              <a:t>https://eais.ai</a:t>
-            </a:r>
-            <a:r>
-              <a:rPr lang="en" sz="1600" b="0" i="0" u="none" strike="noStrike" cap="none">
-                <a:solidFill>
-                  <a:srgbClr val="000000"/>
-                </a:solidFill>
-                <a:latin typeface="Calibri"/>
-                <a:ea typeface="Calibri"/>
-                <a:cs typeface="Calibri"/>
-                <a:sym typeface="Calibri"/>
-              </a:rPr>
-              <a:t> </a:t>
-            </a:r>
-            <a:endParaRPr sz="1600" b="0" i="0" u="none" strike="noStrike" cap="none">
-              <a:solidFill>
-                <a:srgbClr val="000000"/>
-              </a:solidFill>
-              <a:latin typeface="Calibri"/>
-              <a:ea typeface="Calibri"/>
-              <a:cs typeface="Calibri"/>
-              <a:sym typeface="Calibri"/>
-            </a:endParaRPr>
-          </a:p>
-        </p:txBody>
-      </p:sp>
-      <p:sp>
-        <p:nvSpPr>
-          <p:cNvPr id="300" name="Google Shape;300;p33"/>
-          <p:cNvSpPr txBox="1"/>
-          <p:nvPr/>
-        </p:nvSpPr>
-        <p:spPr>
-          <a:xfrm>
-            <a:off x="307603" y="4360974"/>
-            <a:ext cx="2094000" cy="431100"/>
-          </a:xfrm>
-          <a:prstGeom prst="rect">
-            <a:avLst/>
-          </a:prstGeom>
-          <a:noFill/>
-          <a:ln>
-            <a:noFill/>
-          </a:ln>
-        </p:spPr>
-        <p:txBody>
-          <a:bodyPr spcFirstLastPara="1" wrap="square" lIns="91425" tIns="91425" rIns="91425" bIns="91425" anchor="t" anchorCtr="0">
-            <a:spAutoFit/>
-          </a:bodyPr>
-          <a:lstStyle/>
-          <a:p>
-            <a:pPr marL="0" marR="0" lvl="0" indent="0" algn="ctr" rtl="0">
-              <a:lnSpc>
-                <a:spcPct val="100000"/>
-              </a:lnSpc>
-              <a:spcBef>
-                <a:spcPts val="0"/>
-              </a:spcBef>
-              <a:spcAft>
-                <a:spcPts val="0"/>
-              </a:spcAft>
-              <a:buClr>
-                <a:schemeClr val="dk1"/>
-              </a:buClr>
-              <a:buSzPts val="1100"/>
-              <a:buFont typeface="Arial"/>
-              <a:buNone/>
-            </a:pPr>
-            <a:r>
-              <a:rPr lang="en" sz="1600" b="0" i="0" u="none" strike="noStrike" cap="none">
-                <a:solidFill>
-                  <a:srgbClr val="000000"/>
-                </a:solidFill>
-                <a:latin typeface="Calibri"/>
-                <a:ea typeface="Calibri"/>
-                <a:cs typeface="Calibri"/>
-                <a:sym typeface="Calibri"/>
-              </a:rPr>
-              <a:t>Enterprise AI Systems</a:t>
-            </a:r>
-            <a:endParaRPr sz="1600" b="0" i="0" u="none" strike="noStrike" cap="none">
               <a:solidFill>
                 <a:srgbClr val="000000"/>
               </a:solidFill>
@@ -27512,7 +30886,7 @@
             <a:tbl>
               <a:tblPr>
                 <a:noFill/>
-                <a:tableStyleId>{383A37D2-1CF3-496A-B5FD-ACD6FEE8B33E}</a:tableStyleId>
+                <a:tableStyleId>{1A20187B-B581-45CF-AC6A-F9F3D1377116}</a:tableStyleId>
               </a:tblPr>
               <a:tblGrid>
                 <a:gridCol w="1809750">
@@ -31819,7 +35193,7 @@
             <a:tbl>
               <a:tblPr>
                 <a:noFill/>
-                <a:tableStyleId>{383A37D2-1CF3-496A-B5FD-ACD6FEE8B33E}</a:tableStyleId>
+                <a:tableStyleId>{1A20187B-B581-45CF-AC6A-F9F3D1377116}</a:tableStyleId>
               </a:tblPr>
               <a:tblGrid>
                 <a:gridCol w="2200275">
@@ -35762,6 +39136,127 @@
           </a:p>
         </p:txBody>
       </p:sp>
+      <p:sp>
+        <p:nvSpPr>
+          <p:cNvPr id="130" name="Google Shape;130;p16"/>
+          <p:cNvSpPr txBox="1"/>
+          <p:nvPr/>
+        </p:nvSpPr>
+        <p:spPr>
+          <a:xfrm>
+            <a:off x="6317400" y="1487425"/>
+            <a:ext cx="2775000" cy="341700"/>
+          </a:xfrm>
+          <a:prstGeom prst="rect">
+            <a:avLst/>
+          </a:prstGeom>
+          <a:solidFill>
+            <a:srgbClr val="FCE5CD"/>
+          </a:solidFill>
+          <a:ln w="9525" cap="flat" cmpd="sng">
+            <a:solidFill>
+              <a:srgbClr val="FF0000"/>
+            </a:solidFill>
+            <a:prstDash val="solid"/>
+            <a:round/>
+            <a:headEnd type="none" w="sm" len="sm"/>
+            <a:tailEnd type="none" w="sm" len="sm"/>
+          </a:ln>
+        </p:spPr>
+        <p:txBody>
+          <a:bodyPr spcFirstLastPara="1" wrap="square" lIns="9125" tIns="9125" rIns="9125" bIns="9125" anchor="t" anchorCtr="0">
+            <a:spAutoFit/>
+          </a:bodyPr>
+          <a:lstStyle/>
+          <a:p>
+            <a:pPr marL="171450" marR="0" lvl="0" indent="-133350" algn="l" rtl="0">
+              <a:lnSpc>
+                <a:spcPct val="100000"/>
+              </a:lnSpc>
+              <a:spcBef>
+                <a:spcPts val="0"/>
+              </a:spcBef>
+              <a:spcAft>
+                <a:spcPts val="0"/>
+              </a:spcAft>
+              <a:buClr>
+                <a:schemeClr val="dk1"/>
+              </a:buClr>
+              <a:buSzPts val="1200"/>
+              <a:buFont typeface="Calibri"/>
+              <a:buChar char="●"/>
+            </a:pPr>
+            <a:r>
+              <a:rPr lang="en" sz="1200">
+                <a:latin typeface="Calibri"/>
+                <a:ea typeface="Calibri"/>
+                <a:cs typeface="Calibri"/>
+                <a:sym typeface="Calibri"/>
+              </a:rPr>
+              <a:t>Grok 4 Benchmarks</a:t>
+            </a:r>
+            <a:endParaRPr sz="900">
+              <a:latin typeface="Calibri"/>
+              <a:ea typeface="Calibri"/>
+              <a:cs typeface="Calibri"/>
+              <a:sym typeface="Calibri"/>
+            </a:endParaRPr>
+          </a:p>
+          <a:p>
+            <a:pPr marL="171450" marR="0" lvl="0" indent="-114300" algn="l" rtl="0">
+              <a:lnSpc>
+                <a:spcPct val="100000"/>
+              </a:lnSpc>
+              <a:spcBef>
+                <a:spcPts val="0"/>
+              </a:spcBef>
+              <a:spcAft>
+                <a:spcPts val="0"/>
+              </a:spcAft>
+              <a:buClr>
+                <a:schemeClr val="dk1"/>
+              </a:buClr>
+              <a:buSzPts val="900"/>
+              <a:buFont typeface="Calibri"/>
+              <a:buChar char="●"/>
+            </a:pPr>
+            <a:r>
+              <a:rPr lang="en" sz="900" u="sng">
+                <a:solidFill>
+                  <a:schemeClr val="hlink"/>
+                </a:solidFill>
+                <a:latin typeface="Calibri"/>
+                <a:ea typeface="Calibri"/>
+                <a:cs typeface="Calibri"/>
+                <a:sym typeface="Calibri"/>
+                <a:hlinkClick r:id="rId41"/>
+              </a:rPr>
+              <a:t>https://artificialanalysis.ai/models/grok-4</a:t>
+            </a:r>
+            <a:r>
+              <a:rPr lang="en" sz="900">
+                <a:solidFill>
+                  <a:schemeClr val="dk1"/>
+                </a:solidFill>
+                <a:latin typeface="Calibri"/>
+                <a:ea typeface="Calibri"/>
+                <a:cs typeface="Calibri"/>
+                <a:sym typeface="Calibri"/>
+              </a:rPr>
+              <a:t> </a:t>
+            </a:r>
+            <a:endParaRPr sz="900">
+              <a:solidFill>
+                <a:schemeClr val="dk1"/>
+              </a:solidFill>
+              <a:latin typeface="Calibri"/>
+              <a:ea typeface="Calibri"/>
+              <a:cs typeface="Calibri"/>
+              <a:sym typeface="Calibri"/>
+            </a:endParaRPr>
+          </a:p>
+        </p:txBody>
+      </p:sp>
     </p:spTree>
   </p:cSld>
   <p:clrMapOvr>
@@ -35775,7 +39270,737 @@
   <p:cSld>
     <p:spTree>
       <p:nvGrpSpPr>
-        <p:cNvPr id="1" name="Shape 304"/>
+        <p:cNvPr id="1" name="Shape 308"/>
+        <p:cNvGrpSpPr/>
+        <p:nvPr/>
+      </p:nvGrpSpPr>
+      <p:grpSpPr>
+        <a:xfrm>
+          <a:off x="0" y="0"/>
+          <a:ext cx="0" cy="0"/>
+          <a:chOff x="0" y="0"/>
+          <a:chExt cx="0" cy="0"/>
+        </a:xfrm>
+      </p:grpSpPr>
+      <p:pic>
+        <p:nvPicPr>
+          <p:cNvPr id="309" name="Google Shape;309;p34"/>
+          <p:cNvPicPr preferRelativeResize="0"/>
+          <p:nvPr/>
+        </p:nvPicPr>
+        <p:blipFill rotWithShape="1">
+          <a:blip r:embed="rId3" cstate="email">
+            <a:alphaModFix/>
+            <a:extLst>
+              <a:ext uri="{28A0092B-C50C-407E-A947-70E740481C1C}">
+                <a14:useLocalDpi xmlns:a14="http://schemas.microsoft.com/office/drawing/2010/main"/>
+              </a:ext>
+            </a:extLst>
+          </a:blip>
+          <a:srcRect/>
+          <a:stretch/>
+        </p:blipFill>
+        <p:spPr>
+          <a:xfrm>
+            <a:off x="605238" y="1203525"/>
+            <a:ext cx="1570556" cy="1570556"/>
+          </a:xfrm>
+          <a:prstGeom prst="rect">
+            <a:avLst/>
+          </a:prstGeom>
+          <a:noFill/>
+          <a:ln>
+            <a:noFill/>
+          </a:ln>
+        </p:spPr>
+      </p:pic>
+      <p:sp>
+        <p:nvSpPr>
+          <p:cNvPr id="310" name="Google Shape;310;p34"/>
+          <p:cNvSpPr txBox="1"/>
+          <p:nvPr/>
+        </p:nvSpPr>
+        <p:spPr>
+          <a:xfrm>
+            <a:off x="-25625" y="-14775"/>
+            <a:ext cx="3355800" cy="569400"/>
+          </a:xfrm>
+          <a:prstGeom prst="rect">
+            <a:avLst/>
+          </a:prstGeom>
+          <a:noFill/>
+          <a:ln>
+            <a:noFill/>
+          </a:ln>
+        </p:spPr>
+        <p:txBody>
+          <a:bodyPr spcFirstLastPara="1" wrap="square" lIns="91425" tIns="91425" rIns="91425" bIns="91425" anchor="t" anchorCtr="0">
+            <a:spAutoFit/>
+          </a:bodyPr>
+          <a:lstStyle/>
+          <a:p>
+            <a:pPr marL="0" marR="0" lvl="0" indent="0" algn="l" rtl="0">
+              <a:lnSpc>
+                <a:spcPct val="100000"/>
+              </a:lnSpc>
+              <a:spcBef>
+                <a:spcPts val="0"/>
+              </a:spcBef>
+              <a:spcAft>
+                <a:spcPts val="0"/>
+              </a:spcAft>
+              <a:buClr>
+                <a:srgbClr val="000000"/>
+              </a:buClr>
+              <a:buSzPts val="2500"/>
+              <a:buFont typeface="Arial"/>
+              <a:buNone/>
+            </a:pPr>
+            <a:r>
+              <a:rPr lang="en" sz="2500" b="1" i="0" u="none" strike="noStrike" cap="none">
+                <a:solidFill>
+                  <a:srgbClr val="000000"/>
+                </a:solidFill>
+                <a:latin typeface="Calibri"/>
+                <a:ea typeface="Calibri"/>
+                <a:cs typeface="Calibri"/>
+                <a:sym typeface="Calibri"/>
+              </a:rPr>
+              <a:t>About the Speaker</a:t>
+            </a:r>
+            <a:endParaRPr sz="2500" b="1" i="0" u="none" strike="noStrike" cap="none">
+              <a:solidFill>
+                <a:srgbClr val="000000"/>
+              </a:solidFill>
+              <a:latin typeface="Calibri"/>
+              <a:ea typeface="Calibri"/>
+              <a:cs typeface="Calibri"/>
+              <a:sym typeface="Calibri"/>
+            </a:endParaRPr>
+          </a:p>
+        </p:txBody>
+      </p:sp>
+      <p:sp>
+        <p:nvSpPr>
+          <p:cNvPr id="311" name="Google Shape;311;p34"/>
+          <p:cNvSpPr txBox="1"/>
+          <p:nvPr/>
+        </p:nvSpPr>
+        <p:spPr>
+          <a:xfrm>
+            <a:off x="3330175" y="878750"/>
+            <a:ext cx="5621700" cy="3309300"/>
+          </a:xfrm>
+          <a:prstGeom prst="rect">
+            <a:avLst/>
+          </a:prstGeom>
+          <a:noFill/>
+          <a:ln>
+            <a:noFill/>
+          </a:ln>
+        </p:spPr>
+        <p:txBody>
+          <a:bodyPr spcFirstLastPara="1" wrap="square" lIns="91425" tIns="91425" rIns="91425" bIns="91425" anchor="t" anchorCtr="0">
+            <a:spAutoFit/>
+          </a:bodyPr>
+          <a:lstStyle/>
+          <a:p>
+            <a:pPr marL="0" marR="0" lvl="0" indent="0" algn="l" rtl="0">
+              <a:lnSpc>
+                <a:spcPct val="100000"/>
+              </a:lnSpc>
+              <a:spcBef>
+                <a:spcPts val="0"/>
+              </a:spcBef>
+              <a:spcAft>
+                <a:spcPts val="0"/>
+              </a:spcAft>
+              <a:buClr>
+                <a:schemeClr val="dk1"/>
+              </a:buClr>
+              <a:buSzPts val="1100"/>
+              <a:buFont typeface="Arial"/>
+              <a:buNone/>
+            </a:pPr>
+            <a:r>
+              <a:rPr lang="en" sz="2500" b="1" i="0" u="none" strike="noStrike" cap="none">
+                <a:solidFill>
+                  <a:srgbClr val="000000"/>
+                </a:solidFill>
+                <a:latin typeface="Calibri"/>
+                <a:ea typeface="Calibri"/>
+                <a:cs typeface="Calibri"/>
+                <a:sym typeface="Calibri"/>
+              </a:rPr>
+              <a:t>Lev Selector, Ph.D.</a:t>
+            </a:r>
+            <a:endParaRPr sz="2500" b="1" i="0" u="none" strike="noStrike" cap="none">
+              <a:solidFill>
+                <a:srgbClr val="000000"/>
+              </a:solidFill>
+              <a:latin typeface="Calibri"/>
+              <a:ea typeface="Calibri"/>
+              <a:cs typeface="Calibri"/>
+              <a:sym typeface="Calibri"/>
+            </a:endParaRPr>
+          </a:p>
+          <a:p>
+            <a:pPr marL="0" marR="0" lvl="0" indent="0" algn="l" rtl="0">
+              <a:lnSpc>
+                <a:spcPct val="100000"/>
+              </a:lnSpc>
+              <a:spcBef>
+                <a:spcPts val="0"/>
+              </a:spcBef>
+              <a:spcAft>
+                <a:spcPts val="0"/>
+              </a:spcAft>
+              <a:buClr>
+                <a:schemeClr val="dk1"/>
+              </a:buClr>
+              <a:buSzPts val="1100"/>
+              <a:buFont typeface="Arial"/>
+              <a:buNone/>
+            </a:pPr>
+            <a:endParaRPr sz="1800" b="0" i="0" u="none" strike="noStrike" cap="none">
+              <a:solidFill>
+                <a:srgbClr val="000000"/>
+              </a:solidFill>
+              <a:latin typeface="Calibri"/>
+              <a:ea typeface="Calibri"/>
+              <a:cs typeface="Calibri"/>
+              <a:sym typeface="Calibri"/>
+            </a:endParaRPr>
+          </a:p>
+          <a:p>
+            <a:pPr marL="457200" marR="0" lvl="0" indent="-330200" algn="l" rtl="0">
+              <a:lnSpc>
+                <a:spcPct val="100000"/>
+              </a:lnSpc>
+              <a:spcBef>
+                <a:spcPts val="0"/>
+              </a:spcBef>
+              <a:spcAft>
+                <a:spcPts val="0"/>
+              </a:spcAft>
+              <a:buClr>
+                <a:srgbClr val="000000"/>
+              </a:buClr>
+              <a:buSzPts val="1600"/>
+              <a:buFont typeface="Calibri"/>
+              <a:buChar char="●"/>
+            </a:pPr>
+            <a:r>
+              <a:rPr lang="en" sz="1600" b="0" i="0" u="none" strike="noStrike" cap="none">
+                <a:solidFill>
+                  <a:schemeClr val="dk1"/>
+                </a:solidFill>
+                <a:latin typeface="Calibri"/>
+                <a:ea typeface="Calibri"/>
+                <a:cs typeface="Calibri"/>
+                <a:sym typeface="Calibri"/>
+              </a:rPr>
+              <a:t>40+ years of software engineering, data science, and building teams (hiring, training, and managing)</a:t>
+            </a:r>
+            <a:endParaRPr sz="1600" b="0" i="0" u="none" strike="noStrike" cap="none">
+              <a:solidFill>
+                <a:schemeClr val="dk1"/>
+              </a:solidFill>
+              <a:latin typeface="Calibri"/>
+              <a:ea typeface="Calibri"/>
+              <a:cs typeface="Calibri"/>
+              <a:sym typeface="Calibri"/>
+            </a:endParaRPr>
+          </a:p>
+          <a:p>
+            <a:pPr marL="457200" marR="0" lvl="0" indent="-330200" algn="l" rtl="0">
+              <a:lnSpc>
+                <a:spcPct val="100000"/>
+              </a:lnSpc>
+              <a:spcBef>
+                <a:spcPts val="0"/>
+              </a:spcBef>
+              <a:spcAft>
+                <a:spcPts val="0"/>
+              </a:spcAft>
+              <a:buClr>
+                <a:srgbClr val="000000"/>
+              </a:buClr>
+              <a:buSzPts val="1600"/>
+              <a:buFont typeface="Calibri"/>
+              <a:buChar char="●"/>
+            </a:pPr>
+            <a:r>
+              <a:rPr lang="en" sz="1600" b="0" i="0" u="none" strike="noStrike" cap="none">
+                <a:solidFill>
+                  <a:schemeClr val="dk1"/>
+                </a:solidFill>
+                <a:latin typeface="Calibri"/>
+                <a:ea typeface="Calibri"/>
+                <a:cs typeface="Calibri"/>
+                <a:sym typeface="Calibri"/>
+              </a:rPr>
+              <a:t>Ph.D. in mathematical modeling and computer simulations</a:t>
+            </a:r>
+            <a:endParaRPr sz="1600" b="0" i="0" u="none" strike="noStrike" cap="none">
+              <a:solidFill>
+                <a:srgbClr val="000000"/>
+              </a:solidFill>
+              <a:latin typeface="Calibri"/>
+              <a:ea typeface="Calibri"/>
+              <a:cs typeface="Calibri"/>
+              <a:sym typeface="Calibri"/>
+            </a:endParaRPr>
+          </a:p>
+          <a:p>
+            <a:pPr marL="0" marR="0" lvl="0" indent="0" algn="l" rtl="0">
+              <a:lnSpc>
+                <a:spcPct val="100000"/>
+              </a:lnSpc>
+              <a:spcBef>
+                <a:spcPts val="0"/>
+              </a:spcBef>
+              <a:spcAft>
+                <a:spcPts val="0"/>
+              </a:spcAft>
+              <a:buClr>
+                <a:schemeClr val="dk1"/>
+              </a:buClr>
+              <a:buSzPts val="1100"/>
+              <a:buFont typeface="Arial"/>
+              <a:buNone/>
+            </a:pPr>
+            <a:endParaRPr sz="1600" b="0" i="0" u="none" strike="noStrike" cap="none">
+              <a:solidFill>
+                <a:srgbClr val="000000"/>
+              </a:solidFill>
+              <a:latin typeface="Calibri"/>
+              <a:ea typeface="Calibri"/>
+              <a:cs typeface="Calibri"/>
+              <a:sym typeface="Calibri"/>
+            </a:endParaRPr>
+          </a:p>
+          <a:p>
+            <a:pPr marL="0" marR="0" lvl="0" indent="0" algn="l" rtl="0">
+              <a:lnSpc>
+                <a:spcPct val="100000"/>
+              </a:lnSpc>
+              <a:spcBef>
+                <a:spcPts val="0"/>
+              </a:spcBef>
+              <a:spcAft>
+                <a:spcPts val="0"/>
+              </a:spcAft>
+              <a:buClr>
+                <a:srgbClr val="000000"/>
+              </a:buClr>
+              <a:buSzPts val="1600"/>
+              <a:buFont typeface="Arial"/>
+              <a:buNone/>
+            </a:pPr>
+            <a:r>
+              <a:rPr lang="en" sz="1600" b="0" i="0" u="none" strike="noStrike" cap="none">
+                <a:solidFill>
+                  <a:srgbClr val="000000"/>
+                </a:solidFill>
+                <a:latin typeface="Calibri"/>
+                <a:ea typeface="Calibri"/>
+                <a:cs typeface="Calibri"/>
+                <a:sym typeface="Calibri"/>
+              </a:rPr>
+              <a:t>Interests: </a:t>
+            </a:r>
+            <a:endParaRPr sz="1600" b="0" i="0" u="none" strike="noStrike" cap="none">
+              <a:solidFill>
+                <a:srgbClr val="000000"/>
+              </a:solidFill>
+              <a:latin typeface="Calibri"/>
+              <a:ea typeface="Calibri"/>
+              <a:cs typeface="Calibri"/>
+              <a:sym typeface="Calibri"/>
+            </a:endParaRPr>
+          </a:p>
+          <a:p>
+            <a:pPr marL="457200" marR="0" lvl="0" indent="-330200" algn="l" rtl="0">
+              <a:lnSpc>
+                <a:spcPct val="100000"/>
+              </a:lnSpc>
+              <a:spcBef>
+                <a:spcPts val="0"/>
+              </a:spcBef>
+              <a:spcAft>
+                <a:spcPts val="0"/>
+              </a:spcAft>
+              <a:buClr>
+                <a:srgbClr val="000000"/>
+              </a:buClr>
+              <a:buSzPts val="1600"/>
+              <a:buFont typeface="Calibri"/>
+              <a:buChar char="●"/>
+            </a:pPr>
+            <a:r>
+              <a:rPr lang="en" sz="1600" b="0" i="0" u="none" strike="noStrike" cap="none">
+                <a:solidFill>
+                  <a:schemeClr val="dk1"/>
+                </a:solidFill>
+                <a:latin typeface="Calibri"/>
+                <a:ea typeface="Calibri"/>
+                <a:cs typeface="Calibri"/>
+                <a:sym typeface="Calibri"/>
+              </a:rPr>
+              <a:t>Generative AI, Using LLM with your data</a:t>
+            </a:r>
+            <a:endParaRPr sz="1600" b="0" i="0" u="none" strike="noStrike" cap="none">
+              <a:solidFill>
+                <a:schemeClr val="dk1"/>
+              </a:solidFill>
+              <a:latin typeface="Calibri"/>
+              <a:ea typeface="Calibri"/>
+              <a:cs typeface="Calibri"/>
+              <a:sym typeface="Calibri"/>
+            </a:endParaRPr>
+          </a:p>
+          <a:p>
+            <a:pPr marL="457200" marR="0" lvl="0" indent="-330200" algn="l" rtl="0">
+              <a:lnSpc>
+                <a:spcPct val="100000"/>
+              </a:lnSpc>
+              <a:spcBef>
+                <a:spcPts val="0"/>
+              </a:spcBef>
+              <a:spcAft>
+                <a:spcPts val="0"/>
+              </a:spcAft>
+              <a:buClr>
+                <a:schemeClr val="dk1"/>
+              </a:buClr>
+              <a:buSzPts val="1600"/>
+              <a:buFont typeface="Calibri"/>
+              <a:buChar char="●"/>
+            </a:pPr>
+            <a:r>
+              <a:rPr lang="en" sz="1600" b="0" i="0" u="none" strike="noStrike" cap="none">
+                <a:solidFill>
+                  <a:schemeClr val="dk1"/>
+                </a:solidFill>
+                <a:latin typeface="Calibri"/>
+                <a:ea typeface="Calibri"/>
+                <a:cs typeface="Calibri"/>
+                <a:sym typeface="Calibri"/>
+              </a:rPr>
+              <a:t>Local AI for Local Private Data</a:t>
+            </a:r>
+            <a:endParaRPr sz="1600" b="0" i="0" u="none" strike="noStrike" cap="none">
+              <a:solidFill>
+                <a:schemeClr val="dk1"/>
+              </a:solidFill>
+              <a:latin typeface="Calibri"/>
+              <a:ea typeface="Calibri"/>
+              <a:cs typeface="Calibri"/>
+              <a:sym typeface="Calibri"/>
+            </a:endParaRPr>
+          </a:p>
+          <a:p>
+            <a:pPr marL="457200" marR="0" lvl="0" indent="-330200" algn="l" rtl="0">
+              <a:lnSpc>
+                <a:spcPct val="100000"/>
+              </a:lnSpc>
+              <a:spcBef>
+                <a:spcPts val="0"/>
+              </a:spcBef>
+              <a:spcAft>
+                <a:spcPts val="0"/>
+              </a:spcAft>
+              <a:buClr>
+                <a:srgbClr val="000000"/>
+              </a:buClr>
+              <a:buSzPts val="1600"/>
+              <a:buFont typeface="Calibri"/>
+              <a:buChar char="●"/>
+            </a:pPr>
+            <a:r>
+              <a:rPr lang="en" sz="1600" b="0" i="0" u="none" strike="noStrike" cap="none">
+                <a:solidFill>
+                  <a:srgbClr val="000000"/>
+                </a:solidFill>
+                <a:latin typeface="Calibri"/>
+                <a:ea typeface="Calibri"/>
+                <a:cs typeface="Calibri"/>
+                <a:sym typeface="Calibri"/>
+              </a:rPr>
+              <a:t>Cloud architecture, fin-tech, application security</a:t>
+            </a:r>
+            <a:endParaRPr sz="1600" b="0" i="0" u="none" strike="noStrike" cap="none">
+              <a:solidFill>
+                <a:srgbClr val="000000"/>
+              </a:solidFill>
+              <a:latin typeface="Calibri"/>
+              <a:ea typeface="Calibri"/>
+              <a:cs typeface="Calibri"/>
+              <a:sym typeface="Calibri"/>
+            </a:endParaRPr>
+          </a:p>
+          <a:p>
+            <a:pPr marL="0" marR="0" lvl="0" indent="0" algn="l" rtl="0">
+              <a:lnSpc>
+                <a:spcPct val="100000"/>
+              </a:lnSpc>
+              <a:spcBef>
+                <a:spcPts val="0"/>
+              </a:spcBef>
+              <a:spcAft>
+                <a:spcPts val="0"/>
+              </a:spcAft>
+              <a:buClr>
+                <a:srgbClr val="000000"/>
+              </a:buClr>
+              <a:buSzPts val="1600"/>
+              <a:buFont typeface="Arial"/>
+              <a:buNone/>
+            </a:pPr>
+            <a:endParaRPr sz="1600" b="0" i="0" u="none" strike="noStrike" cap="none">
+              <a:solidFill>
+                <a:srgbClr val="000000"/>
+              </a:solidFill>
+              <a:latin typeface="Calibri"/>
+              <a:ea typeface="Calibri"/>
+              <a:cs typeface="Calibri"/>
+              <a:sym typeface="Calibri"/>
+            </a:endParaRPr>
+          </a:p>
+          <a:p>
+            <a:pPr marL="0" marR="0" lvl="0" indent="0" algn="l" rtl="0">
+              <a:lnSpc>
+                <a:spcPct val="100000"/>
+              </a:lnSpc>
+              <a:spcBef>
+                <a:spcPts val="0"/>
+              </a:spcBef>
+              <a:spcAft>
+                <a:spcPts val="0"/>
+              </a:spcAft>
+              <a:buClr>
+                <a:srgbClr val="000000"/>
+              </a:buClr>
+              <a:buSzPts val="1600"/>
+              <a:buFont typeface="Arial"/>
+              <a:buNone/>
+            </a:pPr>
+            <a:r>
+              <a:rPr lang="en" sz="1600" b="0" i="0" u="none" strike="noStrike" cap="none">
+                <a:solidFill>
+                  <a:srgbClr val="000000"/>
+                </a:solidFill>
+                <a:latin typeface="Calibri"/>
+                <a:ea typeface="Calibri"/>
+                <a:cs typeface="Calibri"/>
+                <a:sym typeface="Calibri"/>
+              </a:rPr>
+              <a:t>Find/connect: Linkedin, GitHub, YouTube, Google</a:t>
+            </a:r>
+            <a:endParaRPr sz="1600" b="0" i="0" u="none" strike="noStrike" cap="none">
+              <a:solidFill>
+                <a:srgbClr val="000000"/>
+              </a:solidFill>
+              <a:latin typeface="Calibri"/>
+              <a:ea typeface="Calibri"/>
+              <a:cs typeface="Calibri"/>
+              <a:sym typeface="Calibri"/>
+            </a:endParaRPr>
+          </a:p>
+        </p:txBody>
+      </p:sp>
+      <p:pic>
+        <p:nvPicPr>
+          <p:cNvPr id="312" name="Google Shape;312;p34"/>
+          <p:cNvPicPr preferRelativeResize="0"/>
+          <p:nvPr/>
+        </p:nvPicPr>
+        <p:blipFill rotWithShape="1">
+          <a:blip r:embed="rId4" cstate="email">
+            <a:alphaModFix/>
+            <a:extLst>
+              <a:ext uri="{28A0092B-C50C-407E-A947-70E740481C1C}">
+                <a14:useLocalDpi xmlns:a14="http://schemas.microsoft.com/office/drawing/2010/main"/>
+              </a:ext>
+            </a:extLst>
+          </a:blip>
+          <a:srcRect/>
+          <a:stretch/>
+        </p:blipFill>
+        <p:spPr>
+          <a:xfrm>
+            <a:off x="782341" y="3664175"/>
+            <a:ext cx="858450" cy="311906"/>
+          </a:xfrm>
+          <a:prstGeom prst="rect">
+            <a:avLst/>
+          </a:prstGeom>
+          <a:noFill/>
+          <a:ln>
+            <a:noFill/>
+          </a:ln>
+        </p:spPr>
+      </p:pic>
+      <p:sp>
+        <p:nvSpPr>
+          <p:cNvPr id="313" name="Google Shape;313;p34"/>
+          <p:cNvSpPr txBox="1"/>
+          <p:nvPr/>
+        </p:nvSpPr>
+        <p:spPr>
+          <a:xfrm>
+            <a:off x="683777" y="4005903"/>
+            <a:ext cx="1391400" cy="431100"/>
+          </a:xfrm>
+          <a:prstGeom prst="rect">
+            <a:avLst/>
+          </a:prstGeom>
+          <a:noFill/>
+          <a:ln>
+            <a:noFill/>
+          </a:ln>
+        </p:spPr>
+        <p:txBody>
+          <a:bodyPr spcFirstLastPara="1" wrap="square" lIns="91425" tIns="91425" rIns="91425" bIns="91425" anchor="t" anchorCtr="0">
+            <a:spAutoFit/>
+          </a:bodyPr>
+          <a:lstStyle/>
+          <a:p>
+            <a:pPr marL="0" marR="0" lvl="0" indent="0" algn="l" rtl="0">
+              <a:lnSpc>
+                <a:spcPct val="100000"/>
+              </a:lnSpc>
+              <a:spcBef>
+                <a:spcPts val="0"/>
+              </a:spcBef>
+              <a:spcAft>
+                <a:spcPts val="0"/>
+              </a:spcAft>
+              <a:buClr>
+                <a:srgbClr val="000000"/>
+              </a:buClr>
+              <a:buSzPts val="1600"/>
+              <a:buFont typeface="Arial"/>
+              <a:buNone/>
+            </a:pPr>
+            <a:r>
+              <a:rPr lang="en" sz="1600" b="0" i="0" u="sng" strike="noStrike" cap="none">
+                <a:solidFill>
+                  <a:schemeClr val="hlink"/>
+                </a:solidFill>
+                <a:latin typeface="Calibri"/>
+                <a:ea typeface="Calibri"/>
+                <a:cs typeface="Calibri"/>
+                <a:sym typeface="Calibri"/>
+                <a:hlinkClick r:id="rId5"/>
+              </a:rPr>
+              <a:t>https://eais.ai</a:t>
+            </a:r>
+            <a:r>
+              <a:rPr lang="en" sz="1600" b="0" i="0" u="none" strike="noStrike" cap="none">
+                <a:solidFill>
+                  <a:srgbClr val="000000"/>
+                </a:solidFill>
+                <a:latin typeface="Calibri"/>
+                <a:ea typeface="Calibri"/>
+                <a:cs typeface="Calibri"/>
+                <a:sym typeface="Calibri"/>
+              </a:rPr>
+              <a:t> </a:t>
+            </a:r>
+            <a:endParaRPr sz="1600" b="0" i="0" u="none" strike="noStrike" cap="none">
+              <a:solidFill>
+                <a:srgbClr val="000000"/>
+              </a:solidFill>
+              <a:latin typeface="Calibri"/>
+              <a:ea typeface="Calibri"/>
+              <a:cs typeface="Calibri"/>
+              <a:sym typeface="Calibri"/>
+            </a:endParaRPr>
+          </a:p>
+        </p:txBody>
+      </p:sp>
+      <p:sp>
+        <p:nvSpPr>
+          <p:cNvPr id="314" name="Google Shape;314;p34"/>
+          <p:cNvSpPr txBox="1"/>
+          <p:nvPr/>
+        </p:nvSpPr>
+        <p:spPr>
+          <a:xfrm>
+            <a:off x="307603" y="4360974"/>
+            <a:ext cx="2094000" cy="431100"/>
+          </a:xfrm>
+          <a:prstGeom prst="rect">
+            <a:avLst/>
+          </a:prstGeom>
+          <a:noFill/>
+          <a:ln>
+            <a:noFill/>
+          </a:ln>
+        </p:spPr>
+        <p:txBody>
+          <a:bodyPr spcFirstLastPara="1" wrap="square" lIns="91425" tIns="91425" rIns="91425" bIns="91425" anchor="t" anchorCtr="0">
+            <a:spAutoFit/>
+          </a:bodyPr>
+          <a:lstStyle/>
+          <a:p>
+            <a:pPr marL="0" marR="0" lvl="0" indent="0" algn="ctr" rtl="0">
+              <a:lnSpc>
+                <a:spcPct val="100000"/>
+              </a:lnSpc>
+              <a:spcBef>
+                <a:spcPts val="0"/>
+              </a:spcBef>
+              <a:spcAft>
+                <a:spcPts val="0"/>
+              </a:spcAft>
+              <a:buClr>
+                <a:schemeClr val="dk1"/>
+              </a:buClr>
+              <a:buSzPts val="1100"/>
+              <a:buFont typeface="Arial"/>
+              <a:buNone/>
+            </a:pPr>
+            <a:r>
+              <a:rPr lang="en" sz="1600" b="0" i="0" u="none" strike="noStrike" cap="none">
+                <a:solidFill>
+                  <a:srgbClr val="000000"/>
+                </a:solidFill>
+                <a:latin typeface="Calibri"/>
+                <a:ea typeface="Calibri"/>
+                <a:cs typeface="Calibri"/>
+                <a:sym typeface="Calibri"/>
+              </a:rPr>
+              <a:t>Enterprise AI Systems</a:t>
+            </a:r>
+            <a:endParaRPr sz="1600" b="0" i="0" u="none" strike="noStrike" cap="none">
+              <a:solidFill>
+                <a:srgbClr val="000000"/>
+              </a:solidFill>
+              <a:latin typeface="Calibri"/>
+              <a:ea typeface="Calibri"/>
+              <a:cs typeface="Calibri"/>
+              <a:sym typeface="Calibri"/>
+            </a:endParaRPr>
+          </a:p>
+        </p:txBody>
+      </p:sp>
+    </p:spTree>
+  </p:cSld>
+  <p:clrMapOvr>
+    <a:masterClrMapping/>
+  </p:clrMapOvr>
+</p:sld>
+</file>
+
+<file path=ppt/slides/slide21.xml><?xml version="1.0" encoding="utf-8"?>
+<p:sld xmlns:a="http://schemas.openxmlformats.org/drawingml/2006/main" xmlns:r="http://schemas.openxmlformats.org/officeDocument/2006/relationships" xmlns:p="http://schemas.openxmlformats.org/presentationml/2006/main">
+  <p:cSld>
+    <p:spTree>
+      <p:nvGrpSpPr>
+        <p:cNvPr id="1" name="Shape 318"/>
         <p:cNvGrpSpPr/>
         <p:nvPr/>
       </p:nvGrpSpPr>
@@ -35789,7 +40014,7 @@
       </p:grpSpPr>
       <p:sp>
         <p:nvSpPr>
-          <p:cNvPr id="305" name="Google Shape;305;p34"/>
+          <p:cNvPr id="319" name="Google Shape;319;p35"/>
           <p:cNvSpPr txBox="1"/>
           <p:nvPr/>
         </p:nvSpPr>
@@ -35866,7 +40091,7 @@
   <p:cSld>
     <p:spTree>
       <p:nvGrpSpPr>
-        <p:cNvPr id="1" name="Shape 133"/>
+        <p:cNvPr id="1" name="Shape 134"/>
         <p:cNvGrpSpPr/>
         <p:nvPr/>
       </p:nvGrpSpPr>
@@ -35880,7 +40105,7 @@
       </p:grpSpPr>
       <p:sp>
         <p:nvSpPr>
-          <p:cNvPr id="134" name="Google Shape;134;p17"/>
+          <p:cNvPr id="135" name="Google Shape;135;p17"/>
           <p:cNvSpPr txBox="1"/>
           <p:nvPr/>
         </p:nvSpPr>
@@ -35946,14 +40171,14 @@
       </p:sp>
       <p:sp>
         <p:nvSpPr>
-          <p:cNvPr id="135" name="Google Shape;135;p17"/>
+          <p:cNvPr id="136" name="Google Shape;136;p17"/>
           <p:cNvSpPr txBox="1"/>
           <p:nvPr/>
         </p:nvSpPr>
         <p:spPr>
           <a:xfrm>
-            <a:off x="55075" y="765692"/>
-            <a:ext cx="4446000" cy="387900"/>
+            <a:off x="55075" y="355442"/>
+            <a:ext cx="4446000" cy="4636200"/>
           </a:xfrm>
           <a:prstGeom prst="rect">
             <a:avLst/>
@@ -35988,27 +40213,27 @@
                 <a:spcPts val="0"/>
               </a:spcAft>
               <a:buClr>
-                <a:schemeClr val="dk1"/>
+                <a:srgbClr val="FF0000"/>
               </a:buClr>
               <a:buSzPts val="1200"/>
               <a:buFont typeface="Calibri"/>
               <a:buChar char="●"/>
             </a:pPr>
             <a:r>
-              <a:rPr lang="en" sz="1200">
-                <a:solidFill>
-                  <a:schemeClr val="dk1"/>
-                </a:solidFill>
-                <a:latin typeface="Calibri"/>
-                <a:ea typeface="Calibri"/>
-                <a:cs typeface="Calibri"/>
-                <a:sym typeface="Calibri"/>
-              </a:rPr>
-              <a:t>xAI's Grok 4 Unveiling Thursday</a:t>
-            </a:r>
-            <a:endParaRPr sz="1200">
+              <a:rPr lang="en" sz="1200" b="1">
+                <a:solidFill>
+                  <a:srgbClr val="FF0000"/>
+                </a:solidFill>
+                <a:latin typeface="Calibri"/>
+                <a:ea typeface="Calibri"/>
+                <a:cs typeface="Calibri"/>
+                <a:sym typeface="Calibri"/>
+              </a:rPr>
+              <a:t>Achieved PhD-level competency across all academic disciplines</a:t>
+            </a:r>
+            <a:endParaRPr sz="1200" b="1">
               <a:solidFill>
-                <a:schemeClr val="dk1"/>
+                <a:srgbClr val="FF0000"/>
               </a:solidFill>
               <a:latin typeface="Calibri"/>
               <a:ea typeface="Calibri"/>
@@ -36028,15 +40253,27 @@
                 <a:spcPts val="0"/>
               </a:spcAft>
               <a:buClr>
-                <a:schemeClr val="dk1"/>
+                <a:srgbClr val="3C78D8"/>
               </a:buClr>
               <a:buSzPts val="1200"/>
               <a:buFont typeface="Calibri"/>
               <a:buChar char="●"/>
             </a:pPr>
-            <a:endParaRPr sz="1200">
+            <a:r>
+              <a:rPr lang="en" sz="1200" b="1">
+                <a:solidFill>
+                  <a:srgbClr val="3C78D8"/>
+                </a:solidFill>
+                <a:latin typeface="Calibri"/>
+                <a:ea typeface="Calibri"/>
+                <a:cs typeface="Calibri"/>
+                <a:sym typeface="Calibri"/>
+              </a:rPr>
+              <a:t>Perfect 100% SAT scores on standardized tests</a:t>
+            </a:r>
+            <a:endParaRPr sz="1200" b="1">
               <a:solidFill>
-                <a:schemeClr val="dk1"/>
+                <a:srgbClr val="3C78D8"/>
               </a:solidFill>
               <a:latin typeface="Calibri"/>
               <a:ea typeface="Calibri"/>
@@ -36044,11 +40281,739 @@
               <a:sym typeface="Calibri"/>
             </a:endParaRPr>
           </a:p>
+          <a:p>
+            <a:pPr marL="171450" marR="0" lvl="0" indent="-133350" algn="l" rtl="0">
+              <a:lnSpc>
+                <a:spcPct val="100000"/>
+              </a:lnSpc>
+              <a:spcBef>
+                <a:spcPts val="0"/>
+              </a:spcBef>
+              <a:spcAft>
+                <a:spcPts val="0"/>
+              </a:spcAft>
+              <a:buClr>
+                <a:srgbClr val="6AA84F"/>
+              </a:buClr>
+              <a:buSzPts val="1200"/>
+              <a:buFont typeface="Calibri"/>
+              <a:buChar char="●"/>
+            </a:pPr>
+            <a:r>
+              <a:rPr lang="en" sz="1200" b="1">
+                <a:solidFill>
+                  <a:srgbClr val="6AA84F"/>
+                </a:solidFill>
+                <a:latin typeface="Calibri"/>
+                <a:ea typeface="Calibri"/>
+                <a:cs typeface="Calibri"/>
+                <a:sym typeface="Calibri"/>
+              </a:rPr>
+              <a:t>Reasoning capabilities that exceed human levels</a:t>
+            </a:r>
+            <a:endParaRPr sz="1200" b="1">
+              <a:solidFill>
+                <a:srgbClr val="6AA84F"/>
+              </a:solidFill>
+              <a:latin typeface="Calibri"/>
+              <a:ea typeface="Calibri"/>
+              <a:cs typeface="Calibri"/>
+              <a:sym typeface="Calibri"/>
+            </a:endParaRPr>
+          </a:p>
+          <a:p>
+            <a:pPr marL="171450" marR="0" lvl="0" indent="-133350" algn="l" rtl="0">
+              <a:lnSpc>
+                <a:spcPct val="100000"/>
+              </a:lnSpc>
+              <a:spcBef>
+                <a:spcPts val="0"/>
+              </a:spcBef>
+              <a:spcAft>
+                <a:spcPts val="0"/>
+              </a:spcAft>
+              <a:buClr>
+                <a:schemeClr val="dk1"/>
+              </a:buClr>
+              <a:buSzPts val="1200"/>
+              <a:buFont typeface="Calibri"/>
+              <a:buChar char="●"/>
+            </a:pPr>
+            <a:r>
+              <a:rPr lang="en" sz="1200">
+                <a:solidFill>
+                  <a:schemeClr val="dk1"/>
+                </a:solidFill>
+                <a:latin typeface="Calibri"/>
+                <a:ea typeface="Calibri"/>
+                <a:cs typeface="Calibri"/>
+                <a:sym typeface="Calibri"/>
+              </a:rPr>
+              <a:t>Training: 100x more compute than Grok 2, two phases:</a:t>
+            </a:r>
+            <a:endParaRPr sz="1200">
+              <a:solidFill>
+                <a:schemeClr val="dk1"/>
+              </a:solidFill>
+              <a:latin typeface="Calibri"/>
+              <a:ea typeface="Calibri"/>
+              <a:cs typeface="Calibri"/>
+              <a:sym typeface="Calibri"/>
+            </a:endParaRPr>
+          </a:p>
+          <a:p>
+            <a:pPr marL="342900" marR="0" lvl="1" indent="-133350" algn="l" rtl="0">
+              <a:lnSpc>
+                <a:spcPct val="100000"/>
+              </a:lnSpc>
+              <a:spcBef>
+                <a:spcPts val="0"/>
+              </a:spcBef>
+              <a:spcAft>
+                <a:spcPts val="0"/>
+              </a:spcAft>
+              <a:buClr>
+                <a:srgbClr val="3C78D8"/>
+              </a:buClr>
+              <a:buSzPts val="1200"/>
+              <a:buFont typeface="Calibri"/>
+              <a:buChar char="○"/>
+            </a:pPr>
+            <a:r>
+              <a:rPr lang="en" sz="1200">
+                <a:solidFill>
+                  <a:srgbClr val="3C78D8"/>
+                </a:solidFill>
+                <a:latin typeface="Calibri"/>
+                <a:ea typeface="Calibri"/>
+                <a:cs typeface="Calibri"/>
+                <a:sym typeface="Calibri"/>
+              </a:rPr>
+              <a:t>Grok 2 → Grok 3: Focused on pre-training scaling</a:t>
+            </a:r>
+            <a:endParaRPr sz="1200">
+              <a:solidFill>
+                <a:srgbClr val="3C78D8"/>
+              </a:solidFill>
+              <a:latin typeface="Calibri"/>
+              <a:ea typeface="Calibri"/>
+              <a:cs typeface="Calibri"/>
+              <a:sym typeface="Calibri"/>
+            </a:endParaRPr>
+          </a:p>
+          <a:p>
+            <a:pPr marL="342900" marR="0" lvl="1" indent="-133350" algn="l" rtl="0">
+              <a:lnSpc>
+                <a:spcPct val="100000"/>
+              </a:lnSpc>
+              <a:spcBef>
+                <a:spcPts val="0"/>
+              </a:spcBef>
+              <a:spcAft>
+                <a:spcPts val="0"/>
+              </a:spcAft>
+              <a:buClr>
+                <a:srgbClr val="3C78D8"/>
+              </a:buClr>
+              <a:buSzPts val="1200"/>
+              <a:buFont typeface="Calibri"/>
+              <a:buChar char="○"/>
+            </a:pPr>
+            <a:r>
+              <a:rPr lang="en" sz="1200">
+                <a:solidFill>
+                  <a:srgbClr val="3C78D8"/>
+                </a:solidFill>
+                <a:latin typeface="Calibri"/>
+                <a:ea typeface="Calibri"/>
+                <a:cs typeface="Calibri"/>
+                <a:sym typeface="Calibri"/>
+              </a:rPr>
+              <a:t>Grok 3 → Grok 4: Focused on post-training RL (10x more RL compute than competitors) using Verifiable rewards</a:t>
+            </a:r>
+            <a:endParaRPr sz="1200">
+              <a:solidFill>
+                <a:srgbClr val="3C78D8"/>
+              </a:solidFill>
+              <a:latin typeface="Calibri"/>
+              <a:ea typeface="Calibri"/>
+              <a:cs typeface="Calibri"/>
+              <a:sym typeface="Calibri"/>
+            </a:endParaRPr>
+          </a:p>
+          <a:p>
+            <a:pPr marL="171450" marR="0" lvl="0" indent="-133350" algn="l" rtl="0">
+              <a:lnSpc>
+                <a:spcPct val="100000"/>
+              </a:lnSpc>
+              <a:spcBef>
+                <a:spcPts val="0"/>
+              </a:spcBef>
+              <a:spcAft>
+                <a:spcPts val="0"/>
+              </a:spcAft>
+              <a:buClr>
+                <a:schemeClr val="dk1"/>
+              </a:buClr>
+              <a:buSzPts val="1200"/>
+              <a:buFont typeface="Calibri"/>
+              <a:buChar char="●"/>
+            </a:pPr>
+            <a:r>
+              <a:rPr lang="en" sz="1200" b="1">
+                <a:solidFill>
+                  <a:srgbClr val="6AA84F"/>
+                </a:solidFill>
+                <a:latin typeface="Calibri"/>
+                <a:ea typeface="Calibri"/>
+                <a:cs typeface="Calibri"/>
+                <a:sym typeface="Calibri"/>
+              </a:rPr>
+              <a:t>Humanities Last Exam</a:t>
+            </a:r>
+            <a:r>
+              <a:rPr lang="en" sz="1200">
+                <a:solidFill>
+                  <a:schemeClr val="dk1"/>
+                </a:solidFill>
+                <a:latin typeface="Calibri"/>
+                <a:ea typeface="Calibri"/>
+                <a:cs typeface="Calibri"/>
+                <a:sym typeface="Calibri"/>
+              </a:rPr>
+              <a:t>: 25.4% accuracy (single agent, no tools, beating Gemini 2.5 Pro and OpenAI's o3 high), 44.4% with multi-agent approach (compared to Gemini 2.5 Pro's 26.9%)</a:t>
+            </a:r>
+            <a:endParaRPr sz="1200">
+              <a:solidFill>
+                <a:schemeClr val="dk1"/>
+              </a:solidFill>
+              <a:latin typeface="Calibri"/>
+              <a:ea typeface="Calibri"/>
+              <a:cs typeface="Calibri"/>
+              <a:sym typeface="Calibri"/>
+            </a:endParaRPr>
+          </a:p>
+          <a:p>
+            <a:pPr marL="171450" marR="0" lvl="0" indent="-133350" algn="l" rtl="0">
+              <a:lnSpc>
+                <a:spcPct val="100000"/>
+              </a:lnSpc>
+              <a:spcBef>
+                <a:spcPts val="0"/>
+              </a:spcBef>
+              <a:spcAft>
+                <a:spcPts val="0"/>
+              </a:spcAft>
+              <a:buClr>
+                <a:schemeClr val="dk1"/>
+              </a:buClr>
+              <a:buSzPts val="1200"/>
+              <a:buFont typeface="Calibri"/>
+              <a:buChar char="●"/>
+            </a:pPr>
+            <a:r>
+              <a:rPr lang="en" sz="1200" b="1">
+                <a:solidFill>
+                  <a:srgbClr val="6AA84F"/>
+                </a:solidFill>
+                <a:latin typeface="Calibri"/>
+                <a:ea typeface="Calibri"/>
+                <a:cs typeface="Calibri"/>
+                <a:sym typeface="Calibri"/>
+              </a:rPr>
+              <a:t>AIME 2025 math exam</a:t>
+            </a:r>
+            <a:r>
+              <a:rPr lang="en" sz="1200">
+                <a:solidFill>
+                  <a:schemeClr val="dk1"/>
+                </a:solidFill>
+                <a:latin typeface="Calibri"/>
+                <a:ea typeface="Calibri"/>
+                <a:cs typeface="Calibri"/>
+                <a:sym typeface="Calibri"/>
+              </a:rPr>
+              <a:t>: 100%</a:t>
+            </a:r>
+            <a:endParaRPr sz="1200">
+              <a:solidFill>
+                <a:schemeClr val="dk1"/>
+              </a:solidFill>
+              <a:latin typeface="Calibri"/>
+              <a:ea typeface="Calibri"/>
+              <a:cs typeface="Calibri"/>
+              <a:sym typeface="Calibri"/>
+            </a:endParaRPr>
+          </a:p>
+          <a:p>
+            <a:pPr marL="171450" marR="0" lvl="0" indent="-133350" algn="l" rtl="0">
+              <a:lnSpc>
+                <a:spcPct val="100000"/>
+              </a:lnSpc>
+              <a:spcBef>
+                <a:spcPts val="0"/>
+              </a:spcBef>
+              <a:spcAft>
+                <a:spcPts val="0"/>
+              </a:spcAft>
+              <a:buClr>
+                <a:schemeClr val="dk1"/>
+              </a:buClr>
+              <a:buSzPts val="1200"/>
+              <a:buFont typeface="Calibri"/>
+              <a:buChar char="●"/>
+            </a:pPr>
+            <a:r>
+              <a:rPr lang="en" sz="1200" b="1">
+                <a:solidFill>
+                  <a:srgbClr val="6AA84F"/>
+                </a:solidFill>
+                <a:latin typeface="Calibri"/>
+                <a:ea typeface="Calibri"/>
+                <a:cs typeface="Calibri"/>
+                <a:sym typeface="Calibri"/>
+              </a:rPr>
+              <a:t>ARC-AGI-2</a:t>
+            </a:r>
+            <a:r>
+              <a:rPr lang="en" sz="1200">
+                <a:solidFill>
+                  <a:schemeClr val="dk1"/>
+                </a:solidFill>
+                <a:latin typeface="Calibri"/>
+                <a:ea typeface="Calibri"/>
+                <a:cs typeface="Calibri"/>
+                <a:sym typeface="Calibri"/>
+              </a:rPr>
+              <a:t>: 16.2% accuracy (~ 2x better than Claude Opus 4)</a:t>
+            </a:r>
+            <a:endParaRPr sz="1200">
+              <a:solidFill>
+                <a:schemeClr val="dk1"/>
+              </a:solidFill>
+              <a:latin typeface="Calibri"/>
+              <a:ea typeface="Calibri"/>
+              <a:cs typeface="Calibri"/>
+              <a:sym typeface="Calibri"/>
+            </a:endParaRPr>
+          </a:p>
+          <a:p>
+            <a:pPr marL="171450" marR="0" lvl="0" indent="-133350" algn="l" rtl="0">
+              <a:lnSpc>
+                <a:spcPct val="100000"/>
+              </a:lnSpc>
+              <a:spcBef>
+                <a:spcPts val="0"/>
+              </a:spcBef>
+              <a:spcAft>
+                <a:spcPts val="0"/>
+              </a:spcAft>
+              <a:buClr>
+                <a:schemeClr val="dk1"/>
+              </a:buClr>
+              <a:buSzPts val="1200"/>
+              <a:buFont typeface="Calibri"/>
+              <a:buChar char="●"/>
+            </a:pPr>
+            <a:r>
+              <a:rPr lang="en" sz="1200" b="1">
+                <a:solidFill>
+                  <a:srgbClr val="6AA84F"/>
+                </a:solidFill>
+                <a:latin typeface="Calibri"/>
+                <a:ea typeface="Calibri"/>
+                <a:cs typeface="Calibri"/>
+                <a:sym typeface="Calibri"/>
+              </a:rPr>
+              <a:t>GPQA (graduate-level science)</a:t>
+            </a:r>
+            <a:r>
+              <a:rPr lang="en" sz="1200">
+                <a:solidFill>
+                  <a:schemeClr val="dk1"/>
+                </a:solidFill>
+                <a:latin typeface="Calibri"/>
+                <a:ea typeface="Calibri"/>
+                <a:cs typeface="Calibri"/>
+                <a:sym typeface="Calibri"/>
+              </a:rPr>
+              <a:t>: 88%, (Gemini 2.5 Pro - 84%)</a:t>
+            </a:r>
+            <a:endParaRPr sz="1200">
+              <a:solidFill>
+                <a:schemeClr val="dk1"/>
+              </a:solidFill>
+              <a:latin typeface="Calibri"/>
+              <a:ea typeface="Calibri"/>
+              <a:cs typeface="Calibri"/>
+              <a:sym typeface="Calibri"/>
+            </a:endParaRPr>
+          </a:p>
+          <a:p>
+            <a:pPr marL="171450" marR="0" lvl="0" indent="-133350" algn="l" rtl="0">
+              <a:lnSpc>
+                <a:spcPct val="100000"/>
+              </a:lnSpc>
+              <a:spcBef>
+                <a:spcPts val="0"/>
+              </a:spcBef>
+              <a:spcAft>
+                <a:spcPts val="0"/>
+              </a:spcAft>
+              <a:buClr>
+                <a:schemeClr val="dk1"/>
+              </a:buClr>
+              <a:buSzPts val="1200"/>
+              <a:buFont typeface="Calibri"/>
+              <a:buChar char="●"/>
+            </a:pPr>
+            <a:r>
+              <a:rPr lang="en" sz="1200">
+                <a:solidFill>
+                  <a:schemeClr val="dk1"/>
+                </a:solidFill>
+                <a:latin typeface="Calibri"/>
+                <a:ea typeface="Calibri"/>
+                <a:cs typeface="Calibri"/>
+                <a:sym typeface="Calibri"/>
+              </a:rPr>
+              <a:t>Much better at reasoning than competitors</a:t>
+            </a:r>
+            <a:endParaRPr sz="1200">
+              <a:solidFill>
+                <a:schemeClr val="dk1"/>
+              </a:solidFill>
+              <a:latin typeface="Calibri"/>
+              <a:ea typeface="Calibri"/>
+              <a:cs typeface="Calibri"/>
+              <a:sym typeface="Calibri"/>
+            </a:endParaRPr>
+          </a:p>
+          <a:p>
+            <a:pPr marL="171450" marR="0" lvl="0" indent="-133350" algn="l" rtl="0">
+              <a:lnSpc>
+                <a:spcPct val="100000"/>
+              </a:lnSpc>
+              <a:spcBef>
+                <a:spcPts val="0"/>
+              </a:spcBef>
+              <a:spcAft>
+                <a:spcPts val="0"/>
+              </a:spcAft>
+              <a:buClr>
+                <a:srgbClr val="FF0000"/>
+              </a:buClr>
+              <a:buSzPts val="1200"/>
+              <a:buFont typeface="Calibri"/>
+              <a:buChar char="●"/>
+            </a:pPr>
+            <a:r>
+              <a:rPr lang="en" sz="1200" b="1">
+                <a:solidFill>
+                  <a:srgbClr val="FF0000"/>
+                </a:solidFill>
+                <a:latin typeface="Calibri"/>
+                <a:ea typeface="Calibri"/>
+                <a:cs typeface="Calibri"/>
+                <a:sym typeface="Calibri"/>
+              </a:rPr>
+              <a:t>Grok 4: Single-agent version</a:t>
+            </a:r>
+            <a:endParaRPr sz="1200" b="1">
+              <a:solidFill>
+                <a:srgbClr val="FF0000"/>
+              </a:solidFill>
+              <a:latin typeface="Calibri"/>
+              <a:ea typeface="Calibri"/>
+              <a:cs typeface="Calibri"/>
+              <a:sym typeface="Calibri"/>
+            </a:endParaRPr>
+          </a:p>
+          <a:p>
+            <a:pPr marL="171450" marR="0" lvl="0" indent="-133350" algn="l" rtl="0">
+              <a:lnSpc>
+                <a:spcPct val="100000"/>
+              </a:lnSpc>
+              <a:spcBef>
+                <a:spcPts val="0"/>
+              </a:spcBef>
+              <a:spcAft>
+                <a:spcPts val="0"/>
+              </a:spcAft>
+              <a:buClr>
+                <a:srgbClr val="FF0000"/>
+              </a:buClr>
+              <a:buSzPts val="1200"/>
+              <a:buFont typeface="Calibri"/>
+              <a:buChar char="●"/>
+            </a:pPr>
+            <a:r>
+              <a:rPr lang="en" sz="1200" b="1">
+                <a:solidFill>
+                  <a:srgbClr val="FF0000"/>
+                </a:solidFill>
+                <a:latin typeface="Calibri"/>
+                <a:ea typeface="Calibri"/>
+                <a:cs typeface="Calibri"/>
+                <a:sym typeface="Calibri"/>
+              </a:rPr>
+              <a:t>Grok 4 Heavy: Multi-agent: parallel agents share insights, and collaborate on solutions</a:t>
+            </a:r>
+            <a:endParaRPr sz="1200" b="1">
+              <a:solidFill>
+                <a:srgbClr val="FF0000"/>
+              </a:solidFill>
+              <a:latin typeface="Calibri"/>
+              <a:ea typeface="Calibri"/>
+              <a:cs typeface="Calibri"/>
+              <a:sym typeface="Calibri"/>
+            </a:endParaRPr>
+          </a:p>
+          <a:p>
+            <a:pPr marL="171450" marR="0" lvl="0" indent="-133350" algn="l" rtl="0">
+              <a:lnSpc>
+                <a:spcPct val="100000"/>
+              </a:lnSpc>
+              <a:spcBef>
+                <a:spcPts val="0"/>
+              </a:spcBef>
+              <a:spcAft>
+                <a:spcPts val="0"/>
+              </a:spcAft>
+              <a:buClr>
+                <a:srgbClr val="3C78D8"/>
+              </a:buClr>
+              <a:buSzPts val="1200"/>
+              <a:buFont typeface="Calibri"/>
+              <a:buChar char="●"/>
+            </a:pPr>
+            <a:r>
+              <a:rPr lang="en" sz="1200" b="1">
+                <a:solidFill>
+                  <a:srgbClr val="3C78D8"/>
+                </a:solidFill>
+                <a:latin typeface="Calibri"/>
+                <a:ea typeface="Calibri"/>
+                <a:cs typeface="Calibri"/>
+                <a:sym typeface="Calibri"/>
+              </a:rPr>
+              <a:t>context window 128K (256K for API)</a:t>
+            </a:r>
+            <a:endParaRPr sz="1200" b="1">
+              <a:solidFill>
+                <a:srgbClr val="3C78D8"/>
+              </a:solidFill>
+              <a:latin typeface="Calibri"/>
+              <a:ea typeface="Calibri"/>
+              <a:cs typeface="Calibri"/>
+              <a:sym typeface="Calibri"/>
+            </a:endParaRPr>
+          </a:p>
+          <a:p>
+            <a:pPr marL="171450" marR="0" lvl="0" indent="-133350" algn="l" rtl="0">
+              <a:lnSpc>
+                <a:spcPct val="100000"/>
+              </a:lnSpc>
+              <a:spcBef>
+                <a:spcPts val="0"/>
+              </a:spcBef>
+              <a:spcAft>
+                <a:spcPts val="0"/>
+              </a:spcAft>
+              <a:buClr>
+                <a:srgbClr val="6AA84F"/>
+              </a:buClr>
+              <a:buSzPts val="1200"/>
+              <a:buFont typeface="Calibri"/>
+              <a:buChar char="●"/>
+            </a:pPr>
+            <a:r>
+              <a:rPr lang="en" sz="1200" b="1">
+                <a:solidFill>
+                  <a:srgbClr val="6AA84F"/>
+                </a:solidFill>
+                <a:latin typeface="Calibri"/>
+                <a:ea typeface="Calibri"/>
+                <a:cs typeface="Calibri"/>
+                <a:sym typeface="Calibri"/>
+              </a:rPr>
+              <a:t>X data access (real time)</a:t>
+            </a:r>
+            <a:endParaRPr sz="1200" b="1">
+              <a:solidFill>
+                <a:srgbClr val="6AA84F"/>
+              </a:solidFill>
+              <a:latin typeface="Calibri"/>
+              <a:ea typeface="Calibri"/>
+              <a:cs typeface="Calibri"/>
+              <a:sym typeface="Calibri"/>
+            </a:endParaRPr>
+          </a:p>
+          <a:p>
+            <a:pPr marL="171450" marR="0" lvl="0" indent="-133350" algn="l" rtl="0">
+              <a:lnSpc>
+                <a:spcPct val="100000"/>
+              </a:lnSpc>
+              <a:spcBef>
+                <a:spcPts val="0"/>
+              </a:spcBef>
+              <a:spcAft>
+                <a:spcPts val="0"/>
+              </a:spcAft>
+              <a:buClr>
+                <a:schemeClr val="dk1"/>
+              </a:buClr>
+              <a:buSzPts val="1200"/>
+              <a:buFont typeface="Calibri"/>
+              <a:buChar char="●"/>
+            </a:pPr>
+            <a:r>
+              <a:rPr lang="en" sz="1200">
+                <a:solidFill>
+                  <a:schemeClr val="dk1"/>
+                </a:solidFill>
+                <a:latin typeface="Calibri"/>
+                <a:ea typeface="Calibri"/>
+                <a:cs typeface="Calibri"/>
+                <a:sym typeface="Calibri"/>
+              </a:rPr>
+              <a:t>Advanced tool use (trained during development)</a:t>
+            </a:r>
+            <a:endParaRPr sz="1200">
+              <a:solidFill>
+                <a:schemeClr val="dk1"/>
+              </a:solidFill>
+              <a:latin typeface="Calibri"/>
+              <a:ea typeface="Calibri"/>
+              <a:cs typeface="Calibri"/>
+              <a:sym typeface="Calibri"/>
+            </a:endParaRPr>
+          </a:p>
+          <a:p>
+            <a:pPr marL="171450" marR="0" lvl="0" indent="-133350" algn="l" rtl="0">
+              <a:lnSpc>
+                <a:spcPct val="100000"/>
+              </a:lnSpc>
+              <a:spcBef>
+                <a:spcPts val="0"/>
+              </a:spcBef>
+              <a:spcAft>
+                <a:spcPts val="0"/>
+              </a:spcAft>
+              <a:buClr>
+                <a:schemeClr val="dk1"/>
+              </a:buClr>
+              <a:buSzPts val="1200"/>
+              <a:buFont typeface="Calibri"/>
+              <a:buChar char="●"/>
+            </a:pPr>
+            <a:r>
+              <a:rPr lang="en" sz="1200">
+                <a:solidFill>
+                  <a:schemeClr val="dk1"/>
+                </a:solidFill>
+                <a:latin typeface="Calibri"/>
+                <a:ea typeface="Calibri"/>
+                <a:cs typeface="Calibri"/>
+                <a:sym typeface="Calibri"/>
+              </a:rPr>
+              <a:t>Grok is available via the Grok website, iOS, and Android apps. It is also integrated into X (formerly Twitter), and accessible via API for developers and businesses</a:t>
+            </a:r>
+            <a:endParaRPr sz="1200">
+              <a:solidFill>
+                <a:schemeClr val="dk1"/>
+              </a:solidFill>
+              <a:latin typeface="Calibri"/>
+              <a:ea typeface="Calibri"/>
+              <a:cs typeface="Calibri"/>
+              <a:sym typeface="Calibri"/>
+            </a:endParaRPr>
+          </a:p>
+          <a:p>
+            <a:pPr marL="171450" marR="0" lvl="0" indent="-133350" algn="l" rtl="0">
+              <a:lnSpc>
+                <a:spcPct val="100000"/>
+              </a:lnSpc>
+              <a:spcBef>
+                <a:spcPts val="0"/>
+              </a:spcBef>
+              <a:spcAft>
+                <a:spcPts val="0"/>
+              </a:spcAft>
+              <a:buClr>
+                <a:schemeClr val="dk1"/>
+              </a:buClr>
+              <a:buSzPts val="1200"/>
+              <a:buFont typeface="Calibri"/>
+              <a:buChar char="●"/>
+            </a:pPr>
+            <a:r>
+              <a:rPr lang="en" sz="1200">
+                <a:solidFill>
+                  <a:schemeClr val="dk1"/>
+                </a:solidFill>
+                <a:latin typeface="Calibri"/>
+                <a:ea typeface="Calibri"/>
+                <a:cs typeface="Calibri"/>
+                <a:sym typeface="Calibri"/>
+              </a:rPr>
+              <a:t>API Price in/out per 1M tokens : $3/$15 (same as Claude 4 Sonnet)</a:t>
+            </a:r>
+            <a:endParaRPr sz="1200">
+              <a:solidFill>
+                <a:schemeClr val="dk1"/>
+              </a:solidFill>
+              <a:latin typeface="Calibri"/>
+              <a:ea typeface="Calibri"/>
+              <a:cs typeface="Calibri"/>
+              <a:sym typeface="Calibri"/>
+            </a:endParaRPr>
+          </a:p>
+          <a:p>
+            <a:pPr marL="171450" marR="0" lvl="0" indent="-133350" algn="l" rtl="0">
+              <a:lnSpc>
+                <a:spcPct val="100000"/>
+              </a:lnSpc>
+              <a:spcBef>
+                <a:spcPts val="0"/>
+              </a:spcBef>
+              <a:spcAft>
+                <a:spcPts val="0"/>
+              </a:spcAft>
+              <a:buClr>
+                <a:srgbClr val="FF0000"/>
+              </a:buClr>
+              <a:buSzPts val="1200"/>
+              <a:buFont typeface="Calibri"/>
+              <a:buChar char="●"/>
+            </a:pPr>
+            <a:r>
+              <a:rPr lang="en" sz="1200" b="1">
+                <a:solidFill>
+                  <a:srgbClr val="FF0000"/>
+                </a:solidFill>
+                <a:latin typeface="Calibri"/>
+                <a:ea typeface="Calibri"/>
+                <a:cs typeface="Calibri"/>
+                <a:sym typeface="Calibri"/>
+              </a:rPr>
+              <a:t>Subscriptions: SuprtGrok $30/mo &amp; SuperGrok Heavy $300/mo </a:t>
+            </a:r>
+            <a:endParaRPr sz="1200" b="1">
+              <a:solidFill>
+                <a:srgbClr val="FF0000"/>
+              </a:solidFill>
+              <a:latin typeface="Calibri"/>
+              <a:ea typeface="Calibri"/>
+              <a:cs typeface="Calibri"/>
+              <a:sym typeface="Calibri"/>
+            </a:endParaRPr>
+          </a:p>
         </p:txBody>
       </p:sp>
       <p:pic>
         <p:nvPicPr>
-          <p:cNvPr id="136" name="Google Shape;136;p17"/>
+          <p:cNvPr id="137" name="Google Shape;137;p17"/>
           <p:cNvPicPr preferRelativeResize="0"/>
           <p:nvPr/>
         </p:nvPicPr>
@@ -36067,8 +41032,8 @@
         </p:blipFill>
         <p:spPr>
           <a:xfrm>
-            <a:off x="6409600" y="219720"/>
-            <a:ext cx="2392149" cy="1255875"/>
+            <a:off x="4579575" y="49620"/>
+            <a:ext cx="1722900" cy="904519"/>
           </a:xfrm>
           <a:prstGeom prst="rect">
             <a:avLst/>
@@ -36085,6 +41050,473 @@
           </a:ln>
         </p:spPr>
       </p:pic>
+      <p:sp>
+        <p:nvSpPr>
+          <p:cNvPr id="138" name="Google Shape;138;p17"/>
+          <p:cNvSpPr txBox="1"/>
+          <p:nvPr/>
+        </p:nvSpPr>
+        <p:spPr>
+          <a:xfrm>
+            <a:off x="4579575" y="3229088"/>
+            <a:ext cx="4515900" cy="1126800"/>
+          </a:xfrm>
+          <a:prstGeom prst="rect">
+            <a:avLst/>
+          </a:prstGeom>
+          <a:solidFill>
+            <a:srgbClr val="FFF2CC"/>
+          </a:solidFill>
+          <a:ln w="9525" cap="flat" cmpd="sng">
+            <a:solidFill>
+              <a:srgbClr val="FF0000"/>
+            </a:solidFill>
+            <a:prstDash val="solid"/>
+            <a:round/>
+            <a:headEnd type="none" w="sm" len="sm"/>
+            <a:tailEnd type="none" w="sm" len="sm"/>
+          </a:ln>
+        </p:spPr>
+        <p:txBody>
+          <a:bodyPr spcFirstLastPara="1" wrap="square" lIns="9125" tIns="9125" rIns="9125" bIns="9125" anchor="t" anchorCtr="0">
+            <a:spAutoFit/>
+          </a:bodyPr>
+          <a:lstStyle/>
+          <a:p>
+            <a:pPr marL="171450" marR="0" lvl="0" indent="-133350" algn="l" rtl="0">
+              <a:lnSpc>
+                <a:spcPct val="100000"/>
+              </a:lnSpc>
+              <a:spcBef>
+                <a:spcPts val="0"/>
+              </a:spcBef>
+              <a:spcAft>
+                <a:spcPts val="0"/>
+              </a:spcAft>
+              <a:buClr>
+                <a:schemeClr val="dk1"/>
+              </a:buClr>
+              <a:buSzPts val="1200"/>
+              <a:buFont typeface="Calibri"/>
+              <a:buChar char="●"/>
+            </a:pPr>
+            <a:r>
+              <a:rPr lang="en" sz="1200">
+                <a:solidFill>
+                  <a:schemeClr val="dk1"/>
+                </a:solidFill>
+                <a:latin typeface="Calibri"/>
+                <a:ea typeface="Calibri"/>
+                <a:cs typeface="Calibri"/>
+                <a:sym typeface="Calibri"/>
+              </a:rPr>
+              <a:t>Plans to integrate with Tesla/SpaceX, simulations, Optimus robots</a:t>
+            </a:r>
+            <a:endParaRPr sz="1200">
+              <a:solidFill>
+                <a:schemeClr val="dk1"/>
+              </a:solidFill>
+              <a:latin typeface="Calibri"/>
+              <a:ea typeface="Calibri"/>
+              <a:cs typeface="Calibri"/>
+              <a:sym typeface="Calibri"/>
+            </a:endParaRPr>
+          </a:p>
+          <a:p>
+            <a:pPr marL="171450" marR="0" lvl="0" indent="-133350" algn="l" rtl="0">
+              <a:lnSpc>
+                <a:spcPct val="100000"/>
+              </a:lnSpc>
+              <a:spcBef>
+                <a:spcPts val="0"/>
+              </a:spcBef>
+              <a:spcAft>
+                <a:spcPts val="0"/>
+              </a:spcAft>
+              <a:buClr>
+                <a:schemeClr val="dk1"/>
+              </a:buClr>
+              <a:buSzPts val="1200"/>
+              <a:buFont typeface="Calibri"/>
+              <a:buChar char="●"/>
+            </a:pPr>
+            <a:r>
+              <a:rPr lang="en" sz="1200">
+                <a:solidFill>
+                  <a:schemeClr val="dk1"/>
+                </a:solidFill>
+                <a:latin typeface="Calibri"/>
+                <a:ea typeface="Calibri"/>
+                <a:cs typeface="Calibri"/>
+                <a:sym typeface="Calibri"/>
+              </a:rPr>
+              <a:t>Weak at multimodal features, image understanding and generation</a:t>
+            </a:r>
+            <a:endParaRPr sz="1200">
+              <a:solidFill>
+                <a:schemeClr val="dk1"/>
+              </a:solidFill>
+              <a:latin typeface="Calibri"/>
+              <a:ea typeface="Calibri"/>
+              <a:cs typeface="Calibri"/>
+              <a:sym typeface="Calibri"/>
+            </a:endParaRPr>
+          </a:p>
+          <a:p>
+            <a:pPr marL="171450" marR="0" lvl="0" indent="-133350" algn="l" rtl="0">
+              <a:lnSpc>
+                <a:spcPct val="100000"/>
+              </a:lnSpc>
+              <a:spcBef>
+                <a:spcPts val="0"/>
+              </a:spcBef>
+              <a:spcAft>
+                <a:spcPts val="0"/>
+              </a:spcAft>
+              <a:buClr>
+                <a:schemeClr val="dk1"/>
+              </a:buClr>
+              <a:buSzPts val="1200"/>
+              <a:buFont typeface="Calibri"/>
+              <a:buChar char="●"/>
+            </a:pPr>
+            <a:r>
+              <a:rPr lang="en" sz="1200">
+                <a:solidFill>
+                  <a:schemeClr val="dk1"/>
+                </a:solidFill>
+                <a:latin typeface="Calibri"/>
+                <a:ea typeface="Calibri"/>
+                <a:cs typeface="Calibri"/>
+                <a:sym typeface="Calibri"/>
+              </a:rPr>
+              <a:t>Plans: August - coding, September - multimodal, October - Video</a:t>
+            </a:r>
+            <a:endParaRPr sz="1200">
+              <a:solidFill>
+                <a:schemeClr val="dk1"/>
+              </a:solidFill>
+              <a:latin typeface="Calibri"/>
+              <a:ea typeface="Calibri"/>
+              <a:cs typeface="Calibri"/>
+              <a:sym typeface="Calibri"/>
+            </a:endParaRPr>
+          </a:p>
+          <a:p>
+            <a:pPr marL="171450" marR="0" lvl="0" indent="-133350" algn="l" rtl="0">
+              <a:lnSpc>
+                <a:spcPct val="100000"/>
+              </a:lnSpc>
+              <a:spcBef>
+                <a:spcPts val="0"/>
+              </a:spcBef>
+              <a:spcAft>
+                <a:spcPts val="0"/>
+              </a:spcAft>
+              <a:buClr>
+                <a:schemeClr val="dk1"/>
+              </a:buClr>
+              <a:buSzPts val="1200"/>
+              <a:buFont typeface="Calibri"/>
+              <a:buChar char="●"/>
+            </a:pPr>
+            <a:r>
+              <a:rPr lang="en" sz="1200">
+                <a:solidFill>
+                  <a:schemeClr val="dk1"/>
+                </a:solidFill>
+                <a:latin typeface="Calibri"/>
+                <a:ea typeface="Calibri"/>
+                <a:cs typeface="Calibri"/>
+                <a:sym typeface="Calibri"/>
+              </a:rPr>
+              <a:t>Foundation Model v7 - In training with improved video features</a:t>
+            </a:r>
+            <a:endParaRPr sz="1200">
+              <a:solidFill>
+                <a:schemeClr val="dk1"/>
+              </a:solidFill>
+              <a:latin typeface="Calibri"/>
+              <a:ea typeface="Calibri"/>
+              <a:cs typeface="Calibri"/>
+              <a:sym typeface="Calibri"/>
+            </a:endParaRPr>
+          </a:p>
+          <a:p>
+            <a:pPr marL="171450" marR="0" lvl="0" indent="-133350" algn="l" rtl="0">
+              <a:lnSpc>
+                <a:spcPct val="100000"/>
+              </a:lnSpc>
+              <a:spcBef>
+                <a:spcPts val="0"/>
+              </a:spcBef>
+              <a:spcAft>
+                <a:spcPts val="0"/>
+              </a:spcAft>
+              <a:buClr>
+                <a:schemeClr val="dk1"/>
+              </a:buClr>
+              <a:buSzPts val="1200"/>
+              <a:buFont typeface="Calibri"/>
+              <a:buChar char="●"/>
+            </a:pPr>
+            <a:r>
+              <a:rPr lang="en" sz="1200">
+                <a:solidFill>
+                  <a:schemeClr val="dk1"/>
+                </a:solidFill>
+                <a:latin typeface="Calibri"/>
+                <a:ea typeface="Calibri"/>
+                <a:cs typeface="Calibri"/>
+                <a:sym typeface="Calibri"/>
+              </a:rPr>
+              <a:t>Real world testing: business, game development, biomed research</a:t>
+            </a:r>
+            <a:endParaRPr sz="1200">
+              <a:solidFill>
+                <a:schemeClr val="dk1"/>
+              </a:solidFill>
+              <a:latin typeface="Calibri"/>
+              <a:ea typeface="Calibri"/>
+              <a:cs typeface="Calibri"/>
+              <a:sym typeface="Calibri"/>
+            </a:endParaRPr>
+          </a:p>
+          <a:p>
+            <a:pPr marL="171450" marR="0" lvl="0" indent="-133350" algn="l" rtl="0">
+              <a:lnSpc>
+                <a:spcPct val="100000"/>
+              </a:lnSpc>
+              <a:spcBef>
+                <a:spcPts val="0"/>
+              </a:spcBef>
+              <a:spcAft>
+                <a:spcPts val="0"/>
+              </a:spcAft>
+              <a:buClr>
+                <a:schemeClr val="dk1"/>
+              </a:buClr>
+              <a:buSzPts val="1200"/>
+              <a:buFont typeface="Calibri"/>
+              <a:buChar char="●"/>
+            </a:pPr>
+            <a:r>
+              <a:rPr lang="en" sz="1200" u="sng">
+                <a:solidFill>
+                  <a:schemeClr val="hlink"/>
+                </a:solidFill>
+                <a:latin typeface="Calibri"/>
+                <a:ea typeface="Calibri"/>
+                <a:cs typeface="Calibri"/>
+                <a:sym typeface="Calibri"/>
+                <a:hlinkClick r:id="rId4"/>
+              </a:rPr>
+              <a:t>https://artificialanalysis.ai/models/grok-4</a:t>
+            </a:r>
+            <a:r>
+              <a:rPr lang="en" sz="1200">
+                <a:solidFill>
+                  <a:schemeClr val="dk1"/>
+                </a:solidFill>
+                <a:latin typeface="Calibri"/>
+                <a:ea typeface="Calibri"/>
+                <a:cs typeface="Calibri"/>
+                <a:sym typeface="Calibri"/>
+              </a:rPr>
+              <a:t> </a:t>
+            </a:r>
+            <a:endParaRPr sz="1200">
+              <a:solidFill>
+                <a:schemeClr val="dk1"/>
+              </a:solidFill>
+              <a:latin typeface="Calibri"/>
+              <a:ea typeface="Calibri"/>
+              <a:cs typeface="Calibri"/>
+              <a:sym typeface="Calibri"/>
+            </a:endParaRPr>
+          </a:p>
+        </p:txBody>
+      </p:sp>
+      <p:pic>
+        <p:nvPicPr>
+          <p:cNvPr id="139" name="Google Shape;139;p17"/>
+          <p:cNvPicPr preferRelativeResize="0"/>
+          <p:nvPr/>
+        </p:nvPicPr>
+        <p:blipFill>
+          <a:blip r:embed="rId5" cstate="email">
+            <a:alphaModFix/>
+            <a:extLst>
+              <a:ext uri="{28A0092B-C50C-407E-A947-70E740481C1C}">
+                <a14:useLocalDpi xmlns:a14="http://schemas.microsoft.com/office/drawing/2010/main"/>
+              </a:ext>
+            </a:extLst>
+          </a:blip>
+          <a:stretch>
+            <a:fillRect/>
+          </a:stretch>
+        </p:blipFill>
+        <p:spPr>
+          <a:xfrm>
+            <a:off x="4579569" y="1103725"/>
+            <a:ext cx="4515907" cy="2066113"/>
+          </a:xfrm>
+          <a:prstGeom prst="rect">
+            <a:avLst/>
+          </a:prstGeom>
+          <a:noFill/>
+          <a:ln w="9525" cap="flat" cmpd="sng">
+            <a:solidFill>
+              <a:srgbClr val="FF0000"/>
+            </a:solidFill>
+            <a:prstDash val="solid"/>
+            <a:round/>
+            <a:headEnd type="none" w="sm" len="sm"/>
+            <a:tailEnd type="none" w="sm" len="sm"/>
+          </a:ln>
+        </p:spPr>
+      </p:pic>
+      <p:sp>
+        <p:nvSpPr>
+          <p:cNvPr id="140" name="Google Shape;140;p17"/>
+          <p:cNvSpPr txBox="1"/>
+          <p:nvPr/>
+        </p:nvSpPr>
+        <p:spPr>
+          <a:xfrm>
+            <a:off x="6380975" y="49621"/>
+            <a:ext cx="2714400" cy="942000"/>
+          </a:xfrm>
+          <a:prstGeom prst="rect">
+            <a:avLst/>
+          </a:prstGeom>
+          <a:solidFill>
+            <a:srgbClr val="FFF2CC"/>
+          </a:solidFill>
+          <a:ln w="9525" cap="flat" cmpd="sng">
+            <a:solidFill>
+              <a:srgbClr val="FF0000"/>
+            </a:solidFill>
+            <a:prstDash val="solid"/>
+            <a:round/>
+            <a:headEnd type="none" w="sm" len="sm"/>
+            <a:tailEnd type="none" w="sm" len="sm"/>
+          </a:ln>
+        </p:spPr>
+        <p:txBody>
+          <a:bodyPr spcFirstLastPara="1" wrap="square" lIns="9125" tIns="9125" rIns="9125" bIns="9125" anchor="t" anchorCtr="0">
+            <a:spAutoFit/>
+          </a:bodyPr>
+          <a:lstStyle/>
+          <a:p>
+            <a:pPr marL="0" marR="0" lvl="0" indent="0" algn="l" rtl="0">
+              <a:lnSpc>
+                <a:spcPct val="100000"/>
+              </a:lnSpc>
+              <a:spcBef>
+                <a:spcPts val="0"/>
+              </a:spcBef>
+              <a:spcAft>
+                <a:spcPts val="0"/>
+              </a:spcAft>
+              <a:buNone/>
+            </a:pPr>
+            <a:r>
+              <a:rPr lang="en" sz="1200" b="1">
+                <a:solidFill>
+                  <a:srgbClr val="FF0000"/>
+                </a:solidFill>
+                <a:latin typeface="Calibri"/>
+                <a:ea typeface="Calibri"/>
+                <a:cs typeface="Calibri"/>
+                <a:sym typeface="Calibri"/>
+              </a:rPr>
+              <a:t>#1 on Artificial Analysis Intelligence Index</a:t>
+            </a:r>
+            <a:r>
+              <a:rPr lang="en" sz="1200" b="1">
+                <a:solidFill>
+                  <a:schemeClr val="dk1"/>
+                </a:solidFill>
+                <a:latin typeface="Calibri"/>
+                <a:ea typeface="Calibri"/>
+                <a:cs typeface="Calibri"/>
+                <a:sym typeface="Calibri"/>
+              </a:rPr>
+              <a:t> </a:t>
+            </a:r>
+            <a:r>
+              <a:rPr lang="en" sz="1200">
+                <a:solidFill>
+                  <a:schemeClr val="dk1"/>
+                </a:solidFill>
+                <a:latin typeface="Calibri"/>
+                <a:ea typeface="Calibri"/>
+                <a:cs typeface="Calibri"/>
+                <a:sym typeface="Calibri"/>
+              </a:rPr>
+              <a:t>(Grok4 - 73, OpenAI o3 - 70, Google Gemini 2.5 Pro - 70, Anthropic Claude 4 Opus - 64, DeepSeek R1 0528 - 68)</a:t>
+            </a:r>
+            <a:endParaRPr sz="1200">
+              <a:solidFill>
+                <a:schemeClr val="dk1"/>
+              </a:solidFill>
+              <a:latin typeface="Calibri"/>
+              <a:ea typeface="Calibri"/>
+              <a:cs typeface="Calibri"/>
+              <a:sym typeface="Calibri"/>
+            </a:endParaRPr>
+          </a:p>
+          <a:p>
+            <a:pPr marL="0" marR="0" lvl="0" indent="0" algn="l" rtl="0">
+              <a:lnSpc>
+                <a:spcPct val="100000"/>
+              </a:lnSpc>
+              <a:spcBef>
+                <a:spcPts val="0"/>
+              </a:spcBef>
+              <a:spcAft>
+                <a:spcPts val="0"/>
+              </a:spcAft>
+              <a:buNone/>
+            </a:pPr>
+            <a:r>
+              <a:rPr lang="en" sz="1200" u="sng">
+                <a:solidFill>
+                  <a:schemeClr val="hlink"/>
+                </a:solidFill>
+                <a:latin typeface="Calibri"/>
+                <a:ea typeface="Calibri"/>
+                <a:cs typeface="Calibri"/>
+                <a:sym typeface="Calibri"/>
+                <a:hlinkClick r:id="rId6"/>
+              </a:rPr>
+              <a:t>https://artificialanalysis.ai</a:t>
+            </a:r>
+            <a:r>
+              <a:rPr lang="en" sz="1200">
+                <a:solidFill>
+                  <a:schemeClr val="dk1"/>
+                </a:solidFill>
+                <a:latin typeface="Calibri"/>
+                <a:ea typeface="Calibri"/>
+                <a:cs typeface="Calibri"/>
+                <a:sym typeface="Calibri"/>
+              </a:rPr>
+              <a:t> </a:t>
+            </a:r>
+            <a:endParaRPr sz="1200">
+              <a:solidFill>
+                <a:schemeClr val="dk1"/>
+              </a:solidFill>
+              <a:latin typeface="Calibri"/>
+              <a:ea typeface="Calibri"/>
+              <a:cs typeface="Calibri"/>
+              <a:sym typeface="Calibri"/>
+            </a:endParaRPr>
+          </a:p>
+        </p:txBody>
+      </p:sp>
     </p:spTree>
   </p:cSld>
   <p:clrMapOvr>
@@ -36098,7 +41530,7 @@
   <p:cSld>
     <p:spTree>
       <p:nvGrpSpPr>
-        <p:cNvPr id="1" name="Shape 140"/>
+        <p:cNvPr id="1" name="Shape 144"/>
         <p:cNvGrpSpPr/>
         <p:nvPr/>
       </p:nvGrpSpPr>
@@ -36112,7 +41544,7 @@
       </p:grpSpPr>
       <p:sp>
         <p:nvSpPr>
-          <p:cNvPr id="141" name="Google Shape;141;p18"/>
+          <p:cNvPr id="145" name="Google Shape;145;p18"/>
           <p:cNvSpPr txBox="1"/>
           <p:nvPr/>
         </p:nvSpPr>
@@ -36178,7 +41610,7 @@
       </p:sp>
       <p:sp>
         <p:nvSpPr>
-          <p:cNvPr id="142" name="Google Shape;142;p18"/>
+          <p:cNvPr id="146" name="Google Shape;146;p18"/>
           <p:cNvSpPr txBox="1"/>
           <p:nvPr/>
         </p:nvSpPr>
@@ -36478,7 +41910,7 @@
       </p:sp>
       <p:pic>
         <p:nvPicPr>
-          <p:cNvPr id="143" name="Google Shape;143;p18"/>
+          <p:cNvPr id="147" name="Google Shape;147;p18"/>
           <p:cNvPicPr preferRelativeResize="0"/>
           <p:nvPr/>
         </p:nvPicPr>
@@ -36517,7 +41949,7 @@
       </p:pic>
       <p:sp>
         <p:nvSpPr>
-          <p:cNvPr id="144" name="Google Shape;144;p18"/>
+          <p:cNvPr id="148" name="Google Shape;148;p18"/>
           <p:cNvSpPr txBox="1"/>
           <p:nvPr/>
         </p:nvSpPr>
@@ -36764,7 +42196,7 @@
       </p:sp>
       <p:sp>
         <p:nvSpPr>
-          <p:cNvPr id="145" name="Google Shape;145;p18"/>
+          <p:cNvPr id="149" name="Google Shape;149;p18"/>
           <p:cNvSpPr txBox="1"/>
           <p:nvPr/>
         </p:nvSpPr>
@@ -37011,7 +42443,7 @@
       </p:sp>
       <p:pic>
         <p:nvPicPr>
-          <p:cNvPr id="146" name="Google Shape;146;p18"/>
+          <p:cNvPr id="150" name="Google Shape;150;p18"/>
           <p:cNvPicPr preferRelativeResize="0"/>
           <p:nvPr/>
         </p:nvPicPr>
@@ -37050,7 +42482,7 @@
       </p:pic>
       <p:pic>
         <p:nvPicPr>
-          <p:cNvPr id="147" name="Google Shape;147;p18"/>
+          <p:cNvPr id="151" name="Google Shape;151;p18"/>
           <p:cNvPicPr preferRelativeResize="0"/>
           <p:nvPr/>
         </p:nvPicPr>
@@ -37100,7 +42532,7 @@
   <p:cSld>
     <p:spTree>
       <p:nvGrpSpPr>
-        <p:cNvPr id="1" name="Shape 151"/>
+        <p:cNvPr id="1" name="Shape 155"/>
         <p:cNvGrpSpPr/>
         <p:nvPr/>
       </p:nvGrpSpPr>
@@ -37114,7 +42546,7 @@
       </p:grpSpPr>
       <p:sp>
         <p:nvSpPr>
-          <p:cNvPr id="152" name="Google Shape;152;p19"/>
+          <p:cNvPr id="156" name="Google Shape;156;p19"/>
           <p:cNvSpPr txBox="1"/>
           <p:nvPr/>
         </p:nvSpPr>
@@ -37180,7 +42612,7 @@
       </p:sp>
       <p:sp>
         <p:nvSpPr>
-          <p:cNvPr id="153" name="Google Shape;153;p19"/>
+          <p:cNvPr id="157" name="Google Shape;157;p19"/>
           <p:cNvSpPr txBox="1"/>
           <p:nvPr/>
         </p:nvSpPr>
@@ -37584,7 +43016,7 @@
       </p:sp>
       <p:pic>
         <p:nvPicPr>
-          <p:cNvPr id="154" name="Google Shape;154;p19"/>
+          <p:cNvPr id="158" name="Google Shape;158;p19"/>
           <p:cNvPicPr preferRelativeResize="0"/>
           <p:nvPr/>
         </p:nvPicPr>
@@ -37623,7 +43055,7 @@
       </p:pic>
       <p:pic>
         <p:nvPicPr>
-          <p:cNvPr id="155" name="Google Shape;155;p19"/>
+          <p:cNvPr id="159" name="Google Shape;159;p19"/>
           <p:cNvPicPr preferRelativeResize="0"/>
           <p:nvPr/>
         </p:nvPicPr>
@@ -37661,7 +43093,7 @@
       </p:pic>
       <p:sp>
         <p:nvSpPr>
-          <p:cNvPr id="156" name="Google Shape;156;p19"/>
+          <p:cNvPr id="160" name="Google Shape;160;p19"/>
           <p:cNvSpPr txBox="1"/>
           <p:nvPr/>
         </p:nvSpPr>
@@ -37948,7 +43380,7 @@
       </p:sp>
       <p:sp>
         <p:nvSpPr>
-          <p:cNvPr id="157" name="Google Shape;157;p19"/>
+          <p:cNvPr id="161" name="Google Shape;161;p19"/>
           <p:cNvSpPr txBox="1"/>
           <p:nvPr/>
         </p:nvSpPr>
@@ -38155,7 +43587,7 @@
       </p:sp>
       <p:pic>
         <p:nvPicPr>
-          <p:cNvPr id="158" name="Google Shape;158;p19"/>
+          <p:cNvPr id="162" name="Google Shape;162;p19"/>
           <p:cNvPicPr preferRelativeResize="0"/>
           <p:nvPr/>
         </p:nvPicPr>
@@ -38194,7 +43626,7 @@
       </p:pic>
       <p:pic>
         <p:nvPicPr>
-          <p:cNvPr id="159" name="Google Shape;159;p19"/>
+          <p:cNvPr id="163" name="Google Shape;163;p19"/>
           <p:cNvPicPr preferRelativeResize="0"/>
           <p:nvPr/>
         </p:nvPicPr>
@@ -38244,7 +43676,7 @@
   <p:cSld>
     <p:spTree>
       <p:nvGrpSpPr>
-        <p:cNvPr id="1" name="Shape 163"/>
+        <p:cNvPr id="1" name="Shape 167"/>
         <p:cNvGrpSpPr/>
         <p:nvPr/>
       </p:nvGrpSpPr>
@@ -38258,7 +43690,7 @@
       </p:grpSpPr>
       <p:sp>
         <p:nvSpPr>
-          <p:cNvPr id="164" name="Google Shape;164;p20"/>
+          <p:cNvPr id="168" name="Google Shape;168;p20"/>
           <p:cNvSpPr txBox="1"/>
           <p:nvPr/>
         </p:nvSpPr>
@@ -38573,7 +44005,7 @@
       </p:sp>
       <p:pic>
         <p:nvPicPr>
-          <p:cNvPr id="165" name="Google Shape;165;p20"/>
+          <p:cNvPr id="169" name="Google Shape;169;p20"/>
           <p:cNvPicPr preferRelativeResize="0"/>
           <p:nvPr/>
         </p:nvPicPr>
@@ -38623,7 +44055,7 @@
   <p:cSld>
     <p:spTree>
       <p:nvGrpSpPr>
-        <p:cNvPr id="1" name="Shape 169"/>
+        <p:cNvPr id="1" name="Shape 173"/>
         <p:cNvGrpSpPr/>
         <p:nvPr/>
       </p:nvGrpSpPr>
@@ -38637,7 +44069,7 @@
       </p:grpSpPr>
       <p:sp>
         <p:nvSpPr>
-          <p:cNvPr id="170" name="Google Shape;170;p21"/>
+          <p:cNvPr id="174" name="Google Shape;174;p21"/>
           <p:cNvSpPr txBox="1"/>
           <p:nvPr/>
         </p:nvSpPr>
@@ -38703,7 +44135,7 @@
       </p:sp>
       <p:sp>
         <p:nvSpPr>
-          <p:cNvPr id="171" name="Google Shape;171;p21"/>
+          <p:cNvPr id="175" name="Google Shape;175;p21"/>
           <p:cNvSpPr txBox="1"/>
           <p:nvPr/>
         </p:nvSpPr>
@@ -38897,7 +44329,7 @@
       </p:sp>
       <p:sp>
         <p:nvSpPr>
-          <p:cNvPr id="172" name="Google Shape;172;p21"/>
+          <p:cNvPr id="176" name="Google Shape;176;p21"/>
           <p:cNvSpPr txBox="1"/>
           <p:nvPr/>
         </p:nvSpPr>
@@ -39014,7 +44446,7 @@
       </p:sp>
       <p:sp>
         <p:nvSpPr>
-          <p:cNvPr id="173" name="Google Shape;173;p21"/>
+          <p:cNvPr id="177" name="Google Shape;177;p21"/>
           <p:cNvSpPr txBox="1"/>
           <p:nvPr/>
         </p:nvSpPr>
@@ -39141,7 +44573,7 @@
       </p:sp>
       <p:sp>
         <p:nvSpPr>
-          <p:cNvPr id="174" name="Google Shape;174;p21"/>
+          <p:cNvPr id="178" name="Google Shape;178;p21"/>
           <p:cNvSpPr txBox="1"/>
           <p:nvPr/>
         </p:nvSpPr>
@@ -39383,7 +44815,7 @@
       </p:sp>
       <p:sp>
         <p:nvSpPr>
-          <p:cNvPr id="175" name="Google Shape;175;p21"/>
+          <p:cNvPr id="179" name="Google Shape;179;p21"/>
           <p:cNvSpPr txBox="1"/>
           <p:nvPr/>
         </p:nvSpPr>
@@ -39603,7 +45035,7 @@
       </p:sp>
       <p:pic>
         <p:nvPicPr>
-          <p:cNvPr id="176" name="Google Shape;176;p21"/>
+          <p:cNvPr id="180" name="Google Shape;180;p21"/>
           <p:cNvPicPr preferRelativeResize="0"/>
           <p:nvPr/>
         </p:nvPicPr>
@@ -39642,7 +45074,7 @@
       </p:pic>
       <p:pic>
         <p:nvPicPr>
-          <p:cNvPr id="177" name="Google Shape;177;p21"/>
+          <p:cNvPr id="181" name="Google Shape;181;p21"/>
           <p:cNvPicPr preferRelativeResize="0"/>
           <p:nvPr/>
         </p:nvPicPr>
@@ -39675,7 +45107,7 @@
       </p:pic>
       <p:pic>
         <p:nvPicPr>
-          <p:cNvPr id="178" name="Google Shape;178;p21"/>
+          <p:cNvPr id="182" name="Google Shape;182;p21"/>
           <p:cNvPicPr preferRelativeResize="0"/>
           <p:nvPr/>
         </p:nvPicPr>
@@ -39708,7 +45140,7 @@
       </p:pic>
       <p:pic>
         <p:nvPicPr>
-          <p:cNvPr id="179" name="Google Shape;179;p21"/>
+          <p:cNvPr id="183" name="Google Shape;183;p21"/>
           <p:cNvPicPr preferRelativeResize="0"/>
           <p:nvPr/>
         </p:nvPicPr>
@@ -39747,7 +45179,7 @@
       </p:pic>
       <p:pic>
         <p:nvPicPr>
-          <p:cNvPr id="180" name="Google Shape;180;p21"/>
+          <p:cNvPr id="184" name="Google Shape;184;p21"/>
           <p:cNvPicPr preferRelativeResize="0"/>
           <p:nvPr/>
         </p:nvPicPr>
@@ -39797,7 +45229,7 @@
   <p:cSld>
     <p:spTree>
       <p:nvGrpSpPr>
-        <p:cNvPr id="1" name="Shape 184"/>
+        <p:cNvPr id="1" name="Shape 188"/>
         <p:cNvGrpSpPr/>
         <p:nvPr/>
       </p:nvGrpSpPr>
@@ -39811,7 +45243,7 @@
       </p:grpSpPr>
       <p:sp>
         <p:nvSpPr>
-          <p:cNvPr id="185" name="Google Shape;185;p22"/>
+          <p:cNvPr id="189" name="Google Shape;189;p22"/>
           <p:cNvSpPr txBox="1"/>
           <p:nvPr/>
         </p:nvSpPr>
@@ -39877,7 +45309,7 @@
       </p:sp>
       <p:sp>
         <p:nvSpPr>
-          <p:cNvPr id="186" name="Google Shape;186;p22"/>
+          <p:cNvPr id="190" name="Google Shape;190;p22"/>
           <p:cNvSpPr txBox="1"/>
           <p:nvPr/>
         </p:nvSpPr>
@@ -40124,7 +45556,7 @@
       </p:sp>
       <p:sp>
         <p:nvSpPr>
-          <p:cNvPr id="187" name="Google Shape;187;p22"/>
+          <p:cNvPr id="191" name="Google Shape;191;p22"/>
           <p:cNvSpPr txBox="1"/>
           <p:nvPr/>
         </p:nvSpPr>
@@ -40451,7 +45883,7 @@
       </p:sp>
       <p:sp>
         <p:nvSpPr>
-          <p:cNvPr id="188" name="Google Shape;188;p22"/>
+          <p:cNvPr id="192" name="Google Shape;192;p22"/>
           <p:cNvSpPr txBox="1"/>
           <p:nvPr/>
         </p:nvSpPr>
@@ -40630,7 +46062,7 @@
       </p:sp>
       <p:sp>
         <p:nvSpPr>
-          <p:cNvPr id="189" name="Google Shape;189;p22"/>
+          <p:cNvPr id="193" name="Google Shape;193;p22"/>
           <p:cNvSpPr txBox="1"/>
           <p:nvPr/>
         </p:nvSpPr>
@@ -40757,7 +46189,7 @@
       </p:sp>
       <p:pic>
         <p:nvPicPr>
-          <p:cNvPr id="190" name="Google Shape;190;p22"/>
+          <p:cNvPr id="194" name="Google Shape;194;p22"/>
           <p:cNvPicPr preferRelativeResize="0"/>
           <p:nvPr/>
         </p:nvPicPr>
@@ -40796,7 +46228,7 @@
       </p:pic>
       <p:pic>
         <p:nvPicPr>
-          <p:cNvPr id="191" name="Google Shape;191;p22"/>
+          <p:cNvPr id="195" name="Google Shape;195;p22"/>
           <p:cNvPicPr preferRelativeResize="0"/>
           <p:nvPr/>
         </p:nvPicPr>
@@ -40835,7 +46267,7 @@
       </p:pic>
       <p:pic>
         <p:nvPicPr>
-          <p:cNvPr id="192" name="Google Shape;192;p22"/>
+          <p:cNvPr id="196" name="Google Shape;196;p22"/>
           <p:cNvPicPr preferRelativeResize="0"/>
           <p:nvPr/>
         </p:nvPicPr>
@@ -40873,7 +46305,7 @@
       </p:pic>
       <p:pic>
         <p:nvPicPr>
-          <p:cNvPr id="193" name="Google Shape;193;p22"/>
+          <p:cNvPr id="197" name="Google Shape;197;p22"/>
           <p:cNvPicPr preferRelativeResize="0"/>
           <p:nvPr/>
         </p:nvPicPr>
@@ -40912,7 +46344,7 @@
       </p:pic>
       <p:sp>
         <p:nvSpPr>
-          <p:cNvPr id="194" name="Google Shape;194;p22"/>
+          <p:cNvPr id="198" name="Google Shape;198;p22"/>
           <p:cNvSpPr txBox="1"/>
           <p:nvPr/>
         </p:nvSpPr>
@@ -41092,7 +46524,7 @@
       </p:sp>
       <p:pic>
         <p:nvPicPr>
-          <p:cNvPr id="195" name="Google Shape;195;p22"/>
+          <p:cNvPr id="199" name="Google Shape;199;p22"/>
           <p:cNvPicPr preferRelativeResize="0"/>
           <p:nvPr/>
         </p:nvPicPr>
@@ -41142,7 +46574,7 @@
   <p:cSld>
     <p:spTree>
       <p:nvGrpSpPr>
-        <p:cNvPr id="1" name="Shape 199"/>
+        <p:cNvPr id="1" name="Shape 203"/>
         <p:cNvGrpSpPr/>
         <p:nvPr/>
       </p:nvGrpSpPr>
@@ -41156,7 +46588,7 @@
       </p:grpSpPr>
       <p:sp>
         <p:nvSpPr>
-          <p:cNvPr id="200" name="Google Shape;200;p23"/>
+          <p:cNvPr id="204" name="Google Shape;204;p23"/>
           <p:cNvSpPr txBox="1"/>
           <p:nvPr/>
         </p:nvSpPr>
@@ -41222,7 +46654,7 @@
       </p:sp>
       <p:sp>
         <p:nvSpPr>
-          <p:cNvPr id="201" name="Google Shape;201;p23"/>
+          <p:cNvPr id="205" name="Google Shape;205;p23"/>
           <p:cNvSpPr txBox="1"/>
           <p:nvPr/>
         </p:nvSpPr>
@@ -41557,7 +46989,7 @@
       </p:sp>
       <p:sp>
         <p:nvSpPr>
-          <p:cNvPr id="202" name="Google Shape;202;p23"/>
+          <p:cNvPr id="206" name="Google Shape;206;p23"/>
           <p:cNvSpPr txBox="1"/>
           <p:nvPr/>
         </p:nvSpPr>
@@ -41691,7 +47123,7 @@
       </p:sp>
       <p:sp>
         <p:nvSpPr>
-          <p:cNvPr id="203" name="Google Shape;203;p23"/>
+          <p:cNvPr id="207" name="Google Shape;207;p23"/>
           <p:cNvSpPr txBox="1"/>
           <p:nvPr/>
         </p:nvSpPr>
@@ -41808,7 +47240,7 @@
       </p:sp>
       <p:pic>
         <p:nvPicPr>
-          <p:cNvPr id="204" name="Google Shape;204;p23"/>
+          <p:cNvPr id="208" name="Google Shape;208;p23"/>
           <p:cNvPicPr preferRelativeResize="0"/>
           <p:nvPr/>
         </p:nvPicPr>
@@ -41847,7 +47279,7 @@
       </p:pic>
       <p:sp>
         <p:nvSpPr>
-          <p:cNvPr id="205" name="Google Shape;205;p23"/>
+          <p:cNvPr id="209" name="Google Shape;209;p23"/>
           <p:cNvSpPr txBox="1"/>
           <p:nvPr/>
         </p:nvSpPr>
@@ -42158,7 +47590,7 @@
       </p:sp>
       <p:sp>
         <p:nvSpPr>
-          <p:cNvPr id="206" name="Google Shape;206;p23"/>
+          <p:cNvPr id="210" name="Google Shape;210;p23"/>
           <p:cNvSpPr txBox="1"/>
           <p:nvPr/>
         </p:nvSpPr>
@@ -42312,7 +47744,7 @@
       </p:sp>
       <p:pic>
         <p:nvPicPr>
-          <p:cNvPr id="207" name="Google Shape;207;p23"/>
+          <p:cNvPr id="211" name="Google Shape;211;p23"/>
           <p:cNvPicPr preferRelativeResize="0"/>
           <p:nvPr/>
         </p:nvPicPr>
@@ -42351,7 +47783,7 @@
       </p:pic>
       <p:pic>
         <p:nvPicPr>
-          <p:cNvPr id="208" name="Google Shape;208;p23"/>
+          <p:cNvPr id="212" name="Google Shape;212;p23"/>
           <p:cNvPicPr preferRelativeResize="0"/>
           <p:nvPr/>
         </p:nvPicPr>
@@ -42390,7 +47822,7 @@
       </p:pic>
       <p:pic>
         <p:nvPicPr>
-          <p:cNvPr id="209" name="Google Shape;209;p23"/>
+          <p:cNvPr id="213" name="Google Shape;213;p23"/>
           <p:cNvPicPr preferRelativeResize="0"/>
           <p:nvPr/>
         </p:nvPicPr>

--- a/2025/2025-07-11-AI-Updates.pptx
+++ b/2025/2025-07-11-AI-Updates.pptx
@@ -1,11 +1,11 @@
 
 <file path=ppt/presentation.xml><?xml version="1.0" encoding="utf-8"?>
-<p:presentation xmlns:a="http://schemas.openxmlformats.org/drawingml/2006/main" xmlns:r="http://schemas.openxmlformats.org/officeDocument/2006/relationships" xmlns:p="http://schemas.openxmlformats.org/presentationml/2006/main" strictFirstAndLastChars="0" saveSubsetFonts="1" autoCompressPictures="0">
+<p:presentation xmlns:a="http://schemas.openxmlformats.org/drawingml/2006/main" xmlns:r="http://schemas.openxmlformats.org/officeDocument/2006/relationships" xmlns:p="http://schemas.openxmlformats.org/presentationml/2006/main" strictFirstAndLastChars="0" embedTrueTypeFonts="1" saveSubsetFonts="1" autoCompressPictures="0">
   <p:sldMasterIdLst>
     <p:sldMasterId id="2147483661" r:id="rId1"/>
   </p:sldMasterIdLst>
   <p:notesMasterIdLst>
-    <p:notesMasterId r:id="rId23"/>
+    <p:notesMasterId r:id="rId24"/>
   </p:notesMasterIdLst>
   <p:sldIdLst>
     <p:sldId id="256" r:id="rId2"/>
@@ -29,9 +29,19 @@
     <p:sldId id="274" r:id="rId20"/>
     <p:sldId id="275" r:id="rId21"/>
     <p:sldId id="276" r:id="rId22"/>
+    <p:sldId id="277" r:id="rId23"/>
   </p:sldIdLst>
   <p:sldSz cx="9144000" cy="5143500" type="screen16x9"/>
   <p:notesSz cx="6858000" cy="9144000"/>
+  <p:embeddedFontLst>
+    <p:embeddedFont>
+      <p:font typeface="Roboto Mono" pitchFamily="49" charset="0"/>
+      <p:regular r:id="rId25"/>
+      <p:bold r:id="rId26"/>
+      <p:italic r:id="rId27"/>
+      <p:boldItalic r:id="rId28"/>
+    </p:embeddedFont>
+  </p:embeddedFontLst>
   <p:defaultTextStyle>
     <a:defPPr marR="0" lvl="0" algn="l" rtl="0">
       <a:lnSpc>
@@ -970,7 +980,7 @@
   <p:cSld>
     <p:spTree>
       <p:nvGrpSpPr>
-        <p:cNvPr id="1" name="Shape 214"/>
+        <p:cNvPr id="1" name="Shape 209"/>
         <p:cNvGrpSpPr/>
         <p:nvPr/>
       </p:nvGrpSpPr>
@@ -984,7 +994,7 @@
       </p:grpSpPr>
       <p:sp>
         <p:nvSpPr>
-          <p:cNvPr id="215" name="Google Shape;215;g344a46942c4_4_3:notes"/>
+          <p:cNvPr id="210" name="Google Shape;210;g3449fd71324_1_9:notes"/>
           <p:cNvSpPr>
             <a:spLocks noGrp="1" noRot="1" noChangeAspect="1"/>
           </p:cNvSpPr>
@@ -1035,7 +1045,7 @@
       </p:sp>
       <p:sp>
         <p:nvSpPr>
-          <p:cNvPr id="216" name="Google Shape;216;g344a46942c4_4_3:notes"/>
+          <p:cNvPr id="211" name="Google Shape;211;g3449fd71324_1_9:notes"/>
           <p:cNvSpPr txBox="1">
             <a:spLocks noGrp="1"/>
           </p:cNvSpPr>
@@ -1092,7 +1102,7 @@
   <p:cSld>
     <p:spTree>
       <p:nvGrpSpPr>
-        <p:cNvPr id="1" name="Shape 232"/>
+        <p:cNvPr id="1" name="Shape 223"/>
         <p:cNvGrpSpPr/>
         <p:nvPr/>
       </p:nvGrpSpPr>
@@ -1106,7 +1116,7 @@
       </p:grpSpPr>
       <p:sp>
         <p:nvSpPr>
-          <p:cNvPr id="233" name="Google Shape;233;g362fc5d1d31_1_0:notes"/>
+          <p:cNvPr id="224" name="Google Shape;224;g344a46942c4_4_3:notes"/>
           <p:cNvSpPr>
             <a:spLocks noGrp="1" noRot="1" noChangeAspect="1"/>
           </p:cNvSpPr>
@@ -1157,7 +1167,7 @@
       </p:sp>
       <p:sp>
         <p:nvSpPr>
-          <p:cNvPr id="234" name="Google Shape;234;g362fc5d1d31_1_0:notes"/>
+          <p:cNvPr id="225" name="Google Shape;225;g344a46942c4_4_3:notes"/>
           <p:cNvSpPr txBox="1">
             <a:spLocks noGrp="1"/>
           </p:cNvSpPr>
@@ -1214,7 +1224,7 @@
   <p:cSld>
     <p:spTree>
       <p:nvGrpSpPr>
-        <p:cNvPr id="1" name="Shape 240"/>
+        <p:cNvPr id="1" name="Shape 241"/>
         <p:cNvGrpSpPr/>
         <p:nvPr/>
       </p:nvGrpSpPr>
@@ -1228,7 +1238,7 @@
       </p:grpSpPr>
       <p:sp>
         <p:nvSpPr>
-          <p:cNvPr id="241" name="Google Shape;241;g3449fd71324_1_27:notes"/>
+          <p:cNvPr id="242" name="Google Shape;242;g362fc5d1d31_1_0:notes"/>
           <p:cNvSpPr>
             <a:spLocks noGrp="1" noRot="1" noChangeAspect="1"/>
           </p:cNvSpPr>
@@ -1279,7 +1289,7 @@
       </p:sp>
       <p:sp>
         <p:nvSpPr>
-          <p:cNvPr id="242" name="Google Shape;242;g3449fd71324_1_27:notes"/>
+          <p:cNvPr id="243" name="Google Shape;243;g362fc5d1d31_1_0:notes"/>
           <p:cNvSpPr txBox="1">
             <a:spLocks noGrp="1"/>
           </p:cNvSpPr>
@@ -1336,7 +1346,7 @@
   <p:cSld>
     <p:spTree>
       <p:nvGrpSpPr>
-        <p:cNvPr id="1" name="Shape 248"/>
+        <p:cNvPr id="1" name="Shape 249"/>
         <p:cNvGrpSpPr/>
         <p:nvPr/>
       </p:nvGrpSpPr>
@@ -1350,7 +1360,7 @@
       </p:grpSpPr>
       <p:sp>
         <p:nvSpPr>
-          <p:cNvPr id="249" name="Google Shape;249;g344a46942c4_1_0:notes"/>
+          <p:cNvPr id="250" name="Google Shape;250;g3449fd71324_1_27:notes"/>
           <p:cNvSpPr>
             <a:spLocks noGrp="1" noRot="1" noChangeAspect="1"/>
           </p:cNvSpPr>
@@ -1401,7 +1411,7 @@
       </p:sp>
       <p:sp>
         <p:nvSpPr>
-          <p:cNvPr id="250" name="Google Shape;250;g344a46942c4_1_0:notes"/>
+          <p:cNvPr id="251" name="Google Shape;251;g3449fd71324_1_27:notes"/>
           <p:cNvSpPr txBox="1">
             <a:spLocks noGrp="1"/>
           </p:cNvSpPr>
@@ -1458,7 +1468,7 @@
   <p:cSld>
     <p:spTree>
       <p:nvGrpSpPr>
-        <p:cNvPr id="1" name="Shape 256"/>
+        <p:cNvPr id="1" name="Shape 257"/>
         <p:cNvGrpSpPr/>
         <p:nvPr/>
       </p:nvGrpSpPr>
@@ -1472,7 +1482,7 @@
       </p:grpSpPr>
       <p:sp>
         <p:nvSpPr>
-          <p:cNvPr id="257" name="Google Shape;257;g362797a481a_1_19:notes"/>
+          <p:cNvPr id="258" name="Google Shape;258;g344a46942c4_1_0:notes"/>
           <p:cNvSpPr>
             <a:spLocks noGrp="1" noRot="1" noChangeAspect="1"/>
           </p:cNvSpPr>
@@ -1523,7 +1533,7 @@
       </p:sp>
       <p:sp>
         <p:nvSpPr>
-          <p:cNvPr id="258" name="Google Shape;258;g362797a481a_1_19:notes"/>
+          <p:cNvPr id="259" name="Google Shape;259;g344a46942c4_1_0:notes"/>
           <p:cNvSpPr txBox="1">
             <a:spLocks noGrp="1"/>
           </p:cNvSpPr>
@@ -1580,7 +1590,7 @@
   <p:cSld>
     <p:spTree>
       <p:nvGrpSpPr>
-        <p:cNvPr id="1" name="Shape 263"/>
+        <p:cNvPr id="1" name="Shape 265"/>
         <p:cNvGrpSpPr/>
         <p:nvPr/>
       </p:nvGrpSpPr>
@@ -1594,7 +1604,7 @@
       </p:grpSpPr>
       <p:sp>
         <p:nvSpPr>
-          <p:cNvPr id="264" name="Google Shape;264;g33d6d0be6b2_0_0:notes"/>
+          <p:cNvPr id="266" name="Google Shape;266;g362797a481a_1_19:notes"/>
           <p:cNvSpPr>
             <a:spLocks noGrp="1" noRot="1" noChangeAspect="1"/>
           </p:cNvSpPr>
@@ -1645,7 +1655,7 @@
       </p:sp>
       <p:sp>
         <p:nvSpPr>
-          <p:cNvPr id="265" name="Google Shape;265;g33d6d0be6b2_0_0:notes"/>
+          <p:cNvPr id="267" name="Google Shape;267;g362797a481a_1_19:notes"/>
           <p:cNvSpPr txBox="1">
             <a:spLocks noGrp="1"/>
           </p:cNvSpPr>
@@ -1716,7 +1726,7 @@
       </p:grpSpPr>
       <p:sp>
         <p:nvSpPr>
-          <p:cNvPr id="273" name="Google Shape;273;g36e87fcb572_2_0:notes"/>
+          <p:cNvPr id="273" name="Google Shape;273;g33d6d0be6b2_0_0:notes"/>
           <p:cNvSpPr>
             <a:spLocks noGrp="1" noRot="1" noChangeAspect="1"/>
           </p:cNvSpPr>
@@ -1767,7 +1777,7 @@
       </p:sp>
       <p:sp>
         <p:nvSpPr>
-          <p:cNvPr id="274" name="Google Shape;274;g36e87fcb572_2_0:notes"/>
+          <p:cNvPr id="274" name="Google Shape;274;g33d6d0be6b2_0_0:notes"/>
           <p:cNvSpPr txBox="1">
             <a:spLocks noGrp="1"/>
           </p:cNvSpPr>
@@ -1824,7 +1834,7 @@
   <p:cSld>
     <p:spTree>
       <p:nvGrpSpPr>
-        <p:cNvPr id="1" name="Shape 279"/>
+        <p:cNvPr id="1" name="Shape 281"/>
         <p:cNvGrpSpPr/>
         <p:nvPr/>
       </p:nvGrpSpPr>
@@ -1838,7 +1848,7 @@
       </p:grpSpPr>
       <p:sp>
         <p:nvSpPr>
-          <p:cNvPr id="280" name="Google Shape;280;g33d72b05d8f_0_0:notes"/>
+          <p:cNvPr id="282" name="Google Shape;282;g36e87fcb572_2_0:notes"/>
           <p:cNvSpPr>
             <a:spLocks noGrp="1" noRot="1" noChangeAspect="1"/>
           </p:cNvSpPr>
@@ -1889,7 +1899,7 @@
       </p:sp>
       <p:sp>
         <p:nvSpPr>
-          <p:cNvPr id="281" name="Google Shape;281;g33d72b05d8f_0_0:notes"/>
+          <p:cNvPr id="283" name="Google Shape;283;g36e87fcb572_2_0:notes"/>
           <p:cNvSpPr txBox="1">
             <a:spLocks noGrp="1"/>
           </p:cNvSpPr>
@@ -1946,7 +1956,7 @@
   <p:cSld>
     <p:spTree>
       <p:nvGrpSpPr>
-        <p:cNvPr id="1" name="Shape 287"/>
+        <p:cNvPr id="1" name="Shape 288"/>
         <p:cNvGrpSpPr/>
         <p:nvPr/>
       </p:nvGrpSpPr>
@@ -1960,7 +1970,7 @@
       </p:grpSpPr>
       <p:sp>
         <p:nvSpPr>
-          <p:cNvPr id="288" name="Google Shape;288;g3449fd71324_1_0:notes"/>
+          <p:cNvPr id="289" name="Google Shape;289;g33d72b05d8f_0_0:notes"/>
           <p:cNvSpPr>
             <a:spLocks noGrp="1" noRot="1" noChangeAspect="1"/>
           </p:cNvSpPr>
@@ -2011,7 +2021,7 @@
       </p:sp>
       <p:sp>
         <p:nvSpPr>
-          <p:cNvPr id="289" name="Google Shape;289;g3449fd71324_1_0:notes"/>
+          <p:cNvPr id="290" name="Google Shape;290;g33d72b05d8f_0_0:notes"/>
           <p:cNvSpPr txBox="1">
             <a:spLocks noGrp="1"/>
           </p:cNvSpPr>
@@ -2068,7 +2078,7 @@
   <p:cSld>
     <p:spTree>
       <p:nvGrpSpPr>
-        <p:cNvPr id="1" name="Shape 295"/>
+        <p:cNvPr id="1" name="Shape 296"/>
         <p:cNvGrpSpPr/>
         <p:nvPr/>
       </p:nvGrpSpPr>
@@ -2082,7 +2092,7 @@
       </p:grpSpPr>
       <p:sp>
         <p:nvSpPr>
-          <p:cNvPr id="296" name="Google Shape;296;p23:notes"/>
+          <p:cNvPr id="297" name="Google Shape;297;g3449fd71324_1_0:notes"/>
           <p:cNvSpPr>
             <a:spLocks noGrp="1" noRot="1" noChangeAspect="1"/>
           </p:cNvSpPr>
@@ -2133,7 +2143,7 @@
       </p:sp>
       <p:sp>
         <p:nvSpPr>
-          <p:cNvPr id="297" name="Google Shape;297;p23:notes"/>
+          <p:cNvPr id="298" name="Google Shape;298;g3449fd71324_1_0:notes"/>
           <p:cNvSpPr txBox="1">
             <a:spLocks noGrp="1"/>
           </p:cNvSpPr>
@@ -2312,7 +2322,7 @@
   <p:cSld>
     <p:spTree>
       <p:nvGrpSpPr>
-        <p:cNvPr id="1" name="Shape 305"/>
+        <p:cNvPr id="1" name="Shape 304"/>
         <p:cNvGrpSpPr/>
         <p:nvPr/>
       </p:nvGrpSpPr>
@@ -2326,7 +2336,7 @@
       </p:grpSpPr>
       <p:sp>
         <p:nvSpPr>
-          <p:cNvPr id="306" name="Google Shape;306;p24:notes"/>
+          <p:cNvPr id="305" name="Google Shape;305;p23:notes"/>
           <p:cNvSpPr>
             <a:spLocks noGrp="1" noRot="1" noChangeAspect="1"/>
           </p:cNvSpPr>
@@ -2377,7 +2387,7 @@
       </p:sp>
       <p:sp>
         <p:nvSpPr>
-          <p:cNvPr id="307" name="Google Shape;307;p24:notes"/>
+          <p:cNvPr id="306" name="Google Shape;306;p23:notes"/>
           <p:cNvSpPr txBox="1">
             <a:spLocks noGrp="1"/>
           </p:cNvSpPr>
@@ -2434,7 +2444,7 @@
   <p:cSld>
     <p:spTree>
       <p:nvGrpSpPr>
-        <p:cNvPr id="1" name="Shape 315"/>
+        <p:cNvPr id="1" name="Shape 314"/>
         <p:cNvGrpSpPr/>
         <p:nvPr/>
       </p:nvGrpSpPr>
@@ -2448,7 +2458,129 @@
       </p:grpSpPr>
       <p:sp>
         <p:nvSpPr>
-          <p:cNvPr id="316" name="Google Shape;316;p25:notes"/>
+          <p:cNvPr id="315" name="Google Shape;315;p24:notes"/>
+          <p:cNvSpPr>
+            <a:spLocks noGrp="1" noRot="1" noChangeAspect="1"/>
+          </p:cNvSpPr>
+          <p:nvPr>
+            <p:ph type="sldImg" idx="2"/>
+          </p:nvPr>
+        </p:nvSpPr>
+        <p:spPr>
+          <a:xfrm>
+            <a:off x="381000" y="685800"/>
+            <a:ext cx="6096000" cy="3429000"/>
+          </a:xfrm>
+          <a:custGeom>
+            <a:avLst/>
+            <a:gdLst/>
+            <a:ahLst/>
+            <a:cxnLst/>
+            <a:rect l="l" t="t" r="r" b="b"/>
+            <a:pathLst>
+              <a:path w="120000" h="120000" extrusionOk="0">
+                <a:moveTo>
+                  <a:pt x="0" y="0"/>
+                </a:moveTo>
+                <a:lnTo>
+                  <a:pt x="120000" y="0"/>
+                </a:lnTo>
+                <a:lnTo>
+                  <a:pt x="120000" y="120000"/>
+                </a:lnTo>
+                <a:lnTo>
+                  <a:pt x="0" y="120000"/>
+                </a:lnTo>
+                <a:close/>
+              </a:path>
+            </a:pathLst>
+          </a:custGeom>
+          <a:noFill/>
+          <a:ln w="9525" cap="flat" cmpd="sng">
+            <a:solidFill>
+              <a:srgbClr val="000000"/>
+            </a:solidFill>
+            <a:prstDash val="solid"/>
+            <a:round/>
+            <a:headEnd type="none" w="sm" len="sm"/>
+            <a:tailEnd type="none" w="sm" len="sm"/>
+          </a:ln>
+        </p:spPr>
+      </p:sp>
+      <p:sp>
+        <p:nvSpPr>
+          <p:cNvPr id="316" name="Google Shape;316;p24:notes"/>
+          <p:cNvSpPr txBox="1">
+            <a:spLocks noGrp="1"/>
+          </p:cNvSpPr>
+          <p:nvPr>
+            <p:ph type="body" idx="1"/>
+          </p:nvPr>
+        </p:nvSpPr>
+        <p:spPr>
+          <a:xfrm>
+            <a:off x="685800" y="4343400"/>
+            <a:ext cx="5486400" cy="4114800"/>
+          </a:xfrm>
+          <a:prstGeom prst="rect">
+            <a:avLst/>
+          </a:prstGeom>
+          <a:noFill/>
+          <a:ln>
+            <a:noFill/>
+          </a:ln>
+        </p:spPr>
+        <p:txBody>
+          <a:bodyPr spcFirstLastPara="1" wrap="square" lIns="91425" tIns="91425" rIns="91425" bIns="91425" anchor="t" anchorCtr="0">
+            <a:noAutofit/>
+          </a:bodyPr>
+          <a:lstStyle/>
+          <a:p>
+            <a:pPr marL="0" lvl="0" indent="0" algn="l" rtl="0">
+              <a:lnSpc>
+                <a:spcPct val="100000"/>
+              </a:lnSpc>
+              <a:spcBef>
+                <a:spcPts val="0"/>
+              </a:spcBef>
+              <a:spcAft>
+                <a:spcPts val="0"/>
+              </a:spcAft>
+              <a:buSzPts val="1100"/>
+              <a:buNone/>
+            </a:pPr>
+            <a:endParaRPr/>
+          </a:p>
+        </p:txBody>
+      </p:sp>
+    </p:spTree>
+  </p:cSld>
+  <p:clrMapOvr>
+    <a:masterClrMapping/>
+  </p:clrMapOvr>
+</p:notes>
+</file>
+
+<file path=ppt/notesSlides/notesSlide22.xml><?xml version="1.0" encoding="utf-8"?>
+<p:notes xmlns:a="http://schemas.openxmlformats.org/drawingml/2006/main" xmlns:r="http://schemas.openxmlformats.org/officeDocument/2006/relationships" xmlns:p="http://schemas.openxmlformats.org/presentationml/2006/main" showMasterSp="0" showMasterPhAnim="0">
+  <p:cSld>
+    <p:spTree>
+      <p:nvGrpSpPr>
+        <p:cNvPr id="1" name="Shape 324"/>
+        <p:cNvGrpSpPr/>
+        <p:nvPr/>
+      </p:nvGrpSpPr>
+      <p:grpSpPr>
+        <a:xfrm>
+          <a:off x="0" y="0"/>
+          <a:ext cx="0" cy="0"/>
+          <a:chOff x="0" y="0"/>
+          <a:chExt cx="0" cy="0"/>
+        </a:xfrm>
+      </p:grpSpPr>
+      <p:sp>
+        <p:nvSpPr>
+          <p:cNvPr id="325" name="Google Shape;325;p25:notes"/>
           <p:cNvSpPr>
             <a:spLocks noGrp="1" noRot="1" noChangeAspect="1"/>
           </p:cNvSpPr>
@@ -2499,7 +2631,7 @@
       </p:sp>
       <p:sp>
         <p:nvSpPr>
-          <p:cNvPr id="317" name="Google Shape;317;p25:notes"/>
+          <p:cNvPr id="326" name="Google Shape;326;p25:notes"/>
           <p:cNvSpPr txBox="1">
             <a:spLocks noGrp="1"/>
           </p:cNvSpPr>
@@ -2678,7 +2810,7 @@
   <p:cSld>
     <p:spTree>
       <p:nvGrpSpPr>
-        <p:cNvPr id="1" name="Shape 141"/>
+        <p:cNvPr id="1" name="Shape 142"/>
         <p:cNvGrpSpPr/>
         <p:nvPr/>
       </p:nvGrpSpPr>
@@ -2692,7 +2824,7 @@
       </p:grpSpPr>
       <p:sp>
         <p:nvSpPr>
-          <p:cNvPr id="142" name="Google Shape;142;g344a46942c4_0_0:notes"/>
+          <p:cNvPr id="143" name="Google Shape;143;g344aedf8b28_1_0:notes"/>
           <p:cNvSpPr>
             <a:spLocks noGrp="1" noRot="1" noChangeAspect="1"/>
           </p:cNvSpPr>
@@ -2743,7 +2875,7 @@
       </p:sp>
       <p:sp>
         <p:nvSpPr>
-          <p:cNvPr id="143" name="Google Shape;143;g344a46942c4_0_0:notes"/>
+          <p:cNvPr id="144" name="Google Shape;144;g344aedf8b28_1_0:notes"/>
           <p:cNvSpPr txBox="1">
             <a:spLocks noGrp="1"/>
           </p:cNvSpPr>
@@ -2800,7 +2932,7 @@
   <p:cSld>
     <p:spTree>
       <p:nvGrpSpPr>
-        <p:cNvPr id="1" name="Shape 152"/>
+        <p:cNvPr id="1" name="Shape 150"/>
         <p:cNvGrpSpPr/>
         <p:nvPr/>
       </p:nvGrpSpPr>
@@ -2814,7 +2946,7 @@
       </p:grpSpPr>
       <p:sp>
         <p:nvSpPr>
-          <p:cNvPr id="153" name="Google Shape;153;g33d6c9cf46b_0_0:notes"/>
+          <p:cNvPr id="151" name="Google Shape;151;g344a46942c4_0_0:notes"/>
           <p:cNvSpPr>
             <a:spLocks noGrp="1" noRot="1" noChangeAspect="1"/>
           </p:cNvSpPr>
@@ -2865,7 +2997,7 @@
       </p:sp>
       <p:sp>
         <p:nvSpPr>
-          <p:cNvPr id="154" name="Google Shape;154;g33d6c9cf46b_0_0:notes"/>
+          <p:cNvPr id="152" name="Google Shape;152;g344a46942c4_0_0:notes"/>
           <p:cNvSpPr txBox="1">
             <a:spLocks noGrp="1"/>
           </p:cNvSpPr>
@@ -2922,7 +3054,7 @@
   <p:cSld>
     <p:spTree>
       <p:nvGrpSpPr>
-        <p:cNvPr id="1" name="Shape 164"/>
+        <p:cNvPr id="1" name="Shape 161"/>
         <p:cNvGrpSpPr/>
         <p:nvPr/>
       </p:nvGrpSpPr>
@@ -2936,7 +3068,7 @@
       </p:grpSpPr>
       <p:sp>
         <p:nvSpPr>
-          <p:cNvPr id="165" name="Google Shape;165;g35f406ef591_0_5:notes"/>
+          <p:cNvPr id="162" name="Google Shape;162;g33d6c9cf46b_0_0:notes"/>
           <p:cNvSpPr>
             <a:spLocks noGrp="1" noRot="1" noChangeAspect="1"/>
           </p:cNvSpPr>
@@ -2987,7 +3119,7 @@
       </p:sp>
       <p:sp>
         <p:nvSpPr>
-          <p:cNvPr id="166" name="Google Shape;166;g35f406ef591_0_5:notes"/>
+          <p:cNvPr id="163" name="Google Shape;163;g33d6c9cf46b_0_0:notes"/>
           <p:cNvSpPr txBox="1">
             <a:spLocks noGrp="1"/>
           </p:cNvSpPr>
@@ -3044,7 +3176,7 @@
   <p:cSld>
     <p:spTree>
       <p:nvGrpSpPr>
-        <p:cNvPr id="1" name="Shape 170"/>
+        <p:cNvPr id="1" name="Shape 173"/>
         <p:cNvGrpSpPr/>
         <p:nvPr/>
       </p:nvGrpSpPr>
@@ -3058,7 +3190,7 @@
       </p:grpSpPr>
       <p:sp>
         <p:nvSpPr>
-          <p:cNvPr id="171" name="Google Shape;171;g36d35a6c09e_0_0:notes"/>
+          <p:cNvPr id="174" name="Google Shape;174;g35f406ef591_0_5:notes"/>
           <p:cNvSpPr>
             <a:spLocks noGrp="1" noRot="1" noChangeAspect="1"/>
           </p:cNvSpPr>
@@ -3109,7 +3241,7 @@
       </p:sp>
       <p:sp>
         <p:nvSpPr>
-          <p:cNvPr id="172" name="Google Shape;172;g36d35a6c09e_0_0:notes"/>
+          <p:cNvPr id="175" name="Google Shape;175;g35f406ef591_0_5:notes"/>
           <p:cNvSpPr txBox="1">
             <a:spLocks noGrp="1"/>
           </p:cNvSpPr>
@@ -3166,7 +3298,7 @@
   <p:cSld>
     <p:spTree>
       <p:nvGrpSpPr>
-        <p:cNvPr id="1" name="Shape 185"/>
+        <p:cNvPr id="1" name="Shape 179"/>
         <p:cNvGrpSpPr/>
         <p:nvPr/>
       </p:nvGrpSpPr>
@@ -3180,7 +3312,7 @@
       </p:grpSpPr>
       <p:sp>
         <p:nvSpPr>
-          <p:cNvPr id="186" name="Google Shape;186;g36c8d760576_1_0:notes"/>
+          <p:cNvPr id="180" name="Google Shape;180;g36d35a6c09e_0_0:notes"/>
           <p:cNvSpPr>
             <a:spLocks noGrp="1" noRot="1" noChangeAspect="1"/>
           </p:cNvSpPr>
@@ -3231,7 +3363,7 @@
       </p:sp>
       <p:sp>
         <p:nvSpPr>
-          <p:cNvPr id="187" name="Google Shape;187;g36c8d760576_1_0:notes"/>
+          <p:cNvPr id="181" name="Google Shape;181;g36d35a6c09e_0_0:notes"/>
           <p:cNvSpPr txBox="1">
             <a:spLocks noGrp="1"/>
           </p:cNvSpPr>
@@ -3288,7 +3420,7 @@
   <p:cSld>
     <p:spTree>
       <p:nvGrpSpPr>
-        <p:cNvPr id="1" name="Shape 200"/>
+        <p:cNvPr id="1" name="Shape 194"/>
         <p:cNvGrpSpPr/>
         <p:nvPr/>
       </p:nvGrpSpPr>
@@ -3302,7 +3434,7 @@
       </p:grpSpPr>
       <p:sp>
         <p:nvSpPr>
-          <p:cNvPr id="201" name="Google Shape;201;g3449fd71324_1_9:notes"/>
+          <p:cNvPr id="195" name="Google Shape;195;g36c8d760576_1_0:notes"/>
           <p:cNvSpPr>
             <a:spLocks noGrp="1" noRot="1" noChangeAspect="1"/>
           </p:cNvSpPr>
@@ -3353,7 +3485,7 @@
       </p:sp>
       <p:sp>
         <p:nvSpPr>
-          <p:cNvPr id="202" name="Google Shape;202;g3449fd71324_1_9:notes"/>
+          <p:cNvPr id="196" name="Google Shape;196;g36c8d760576_1_0:notes"/>
           <p:cNvSpPr txBox="1">
             <a:spLocks noGrp="1"/>
           </p:cNvSpPr>
@@ -14616,8 +14748,8 @@
         </p:nvSpPr>
         <p:spPr>
           <a:xfrm>
-            <a:off x="4423400" y="79850"/>
-            <a:ext cx="4599900" cy="249300"/>
+            <a:off x="5185400" y="79850"/>
+            <a:ext cx="3748200" cy="480300"/>
           </a:xfrm>
           <a:prstGeom prst="rect">
             <a:avLst/>
@@ -14655,7 +14787,42 @@
                 <a:cs typeface="Calibri"/>
                 <a:sym typeface="Calibri"/>
               </a:rPr>
-              <a:t>xxx</a:t>
+              <a:t>Vibe Coding; Vibe Browsing; Vibe Drawing; </a:t>
+            </a:r>
+            <a:endParaRPr sz="1500" b="1" i="1">
+              <a:solidFill>
+                <a:srgbClr val="FF0000"/>
+              </a:solidFill>
+              <a:latin typeface="Calibri"/>
+              <a:ea typeface="Calibri"/>
+              <a:cs typeface="Calibri"/>
+              <a:sym typeface="Calibri"/>
+            </a:endParaRPr>
+          </a:p>
+          <a:p>
+            <a:pPr marL="0" marR="0" lvl="0" indent="0" algn="l" rtl="0">
+              <a:lnSpc>
+                <a:spcPct val="100000"/>
+              </a:lnSpc>
+              <a:spcBef>
+                <a:spcPts val="0"/>
+              </a:spcBef>
+              <a:spcAft>
+                <a:spcPts val="0"/>
+              </a:spcAft>
+              <a:buNone/>
+            </a:pPr>
+            <a:r>
+              <a:rPr lang="en" sz="1500" b="1" i="1">
+                <a:solidFill>
+                  <a:srgbClr val="FF0000"/>
+                </a:solidFill>
+                <a:latin typeface="Calibri"/>
+                <a:ea typeface="Calibri"/>
+                <a:cs typeface="Calibri"/>
+                <a:sym typeface="Calibri"/>
+              </a:rPr>
+              <a:t>Vibe Writing; Vibe Music Making; ...</a:t>
             </a:r>
             <a:endParaRPr sz="1500" b="1" i="1">
               <a:solidFill>
@@ -14682,7 +14849,7 @@
   <p:cSld>
     <p:spTree>
       <p:nvGrpSpPr>
-        <p:cNvPr id="1" name="Shape 217"/>
+        <p:cNvPr id="1" name="Shape 212"/>
         <p:cNvGrpSpPr/>
         <p:nvPr/>
       </p:nvGrpSpPr>
@@ -14696,7 +14863,7 @@
       </p:grpSpPr>
       <p:sp>
         <p:nvSpPr>
-          <p:cNvPr id="218" name="Google Shape;218;p24"/>
+          <p:cNvPr id="213" name="Google Shape;213;p24"/>
           <p:cNvSpPr txBox="1"/>
           <p:nvPr/>
         </p:nvSpPr>
@@ -14746,9 +14913,945 @@
                 <a:cs typeface="Calibri"/>
                 <a:sym typeface="Calibri"/>
               </a:rPr>
-              <a:t>AI Updates 6</a:t>
+              <a:t>AI Updates 5</a:t>
             </a:r>
             <a:endParaRPr sz="2000" b="1" i="0" u="none" strike="noStrike" cap="none">
+              <a:solidFill>
+                <a:schemeClr val="dk1"/>
+              </a:solidFill>
+              <a:latin typeface="Calibri"/>
+              <a:ea typeface="Calibri"/>
+              <a:cs typeface="Calibri"/>
+              <a:sym typeface="Calibri"/>
+            </a:endParaRPr>
+          </a:p>
+        </p:txBody>
+      </p:sp>
+      <p:sp>
+        <p:nvSpPr>
+          <p:cNvPr id="214" name="Google Shape;214;p24"/>
+          <p:cNvSpPr txBox="1"/>
+          <p:nvPr/>
+        </p:nvSpPr>
+        <p:spPr>
+          <a:xfrm>
+            <a:off x="55075" y="347614"/>
+            <a:ext cx="4446000" cy="1588500"/>
+          </a:xfrm>
+          <a:prstGeom prst="rect">
+            <a:avLst/>
+          </a:prstGeom>
+          <a:solidFill>
+            <a:srgbClr val="FFF2CC"/>
+          </a:solidFill>
+          <a:ln w="9525" cap="flat" cmpd="sng">
+            <a:solidFill>
+              <a:srgbClr val="FF0000"/>
+            </a:solidFill>
+            <a:prstDash val="solid"/>
+            <a:round/>
+            <a:headEnd type="none" w="sm" len="sm"/>
+            <a:tailEnd type="none" w="sm" len="sm"/>
+          </a:ln>
+        </p:spPr>
+        <p:txBody>
+          <a:bodyPr spcFirstLastPara="1" wrap="square" lIns="9125" tIns="9125" rIns="9125" bIns="9125" anchor="t" anchorCtr="0">
+            <a:spAutoFit/>
+          </a:bodyPr>
+          <a:lstStyle/>
+          <a:p>
+            <a:pPr marL="171450" marR="0" lvl="0" indent="-107950" algn="l" rtl="0">
+              <a:lnSpc>
+                <a:spcPct val="100000"/>
+              </a:lnSpc>
+              <a:spcBef>
+                <a:spcPts val="0"/>
+              </a:spcBef>
+              <a:spcAft>
+                <a:spcPts val="0"/>
+              </a:spcAft>
+              <a:buClr>
+                <a:srgbClr val="FF0000"/>
+              </a:buClr>
+              <a:buSzPts val="800"/>
+              <a:buFont typeface="Calibri"/>
+              <a:buChar char="●"/>
+            </a:pPr>
+            <a:r>
+              <a:rPr lang="en" sz="1200" b="1">
+                <a:solidFill>
+                  <a:srgbClr val="FF0000"/>
+                </a:solidFill>
+                <a:latin typeface="Calibri"/>
+                <a:ea typeface="Calibri"/>
+                <a:cs typeface="Calibri"/>
+                <a:sym typeface="Calibri"/>
+              </a:rPr>
+              <a:t>Tencent Hunyuan3D-2.1 - generate 3D images</a:t>
+            </a:r>
+            <a:endParaRPr sz="1200">
+              <a:solidFill>
+                <a:schemeClr val="dk1"/>
+              </a:solidFill>
+              <a:latin typeface="Calibri"/>
+              <a:ea typeface="Calibri"/>
+              <a:cs typeface="Calibri"/>
+              <a:sym typeface="Calibri"/>
+            </a:endParaRPr>
+          </a:p>
+          <a:p>
+            <a:pPr marL="171450" marR="0" lvl="0" indent="-107950" algn="l" rtl="0">
+              <a:lnSpc>
+                <a:spcPct val="100000"/>
+              </a:lnSpc>
+              <a:spcBef>
+                <a:spcPts val="0"/>
+              </a:spcBef>
+              <a:spcAft>
+                <a:spcPts val="0"/>
+              </a:spcAft>
+              <a:buClr>
+                <a:schemeClr val="dk1"/>
+              </a:buClr>
+              <a:buSzPts val="800"/>
+              <a:buFont typeface="Calibri"/>
+              <a:buChar char="●"/>
+            </a:pPr>
+            <a:r>
+              <a:rPr lang="en" sz="1200">
+                <a:solidFill>
+                  <a:schemeClr val="dk1"/>
+                </a:solidFill>
+                <a:latin typeface="Calibri"/>
+                <a:ea typeface="Calibri"/>
+                <a:cs typeface="Calibri"/>
+                <a:sym typeface="Calibri"/>
+              </a:rPr>
+              <a:t>v 2.1 - </a:t>
+            </a:r>
+            <a:r>
+              <a:rPr lang="en" sz="1200" b="1">
+                <a:solidFill>
+                  <a:srgbClr val="3C78D8"/>
+                </a:solidFill>
+                <a:latin typeface="Calibri"/>
+                <a:ea typeface="Calibri"/>
+                <a:cs typeface="Calibri"/>
+                <a:sym typeface="Calibri"/>
+              </a:rPr>
+              <a:t>open‑source</a:t>
+            </a:r>
+            <a:r>
+              <a:rPr lang="en" sz="1200">
+                <a:solidFill>
+                  <a:schemeClr val="dk1"/>
+                </a:solidFill>
+                <a:latin typeface="Calibri"/>
+                <a:ea typeface="Calibri"/>
+                <a:cs typeface="Calibri"/>
+                <a:sym typeface="Calibri"/>
+              </a:rPr>
+              <a:t>, fully released weights and training code</a:t>
+            </a:r>
+            <a:endParaRPr sz="1200">
+              <a:solidFill>
+                <a:schemeClr val="dk1"/>
+              </a:solidFill>
+              <a:latin typeface="Calibri"/>
+              <a:ea typeface="Calibri"/>
+              <a:cs typeface="Calibri"/>
+              <a:sym typeface="Calibri"/>
+            </a:endParaRPr>
+          </a:p>
+          <a:p>
+            <a:pPr marL="171450" marR="0" lvl="0" indent="-107950" algn="l" rtl="0">
+              <a:lnSpc>
+                <a:spcPct val="100000"/>
+              </a:lnSpc>
+              <a:spcBef>
+                <a:spcPts val="0"/>
+              </a:spcBef>
+              <a:spcAft>
+                <a:spcPts val="0"/>
+              </a:spcAft>
+              <a:buClr>
+                <a:schemeClr val="dk1"/>
+              </a:buClr>
+              <a:buSzPts val="800"/>
+              <a:buFont typeface="Calibri"/>
+              <a:buChar char="●"/>
+            </a:pPr>
+            <a:r>
+              <a:rPr lang="en" sz="1200" b="1">
+                <a:solidFill>
+                  <a:srgbClr val="3C78D8"/>
+                </a:solidFill>
+                <a:latin typeface="Calibri"/>
+                <a:ea typeface="Calibri"/>
+                <a:cs typeface="Calibri"/>
+                <a:sym typeface="Calibri"/>
+              </a:rPr>
+              <a:t>physics‑based rendering (PBR)</a:t>
+            </a:r>
+            <a:r>
+              <a:rPr lang="en" sz="1200">
+                <a:solidFill>
+                  <a:schemeClr val="dk1"/>
+                </a:solidFill>
+                <a:latin typeface="Calibri"/>
+                <a:ea typeface="Calibri"/>
+                <a:cs typeface="Calibri"/>
+                <a:sym typeface="Calibri"/>
+              </a:rPr>
+              <a:t> texture synthesis pipeline</a:t>
+            </a:r>
+            <a:endParaRPr sz="1200">
+              <a:solidFill>
+                <a:schemeClr val="dk1"/>
+              </a:solidFill>
+              <a:latin typeface="Calibri"/>
+              <a:ea typeface="Calibri"/>
+              <a:cs typeface="Calibri"/>
+              <a:sym typeface="Calibri"/>
+            </a:endParaRPr>
+          </a:p>
+          <a:p>
+            <a:pPr marL="171450" marR="0" lvl="0" indent="-107950" algn="l" rtl="0">
+              <a:lnSpc>
+                <a:spcPct val="100000"/>
+              </a:lnSpc>
+              <a:spcBef>
+                <a:spcPts val="0"/>
+              </a:spcBef>
+              <a:spcAft>
+                <a:spcPts val="0"/>
+              </a:spcAft>
+              <a:buClr>
+                <a:schemeClr val="dk1"/>
+              </a:buClr>
+              <a:buSzPts val="800"/>
+              <a:buFont typeface="Calibri"/>
+              <a:buChar char="●"/>
+            </a:pPr>
+            <a:r>
+              <a:rPr lang="en" sz="1200" b="1">
+                <a:solidFill>
+                  <a:srgbClr val="3C78D8"/>
+                </a:solidFill>
+                <a:latin typeface="Calibri"/>
+                <a:ea typeface="Calibri"/>
+                <a:cs typeface="Calibri"/>
+                <a:sym typeface="Calibri"/>
+              </a:rPr>
+              <a:t>photorealistic </a:t>
+            </a:r>
+            <a:r>
+              <a:rPr lang="en" sz="1200">
+                <a:solidFill>
+                  <a:schemeClr val="dk1"/>
+                </a:solidFill>
+                <a:latin typeface="Calibri"/>
+                <a:ea typeface="Calibri"/>
+                <a:cs typeface="Calibri"/>
+                <a:sym typeface="Calibri"/>
+              </a:rPr>
+              <a:t>materials with lifelike lighting and reflections</a:t>
+            </a:r>
+            <a:endParaRPr sz="1200">
+              <a:solidFill>
+                <a:schemeClr val="dk1"/>
+              </a:solidFill>
+              <a:latin typeface="Calibri"/>
+              <a:ea typeface="Calibri"/>
+              <a:cs typeface="Calibri"/>
+              <a:sym typeface="Calibri"/>
+            </a:endParaRPr>
+          </a:p>
+          <a:p>
+            <a:pPr marL="171450" marR="0" lvl="0" indent="-107950" algn="l" rtl="0">
+              <a:lnSpc>
+                <a:spcPct val="100000"/>
+              </a:lnSpc>
+              <a:spcBef>
+                <a:spcPts val="0"/>
+              </a:spcBef>
+              <a:spcAft>
+                <a:spcPts val="0"/>
+              </a:spcAft>
+              <a:buClr>
+                <a:schemeClr val="dk1"/>
+              </a:buClr>
+              <a:buSzPts val="800"/>
+              <a:buFont typeface="Calibri"/>
+              <a:buChar char="●"/>
+            </a:pPr>
+            <a:r>
+              <a:rPr lang="en" sz="1200">
+                <a:solidFill>
+                  <a:schemeClr val="dk1"/>
+                </a:solidFill>
+                <a:latin typeface="Calibri"/>
+                <a:ea typeface="Calibri"/>
+                <a:cs typeface="Calibri"/>
+                <a:sym typeface="Calibri"/>
+              </a:rPr>
+              <a:t>outperforms competitors in geometry quality and texture fidelity, making it a strong tool for developers and artists looking for production‑ready 3D generation</a:t>
+            </a:r>
+            <a:endParaRPr sz="1200">
+              <a:solidFill>
+                <a:schemeClr val="dk1"/>
+              </a:solidFill>
+              <a:latin typeface="Calibri"/>
+              <a:ea typeface="Calibri"/>
+              <a:cs typeface="Calibri"/>
+              <a:sym typeface="Calibri"/>
+            </a:endParaRPr>
+          </a:p>
+          <a:p>
+            <a:pPr marL="171450" marR="0" lvl="0" indent="-88900" algn="l" rtl="0">
+              <a:lnSpc>
+                <a:spcPct val="100000"/>
+              </a:lnSpc>
+              <a:spcBef>
+                <a:spcPts val="0"/>
+              </a:spcBef>
+              <a:spcAft>
+                <a:spcPts val="0"/>
+              </a:spcAft>
+              <a:buClr>
+                <a:schemeClr val="dk1"/>
+              </a:buClr>
+              <a:buSzPts val="500"/>
+              <a:buFont typeface="Calibri"/>
+              <a:buChar char="●"/>
+            </a:pPr>
+            <a:r>
+              <a:rPr lang="en" sz="900" u="sng">
+                <a:solidFill>
+                  <a:schemeClr val="hlink"/>
+                </a:solidFill>
+                <a:latin typeface="Calibri"/>
+                <a:ea typeface="Calibri"/>
+                <a:cs typeface="Calibri"/>
+                <a:sym typeface="Calibri"/>
+                <a:hlinkClick r:id="rId3"/>
+              </a:rPr>
+              <a:t>https://www.artificialintelligence-news.com/news/tencent-hunyuan3d-polygen-a-model-for-art-grade-3d-assets/</a:t>
+            </a:r>
+            <a:r>
+              <a:rPr lang="en" sz="900">
+                <a:solidFill>
+                  <a:schemeClr val="dk1"/>
+                </a:solidFill>
+                <a:latin typeface="Calibri"/>
+                <a:ea typeface="Calibri"/>
+                <a:cs typeface="Calibri"/>
+                <a:sym typeface="Calibri"/>
+              </a:rPr>
+              <a:t> </a:t>
+            </a:r>
+            <a:endParaRPr sz="900">
+              <a:solidFill>
+                <a:schemeClr val="dk1"/>
+              </a:solidFill>
+              <a:latin typeface="Calibri"/>
+              <a:ea typeface="Calibri"/>
+              <a:cs typeface="Calibri"/>
+              <a:sym typeface="Calibri"/>
+            </a:endParaRPr>
+          </a:p>
+        </p:txBody>
+      </p:sp>
+      <p:sp>
+        <p:nvSpPr>
+          <p:cNvPr id="215" name="Google Shape;215;p24"/>
+          <p:cNvSpPr txBox="1"/>
+          <p:nvPr/>
+        </p:nvSpPr>
+        <p:spPr>
+          <a:xfrm>
+            <a:off x="55075" y="2066161"/>
+            <a:ext cx="4446000" cy="387900"/>
+          </a:xfrm>
+          <a:prstGeom prst="rect">
+            <a:avLst/>
+          </a:prstGeom>
+          <a:solidFill>
+            <a:srgbClr val="FFF2CC"/>
+          </a:solidFill>
+          <a:ln w="9525" cap="flat" cmpd="sng">
+            <a:solidFill>
+              <a:srgbClr val="FF0000"/>
+            </a:solidFill>
+            <a:prstDash val="solid"/>
+            <a:round/>
+            <a:headEnd type="none" w="sm" len="sm"/>
+            <a:tailEnd type="none" w="sm" len="sm"/>
+          </a:ln>
+        </p:spPr>
+        <p:txBody>
+          <a:bodyPr spcFirstLastPara="1" wrap="square" lIns="9125" tIns="9125" rIns="9125" bIns="9125" anchor="t" anchorCtr="0">
+            <a:spAutoFit/>
+          </a:bodyPr>
+          <a:lstStyle/>
+          <a:p>
+            <a:pPr marL="171450" marR="0" lvl="0" indent="-107950" algn="l" rtl="0">
+              <a:lnSpc>
+                <a:spcPct val="100000"/>
+              </a:lnSpc>
+              <a:spcBef>
+                <a:spcPts val="0"/>
+              </a:spcBef>
+              <a:spcAft>
+                <a:spcPts val="0"/>
+              </a:spcAft>
+              <a:buClr>
+                <a:schemeClr val="dk1"/>
+              </a:buClr>
+              <a:buSzPts val="800"/>
+              <a:buFont typeface="Calibri"/>
+              <a:buChar char="●"/>
+            </a:pPr>
+            <a:r>
+              <a:rPr lang="en" sz="1200" b="1">
+                <a:solidFill>
+                  <a:srgbClr val="FF0000"/>
+                </a:solidFill>
+                <a:latin typeface="Calibri"/>
+                <a:ea typeface="Calibri"/>
+                <a:cs typeface="Calibri"/>
+                <a:sym typeface="Calibri"/>
+              </a:rPr>
+              <a:t>Data industry consolidating.</a:t>
+            </a:r>
+            <a:r>
+              <a:rPr lang="en" sz="1200">
+                <a:solidFill>
+                  <a:schemeClr val="dk1"/>
+                </a:solidFill>
+                <a:latin typeface="Calibri"/>
+                <a:ea typeface="Calibri"/>
+                <a:cs typeface="Calibri"/>
+                <a:sym typeface="Calibri"/>
+              </a:rPr>
+              <a:t> </a:t>
+            </a:r>
+            <a:r>
+              <a:rPr lang="en" sz="1200" b="1">
+                <a:solidFill>
+                  <a:srgbClr val="3C78D8"/>
+                </a:solidFill>
+                <a:latin typeface="Calibri"/>
+                <a:ea typeface="Calibri"/>
+                <a:cs typeface="Calibri"/>
+                <a:sym typeface="Calibri"/>
+              </a:rPr>
+              <a:t>Databricks buying Neon</a:t>
+            </a:r>
+            <a:r>
+              <a:rPr lang="en" sz="1200">
+                <a:solidFill>
+                  <a:schemeClr val="dk1"/>
+                </a:solidFill>
+                <a:latin typeface="Calibri"/>
+                <a:ea typeface="Calibri"/>
+                <a:cs typeface="Calibri"/>
+                <a:sym typeface="Calibri"/>
+              </a:rPr>
+              <a:t> for $1 billion and </a:t>
+            </a:r>
+            <a:r>
+              <a:rPr lang="en" sz="1200" b="1">
+                <a:solidFill>
+                  <a:srgbClr val="3C78D8"/>
+                </a:solidFill>
+                <a:latin typeface="Calibri"/>
+                <a:ea typeface="Calibri"/>
+                <a:cs typeface="Calibri"/>
+                <a:sym typeface="Calibri"/>
+              </a:rPr>
+              <a:t>Salesforce buying Informatica</a:t>
+            </a:r>
+            <a:r>
+              <a:rPr lang="en" sz="1200">
+                <a:solidFill>
+                  <a:schemeClr val="dk1"/>
+                </a:solidFill>
+                <a:latin typeface="Calibri"/>
+                <a:ea typeface="Calibri"/>
+                <a:cs typeface="Calibri"/>
+                <a:sym typeface="Calibri"/>
+              </a:rPr>
+              <a:t> for $8 billion</a:t>
+            </a:r>
+            <a:endParaRPr sz="1200">
+              <a:solidFill>
+                <a:schemeClr val="dk1"/>
+              </a:solidFill>
+              <a:latin typeface="Calibri"/>
+              <a:ea typeface="Calibri"/>
+              <a:cs typeface="Calibri"/>
+              <a:sym typeface="Calibri"/>
+            </a:endParaRPr>
+          </a:p>
+        </p:txBody>
+      </p:sp>
+      <p:sp>
+        <p:nvSpPr>
+          <p:cNvPr id="216" name="Google Shape;216;p24"/>
+          <p:cNvSpPr txBox="1"/>
+          <p:nvPr/>
+        </p:nvSpPr>
+        <p:spPr>
+          <a:xfrm>
+            <a:off x="6774000" y="4404391"/>
+            <a:ext cx="2288400" cy="664800"/>
+          </a:xfrm>
+          <a:prstGeom prst="rect">
+            <a:avLst/>
+          </a:prstGeom>
+          <a:solidFill>
+            <a:srgbClr val="FFF2CC"/>
+          </a:solidFill>
+          <a:ln w="9525" cap="flat" cmpd="sng">
+            <a:solidFill>
+              <a:srgbClr val="FF0000"/>
+            </a:solidFill>
+            <a:prstDash val="solid"/>
+            <a:round/>
+            <a:headEnd type="none" w="sm" len="sm"/>
+            <a:tailEnd type="none" w="sm" len="sm"/>
+          </a:ln>
+        </p:spPr>
+        <p:txBody>
+          <a:bodyPr spcFirstLastPara="1" wrap="square" lIns="9125" tIns="9125" rIns="9125" bIns="9125" anchor="t" anchorCtr="0">
+            <a:spAutoFit/>
+          </a:bodyPr>
+          <a:lstStyle/>
+          <a:p>
+            <a:pPr marL="0" marR="0" lvl="0" indent="0" algn="l" rtl="0">
+              <a:lnSpc>
+                <a:spcPct val="100000"/>
+              </a:lnSpc>
+              <a:spcBef>
+                <a:spcPts val="0"/>
+              </a:spcBef>
+              <a:spcAft>
+                <a:spcPts val="0"/>
+              </a:spcAft>
+              <a:buNone/>
+            </a:pPr>
+            <a:r>
+              <a:rPr lang="en" sz="1200" b="1">
+                <a:solidFill>
+                  <a:srgbClr val="FF0000"/>
+                </a:solidFill>
+                <a:latin typeface="Calibri"/>
+                <a:ea typeface="Calibri"/>
+                <a:cs typeface="Calibri"/>
+                <a:sym typeface="Calibri"/>
+              </a:rPr>
+              <a:t>Character.AI’s Real-Time Video Generation</a:t>
+            </a:r>
+            <a:endParaRPr sz="900" b="1">
+              <a:solidFill>
+                <a:srgbClr val="FF0000"/>
+              </a:solidFill>
+              <a:latin typeface="Calibri"/>
+              <a:ea typeface="Calibri"/>
+              <a:cs typeface="Calibri"/>
+              <a:sym typeface="Calibri"/>
+            </a:endParaRPr>
+          </a:p>
+          <a:p>
+            <a:pPr marL="0" marR="0" lvl="0" indent="0" algn="l" rtl="0">
+              <a:lnSpc>
+                <a:spcPct val="100000"/>
+              </a:lnSpc>
+              <a:spcBef>
+                <a:spcPts val="0"/>
+              </a:spcBef>
+              <a:spcAft>
+                <a:spcPts val="0"/>
+              </a:spcAft>
+              <a:buNone/>
+            </a:pPr>
+            <a:r>
+              <a:rPr lang="en" sz="900" u="sng">
+                <a:solidFill>
+                  <a:schemeClr val="hlink"/>
+                </a:solidFill>
+                <a:latin typeface="Calibri"/>
+                <a:ea typeface="Calibri"/>
+                <a:cs typeface="Calibri"/>
+                <a:sym typeface="Calibri"/>
+                <a:hlinkClick r:id="rId4"/>
+              </a:rPr>
+              <a:t>https://blog.character.ai/character-ais-real-time-video-breakthrough/</a:t>
+            </a:r>
+            <a:r>
+              <a:rPr lang="en" sz="900">
+                <a:solidFill>
+                  <a:schemeClr val="dk1"/>
+                </a:solidFill>
+                <a:latin typeface="Calibri"/>
+                <a:ea typeface="Calibri"/>
+                <a:cs typeface="Calibri"/>
+                <a:sym typeface="Calibri"/>
+              </a:rPr>
+              <a:t> </a:t>
+            </a:r>
+            <a:endParaRPr sz="900">
+              <a:solidFill>
+                <a:schemeClr val="dk1"/>
+              </a:solidFill>
+              <a:latin typeface="Calibri"/>
+              <a:ea typeface="Calibri"/>
+              <a:cs typeface="Calibri"/>
+              <a:sym typeface="Calibri"/>
+            </a:endParaRPr>
+          </a:p>
+        </p:txBody>
+      </p:sp>
+      <p:pic>
+        <p:nvPicPr>
+          <p:cNvPr id="217" name="Google Shape;217;p24"/>
+          <p:cNvPicPr preferRelativeResize="0"/>
+          <p:nvPr/>
+        </p:nvPicPr>
+        <p:blipFill>
+          <a:blip r:embed="rId5" cstate="email">
+            <a:alphaModFix/>
+            <a:extLst>
+              <a:ext uri="{28A0092B-C50C-407E-A947-70E740481C1C}">
+                <a14:useLocalDpi xmlns:a14="http://schemas.microsoft.com/office/drawing/2010/main"/>
+              </a:ext>
+            </a:extLst>
+          </a:blip>
+          <a:stretch>
+            <a:fillRect/>
+          </a:stretch>
+        </p:blipFill>
+        <p:spPr>
+          <a:xfrm>
+            <a:off x="6949158" y="1878273"/>
+            <a:ext cx="1938075" cy="2465000"/>
+          </a:xfrm>
+          <a:prstGeom prst="rect">
+            <a:avLst/>
+          </a:prstGeom>
+          <a:noFill/>
+          <a:ln w="9525" cap="flat" cmpd="sng">
+            <a:solidFill>
+              <a:srgbClr val="FF0000"/>
+            </a:solidFill>
+            <a:prstDash val="solid"/>
+            <a:round/>
+            <a:headEnd type="none" w="sm" len="sm"/>
+            <a:tailEnd type="none" w="sm" len="sm"/>
+          </a:ln>
+        </p:spPr>
+      </p:pic>
+      <p:sp>
+        <p:nvSpPr>
+          <p:cNvPr id="218" name="Google Shape;218;p24"/>
+          <p:cNvSpPr txBox="1"/>
+          <p:nvPr/>
+        </p:nvSpPr>
+        <p:spPr>
+          <a:xfrm>
+            <a:off x="55075" y="2647314"/>
+            <a:ext cx="4446000" cy="1311300"/>
+          </a:xfrm>
+          <a:prstGeom prst="rect">
+            <a:avLst/>
+          </a:prstGeom>
+          <a:solidFill>
+            <a:srgbClr val="FFF2CC"/>
+          </a:solidFill>
+          <a:ln w="9525" cap="flat" cmpd="sng">
+            <a:solidFill>
+              <a:srgbClr val="FF0000"/>
+            </a:solidFill>
+            <a:prstDash val="solid"/>
+            <a:round/>
+            <a:headEnd type="none" w="sm" len="sm"/>
+            <a:tailEnd type="none" w="sm" len="sm"/>
+          </a:ln>
+        </p:spPr>
+        <p:txBody>
+          <a:bodyPr spcFirstLastPara="1" wrap="square" lIns="9125" tIns="9125" rIns="9125" bIns="9125" anchor="t" anchorCtr="0">
+            <a:spAutoFit/>
+          </a:bodyPr>
+          <a:lstStyle/>
+          <a:p>
+            <a:pPr marL="171450" marR="0" lvl="0" indent="-107950" algn="l" rtl="0">
+              <a:lnSpc>
+                <a:spcPct val="100000"/>
+              </a:lnSpc>
+              <a:spcBef>
+                <a:spcPts val="0"/>
+              </a:spcBef>
+              <a:spcAft>
+                <a:spcPts val="0"/>
+              </a:spcAft>
+              <a:buClr>
+                <a:srgbClr val="FF0000"/>
+              </a:buClr>
+              <a:buSzPts val="800"/>
+              <a:buFont typeface="Calibri"/>
+              <a:buChar char="●"/>
+            </a:pPr>
+            <a:r>
+              <a:rPr lang="en" sz="1200" b="1">
+                <a:solidFill>
+                  <a:srgbClr val="FF0000"/>
+                </a:solidFill>
+                <a:latin typeface="Calibri"/>
+                <a:ea typeface="Calibri"/>
+                <a:cs typeface="Calibri"/>
+                <a:sym typeface="Calibri"/>
+              </a:rPr>
+              <a:t>H Company Holo1 open-source action model</a:t>
+            </a:r>
+            <a:endParaRPr sz="1200" b="1">
+              <a:solidFill>
+                <a:srgbClr val="FF0000"/>
+              </a:solidFill>
+              <a:latin typeface="Calibri"/>
+              <a:ea typeface="Calibri"/>
+              <a:cs typeface="Calibri"/>
+              <a:sym typeface="Calibri"/>
+            </a:endParaRPr>
+          </a:p>
+          <a:p>
+            <a:pPr marL="171450" marR="0" lvl="0" indent="-107950" algn="l" rtl="0">
+              <a:lnSpc>
+                <a:spcPct val="100000"/>
+              </a:lnSpc>
+              <a:spcBef>
+                <a:spcPts val="0"/>
+              </a:spcBef>
+              <a:spcAft>
+                <a:spcPts val="0"/>
+              </a:spcAft>
+              <a:buClr>
+                <a:schemeClr val="dk1"/>
+              </a:buClr>
+              <a:buSzPts val="800"/>
+              <a:buFont typeface="Calibri"/>
+              <a:buChar char="●"/>
+            </a:pPr>
+            <a:r>
+              <a:rPr lang="en" sz="1200">
+                <a:solidFill>
+                  <a:schemeClr val="dk1"/>
+                </a:solidFill>
+                <a:latin typeface="Calibri"/>
+                <a:ea typeface="Calibri"/>
+                <a:cs typeface="Calibri"/>
+                <a:sym typeface="Calibri"/>
+              </a:rPr>
+              <a:t>Powers </a:t>
+            </a:r>
+            <a:r>
+              <a:rPr lang="en" sz="1200" b="1">
+                <a:solidFill>
+                  <a:srgbClr val="3C78D8"/>
+                </a:solidFill>
+                <a:latin typeface="Calibri"/>
+                <a:ea typeface="Calibri"/>
+                <a:cs typeface="Calibri"/>
+                <a:sym typeface="Calibri"/>
+              </a:rPr>
+              <a:t>Surfer H web-browsing agent</a:t>
+            </a:r>
+            <a:r>
+              <a:rPr lang="en" sz="1200">
+                <a:solidFill>
+                  <a:schemeClr val="dk1"/>
+                </a:solidFill>
+                <a:latin typeface="Calibri"/>
+                <a:ea typeface="Calibri"/>
+                <a:cs typeface="Calibri"/>
+                <a:sym typeface="Calibri"/>
+              </a:rPr>
+              <a:t> (top on WebVoyager)</a:t>
+            </a:r>
+            <a:endParaRPr sz="1200">
+              <a:solidFill>
+                <a:schemeClr val="dk1"/>
+              </a:solidFill>
+              <a:latin typeface="Calibri"/>
+              <a:ea typeface="Calibri"/>
+              <a:cs typeface="Calibri"/>
+              <a:sym typeface="Calibri"/>
+            </a:endParaRPr>
+          </a:p>
+          <a:p>
+            <a:pPr marL="171450" marR="0" lvl="0" indent="-107950" algn="l" rtl="0">
+              <a:lnSpc>
+                <a:spcPct val="100000"/>
+              </a:lnSpc>
+              <a:spcBef>
+                <a:spcPts val="0"/>
+              </a:spcBef>
+              <a:spcAft>
+                <a:spcPts val="0"/>
+              </a:spcAft>
+              <a:buClr>
+                <a:schemeClr val="dk1"/>
+              </a:buClr>
+              <a:buSzPts val="800"/>
+              <a:buFont typeface="Calibri"/>
+              <a:buChar char="●"/>
+            </a:pPr>
+            <a:r>
+              <a:rPr lang="en" sz="1200">
+                <a:solidFill>
+                  <a:schemeClr val="dk1"/>
+                </a:solidFill>
+                <a:latin typeface="Calibri"/>
+                <a:ea typeface="Calibri"/>
+                <a:cs typeface="Calibri"/>
+                <a:sym typeface="Calibri"/>
+              </a:rPr>
+              <a:t>With Holo1, you can automate multi-step browser workflows with SOTA accuracy outperforming OpenAI’s Operator, Gemini Flash, ...</a:t>
+            </a:r>
+            <a:endParaRPr sz="1200">
+              <a:solidFill>
+                <a:schemeClr val="dk1"/>
+              </a:solidFill>
+              <a:latin typeface="Calibri"/>
+              <a:ea typeface="Calibri"/>
+              <a:cs typeface="Calibri"/>
+              <a:sym typeface="Calibri"/>
+            </a:endParaRPr>
+          </a:p>
+          <a:p>
+            <a:pPr marL="171450" marR="0" lvl="0" indent="-107950" algn="l" rtl="0">
+              <a:lnSpc>
+                <a:spcPct val="100000"/>
+              </a:lnSpc>
+              <a:spcBef>
+                <a:spcPts val="0"/>
+              </a:spcBef>
+              <a:spcAft>
+                <a:spcPts val="0"/>
+              </a:spcAft>
+              <a:buClr>
+                <a:schemeClr val="dk1"/>
+              </a:buClr>
+              <a:buSzPts val="800"/>
+              <a:buFont typeface="Calibri"/>
+              <a:buChar char="●"/>
+            </a:pPr>
+            <a:r>
+              <a:rPr lang="en" sz="1200">
+                <a:solidFill>
+                  <a:schemeClr val="dk1"/>
+                </a:solidFill>
+                <a:latin typeface="Calibri"/>
+                <a:ea typeface="Calibri"/>
+                <a:cs typeface="Calibri"/>
+                <a:sym typeface="Calibri"/>
+              </a:rPr>
+              <a:t>Integrate with RAG workflows, RPA suites, and multi-agent hubs</a:t>
+            </a:r>
+            <a:endParaRPr sz="1200">
+              <a:solidFill>
+                <a:schemeClr val="dk1"/>
+              </a:solidFill>
+              <a:latin typeface="Calibri"/>
+              <a:ea typeface="Calibri"/>
+              <a:cs typeface="Calibri"/>
+              <a:sym typeface="Calibri"/>
+            </a:endParaRPr>
+          </a:p>
+          <a:p>
+            <a:pPr marL="171450" marR="0" lvl="0" indent="-107950" algn="l" rtl="0">
+              <a:lnSpc>
+                <a:spcPct val="100000"/>
+              </a:lnSpc>
+              <a:spcBef>
+                <a:spcPts val="0"/>
+              </a:spcBef>
+              <a:spcAft>
+                <a:spcPts val="0"/>
+              </a:spcAft>
+              <a:buClr>
+                <a:schemeClr val="dk1"/>
+              </a:buClr>
+              <a:buSzPts val="800"/>
+              <a:buFont typeface="Calibri"/>
+              <a:buChar char="●"/>
+            </a:pPr>
+            <a:r>
+              <a:rPr lang="en" sz="1200">
+                <a:solidFill>
+                  <a:schemeClr val="dk1"/>
+                </a:solidFill>
+                <a:latin typeface="Calibri"/>
+                <a:ea typeface="Calibri"/>
+                <a:cs typeface="Calibri"/>
+                <a:sym typeface="Calibri"/>
+              </a:rPr>
+              <a:t>Typical costs just $0.11 – $0.13 per run</a:t>
+            </a:r>
+            <a:endParaRPr sz="1200">
+              <a:solidFill>
+                <a:schemeClr val="dk1"/>
+              </a:solidFill>
+              <a:latin typeface="Calibri"/>
+              <a:ea typeface="Calibri"/>
+              <a:cs typeface="Calibri"/>
+              <a:sym typeface="Calibri"/>
+            </a:endParaRPr>
+          </a:p>
+          <a:p>
+            <a:pPr marL="171450" marR="0" lvl="0" indent="-133350" algn="l" rtl="0">
+              <a:lnSpc>
+                <a:spcPct val="100000"/>
+              </a:lnSpc>
+              <a:spcBef>
+                <a:spcPts val="0"/>
+              </a:spcBef>
+              <a:spcAft>
+                <a:spcPts val="0"/>
+              </a:spcAft>
+              <a:buClr>
+                <a:schemeClr val="dk1"/>
+              </a:buClr>
+              <a:buSzPts val="1200"/>
+              <a:buFont typeface="Calibri"/>
+              <a:buChar char="●"/>
+            </a:pPr>
+            <a:r>
+              <a:rPr lang="en" sz="1200" u="sng">
+                <a:solidFill>
+                  <a:schemeClr val="hlink"/>
+                </a:solidFill>
+                <a:latin typeface="Calibri"/>
+                <a:ea typeface="Calibri"/>
+                <a:cs typeface="Calibri"/>
+                <a:sym typeface="Calibri"/>
+                <a:hlinkClick r:id="rId6"/>
+              </a:rPr>
+              <a:t>https://www.hcompany.ai</a:t>
+            </a:r>
+            <a:r>
+              <a:rPr lang="en" sz="1200">
+                <a:solidFill>
+                  <a:schemeClr val="dk1"/>
+                </a:solidFill>
+                <a:latin typeface="Calibri"/>
+                <a:ea typeface="Calibri"/>
+                <a:cs typeface="Calibri"/>
+                <a:sym typeface="Calibri"/>
+              </a:rPr>
+              <a:t> </a:t>
+            </a:r>
+            <a:endParaRPr sz="1200">
               <a:solidFill>
                 <a:schemeClr val="dk1"/>
               </a:solidFill>
@@ -14763,6 +15866,368 @@
       <p:sp>
         <p:nvSpPr>
           <p:cNvPr id="219" name="Google Shape;219;p24"/>
+          <p:cNvSpPr txBox="1"/>
+          <p:nvPr/>
+        </p:nvSpPr>
+        <p:spPr>
+          <a:xfrm>
+            <a:off x="55075" y="4059131"/>
+            <a:ext cx="4446000" cy="942000"/>
+          </a:xfrm>
+          <a:prstGeom prst="rect">
+            <a:avLst/>
+          </a:prstGeom>
+          <a:solidFill>
+            <a:srgbClr val="FFF2CC"/>
+          </a:solidFill>
+          <a:ln w="9525" cap="flat" cmpd="sng">
+            <a:solidFill>
+              <a:srgbClr val="FF0000"/>
+            </a:solidFill>
+            <a:prstDash val="solid"/>
+            <a:round/>
+            <a:headEnd type="none" w="sm" len="sm"/>
+            <a:tailEnd type="none" w="sm" len="sm"/>
+          </a:ln>
+        </p:spPr>
+        <p:txBody>
+          <a:bodyPr spcFirstLastPara="1" wrap="square" lIns="9125" tIns="9125" rIns="9125" bIns="9125" anchor="t" anchorCtr="0">
+            <a:spAutoFit/>
+          </a:bodyPr>
+          <a:lstStyle/>
+          <a:p>
+            <a:pPr marL="171450" marR="0" lvl="0" indent="-133350" algn="l" rtl="0">
+              <a:lnSpc>
+                <a:spcPct val="100000"/>
+              </a:lnSpc>
+              <a:spcBef>
+                <a:spcPts val="0"/>
+              </a:spcBef>
+              <a:spcAft>
+                <a:spcPts val="0"/>
+              </a:spcAft>
+              <a:buClr>
+                <a:srgbClr val="FF0000"/>
+              </a:buClr>
+              <a:buSzPts val="1200"/>
+              <a:buFont typeface="Calibri"/>
+              <a:buChar char="●"/>
+            </a:pPr>
+            <a:r>
+              <a:rPr lang="en" sz="1200" b="1">
+                <a:solidFill>
+                  <a:srgbClr val="FF0000"/>
+                </a:solidFill>
+                <a:latin typeface="Calibri"/>
+                <a:ea typeface="Calibri"/>
+                <a:cs typeface="Calibri"/>
+                <a:sym typeface="Calibri"/>
+              </a:rPr>
+              <a:t>Cursor pricing scandal</a:t>
+            </a:r>
+            <a:endParaRPr sz="1200" b="1">
+              <a:solidFill>
+                <a:srgbClr val="FF0000"/>
+              </a:solidFill>
+              <a:latin typeface="Calibri"/>
+              <a:ea typeface="Calibri"/>
+              <a:cs typeface="Calibri"/>
+              <a:sym typeface="Calibri"/>
+            </a:endParaRPr>
+          </a:p>
+          <a:p>
+            <a:pPr marL="171450" marR="0" lvl="0" indent="-133350" algn="l" rtl="0">
+              <a:lnSpc>
+                <a:spcPct val="100000"/>
+              </a:lnSpc>
+              <a:spcBef>
+                <a:spcPts val="0"/>
+              </a:spcBef>
+              <a:spcAft>
+                <a:spcPts val="0"/>
+              </a:spcAft>
+              <a:buClr>
+                <a:schemeClr val="dk1"/>
+              </a:buClr>
+              <a:buSzPts val="1200"/>
+              <a:buFont typeface="Calibri"/>
+              <a:buChar char="●"/>
+            </a:pPr>
+            <a:r>
+              <a:rPr lang="en" sz="1200">
+                <a:solidFill>
+                  <a:schemeClr val="dk1"/>
+                </a:solidFill>
+                <a:latin typeface="Calibri"/>
+                <a:ea typeface="Calibri"/>
+                <a:cs typeface="Calibri"/>
+                <a:sym typeface="Calibri"/>
+              </a:rPr>
+              <a:t>Cursor has switched from 500 requests per month to a token-based model - which effectively increased price</a:t>
+            </a:r>
+            <a:endParaRPr sz="1200">
+              <a:solidFill>
+                <a:schemeClr val="dk1"/>
+              </a:solidFill>
+              <a:latin typeface="Calibri"/>
+              <a:ea typeface="Calibri"/>
+              <a:cs typeface="Calibri"/>
+              <a:sym typeface="Calibri"/>
+            </a:endParaRPr>
+          </a:p>
+          <a:p>
+            <a:pPr marL="171450" marR="0" lvl="0" indent="-133350" algn="l" rtl="0">
+              <a:lnSpc>
+                <a:spcPct val="100000"/>
+              </a:lnSpc>
+              <a:spcBef>
+                <a:spcPts val="0"/>
+              </a:spcBef>
+              <a:spcAft>
+                <a:spcPts val="0"/>
+              </a:spcAft>
+              <a:buClr>
+                <a:schemeClr val="dk1"/>
+              </a:buClr>
+              <a:buSzPts val="1200"/>
+              <a:buFont typeface="Calibri"/>
+              <a:buChar char="●"/>
+            </a:pPr>
+            <a:r>
+              <a:rPr lang="en" sz="1200">
+                <a:solidFill>
+                  <a:schemeClr val="dk1"/>
+                </a:solidFill>
+                <a:latin typeface="Calibri"/>
+                <a:ea typeface="Calibri"/>
+                <a:cs typeface="Calibri"/>
+                <a:sym typeface="Calibri"/>
+              </a:rPr>
+              <a:t>Many customers are canceling and migrating to Claude Code and other alternatives</a:t>
+            </a:r>
+            <a:endParaRPr sz="1200">
+              <a:solidFill>
+                <a:schemeClr val="dk1"/>
+              </a:solidFill>
+              <a:latin typeface="Calibri"/>
+              <a:ea typeface="Calibri"/>
+              <a:cs typeface="Calibri"/>
+              <a:sym typeface="Calibri"/>
+            </a:endParaRPr>
+          </a:p>
+        </p:txBody>
+      </p:sp>
+      <p:pic>
+        <p:nvPicPr>
+          <p:cNvPr id="220" name="Google Shape;220;p24"/>
+          <p:cNvPicPr preferRelativeResize="0"/>
+          <p:nvPr/>
+        </p:nvPicPr>
+        <p:blipFill>
+          <a:blip r:embed="rId7" cstate="email">
+            <a:alphaModFix/>
+            <a:extLst>
+              <a:ext uri="{28A0092B-C50C-407E-A947-70E740481C1C}">
+                <a14:useLocalDpi xmlns:a14="http://schemas.microsoft.com/office/drawing/2010/main"/>
+              </a:ext>
+            </a:extLst>
+          </a:blip>
+          <a:stretch>
+            <a:fillRect/>
+          </a:stretch>
+        </p:blipFill>
+        <p:spPr>
+          <a:xfrm>
+            <a:off x="4531075" y="90875"/>
+            <a:ext cx="3068950" cy="1726276"/>
+          </a:xfrm>
+          <a:prstGeom prst="rect">
+            <a:avLst/>
+          </a:prstGeom>
+          <a:noFill/>
+          <a:ln w="9525" cap="flat" cmpd="sng">
+            <a:solidFill>
+              <a:srgbClr val="FF0000"/>
+            </a:solidFill>
+            <a:prstDash val="solid"/>
+            <a:round/>
+            <a:headEnd type="none" w="sm" len="sm"/>
+            <a:tailEnd type="none" w="sm" len="sm"/>
+          </a:ln>
+        </p:spPr>
+      </p:pic>
+      <p:pic>
+        <p:nvPicPr>
+          <p:cNvPr id="221" name="Google Shape;221;p24"/>
+          <p:cNvPicPr preferRelativeResize="0"/>
+          <p:nvPr/>
+        </p:nvPicPr>
+        <p:blipFill>
+          <a:blip r:embed="rId8" cstate="email">
+            <a:alphaModFix/>
+            <a:extLst>
+              <a:ext uri="{28A0092B-C50C-407E-A947-70E740481C1C}">
+                <a14:useLocalDpi xmlns:a14="http://schemas.microsoft.com/office/drawing/2010/main"/>
+              </a:ext>
+            </a:extLst>
+          </a:blip>
+          <a:stretch>
+            <a:fillRect/>
+          </a:stretch>
+        </p:blipFill>
+        <p:spPr>
+          <a:xfrm>
+            <a:off x="4564175" y="4059125"/>
+            <a:ext cx="1039994" cy="942000"/>
+          </a:xfrm>
+          <a:prstGeom prst="rect">
+            <a:avLst/>
+          </a:prstGeom>
+          <a:noFill/>
+          <a:ln w="9525" cap="flat" cmpd="sng">
+            <a:solidFill>
+              <a:srgbClr val="FF0000"/>
+            </a:solidFill>
+            <a:prstDash val="solid"/>
+            <a:round/>
+            <a:headEnd type="none" w="sm" len="sm"/>
+            <a:tailEnd type="none" w="sm" len="sm"/>
+          </a:ln>
+        </p:spPr>
+      </p:pic>
+      <p:pic>
+        <p:nvPicPr>
+          <p:cNvPr id="222" name="Google Shape;222;p24"/>
+          <p:cNvPicPr preferRelativeResize="0"/>
+          <p:nvPr/>
+        </p:nvPicPr>
+        <p:blipFill>
+          <a:blip r:embed="rId9" cstate="email">
+            <a:alphaModFix/>
+            <a:extLst>
+              <a:ext uri="{28A0092B-C50C-407E-A947-70E740481C1C}">
+                <a14:useLocalDpi xmlns:a14="http://schemas.microsoft.com/office/drawing/2010/main"/>
+              </a:ext>
+            </a:extLst>
+          </a:blip>
+          <a:stretch>
+            <a:fillRect/>
+          </a:stretch>
+        </p:blipFill>
+        <p:spPr>
+          <a:xfrm>
+            <a:off x="4601372" y="2831972"/>
+            <a:ext cx="1674691" cy="941999"/>
+          </a:xfrm>
+          <a:prstGeom prst="rect">
+            <a:avLst/>
+          </a:prstGeom>
+          <a:noFill/>
+          <a:ln w="9525" cap="flat" cmpd="sng">
+            <a:solidFill>
+              <a:srgbClr val="FF0000"/>
+            </a:solidFill>
+            <a:prstDash val="solid"/>
+            <a:round/>
+            <a:headEnd type="none" w="sm" len="sm"/>
+            <a:tailEnd type="none" w="sm" len="sm"/>
+          </a:ln>
+        </p:spPr>
+      </p:pic>
+    </p:spTree>
+  </p:cSld>
+  <p:clrMapOvr>
+    <a:masterClrMapping/>
+  </p:clrMapOvr>
+</p:sld>
+</file>
+
+<file path=ppt/slides/slide11.xml><?xml version="1.0" encoding="utf-8"?>
+<p:sld xmlns:a="http://schemas.openxmlformats.org/drawingml/2006/main" xmlns:r="http://schemas.openxmlformats.org/officeDocument/2006/relationships" xmlns:p="http://schemas.openxmlformats.org/presentationml/2006/main">
+  <p:cSld>
+    <p:spTree>
+      <p:nvGrpSpPr>
+        <p:cNvPr id="1" name="Shape 226"/>
+        <p:cNvGrpSpPr/>
+        <p:nvPr/>
+      </p:nvGrpSpPr>
+      <p:grpSpPr>
+        <a:xfrm>
+          <a:off x="0" y="0"/>
+          <a:ext cx="0" cy="0"/>
+          <a:chOff x="0" y="0"/>
+          <a:chExt cx="0" cy="0"/>
+        </a:xfrm>
+      </p:grpSpPr>
+      <p:sp>
+        <p:nvSpPr>
+          <p:cNvPr id="227" name="Google Shape;227;p25"/>
+          <p:cNvSpPr txBox="1"/>
+          <p:nvPr/>
+        </p:nvSpPr>
+        <p:spPr>
+          <a:xfrm>
+            <a:off x="55075" y="10417"/>
+            <a:ext cx="1722900" cy="326400"/>
+          </a:xfrm>
+          <a:prstGeom prst="rect">
+            <a:avLst/>
+          </a:prstGeom>
+          <a:noFill/>
+          <a:ln>
+            <a:noFill/>
+          </a:ln>
+        </p:spPr>
+        <p:txBody>
+          <a:bodyPr spcFirstLastPara="1" wrap="square" lIns="9125" tIns="9125" rIns="9125" bIns="9125" anchor="t" anchorCtr="0">
+            <a:spAutoFit/>
+          </a:bodyPr>
+          <a:lstStyle/>
+          <a:p>
+            <a:pPr marL="0" marR="0" lvl="0" indent="0" algn="l" rtl="0">
+              <a:lnSpc>
+                <a:spcPct val="100000"/>
+              </a:lnSpc>
+              <a:spcBef>
+                <a:spcPts val="0"/>
+              </a:spcBef>
+              <a:spcAft>
+                <a:spcPts val="0"/>
+              </a:spcAft>
+              <a:buClr>
+                <a:schemeClr val="dk1"/>
+              </a:buClr>
+              <a:buSzPts val="1100"/>
+              <a:buFont typeface="Arial"/>
+              <a:buNone/>
+            </a:pPr>
+            <a:r>
+              <a:rPr lang="en" sz="2000" b="1">
+                <a:solidFill>
+                  <a:schemeClr val="dk1"/>
+                </a:solidFill>
+                <a:latin typeface="Calibri"/>
+                <a:ea typeface="Calibri"/>
+                <a:cs typeface="Calibri"/>
+                <a:sym typeface="Calibri"/>
+              </a:rPr>
+              <a:t>AI Updates 6</a:t>
+            </a:r>
+            <a:endParaRPr sz="2000" b="1" i="0" u="none" strike="noStrike" cap="none">
+              <a:solidFill>
+                <a:schemeClr val="dk1"/>
+              </a:solidFill>
+              <a:latin typeface="Calibri"/>
+              <a:ea typeface="Calibri"/>
+              <a:cs typeface="Calibri"/>
+              <a:sym typeface="Calibri"/>
+            </a:endParaRPr>
+          </a:p>
+        </p:txBody>
+      </p:sp>
+      <p:sp>
+        <p:nvSpPr>
+          <p:cNvPr id="228" name="Google Shape;228;p25"/>
           <p:cNvSpPr txBox="1"/>
           <p:nvPr/>
         </p:nvSpPr>
@@ -14929,7 +16394,7 @@
       </p:sp>
       <p:pic>
         <p:nvPicPr>
-          <p:cNvPr id="220" name="Google Shape;220;p24"/>
+          <p:cNvPr id="229" name="Google Shape;229;p25"/>
           <p:cNvPicPr preferRelativeResize="0"/>
           <p:nvPr/>
         </p:nvPicPr>
@@ -14968,7 +16433,7 @@
       </p:pic>
       <p:sp>
         <p:nvSpPr>
-          <p:cNvPr id="221" name="Google Shape;221;p24"/>
+          <p:cNvPr id="230" name="Google Shape;230;p25"/>
           <p:cNvSpPr txBox="1"/>
           <p:nvPr/>
         </p:nvSpPr>
@@ -15142,7 +16607,7 @@
       </p:sp>
       <p:sp>
         <p:nvSpPr>
-          <p:cNvPr id="222" name="Google Shape;222;p24"/>
+          <p:cNvPr id="231" name="Google Shape;231;p25"/>
           <p:cNvSpPr txBox="1"/>
           <p:nvPr/>
         </p:nvSpPr>
@@ -15259,7 +16724,7 @@
       </p:sp>
       <p:pic>
         <p:nvPicPr>
-          <p:cNvPr id="223" name="Google Shape;223;p24"/>
+          <p:cNvPr id="232" name="Google Shape;232;p25"/>
           <p:cNvPicPr preferRelativeResize="0"/>
           <p:nvPr/>
         </p:nvPicPr>
@@ -15298,7 +16763,7 @@
       </p:pic>
       <p:sp>
         <p:nvSpPr>
-          <p:cNvPr id="224" name="Google Shape;224;p24"/>
+          <p:cNvPr id="233" name="Google Shape;233;p25"/>
           <p:cNvSpPr txBox="1"/>
           <p:nvPr/>
         </p:nvSpPr>
@@ -15505,7 +16970,7 @@
       </p:sp>
       <p:sp>
         <p:nvSpPr>
-          <p:cNvPr id="225" name="Google Shape;225;p24"/>
+          <p:cNvPr id="234" name="Google Shape;234;p25"/>
           <p:cNvSpPr txBox="1"/>
           <p:nvPr/>
         </p:nvSpPr>
@@ -15712,51 +17177,12 @@
       </p:sp>
       <p:pic>
         <p:nvPicPr>
-          <p:cNvPr id="226" name="Google Shape;226;p24"/>
+          <p:cNvPr id="235" name="Google Shape;235;p25"/>
           <p:cNvPicPr preferRelativeResize="0"/>
           <p:nvPr/>
         </p:nvPicPr>
         <p:blipFill>
           <a:blip r:embed="rId10" cstate="email">
-            <a:alphaModFix/>
-            <a:extLst>
-              <a:ext uri="{28A0092B-C50C-407E-A947-70E740481C1C}">
-                <a14:useLocalDpi xmlns:a14="http://schemas.microsoft.com/office/drawing/2010/main"/>
-              </a:ext>
-            </a:extLst>
-          </a:blip>
-          <a:stretch>
-            <a:fillRect/>
-          </a:stretch>
-        </p:blipFill>
-        <p:spPr>
-          <a:xfrm>
-            <a:off x="55075" y="3115250"/>
-            <a:ext cx="2694001" cy="1938301"/>
-          </a:xfrm>
-          <a:prstGeom prst="rect">
-            <a:avLst/>
-          </a:prstGeom>
-          <a:noFill/>
-          <a:ln w="9525" cap="flat" cmpd="sng">
-            <a:solidFill>
-              <a:srgbClr val="FF0000"/>
-            </a:solidFill>
-            <a:prstDash val="solid"/>
-            <a:round/>
-            <a:headEnd type="none" w="sm" len="sm"/>
-            <a:tailEnd type="none" w="sm" len="sm"/>
-          </a:ln>
-        </p:spPr>
-      </p:pic>
-      <p:pic>
-        <p:nvPicPr>
-          <p:cNvPr id="227" name="Google Shape;227;p24"/>
-          <p:cNvPicPr preferRelativeResize="0"/>
-          <p:nvPr/>
-        </p:nvPicPr>
-        <p:blipFill>
-          <a:blip r:embed="rId11" cstate="email">
             <a:alphaModFix/>
             <a:extLst>
               <a:ext uri="{28A0092B-C50C-407E-A947-70E740481C1C}">
@@ -15790,12 +17216,12 @@
       </p:pic>
       <p:pic>
         <p:nvPicPr>
-          <p:cNvPr id="228" name="Google Shape;228;p24"/>
+          <p:cNvPr id="236" name="Google Shape;236;p25"/>
           <p:cNvPicPr preferRelativeResize="0"/>
           <p:nvPr/>
         </p:nvPicPr>
         <p:blipFill>
-          <a:blip r:embed="rId12" cstate="email">
+          <a:blip r:embed="rId11" cstate="email">
             <a:alphaModFix/>
             <a:extLst>
               <a:ext uri="{28A0092B-C50C-407E-A947-70E740481C1C}">
@@ -15829,12 +17255,12 @@
       </p:pic>
       <p:pic>
         <p:nvPicPr>
-          <p:cNvPr id="229" name="Google Shape;229;p24"/>
+          <p:cNvPr id="237" name="Google Shape;237;p25"/>
           <p:cNvPicPr preferRelativeResize="0"/>
           <p:nvPr/>
         </p:nvPicPr>
         <p:blipFill rotWithShape="1">
-          <a:blip r:embed="rId13" cstate="email">
+          <a:blip r:embed="rId12" cstate="email">
             <a:alphaModFix/>
             <a:extLst>
               <a:ext uri="{28A0092B-C50C-407E-A947-70E740481C1C}">
@@ -15861,12 +17287,12 @@
       </p:pic>
       <p:pic>
         <p:nvPicPr>
-          <p:cNvPr id="230" name="Google Shape;230;p24"/>
+          <p:cNvPr id="238" name="Google Shape;238;p25"/>
           <p:cNvPicPr preferRelativeResize="0"/>
           <p:nvPr/>
         </p:nvPicPr>
         <p:blipFill>
-          <a:blip r:embed="rId14" cstate="email">
+          <a:blip r:embed="rId13" cstate="email">
             <a:alphaModFix/>
             <a:extLst>
               <a:ext uri="{28A0092B-C50C-407E-A947-70E740481C1C}">
@@ -15892,9 +17318,48 @@
           </a:ln>
         </p:spPr>
       </p:pic>
+      <p:pic>
+        <p:nvPicPr>
+          <p:cNvPr id="239" name="Google Shape;239;p25"/>
+          <p:cNvPicPr preferRelativeResize="0"/>
+          <p:nvPr/>
+        </p:nvPicPr>
+        <p:blipFill>
+          <a:blip r:embed="rId14" cstate="email">
+            <a:alphaModFix/>
+            <a:extLst>
+              <a:ext uri="{28A0092B-C50C-407E-A947-70E740481C1C}">
+                <a14:useLocalDpi xmlns:a14="http://schemas.microsoft.com/office/drawing/2010/main"/>
+              </a:ext>
+            </a:extLst>
+          </a:blip>
+          <a:stretch>
+            <a:fillRect/>
+          </a:stretch>
+        </p:blipFill>
+        <p:spPr>
+          <a:xfrm>
+            <a:off x="55077" y="3262650"/>
+            <a:ext cx="2522450" cy="1832374"/>
+          </a:xfrm>
+          <a:prstGeom prst="rect">
+            <a:avLst/>
+          </a:prstGeom>
+          <a:noFill/>
+          <a:ln w="9525" cap="flat" cmpd="sng">
+            <a:solidFill>
+              <a:srgbClr val="FF0000"/>
+            </a:solidFill>
+            <a:prstDash val="solid"/>
+            <a:round/>
+            <a:headEnd type="none" w="sm" len="sm"/>
+            <a:tailEnd type="none" w="sm" len="sm"/>
+          </a:ln>
+        </p:spPr>
+      </p:pic>
       <p:sp>
         <p:nvSpPr>
-          <p:cNvPr id="231" name="Google Shape;231;p24"/>
+          <p:cNvPr id="240" name="Google Shape;240;p25"/>
           <p:cNvSpPr txBox="1"/>
           <p:nvPr/>
         </p:nvSpPr>
@@ -15992,12 +17457,12 @@
 </p:sld>
 </file>
 
-<file path=ppt/slides/slide11.xml><?xml version="1.0" encoding="utf-8"?>
+<file path=ppt/slides/slide12.xml><?xml version="1.0" encoding="utf-8"?>
 <p:sld xmlns:a="http://schemas.openxmlformats.org/drawingml/2006/main" xmlns:r="http://schemas.openxmlformats.org/officeDocument/2006/relationships" xmlns:p="http://schemas.openxmlformats.org/presentationml/2006/main">
   <p:cSld>
     <p:spTree>
       <p:nvGrpSpPr>
-        <p:cNvPr id="1" name="Shape 235"/>
+        <p:cNvPr id="1" name="Shape 244"/>
         <p:cNvGrpSpPr/>
         <p:nvPr/>
       </p:nvGrpSpPr>
@@ -16011,7 +17476,7 @@
       </p:grpSpPr>
       <p:sp>
         <p:nvSpPr>
-          <p:cNvPr id="236" name="Google Shape;236;p25"/>
+          <p:cNvPr id="245" name="Google Shape;245;p26"/>
           <p:cNvSpPr txBox="1"/>
           <p:nvPr/>
         </p:nvSpPr>
@@ -16077,7 +17542,7 @@
       </p:sp>
       <p:sp>
         <p:nvSpPr>
-          <p:cNvPr id="237" name="Google Shape;237;p25"/>
+          <p:cNvPr id="246" name="Google Shape;246;p26"/>
           <p:cNvSpPr txBox="1"/>
           <p:nvPr/>
         </p:nvSpPr>
@@ -16244,7 +17709,7 @@
       </p:sp>
       <p:pic>
         <p:nvPicPr>
-          <p:cNvPr id="238" name="Google Shape;238;p25"/>
+          <p:cNvPr id="247" name="Google Shape;247;p26"/>
           <p:cNvPicPr preferRelativeResize="0"/>
           <p:nvPr/>
         </p:nvPicPr>
@@ -16283,7 +17748,7 @@
       </p:pic>
       <p:sp>
         <p:nvSpPr>
-          <p:cNvPr id="239" name="Google Shape;239;p25"/>
+          <p:cNvPr id="248" name="Google Shape;248;p26"/>
           <p:cNvSpPr txBox="1"/>
           <p:nvPr/>
         </p:nvSpPr>
@@ -16553,12 +18018,12 @@
 </p:sld>
 </file>
 
-<file path=ppt/slides/slide12.xml><?xml version="1.0" encoding="utf-8"?>
+<file path=ppt/slides/slide13.xml><?xml version="1.0" encoding="utf-8"?>
 <p:sld xmlns:a="http://schemas.openxmlformats.org/drawingml/2006/main" xmlns:r="http://schemas.openxmlformats.org/officeDocument/2006/relationships" xmlns:p="http://schemas.openxmlformats.org/presentationml/2006/main">
   <p:cSld>
     <p:spTree>
       <p:nvGrpSpPr>
-        <p:cNvPr id="1" name="Shape 243"/>
+        <p:cNvPr id="1" name="Shape 252"/>
         <p:cNvGrpSpPr/>
         <p:nvPr/>
       </p:nvGrpSpPr>
@@ -16572,7 +18037,7 @@
       </p:grpSpPr>
       <p:sp>
         <p:nvSpPr>
-          <p:cNvPr id="244" name="Google Shape;244;p26"/>
+          <p:cNvPr id="253" name="Google Shape;253;p27"/>
           <p:cNvSpPr txBox="1"/>
           <p:nvPr/>
         </p:nvSpPr>
@@ -16638,7 +18103,7 @@
       </p:sp>
       <p:sp>
         <p:nvSpPr>
-          <p:cNvPr id="245" name="Google Shape;245;p26"/>
+          <p:cNvPr id="254" name="Google Shape;254;p27"/>
           <p:cNvSpPr txBox="1"/>
           <p:nvPr/>
         </p:nvSpPr>
@@ -17133,7 +18598,7 @@
       </p:sp>
       <p:pic>
         <p:nvPicPr>
-          <p:cNvPr id="246" name="Google Shape;246;p26"/>
+          <p:cNvPr id="255" name="Google Shape;255;p27"/>
           <p:cNvPicPr preferRelativeResize="0"/>
           <p:nvPr/>
         </p:nvPicPr>
@@ -17172,7 +18637,7 @@
       </p:pic>
       <p:pic>
         <p:nvPicPr>
-          <p:cNvPr id="247" name="Google Shape;247;p26"/>
+          <p:cNvPr id="256" name="Google Shape;256;p27"/>
           <p:cNvPicPr preferRelativeResize="0"/>
           <p:nvPr/>
         </p:nvPicPr>
@@ -17217,12 +18682,12 @@
 </p:sld>
 </file>
 
-<file path=ppt/slides/slide13.xml><?xml version="1.0" encoding="utf-8"?>
+<file path=ppt/slides/slide14.xml><?xml version="1.0" encoding="utf-8"?>
 <p:sld xmlns:a="http://schemas.openxmlformats.org/drawingml/2006/main" xmlns:r="http://schemas.openxmlformats.org/officeDocument/2006/relationships" xmlns:p="http://schemas.openxmlformats.org/presentationml/2006/main">
   <p:cSld>
     <p:spTree>
       <p:nvGrpSpPr>
-        <p:cNvPr id="1" name="Shape 251"/>
+        <p:cNvPr id="1" name="Shape 260"/>
         <p:cNvGrpSpPr/>
         <p:nvPr/>
       </p:nvGrpSpPr>
@@ -17236,7 +18701,7 @@
       </p:grpSpPr>
       <p:sp>
         <p:nvSpPr>
-          <p:cNvPr id="252" name="Google Shape;252;p27"/>
+          <p:cNvPr id="261" name="Google Shape;261;p28"/>
           <p:cNvSpPr txBox="1"/>
           <p:nvPr/>
         </p:nvSpPr>
@@ -17302,7 +18767,7 @@
       </p:sp>
       <p:sp>
         <p:nvSpPr>
-          <p:cNvPr id="253" name="Google Shape;253;p27"/>
+          <p:cNvPr id="262" name="Google Shape;262;p28"/>
           <p:cNvSpPr txBox="1"/>
           <p:nvPr/>
         </p:nvSpPr>
@@ -19103,7 +20568,7 @@
       </p:sp>
       <p:sp>
         <p:nvSpPr>
-          <p:cNvPr id="254" name="Google Shape;254;p27"/>
+          <p:cNvPr id="263" name="Google Shape;263;p28"/>
           <p:cNvSpPr txBox="1"/>
           <p:nvPr/>
         </p:nvSpPr>
@@ -19918,7 +21383,7 @@
       </p:sp>
       <p:sp>
         <p:nvSpPr>
-          <p:cNvPr id="255" name="Google Shape;255;p27"/>
+          <p:cNvPr id="264" name="Google Shape;264;p28"/>
           <p:cNvSpPr txBox="1"/>
           <p:nvPr/>
         </p:nvSpPr>
@@ -20079,12 +21544,12 @@
 </p:sld>
 </file>
 
-<file path=ppt/slides/slide14.xml><?xml version="1.0" encoding="utf-8"?>
+<file path=ppt/slides/slide15.xml><?xml version="1.0" encoding="utf-8"?>
 <p:sld xmlns:a="http://schemas.openxmlformats.org/drawingml/2006/main" xmlns:r="http://schemas.openxmlformats.org/officeDocument/2006/relationships" xmlns:p="http://schemas.openxmlformats.org/presentationml/2006/main">
   <p:cSld>
     <p:spTree>
       <p:nvGrpSpPr>
-        <p:cNvPr id="1" name="Shape 259"/>
+        <p:cNvPr id="1" name="Shape 268"/>
         <p:cNvGrpSpPr/>
         <p:nvPr/>
       </p:nvGrpSpPr>
@@ -20098,7 +21563,7 @@
       </p:grpSpPr>
       <p:sp>
         <p:nvSpPr>
-          <p:cNvPr id="260" name="Google Shape;260;p28"/>
+          <p:cNvPr id="269" name="Google Shape;269;p29"/>
           <p:cNvSpPr txBox="1"/>
           <p:nvPr/>
         </p:nvSpPr>
@@ -20164,7 +21629,7 @@
       </p:sp>
       <p:sp>
         <p:nvSpPr>
-          <p:cNvPr id="261" name="Google Shape;261;p28"/>
+          <p:cNvPr id="270" name="Google Shape;270;p29"/>
           <p:cNvSpPr txBox="1"/>
           <p:nvPr/>
         </p:nvSpPr>
@@ -20516,7 +21981,7 @@
       </p:sp>
       <p:pic>
         <p:nvPicPr>
-          <p:cNvPr id="262" name="Google Shape;262;p28"/>
+          <p:cNvPr id="271" name="Google Shape;271;p29"/>
           <p:cNvPicPr preferRelativeResize="0"/>
           <p:nvPr/>
         </p:nvPicPr>
@@ -20555,12 +22020,12 @@
 </p:sld>
 </file>
 
-<file path=ppt/slides/slide15.xml><?xml version="1.0" encoding="utf-8"?>
+<file path=ppt/slides/slide16.xml><?xml version="1.0" encoding="utf-8"?>
 <p:sld xmlns:a="http://schemas.openxmlformats.org/drawingml/2006/main" xmlns:r="http://schemas.openxmlformats.org/officeDocument/2006/relationships" xmlns:p="http://schemas.openxmlformats.org/presentationml/2006/main">
   <p:cSld>
     <p:spTree>
       <p:nvGrpSpPr>
-        <p:cNvPr id="1" name="Shape 266"/>
+        <p:cNvPr id="1" name="Shape 275"/>
         <p:cNvGrpSpPr/>
         <p:nvPr/>
       </p:nvGrpSpPr>
@@ -20574,7 +22039,7 @@
       </p:grpSpPr>
       <p:sp>
         <p:nvSpPr>
-          <p:cNvPr id="267" name="Google Shape;267;p29"/>
+          <p:cNvPr id="276" name="Google Shape;276;p30"/>
           <p:cNvSpPr txBox="1"/>
           <p:nvPr/>
         </p:nvSpPr>
@@ -20640,7 +22105,7 @@
       </p:sp>
       <p:sp>
         <p:nvSpPr>
-          <p:cNvPr id="268" name="Google Shape;268;p29"/>
+          <p:cNvPr id="277" name="Google Shape;277;p30"/>
           <p:cNvSpPr txBox="1"/>
           <p:nvPr/>
         </p:nvSpPr>
@@ -20757,7 +22222,7 @@
       </p:sp>
       <p:sp>
         <p:nvSpPr>
-          <p:cNvPr id="269" name="Google Shape;269;p29"/>
+          <p:cNvPr id="278" name="Google Shape;278;p30"/>
           <p:cNvSpPr txBox="1"/>
           <p:nvPr/>
         </p:nvSpPr>
@@ -22012,7 +23477,7 @@
       </p:sp>
       <p:sp>
         <p:nvSpPr>
-          <p:cNvPr id="270" name="Google Shape;270;p29"/>
+          <p:cNvPr id="279" name="Google Shape;279;p30"/>
           <p:cNvSpPr txBox="1"/>
           <p:nvPr/>
         </p:nvSpPr>
@@ -22977,7 +24442,7 @@
       </p:sp>
       <p:sp>
         <p:nvSpPr>
-          <p:cNvPr id="271" name="Google Shape;271;p29"/>
+          <p:cNvPr id="280" name="Google Shape;280;p30"/>
           <p:cNvSpPr txBox="1"/>
           <p:nvPr/>
         </p:nvSpPr>
@@ -24216,12 +25681,12 @@
 </p:sld>
 </file>
 
-<file path=ppt/slides/slide16.xml><?xml version="1.0" encoding="utf-8"?>
+<file path=ppt/slides/slide17.xml><?xml version="1.0" encoding="utf-8"?>
 <p:sld xmlns:a="http://schemas.openxmlformats.org/drawingml/2006/main" xmlns:r="http://schemas.openxmlformats.org/officeDocument/2006/relationships" xmlns:p="http://schemas.openxmlformats.org/presentationml/2006/main">
   <p:cSld>
     <p:spTree>
       <p:nvGrpSpPr>
-        <p:cNvPr id="1" name="Shape 275"/>
+        <p:cNvPr id="1" name="Shape 284"/>
         <p:cNvGrpSpPr/>
         <p:nvPr/>
       </p:nvGrpSpPr>
@@ -24235,7 +25700,7 @@
       </p:grpSpPr>
       <p:sp>
         <p:nvSpPr>
-          <p:cNvPr id="276" name="Google Shape;276;p30"/>
+          <p:cNvPr id="285" name="Google Shape;285;p31"/>
           <p:cNvSpPr txBox="1"/>
           <p:nvPr/>
         </p:nvSpPr>
@@ -24301,7 +25766,7 @@
       </p:sp>
       <p:sp>
         <p:nvSpPr>
-          <p:cNvPr id="277" name="Google Shape;277;p30"/>
+          <p:cNvPr id="286" name="Google Shape;286;p31"/>
           <p:cNvSpPr txBox="1"/>
           <p:nvPr/>
         </p:nvSpPr>
@@ -24735,7 +26200,7 @@
       </p:sp>
       <p:pic>
         <p:nvPicPr>
-          <p:cNvPr id="278" name="Google Shape;278;p30"/>
+          <p:cNvPr id="287" name="Google Shape;287;p31"/>
           <p:cNvPicPr preferRelativeResize="0"/>
           <p:nvPr/>
         </p:nvPicPr>
@@ -24780,12 +26245,12 @@
 </p:sld>
 </file>
 
-<file path=ppt/slides/slide17.xml><?xml version="1.0" encoding="utf-8"?>
+<file path=ppt/slides/slide18.xml><?xml version="1.0" encoding="utf-8"?>
 <p:sld xmlns:a="http://schemas.openxmlformats.org/drawingml/2006/main" xmlns:r="http://schemas.openxmlformats.org/officeDocument/2006/relationships" xmlns:p="http://schemas.openxmlformats.org/presentationml/2006/main">
   <p:cSld>
     <p:spTree>
       <p:nvGrpSpPr>
-        <p:cNvPr id="1" name="Shape 282"/>
+        <p:cNvPr id="1" name="Shape 291"/>
         <p:cNvGrpSpPr/>
         <p:nvPr/>
       </p:nvGrpSpPr>
@@ -24799,7 +26264,7 @@
       </p:grpSpPr>
       <p:sp>
         <p:nvSpPr>
-          <p:cNvPr id="283" name="Google Shape;283;p31"/>
+          <p:cNvPr id="292" name="Google Shape;292;p32"/>
           <p:cNvSpPr txBox="1"/>
           <p:nvPr/>
         </p:nvSpPr>
@@ -24865,7 +26330,7 @@
       </p:sp>
       <p:sp>
         <p:nvSpPr>
-          <p:cNvPr id="284" name="Google Shape;284;p31"/>
+          <p:cNvPr id="293" name="Google Shape;293;p32"/>
           <p:cNvSpPr txBox="1"/>
           <p:nvPr/>
         </p:nvSpPr>
@@ -25380,7 +26845,7 @@
       </p:sp>
       <p:sp>
         <p:nvSpPr>
-          <p:cNvPr id="285" name="Google Shape;285;p31"/>
+          <p:cNvPr id="294" name="Google Shape;294;p32"/>
           <p:cNvSpPr txBox="1"/>
           <p:nvPr/>
         </p:nvSpPr>
@@ -26007,7 +27472,7 @@
       </p:sp>
       <p:pic>
         <p:nvPicPr>
-          <p:cNvPr id="286" name="Google Shape;286;p31"/>
+          <p:cNvPr id="295" name="Google Shape;295;p32"/>
           <p:cNvPicPr preferRelativeResize="0"/>
           <p:nvPr/>
         </p:nvPicPr>
@@ -26052,12 +27517,12 @@
 </p:sld>
 </file>
 
-<file path=ppt/slides/slide18.xml><?xml version="1.0" encoding="utf-8"?>
+<file path=ppt/slides/slide19.xml><?xml version="1.0" encoding="utf-8"?>
 <p:sld xmlns:a="http://schemas.openxmlformats.org/drawingml/2006/main" xmlns:r="http://schemas.openxmlformats.org/officeDocument/2006/relationships" xmlns:p="http://schemas.openxmlformats.org/presentationml/2006/main">
   <p:cSld>
     <p:spTree>
       <p:nvGrpSpPr>
-        <p:cNvPr id="1" name="Shape 290"/>
+        <p:cNvPr id="1" name="Shape 299"/>
         <p:cNvGrpSpPr/>
         <p:nvPr/>
       </p:nvGrpSpPr>
@@ -26071,7 +27536,7 @@
       </p:grpSpPr>
       <p:sp>
         <p:nvSpPr>
-          <p:cNvPr id="291" name="Google Shape;291;p32"/>
+          <p:cNvPr id="300" name="Google Shape;300;p33"/>
           <p:cNvSpPr txBox="1"/>
           <p:nvPr/>
         </p:nvSpPr>
@@ -26137,7 +27602,7 @@
       </p:sp>
       <p:sp>
         <p:nvSpPr>
-          <p:cNvPr id="292" name="Google Shape;292;p32"/>
+          <p:cNvPr id="301" name="Google Shape;301;p33"/>
           <p:cNvSpPr txBox="1"/>
           <p:nvPr/>
         </p:nvSpPr>
@@ -26418,7 +27883,7 @@
       </p:sp>
       <p:sp>
         <p:nvSpPr>
-          <p:cNvPr id="293" name="Google Shape;293;p32"/>
+          <p:cNvPr id="302" name="Google Shape;302;p33"/>
           <p:cNvSpPr txBox="1"/>
           <p:nvPr/>
         </p:nvSpPr>
@@ -26652,7 +28117,7 @@
       </p:sp>
       <p:pic>
         <p:nvPicPr>
-          <p:cNvPr id="294" name="Google Shape;294;p32"/>
+          <p:cNvPr id="303" name="Google Shape;303;p33"/>
           <p:cNvPicPr preferRelativeResize="0"/>
           <p:nvPr/>
         </p:nvPicPr>
@@ -26689,549 +28154,6 @@
           </a:ln>
         </p:spPr>
       </p:pic>
-    </p:spTree>
-  </p:cSld>
-  <p:clrMapOvr>
-    <a:masterClrMapping/>
-  </p:clrMapOvr>
-</p:sld>
-</file>
-
-<file path=ppt/slides/slide19.xml><?xml version="1.0" encoding="utf-8"?>
-<p:sld xmlns:a="http://schemas.openxmlformats.org/drawingml/2006/main" xmlns:r="http://schemas.openxmlformats.org/officeDocument/2006/relationships" xmlns:p="http://schemas.openxmlformats.org/presentationml/2006/main">
-  <p:cSld>
-    <p:spTree>
-      <p:nvGrpSpPr>
-        <p:cNvPr id="1" name="Shape 298"/>
-        <p:cNvGrpSpPr/>
-        <p:nvPr/>
-      </p:nvGrpSpPr>
-      <p:grpSpPr>
-        <a:xfrm>
-          <a:off x="0" y="0"/>
-          <a:ext cx="0" cy="0"/>
-          <a:chOff x="0" y="0"/>
-          <a:chExt cx="0" cy="0"/>
-        </a:xfrm>
-      </p:grpSpPr>
-      <p:sp>
-        <p:nvSpPr>
-          <p:cNvPr id="299" name="Google Shape;299;p33"/>
-          <p:cNvSpPr txBox="1"/>
-          <p:nvPr/>
-        </p:nvSpPr>
-        <p:spPr>
-          <a:xfrm>
-            <a:off x="67350" y="52750"/>
-            <a:ext cx="3179400" cy="326400"/>
-          </a:xfrm>
-          <a:prstGeom prst="rect">
-            <a:avLst/>
-          </a:prstGeom>
-          <a:noFill/>
-          <a:ln>
-            <a:noFill/>
-          </a:ln>
-        </p:spPr>
-        <p:txBody>
-          <a:bodyPr spcFirstLastPara="1" wrap="square" lIns="9125" tIns="9125" rIns="9125" bIns="9125" anchor="t" anchorCtr="0">
-            <a:spAutoFit/>
-          </a:bodyPr>
-          <a:lstStyle/>
-          <a:p>
-            <a:pPr marL="0" marR="0" lvl="0" indent="0" algn="l" rtl="0">
-              <a:lnSpc>
-                <a:spcPct val="100000"/>
-              </a:lnSpc>
-              <a:spcBef>
-                <a:spcPts val="0"/>
-              </a:spcBef>
-              <a:spcAft>
-                <a:spcPts val="0"/>
-              </a:spcAft>
-              <a:buClr>
-                <a:schemeClr val="dk1"/>
-              </a:buClr>
-              <a:buSzPts val="1100"/>
-              <a:buFont typeface="Arial"/>
-              <a:buNone/>
-            </a:pPr>
-            <a:r>
-              <a:rPr lang="en" sz="2000" b="1" i="0" u="none" strike="noStrike" cap="none">
-                <a:solidFill>
-                  <a:schemeClr val="dk1"/>
-                </a:solidFill>
-                <a:latin typeface="Calibri"/>
-                <a:ea typeface="Calibri"/>
-                <a:cs typeface="Calibri"/>
-                <a:sym typeface="Calibri"/>
-              </a:rPr>
-              <a:t>Jobs</a:t>
-            </a:r>
-            <a:endParaRPr sz="2000" b="1" i="0" u="none" strike="noStrike" cap="none">
-              <a:solidFill>
-                <a:schemeClr val="dk1"/>
-              </a:solidFill>
-              <a:latin typeface="Calibri"/>
-              <a:ea typeface="Calibri"/>
-              <a:cs typeface="Calibri"/>
-              <a:sym typeface="Calibri"/>
-            </a:endParaRPr>
-          </a:p>
-        </p:txBody>
-      </p:sp>
-      <p:sp>
-        <p:nvSpPr>
-          <p:cNvPr id="300" name="Google Shape;300;p33"/>
-          <p:cNvSpPr txBox="1"/>
-          <p:nvPr/>
-        </p:nvSpPr>
-        <p:spPr>
-          <a:xfrm>
-            <a:off x="2102050" y="77475"/>
-            <a:ext cx="1800600" cy="387900"/>
-          </a:xfrm>
-          <a:prstGeom prst="rect">
-            <a:avLst/>
-          </a:prstGeom>
-          <a:solidFill>
-            <a:srgbClr val="FFF2CC"/>
-          </a:solidFill>
-          <a:ln w="9525" cap="flat" cmpd="sng">
-            <a:solidFill>
-              <a:srgbClr val="FF0000"/>
-            </a:solidFill>
-            <a:prstDash val="solid"/>
-            <a:round/>
-            <a:headEnd type="none" w="sm" len="sm"/>
-            <a:tailEnd type="none" w="sm" len="sm"/>
-          </a:ln>
-        </p:spPr>
-        <p:txBody>
-          <a:bodyPr spcFirstLastPara="1" wrap="square" lIns="9125" tIns="9125" rIns="9125" bIns="9125" anchor="t" anchorCtr="0">
-            <a:spAutoFit/>
-          </a:bodyPr>
-          <a:lstStyle/>
-          <a:p>
-            <a:pPr marL="171450" marR="0" lvl="0" indent="-133350" algn="l" rtl="0">
-              <a:lnSpc>
-                <a:spcPct val="100000"/>
-              </a:lnSpc>
-              <a:spcBef>
-                <a:spcPts val="0"/>
-              </a:spcBef>
-              <a:spcAft>
-                <a:spcPts val="0"/>
-              </a:spcAft>
-              <a:buSzPts val="1200"/>
-              <a:buFont typeface="Calibri"/>
-              <a:buChar char="●"/>
-            </a:pPr>
-            <a:r>
-              <a:rPr lang="en" sz="1200" b="0" i="0" u="sng" strike="noStrike" cap="none">
-                <a:solidFill>
-                  <a:schemeClr val="hlink"/>
-                </a:solidFill>
-                <a:latin typeface="Calibri"/>
-                <a:ea typeface="Calibri"/>
-                <a:cs typeface="Calibri"/>
-                <a:sym typeface="Calibri"/>
-                <a:hlinkClick r:id="rId3"/>
-              </a:rPr>
-              <a:t>https://layoffs.fyi</a:t>
-            </a:r>
-            <a:endParaRPr sz="1200">
-              <a:latin typeface="Calibri"/>
-              <a:ea typeface="Calibri"/>
-              <a:cs typeface="Calibri"/>
-              <a:sym typeface="Calibri"/>
-            </a:endParaRPr>
-          </a:p>
-          <a:p>
-            <a:pPr marL="171450" marR="0" lvl="0" indent="-133350" algn="l" rtl="0">
-              <a:lnSpc>
-                <a:spcPct val="100000"/>
-              </a:lnSpc>
-              <a:spcBef>
-                <a:spcPts val="0"/>
-              </a:spcBef>
-              <a:spcAft>
-                <a:spcPts val="0"/>
-              </a:spcAft>
-              <a:buSzPts val="1200"/>
-              <a:buFont typeface="Calibri"/>
-              <a:buChar char="●"/>
-            </a:pPr>
-            <a:r>
-              <a:rPr lang="en" sz="1200" u="sng">
-                <a:solidFill>
-                  <a:schemeClr val="hlink"/>
-                </a:solidFill>
-                <a:latin typeface="Calibri"/>
-                <a:ea typeface="Calibri"/>
-                <a:cs typeface="Calibri"/>
-                <a:sym typeface="Calibri"/>
-                <a:hlinkClick r:id="rId4"/>
-              </a:rPr>
-              <a:t>https://trueup.io/layoffs</a:t>
-            </a:r>
-            <a:r>
-              <a:rPr lang="en" sz="1200">
-                <a:latin typeface="Calibri"/>
-                <a:ea typeface="Calibri"/>
-                <a:cs typeface="Calibri"/>
-                <a:sym typeface="Calibri"/>
-              </a:rPr>
-              <a:t> </a:t>
-            </a:r>
-            <a:r>
-              <a:rPr lang="en" sz="1200" b="0" i="0" u="none" strike="noStrike" cap="none">
-                <a:solidFill>
-                  <a:srgbClr val="000000"/>
-                </a:solidFill>
-                <a:latin typeface="Calibri"/>
-                <a:ea typeface="Calibri"/>
-                <a:cs typeface="Calibri"/>
-                <a:sym typeface="Calibri"/>
-              </a:rPr>
-              <a:t> </a:t>
-            </a:r>
-            <a:endParaRPr sz="1200" b="0" i="0" u="none" strike="noStrike" cap="none">
-              <a:solidFill>
-                <a:srgbClr val="000000"/>
-              </a:solidFill>
-              <a:latin typeface="Calibri"/>
-              <a:ea typeface="Calibri"/>
-              <a:cs typeface="Calibri"/>
-              <a:sym typeface="Calibri"/>
-            </a:endParaRPr>
-          </a:p>
-        </p:txBody>
-      </p:sp>
-      <p:pic>
-        <p:nvPicPr>
-          <p:cNvPr id="301" name="Google Shape;301;p33"/>
-          <p:cNvPicPr preferRelativeResize="0"/>
-          <p:nvPr/>
-        </p:nvPicPr>
-        <p:blipFill>
-          <a:blip r:embed="rId5" cstate="email">
-            <a:alphaModFix/>
-            <a:extLst>
-              <a:ext uri="{28A0092B-C50C-407E-A947-70E740481C1C}">
-                <a14:useLocalDpi xmlns:a14="http://schemas.microsoft.com/office/drawing/2010/main"/>
-              </a:ext>
-            </a:extLst>
-          </a:blip>
-          <a:stretch>
-            <a:fillRect/>
-          </a:stretch>
-        </p:blipFill>
-        <p:spPr>
-          <a:xfrm>
-            <a:off x="67350" y="557944"/>
-            <a:ext cx="5059152" cy="1876055"/>
-          </a:xfrm>
-          <a:prstGeom prst="rect">
-            <a:avLst/>
-          </a:prstGeom>
-          <a:noFill/>
-          <a:ln w="9525" cap="flat" cmpd="sng">
-            <a:solidFill>
-              <a:srgbClr val="FF0000"/>
-            </a:solidFill>
-            <a:prstDash val="solid"/>
-            <a:round/>
-            <a:headEnd type="none" w="sm" len="sm"/>
-            <a:tailEnd type="none" w="sm" len="sm"/>
-          </a:ln>
-        </p:spPr>
-      </p:pic>
-      <p:pic>
-        <p:nvPicPr>
-          <p:cNvPr id="302" name="Google Shape;302;p33"/>
-          <p:cNvPicPr preferRelativeResize="0"/>
-          <p:nvPr/>
-        </p:nvPicPr>
-        <p:blipFill>
-          <a:blip r:embed="rId6" cstate="email">
-            <a:alphaModFix/>
-            <a:extLst>
-              <a:ext uri="{28A0092B-C50C-407E-A947-70E740481C1C}">
-                <a14:useLocalDpi xmlns:a14="http://schemas.microsoft.com/office/drawing/2010/main"/>
-              </a:ext>
-            </a:extLst>
-          </a:blip>
-          <a:stretch>
-            <a:fillRect/>
-          </a:stretch>
-        </p:blipFill>
-        <p:spPr>
-          <a:xfrm>
-            <a:off x="67350" y="2526575"/>
-            <a:ext cx="5059149" cy="2574795"/>
-          </a:xfrm>
-          <a:prstGeom prst="rect">
-            <a:avLst/>
-          </a:prstGeom>
-          <a:noFill/>
-          <a:ln w="9525" cap="flat" cmpd="sng">
-            <a:solidFill>
-              <a:srgbClr val="FF0000"/>
-            </a:solidFill>
-            <a:prstDash val="solid"/>
-            <a:round/>
-            <a:headEnd type="none" w="sm" len="sm"/>
-            <a:tailEnd type="none" w="sm" len="sm"/>
-          </a:ln>
-        </p:spPr>
-      </p:pic>
-      <p:sp>
-        <p:nvSpPr>
-          <p:cNvPr id="303" name="Google Shape;303;p33"/>
-          <p:cNvSpPr txBox="1"/>
-          <p:nvPr/>
-        </p:nvSpPr>
-        <p:spPr>
-          <a:xfrm>
-            <a:off x="5300575" y="557950"/>
-            <a:ext cx="2607300" cy="572700"/>
-          </a:xfrm>
-          <a:prstGeom prst="rect">
-            <a:avLst/>
-          </a:prstGeom>
-          <a:solidFill>
-            <a:srgbClr val="FFF2CC"/>
-          </a:solidFill>
-          <a:ln w="9525" cap="flat" cmpd="sng">
-            <a:solidFill>
-              <a:srgbClr val="FF0000"/>
-            </a:solidFill>
-            <a:prstDash val="solid"/>
-            <a:round/>
-            <a:headEnd type="none" w="sm" len="sm"/>
-            <a:tailEnd type="none" w="sm" len="sm"/>
-          </a:ln>
-        </p:spPr>
-        <p:txBody>
-          <a:bodyPr spcFirstLastPara="1" wrap="square" lIns="9125" tIns="9125" rIns="9125" bIns="9125" anchor="t" anchorCtr="0">
-            <a:spAutoFit/>
-          </a:bodyPr>
-          <a:lstStyle/>
-          <a:p>
-            <a:pPr marL="171450" marR="0" lvl="0" indent="-133350" algn="l" rtl="0">
-              <a:lnSpc>
-                <a:spcPct val="100000"/>
-              </a:lnSpc>
-              <a:spcBef>
-                <a:spcPts val="0"/>
-              </a:spcBef>
-              <a:spcAft>
-                <a:spcPts val="0"/>
-              </a:spcAft>
-              <a:buSzPts val="1200"/>
-              <a:buFont typeface="Calibri"/>
-              <a:buChar char="●"/>
-            </a:pPr>
-            <a:r>
-              <a:rPr lang="en" sz="1200">
-                <a:latin typeface="Calibri"/>
-                <a:ea typeface="Calibri"/>
-                <a:cs typeface="Calibri"/>
-                <a:sym typeface="Calibri"/>
-              </a:rPr>
-              <a:t>Tech Layoffs in 2025: 63,443 people</a:t>
-            </a:r>
-            <a:endParaRPr sz="1200">
-              <a:latin typeface="Calibri"/>
-              <a:ea typeface="Calibri"/>
-              <a:cs typeface="Calibri"/>
-              <a:sym typeface="Calibri"/>
-            </a:endParaRPr>
-          </a:p>
-          <a:p>
-            <a:pPr marL="171450" marR="0" lvl="0" indent="-133350" algn="l" rtl="0">
-              <a:lnSpc>
-                <a:spcPct val="100000"/>
-              </a:lnSpc>
-              <a:spcBef>
-                <a:spcPts val="0"/>
-              </a:spcBef>
-              <a:spcAft>
-                <a:spcPts val="0"/>
-              </a:spcAft>
-              <a:buSzPts val="1200"/>
-              <a:buFont typeface="Calibri"/>
-              <a:buChar char="●"/>
-            </a:pPr>
-            <a:r>
-              <a:rPr lang="en" sz="1200">
-                <a:latin typeface="Calibri"/>
-                <a:ea typeface="Calibri"/>
-                <a:cs typeface="Calibri"/>
-                <a:sym typeface="Calibri"/>
-              </a:rPr>
-              <a:t>Compared to 2024: 152,922 people</a:t>
-            </a:r>
-            <a:endParaRPr sz="1200">
-              <a:latin typeface="Calibri"/>
-              <a:ea typeface="Calibri"/>
-              <a:cs typeface="Calibri"/>
-              <a:sym typeface="Calibri"/>
-            </a:endParaRPr>
-          </a:p>
-          <a:p>
-            <a:pPr marL="171450" marR="0" lvl="0" indent="-133350" algn="l" rtl="0">
-              <a:lnSpc>
-                <a:spcPct val="100000"/>
-              </a:lnSpc>
-              <a:spcBef>
-                <a:spcPts val="0"/>
-              </a:spcBef>
-              <a:spcAft>
-                <a:spcPts val="0"/>
-              </a:spcAft>
-              <a:buSzPts val="1200"/>
-              <a:buFont typeface="Calibri"/>
-              <a:buChar char="●"/>
-            </a:pPr>
-            <a:r>
-              <a:rPr lang="en" sz="1200" i="0" u="sng" strike="noStrike" cap="none">
-                <a:solidFill>
-                  <a:schemeClr val="hlink"/>
-                </a:solidFill>
-                <a:latin typeface="Calibri"/>
-                <a:ea typeface="Calibri"/>
-                <a:cs typeface="Calibri"/>
-                <a:sym typeface="Calibri"/>
-                <a:hlinkClick r:id="rId3"/>
-              </a:rPr>
-              <a:t>https://layoffs</a:t>
-            </a:r>
-            <a:endParaRPr sz="1200" i="0" u="none" strike="noStrike" cap="none">
-              <a:solidFill>
-                <a:srgbClr val="000000"/>
-              </a:solidFill>
-              <a:latin typeface="Calibri"/>
-              <a:ea typeface="Calibri"/>
-              <a:cs typeface="Calibri"/>
-              <a:sym typeface="Calibri"/>
-            </a:endParaRPr>
-          </a:p>
-        </p:txBody>
-      </p:sp>
-      <p:sp>
-        <p:nvSpPr>
-          <p:cNvPr id="304" name="Google Shape;304;p33"/>
-          <p:cNvSpPr txBox="1"/>
-          <p:nvPr/>
-        </p:nvSpPr>
-        <p:spPr>
-          <a:xfrm>
-            <a:off x="5300575" y="1471650"/>
-            <a:ext cx="3631800" cy="449400"/>
-          </a:xfrm>
-          <a:prstGeom prst="rect">
-            <a:avLst/>
-          </a:prstGeom>
-          <a:solidFill>
-            <a:srgbClr val="FFF2CC"/>
-          </a:solidFill>
-          <a:ln w="9525" cap="flat" cmpd="sng">
-            <a:solidFill>
-              <a:srgbClr val="FF0000"/>
-            </a:solidFill>
-            <a:prstDash val="solid"/>
-            <a:round/>
-            <a:headEnd type="none" w="sm" len="sm"/>
-            <a:tailEnd type="none" w="sm" len="sm"/>
-          </a:ln>
-        </p:spPr>
-        <p:txBody>
-          <a:bodyPr spcFirstLastPara="1" wrap="square" lIns="9125" tIns="9125" rIns="9125" bIns="9125" anchor="t" anchorCtr="0">
-            <a:spAutoFit/>
-          </a:bodyPr>
-          <a:lstStyle/>
-          <a:p>
-            <a:pPr marL="171450" marR="0" lvl="0" indent="-133350" algn="l" rtl="0">
-              <a:lnSpc>
-                <a:spcPct val="100000"/>
-              </a:lnSpc>
-              <a:spcBef>
-                <a:spcPts val="0"/>
-              </a:spcBef>
-              <a:spcAft>
-                <a:spcPts val="0"/>
-              </a:spcAft>
-              <a:buSzPts val="1200"/>
-              <a:buFont typeface="Calibri"/>
-              <a:buChar char="●"/>
-            </a:pPr>
-            <a:r>
-              <a:rPr lang="en" sz="1200">
-                <a:latin typeface="Calibri"/>
-                <a:ea typeface="Calibri"/>
-                <a:cs typeface="Calibri"/>
-                <a:sym typeface="Calibri"/>
-              </a:rPr>
-              <a:t>Microsoft laying off about 9,000 employees</a:t>
-            </a:r>
-            <a:endParaRPr sz="800">
-              <a:latin typeface="Calibri"/>
-              <a:ea typeface="Calibri"/>
-              <a:cs typeface="Calibri"/>
-              <a:sym typeface="Calibri"/>
-            </a:endParaRPr>
-          </a:p>
-          <a:p>
-            <a:pPr marL="171450" marR="0" lvl="0" indent="-107950" algn="l" rtl="0">
-              <a:lnSpc>
-                <a:spcPct val="100000"/>
-              </a:lnSpc>
-              <a:spcBef>
-                <a:spcPts val="0"/>
-              </a:spcBef>
-              <a:spcAft>
-                <a:spcPts val="0"/>
-              </a:spcAft>
-              <a:buSzPts val="800"/>
-              <a:buFont typeface="Calibri"/>
-              <a:buChar char="●"/>
-            </a:pPr>
-            <a:r>
-              <a:rPr lang="en" sz="800" u="sng">
-                <a:solidFill>
-                  <a:schemeClr val="hlink"/>
-                </a:solidFill>
-                <a:latin typeface="Calibri"/>
-                <a:ea typeface="Calibri"/>
-                <a:cs typeface="Calibri"/>
-                <a:sym typeface="Calibri"/>
-                <a:hlinkClick r:id="rId7"/>
-              </a:rPr>
-              <a:t>https://www.cnbc.com/2025/07/02/microsoft-laying-off-about-9000-employees-in-latest-round-of-cuts.html</a:t>
-            </a:r>
-            <a:r>
-              <a:rPr lang="en" sz="800">
-                <a:latin typeface="Calibri"/>
-                <a:ea typeface="Calibri"/>
-                <a:cs typeface="Calibri"/>
-                <a:sym typeface="Calibri"/>
-              </a:rPr>
-              <a:t> </a:t>
-            </a:r>
-            <a:endParaRPr sz="800" i="0" u="none" strike="noStrike" cap="none">
-              <a:solidFill>
-                <a:srgbClr val="000000"/>
-              </a:solidFill>
-              <a:latin typeface="Calibri"/>
-              <a:ea typeface="Calibri"/>
-              <a:cs typeface="Calibri"/>
-              <a:sym typeface="Calibri"/>
-            </a:endParaRPr>
-          </a:p>
-        </p:txBody>
-      </p:sp>
     </p:spTree>
   </p:cSld>
   <p:clrMapOvr>
@@ -27596,7 +28518,7 @@
                 <a:cs typeface="Calibri"/>
                 <a:sym typeface="Calibri"/>
               </a:rPr>
-              <a:t>Text - July 01</a:t>
+              <a:t>Text - July 07</a:t>
             </a:r>
             <a:endParaRPr sz="1200" b="0" i="0" u="none" strike="noStrike" cap="none">
               <a:solidFill>
@@ -30495,7 +31417,7 @@
         </p:nvSpPr>
         <p:spPr>
           <a:xfrm>
-            <a:off x="492244" y="2813858"/>
+            <a:off x="489451" y="3208940"/>
             <a:ext cx="125400" cy="125400"/>
           </a:xfrm>
           <a:prstGeom prst="ellipse">
@@ -30693,7 +31615,7 @@
         </p:nvSpPr>
         <p:spPr>
           <a:xfrm>
-            <a:off x="494493" y="3819917"/>
+            <a:off x="484672" y="4019052"/>
             <a:ext cx="125400" cy="125400"/>
           </a:xfrm>
           <a:prstGeom prst="ellipse">
@@ -30886,7 +31808,7 @@
             <a:tbl>
               <a:tblPr>
                 <a:noFill/>
-                <a:tableStyleId>{1A20187B-B581-45CF-AC6A-F9F3D1377116}</a:tableStyleId>
+                <a:tableStyleId>{DF1968CC-C84B-4EC3-A2AE-A21D5D0575CD}</a:tableStyleId>
               </a:tblPr>
               <a:tblGrid>
                 <a:gridCol w="1809750">
@@ -34766,7 +35688,7 @@
         </p:nvSpPr>
         <p:spPr>
           <a:xfrm>
-            <a:off x="192998" y="4021195"/>
+            <a:off x="192998" y="3812239"/>
             <a:ext cx="287100" cy="141600"/>
           </a:xfrm>
           <a:prstGeom prst="rect">
@@ -34844,7 +35766,7 @@
         </p:nvSpPr>
         <p:spPr>
           <a:xfrm>
-            <a:off x="492264" y="4028442"/>
+            <a:off x="492264" y="3819486"/>
             <a:ext cx="125400" cy="125400"/>
           </a:xfrm>
           <a:prstGeom prst="ellipse">
@@ -35178,14 +36100,337 @@
           </a:p>
         </p:txBody>
       </p:sp>
+      <p:sp>
+        <p:nvSpPr>
+          <p:cNvPr id="126" name="Google Shape;126;p16"/>
+          <p:cNvSpPr/>
+          <p:nvPr/>
+        </p:nvSpPr>
+        <p:spPr>
+          <a:xfrm>
+            <a:off x="485139" y="1411201"/>
+            <a:ext cx="125400" cy="125400"/>
+          </a:xfrm>
+          <a:prstGeom prst="ellipse">
+            <a:avLst/>
+          </a:prstGeom>
+          <a:solidFill>
+            <a:srgbClr val="FFFF00"/>
+          </a:solidFill>
+          <a:ln w="9525" cap="flat" cmpd="sng">
+            <a:solidFill>
+              <a:srgbClr val="595959"/>
+            </a:solidFill>
+            <a:prstDash val="solid"/>
+            <a:round/>
+            <a:headEnd type="none" w="sm" len="sm"/>
+            <a:tailEnd type="none" w="sm" len="sm"/>
+          </a:ln>
+        </p:spPr>
+        <p:txBody>
+          <a:bodyPr spcFirstLastPara="1" wrap="square" lIns="91425" tIns="91425" rIns="91425" bIns="91425" anchor="ctr" anchorCtr="0">
+            <a:noAutofit/>
+          </a:bodyPr>
+          <a:lstStyle/>
+          <a:p>
+            <a:pPr marL="0" marR="0" lvl="0" indent="0" algn="ctr" rtl="0">
+              <a:lnSpc>
+                <a:spcPct val="100000"/>
+              </a:lnSpc>
+              <a:spcBef>
+                <a:spcPts val="0"/>
+              </a:spcBef>
+              <a:spcAft>
+                <a:spcPts val="0"/>
+              </a:spcAft>
+              <a:buClr>
+                <a:srgbClr val="000000"/>
+              </a:buClr>
+              <a:buSzPts val="1400"/>
+              <a:buFont typeface="Arial"/>
+              <a:buNone/>
+            </a:pPr>
+            <a:endParaRPr sz="1400" b="0" i="0" u="none" strike="noStrike" cap="none">
+              <a:solidFill>
+                <a:srgbClr val="000000"/>
+              </a:solidFill>
+              <a:latin typeface="Arial"/>
+              <a:ea typeface="Arial"/>
+              <a:cs typeface="Arial"/>
+              <a:sym typeface="Arial"/>
+            </a:endParaRPr>
+          </a:p>
+        </p:txBody>
+      </p:sp>
+      <p:sp>
+        <p:nvSpPr>
+          <p:cNvPr id="127" name="Google Shape;127;p16"/>
+          <p:cNvSpPr txBox="1"/>
+          <p:nvPr/>
+        </p:nvSpPr>
+        <p:spPr>
+          <a:xfrm>
+            <a:off x="192998" y="2807915"/>
+            <a:ext cx="287100" cy="141600"/>
+          </a:xfrm>
+          <a:prstGeom prst="rect">
+            <a:avLst/>
+          </a:prstGeom>
+          <a:noFill/>
+          <a:ln w="9525" cap="flat" cmpd="sng">
+            <a:solidFill>
+              <a:srgbClr val="FF0000"/>
+            </a:solidFill>
+            <a:prstDash val="solid"/>
+            <a:round/>
+            <a:headEnd type="none" w="sm" len="sm"/>
+            <a:tailEnd type="none" w="sm" len="sm"/>
+          </a:ln>
+        </p:spPr>
+        <p:txBody>
+          <a:bodyPr spcFirstLastPara="1" wrap="square" lIns="9125" tIns="9125" rIns="9125" bIns="9125" anchor="t" anchorCtr="0">
+            <a:spAutoFit/>
+          </a:bodyPr>
+          <a:lstStyle/>
+          <a:p>
+            <a:pPr marL="0" marR="0" lvl="0" indent="0" algn="l" rtl="0">
+              <a:lnSpc>
+                <a:spcPct val="100000"/>
+              </a:lnSpc>
+              <a:spcBef>
+                <a:spcPts val="0"/>
+              </a:spcBef>
+              <a:spcAft>
+                <a:spcPts val="0"/>
+              </a:spcAft>
+              <a:buClr>
+                <a:srgbClr val="000000"/>
+              </a:buClr>
+              <a:buSzPts val="1100"/>
+              <a:buFont typeface="Arial"/>
+              <a:buNone/>
+            </a:pPr>
+            <a:r>
+              <a:rPr lang="en" sz="800" b="0" i="0" u="none" strike="noStrike" cap="none">
+                <a:solidFill>
+                  <a:srgbClr val="1F2937"/>
+                </a:solidFill>
+                <a:highlight>
+                  <a:srgbClr val="FFFFFF"/>
+                </a:highlight>
+                <a:latin typeface="Calibri"/>
+                <a:ea typeface="Calibri"/>
+                <a:cs typeface="Calibri"/>
+                <a:sym typeface="Calibri"/>
+              </a:rPr>
+              <a:t>China</a:t>
+            </a:r>
+            <a:endParaRPr sz="800" b="0" i="0" u="none" strike="noStrike" cap="none">
+              <a:solidFill>
+                <a:srgbClr val="1F2937"/>
+              </a:solidFill>
+              <a:highlight>
+                <a:srgbClr val="FFFFFF"/>
+              </a:highlight>
+              <a:latin typeface="Calibri"/>
+              <a:ea typeface="Calibri"/>
+              <a:cs typeface="Calibri"/>
+              <a:sym typeface="Calibri"/>
+            </a:endParaRPr>
+          </a:p>
+        </p:txBody>
+      </p:sp>
+      <p:sp>
+        <p:nvSpPr>
+          <p:cNvPr id="128" name="Google Shape;128;p16"/>
+          <p:cNvSpPr/>
+          <p:nvPr/>
+        </p:nvSpPr>
+        <p:spPr>
+          <a:xfrm>
+            <a:off x="492264" y="2815162"/>
+            <a:ext cx="125400" cy="125400"/>
+          </a:xfrm>
+          <a:prstGeom prst="ellipse">
+            <a:avLst/>
+          </a:prstGeom>
+          <a:solidFill>
+            <a:srgbClr val="6AA84F"/>
+          </a:solidFill>
+          <a:ln w="9525" cap="flat" cmpd="sng">
+            <a:solidFill>
+              <a:srgbClr val="595959"/>
+            </a:solidFill>
+            <a:prstDash val="solid"/>
+            <a:round/>
+            <a:headEnd type="none" w="sm" len="sm"/>
+            <a:tailEnd type="none" w="sm" len="sm"/>
+          </a:ln>
+        </p:spPr>
+        <p:txBody>
+          <a:bodyPr spcFirstLastPara="1" wrap="square" lIns="91425" tIns="91425" rIns="91425" bIns="91425" anchor="ctr" anchorCtr="0">
+            <a:noAutofit/>
+          </a:bodyPr>
+          <a:lstStyle/>
+          <a:p>
+            <a:pPr marL="0" marR="0" lvl="0" indent="0" algn="ctr" rtl="0">
+              <a:lnSpc>
+                <a:spcPct val="100000"/>
+              </a:lnSpc>
+              <a:spcBef>
+                <a:spcPts val="0"/>
+              </a:spcBef>
+              <a:spcAft>
+                <a:spcPts val="0"/>
+              </a:spcAft>
+              <a:buClr>
+                <a:srgbClr val="000000"/>
+              </a:buClr>
+              <a:buSzPts val="1400"/>
+              <a:buFont typeface="Arial"/>
+              <a:buNone/>
+            </a:pPr>
+            <a:endParaRPr sz="1400" b="0" i="0" u="none" strike="noStrike" cap="none">
+              <a:solidFill>
+                <a:srgbClr val="000000"/>
+              </a:solidFill>
+              <a:latin typeface="Arial"/>
+              <a:ea typeface="Arial"/>
+              <a:cs typeface="Arial"/>
+              <a:sym typeface="Arial"/>
+            </a:endParaRPr>
+          </a:p>
+        </p:txBody>
+      </p:sp>
+      <p:sp>
+        <p:nvSpPr>
+          <p:cNvPr id="129" name="Google Shape;129;p16"/>
+          <p:cNvSpPr txBox="1"/>
+          <p:nvPr/>
+        </p:nvSpPr>
+        <p:spPr>
+          <a:xfrm>
+            <a:off x="6317400" y="1487425"/>
+            <a:ext cx="2775000" cy="341700"/>
+          </a:xfrm>
+          <a:prstGeom prst="rect">
+            <a:avLst/>
+          </a:prstGeom>
+          <a:solidFill>
+            <a:srgbClr val="FCE5CD"/>
+          </a:solidFill>
+          <a:ln w="9525" cap="flat" cmpd="sng">
+            <a:solidFill>
+              <a:srgbClr val="FF0000"/>
+            </a:solidFill>
+            <a:prstDash val="solid"/>
+            <a:round/>
+            <a:headEnd type="none" w="sm" len="sm"/>
+            <a:tailEnd type="none" w="sm" len="sm"/>
+          </a:ln>
+        </p:spPr>
+        <p:txBody>
+          <a:bodyPr spcFirstLastPara="1" wrap="square" lIns="9125" tIns="9125" rIns="9125" bIns="9125" anchor="t" anchorCtr="0">
+            <a:spAutoFit/>
+          </a:bodyPr>
+          <a:lstStyle/>
+          <a:p>
+            <a:pPr marL="171450" marR="0" lvl="0" indent="-133350" algn="l" rtl="0">
+              <a:lnSpc>
+                <a:spcPct val="100000"/>
+              </a:lnSpc>
+              <a:spcBef>
+                <a:spcPts val="0"/>
+              </a:spcBef>
+              <a:spcAft>
+                <a:spcPts val="0"/>
+              </a:spcAft>
+              <a:buClr>
+                <a:schemeClr val="dk1"/>
+              </a:buClr>
+              <a:buSzPts val="1200"/>
+              <a:buFont typeface="Calibri"/>
+              <a:buChar char="●"/>
+            </a:pPr>
+            <a:r>
+              <a:rPr lang="en" sz="1200">
+                <a:latin typeface="Calibri"/>
+                <a:ea typeface="Calibri"/>
+                <a:cs typeface="Calibri"/>
+                <a:sym typeface="Calibri"/>
+              </a:rPr>
+              <a:t>Grok 4 Benchmarks</a:t>
+            </a:r>
+            <a:endParaRPr sz="900">
+              <a:latin typeface="Calibri"/>
+              <a:ea typeface="Calibri"/>
+              <a:cs typeface="Calibri"/>
+              <a:sym typeface="Calibri"/>
+            </a:endParaRPr>
+          </a:p>
+          <a:p>
+            <a:pPr marL="171450" marR="0" lvl="0" indent="-114300" algn="l" rtl="0">
+              <a:lnSpc>
+                <a:spcPct val="100000"/>
+              </a:lnSpc>
+              <a:spcBef>
+                <a:spcPts val="0"/>
+              </a:spcBef>
+              <a:spcAft>
+                <a:spcPts val="0"/>
+              </a:spcAft>
+              <a:buClr>
+                <a:schemeClr val="dk1"/>
+              </a:buClr>
+              <a:buSzPts val="900"/>
+              <a:buFont typeface="Calibri"/>
+              <a:buChar char="●"/>
+            </a:pPr>
+            <a:r>
+              <a:rPr lang="en" sz="900" u="sng">
+                <a:solidFill>
+                  <a:schemeClr val="hlink"/>
+                </a:solidFill>
+                <a:latin typeface="Calibri"/>
+                <a:ea typeface="Calibri"/>
+                <a:cs typeface="Calibri"/>
+                <a:sym typeface="Calibri"/>
+                <a:hlinkClick r:id="rId30"/>
+              </a:rPr>
+              <a:t>https://artificialanalysis.ai/models/grok-4</a:t>
+            </a:r>
+            <a:r>
+              <a:rPr lang="en" sz="900">
+                <a:solidFill>
+                  <a:schemeClr val="dk1"/>
+                </a:solidFill>
+                <a:latin typeface="Calibri"/>
+                <a:ea typeface="Calibri"/>
+                <a:cs typeface="Calibri"/>
+                <a:sym typeface="Calibri"/>
+              </a:rPr>
+              <a:t> </a:t>
+            </a:r>
+            <a:endParaRPr sz="900">
+              <a:solidFill>
+                <a:schemeClr val="dk1"/>
+              </a:solidFill>
+              <a:latin typeface="Calibri"/>
+              <a:ea typeface="Calibri"/>
+              <a:cs typeface="Calibri"/>
+              <a:sym typeface="Calibri"/>
+            </a:endParaRPr>
+          </a:p>
+        </p:txBody>
+      </p:sp>
       <p:graphicFrame>
         <p:nvGraphicFramePr>
-          <p:cNvPr id="126" name="Google Shape;126;p16"/>
+          <p:cNvPr id="130" name="Google Shape;130;p16"/>
           <p:cNvGraphicFramePr/>
           <p:nvPr/>
         </p:nvGraphicFramePr>
         <p:xfrm>
-          <a:off x="656069" y="786155"/>
+          <a:off x="647410" y="780655"/>
           <a:ext cx="3000000" cy="3000000"/>
         </p:xfrm>
         <a:graphic>
@@ -35193,17 +36438,17 @@
             <a:tbl>
               <a:tblPr>
                 <a:noFill/>
-                <a:tableStyleId>{1A20187B-B581-45CF-AC6A-F9F3D1377116}</a:tableStyleId>
+                <a:tableStyleId>{DF1968CC-C84B-4EC3-A2AE-A21D5D0575CD}</a:tableStyleId>
               </a:tblPr>
               <a:tblGrid>
-                <a:gridCol w="2200275">
+                <a:gridCol w="2169600">
                   <a:extLst>
                     <a:ext uri="{9D8B030D-6E8A-4147-A177-3AD203B41FA5}">
                       <a16:colId xmlns:a16="http://schemas.microsoft.com/office/drawing/2014/main" val="20000"/>
                     </a:ext>
                   </a:extLst>
                 </a:gridCol>
-                <a:gridCol w="323850">
+                <a:gridCol w="315300">
                   <a:extLst>
                     <a:ext uri="{9D8B030D-6E8A-4147-A177-3AD203B41FA5}">
                       <a16:colId xmlns:a16="http://schemas.microsoft.com/office/drawing/2014/main" val="20001"/>
@@ -35211,7 +36456,7 @@
                   </a:extLst>
                 </a:gridCol>
               </a:tblGrid>
-              <a:tr h="155775">
+              <a:tr h="134725">
                 <a:tc>
                   <a:txBody>
                     <a:bodyPr/>
@@ -35370,7 +36615,7 @@
                   </a:ext>
                 </a:extLst>
               </a:tr>
-              <a:tr h="155775">
+              <a:tr h="134725">
                 <a:tc>
                   <a:txBody>
                     <a:bodyPr/>
@@ -35397,7 +36642,7 @@
                           <a:ea typeface="Calibri"/>
                           <a:cs typeface="Calibri"/>
                           <a:sym typeface="Calibri"/>
-                          <a:hlinkClick r:id="rId30">
+                          <a:hlinkClick r:id="rId31">
                             <a:extLst>
                               <a:ext uri="{A12FA001-AC4F-418D-AE19-62706E023703}">
                                 <ahyp:hlinkClr xmlns:ahyp="http://schemas.microsoft.com/office/drawing/2018/hyperlinkcolor" val="tx"/>
@@ -35487,7 +36732,7 @@
                           <a:cs typeface="Calibri"/>
                           <a:sym typeface="Calibri"/>
                         </a:rPr>
-                        <a:t>1463</a:t>
+                        <a:t>1465</a:t>
                       </a:r>
                       <a:endParaRPr sz="900">
                         <a:solidFill>
@@ -35548,7 +36793,7 @@
                   </a:ext>
                 </a:extLst>
               </a:tr>
-              <a:tr h="155775">
+              <a:tr h="134725">
                 <a:tc>
                   <a:txBody>
                     <a:bodyPr/>
@@ -35665,7 +36910,7 @@
                           <a:cs typeface="Calibri"/>
                           <a:sym typeface="Calibri"/>
                         </a:rPr>
-                        <a:t>1449</a:t>
+                        <a:t>1450</a:t>
                       </a:r>
                       <a:endParaRPr sz="900">
                         <a:solidFill>
@@ -35726,7 +36971,7 @@
                   </a:ext>
                 </a:extLst>
               </a:tr>
-              <a:tr h="155775">
+              <a:tr h="134725">
                 <a:tc>
                   <a:txBody>
                     <a:bodyPr/>
@@ -35753,7 +36998,7 @@
                           <a:ea typeface="Calibri"/>
                           <a:cs typeface="Calibri"/>
                           <a:sym typeface="Calibri"/>
-                          <a:hlinkClick r:id="rId31">
+                          <a:hlinkClick r:id="rId32">
                             <a:extLst>
                               <a:ext uri="{A12FA001-AC4F-418D-AE19-62706E023703}">
                                 <ahyp:hlinkClr xmlns:ahyp="http://schemas.microsoft.com/office/drawing/2018/hyperlinkcolor" val="tx"/>
@@ -35843,7 +37088,7 @@
                           <a:cs typeface="Calibri"/>
                           <a:sym typeface="Calibri"/>
                         </a:rPr>
-                        <a:t>1441</a:t>
+                        <a:t>1443</a:t>
                       </a:r>
                       <a:endParaRPr sz="900">
                         <a:solidFill>
@@ -35904,7 +37149,7 @@
                   </a:ext>
                 </a:extLst>
               </a:tr>
-              <a:tr h="155775">
+              <a:tr h="134725">
                 <a:tc>
                   <a:txBody>
                     <a:bodyPr/>
@@ -35931,7 +37176,7 @@
                           <a:ea typeface="Calibri"/>
                           <a:cs typeface="Calibri"/>
                           <a:sym typeface="Calibri"/>
-                          <a:hlinkClick r:id="rId32">
+                          <a:hlinkClick r:id="rId33">
                             <a:extLst>
                               <a:ext uri="{A12FA001-AC4F-418D-AE19-62706E023703}">
                                 <ahyp:hlinkClr xmlns:ahyp="http://schemas.microsoft.com/office/drawing/2018/hyperlinkcolor" val="tx"/>
@@ -36082,7 +37327,7 @@
                   </a:ext>
                 </a:extLst>
               </a:tr>
-              <a:tr h="155775">
+              <a:tr h="134725">
                 <a:tc>
                   <a:txBody>
                     <a:bodyPr/>
@@ -36260,7 +37505,7 @@
                   </a:ext>
                 </a:extLst>
               </a:tr>
-              <a:tr h="155775">
+              <a:tr h="134725">
                 <a:tc>
                   <a:txBody>
                     <a:bodyPr/>
@@ -36287,7 +37532,7 @@
                           <a:ea typeface="Calibri"/>
                           <a:cs typeface="Calibri"/>
                           <a:sym typeface="Calibri"/>
-                          <a:hlinkClick r:id="rId33">
+                          <a:hlinkClick r:id="rId34">
                             <a:extLst>
                               <a:ext uri="{A12FA001-AC4F-418D-AE19-62706E023703}">
                                 <ahyp:hlinkClr xmlns:ahyp="http://schemas.microsoft.com/office/drawing/2018/hyperlinkcolor" val="tx"/>
@@ -36377,7 +37622,7 @@
                           <a:cs typeface="Calibri"/>
                           <a:sym typeface="Calibri"/>
                         </a:rPr>
-                        <a:t>1415</a:t>
+                        <a:t>1416</a:t>
                       </a:r>
                       <a:endParaRPr sz="900">
                         <a:solidFill>
@@ -36438,7 +37683,7 @@
                   </a:ext>
                 </a:extLst>
               </a:tr>
-              <a:tr h="155775">
+              <a:tr h="134725">
                 <a:tc>
                   <a:txBody>
                     <a:bodyPr/>
@@ -36555,7 +37800,7 @@
                           <a:cs typeface="Calibri"/>
                           <a:sym typeface="Calibri"/>
                         </a:rPr>
-                        <a:t>1413</a:t>
+                        <a:t>1414</a:t>
                       </a:r>
                       <a:endParaRPr sz="900">
                         <a:solidFill>
@@ -36616,7 +37861,7 @@
                   </a:ext>
                 </a:extLst>
               </a:tr>
-              <a:tr h="155775">
+              <a:tr h="134725">
                 <a:tc>
                   <a:txBody>
                     <a:bodyPr/>
@@ -36794,7 +38039,7 @@
                   </a:ext>
                 </a:extLst>
               </a:tr>
-              <a:tr h="155775">
+              <a:tr h="134725">
                 <a:tc>
                   <a:txBody>
                     <a:bodyPr/>
@@ -36821,7 +38066,7 @@
                           <a:ea typeface="Calibri"/>
                           <a:cs typeface="Calibri"/>
                           <a:sym typeface="Calibri"/>
-                          <a:hlinkClick r:id="rId34">
+                          <a:hlinkClick r:id="rId35">
                             <a:extLst>
                               <a:ext uri="{A12FA001-AC4F-418D-AE19-62706E023703}">
                                 <ahyp:hlinkClr xmlns:ahyp="http://schemas.microsoft.com/office/drawing/2018/hyperlinkcolor" val="tx"/>
@@ -36911,7 +38156,7 @@
                           <a:cs typeface="Calibri"/>
                           <a:sym typeface="Calibri"/>
                         </a:rPr>
-                        <a:t>1408</a:t>
+                        <a:t>1409</a:t>
                       </a:r>
                       <a:endParaRPr sz="900">
                         <a:solidFill>
@@ -36972,7 +38217,7 @@
                   </a:ext>
                 </a:extLst>
               </a:tr>
-              <a:tr h="155775">
+              <a:tr h="134725">
                 <a:tc>
                   <a:txBody>
                     <a:bodyPr/>
@@ -36999,7 +38244,185 @@
                           <a:ea typeface="Calibri"/>
                           <a:cs typeface="Calibri"/>
                           <a:sym typeface="Calibri"/>
-                          <a:hlinkClick r:id="rId35">
+                          <a:hlinkClick r:id="rId25">
+                            <a:extLst>
+                              <a:ext uri="{A12FA001-AC4F-418D-AE19-62706E023703}">
+                                <ahyp:hlinkClr xmlns:ahyp="http://schemas.microsoft.com/office/drawing/2018/hyperlinkcolor" val="tx"/>
+                              </a:ext>
+                            </a:extLst>
+                          </a:hlinkClick>
+                        </a:rPr>
+                        <a:t>qwen3-235b-a22b-no-thinking</a:t>
+                      </a:r>
+                      <a:endParaRPr sz="900" u="sng">
+                        <a:solidFill>
+                          <a:srgbClr val="1155CC"/>
+                        </a:solidFill>
+                        <a:latin typeface="Calibri"/>
+                        <a:ea typeface="Calibri"/>
+                        <a:cs typeface="Calibri"/>
+                        <a:sym typeface="Calibri"/>
+                      </a:endParaRPr>
+                    </a:p>
+                  </a:txBody>
+                  <a:tcPr marL="28575" marR="28575" marT="19050" marB="19050" anchor="b">
+                    <a:lnL w="9525" cap="flat" cmpd="sng">
+                      <a:solidFill>
+                        <a:srgbClr val="FF0000"/>
+                      </a:solidFill>
+                      <a:prstDash val="solid"/>
+                      <a:round/>
+                      <a:headEnd type="none" w="sm" len="sm"/>
+                      <a:tailEnd type="none" w="sm" len="sm"/>
+                    </a:lnL>
+                    <a:lnR w="9525" cap="flat" cmpd="sng">
+                      <a:solidFill>
+                        <a:srgbClr val="FF0000"/>
+                      </a:solidFill>
+                      <a:prstDash val="solid"/>
+                      <a:round/>
+                      <a:headEnd type="none" w="sm" len="sm"/>
+                      <a:tailEnd type="none" w="sm" len="sm"/>
+                    </a:lnR>
+                    <a:lnT w="9525" cap="flat" cmpd="sng">
+                      <a:solidFill>
+                        <a:srgbClr val="FF0000"/>
+                      </a:solidFill>
+                      <a:prstDash val="solid"/>
+                      <a:round/>
+                      <a:headEnd type="none" w="sm" len="sm"/>
+                      <a:tailEnd type="none" w="sm" len="sm"/>
+                    </a:lnT>
+                    <a:lnB w="9525" cap="flat" cmpd="sng">
+                      <a:solidFill>
+                        <a:srgbClr val="FF0000"/>
+                      </a:solidFill>
+                      <a:prstDash val="solid"/>
+                      <a:round/>
+                      <a:headEnd type="none" w="sm" len="sm"/>
+                      <a:tailEnd type="none" w="sm" len="sm"/>
+                    </a:lnB>
+                    <a:solidFill>
+                      <a:srgbClr val="FFFFFF"/>
+                    </a:solidFill>
+                  </a:tcPr>
+                </a:tc>
+                <a:tc>
+                  <a:txBody>
+                    <a:bodyPr/>
+                    <a:lstStyle/>
+                    <a:p>
+                      <a:pPr marL="0" lvl="0" indent="0" algn="r" rtl="0">
+                        <a:lnSpc>
+                          <a:spcPct val="115000"/>
+                        </a:lnSpc>
+                        <a:spcBef>
+                          <a:spcPts val="0"/>
+                        </a:spcBef>
+                        <a:spcAft>
+                          <a:spcPts val="0"/>
+                        </a:spcAft>
+                        <a:buNone/>
+                      </a:pPr>
+                      <a:r>
+                        <a:rPr lang="en" sz="900">
+                          <a:solidFill>
+                            <a:srgbClr val="5D6272"/>
+                          </a:solidFill>
+                          <a:latin typeface="Calibri"/>
+                          <a:ea typeface="Calibri"/>
+                          <a:cs typeface="Calibri"/>
+                          <a:sym typeface="Calibri"/>
+                        </a:rPr>
+                        <a:t>1399</a:t>
+                      </a:r>
+                      <a:endParaRPr sz="900">
+                        <a:solidFill>
+                          <a:srgbClr val="5D6272"/>
+                        </a:solidFill>
+                        <a:latin typeface="Calibri"/>
+                        <a:ea typeface="Calibri"/>
+                        <a:cs typeface="Calibri"/>
+                        <a:sym typeface="Calibri"/>
+                      </a:endParaRPr>
+                    </a:p>
+                  </a:txBody>
+                  <a:tcPr marL="28575" marR="28575" marT="19050" marB="19050" anchor="b">
+                    <a:lnL w="9525" cap="flat" cmpd="sng">
+                      <a:solidFill>
+                        <a:srgbClr val="FF0000"/>
+                      </a:solidFill>
+                      <a:prstDash val="solid"/>
+                      <a:round/>
+                      <a:headEnd type="none" w="sm" len="sm"/>
+                      <a:tailEnd type="none" w="sm" len="sm"/>
+                    </a:lnL>
+                    <a:lnR w="9525" cap="flat" cmpd="sng">
+                      <a:solidFill>
+                        <a:srgbClr val="FF0000"/>
+                      </a:solidFill>
+                      <a:prstDash val="solid"/>
+                      <a:round/>
+                      <a:headEnd type="none" w="sm" len="sm"/>
+                      <a:tailEnd type="none" w="sm" len="sm"/>
+                    </a:lnR>
+                    <a:lnT w="9525" cap="flat" cmpd="sng">
+                      <a:solidFill>
+                        <a:srgbClr val="FF0000"/>
+                      </a:solidFill>
+                      <a:prstDash val="solid"/>
+                      <a:round/>
+                      <a:headEnd type="none" w="sm" len="sm"/>
+                      <a:tailEnd type="none" w="sm" len="sm"/>
+                    </a:lnT>
+                    <a:lnB w="9525" cap="flat" cmpd="sng">
+                      <a:solidFill>
+                        <a:srgbClr val="FF0000"/>
+                      </a:solidFill>
+                      <a:prstDash val="solid"/>
+                      <a:round/>
+                      <a:headEnd type="none" w="sm" len="sm"/>
+                      <a:tailEnd type="none" w="sm" len="sm"/>
+                    </a:lnB>
+                    <a:solidFill>
+                      <a:srgbClr val="FFFFFF"/>
+                    </a:solidFill>
+                  </a:tcPr>
+                </a:tc>
+                <a:extLst>
+                  <a:ext uri="{0D108BD9-81ED-4DB2-BD59-A6C34878D82A}">
+                    <a16:rowId xmlns:a16="http://schemas.microsoft.com/office/drawing/2014/main" val="10010"/>
+                  </a:ext>
+                </a:extLst>
+              </a:tr>
+              <a:tr h="134725">
+                <a:tc>
+                  <a:txBody>
+                    <a:bodyPr/>
+                    <a:lstStyle/>
+                    <a:p>
+                      <a:pPr marL="0" lvl="0" indent="0" algn="l" rtl="0">
+                        <a:lnSpc>
+                          <a:spcPct val="115000"/>
+                        </a:lnSpc>
+                        <a:spcBef>
+                          <a:spcPts val="0"/>
+                        </a:spcBef>
+                        <a:spcAft>
+                          <a:spcPts val="0"/>
+                        </a:spcAft>
+                        <a:buNone/>
+                      </a:pPr>
+                      <a:r>
+                        <a:rPr lang="en" sz="900" u="sng">
+                          <a:solidFill>
+                            <a:srgbClr val="1155CC"/>
+                          </a:solidFill>
+                          <a:latin typeface="Calibri"/>
+                          <a:ea typeface="Calibri"/>
+                          <a:cs typeface="Calibri"/>
+                          <a:sym typeface="Calibri"/>
+                          <a:hlinkClick r:id="rId36">
                             <a:extLst>
                               <a:ext uri="{A12FA001-AC4F-418D-AE19-62706E023703}">
                                 <ahyp:hlinkClr xmlns:ahyp="http://schemas.microsoft.com/office/drawing/2018/hyperlinkcolor" val="tx"/>
@@ -37146,11 +38569,11 @@
                 </a:tc>
                 <a:extLst>
                   <a:ext uri="{0D108BD9-81ED-4DB2-BD59-A6C34878D82A}">
-                    <a16:rowId xmlns:a16="http://schemas.microsoft.com/office/drawing/2014/main" val="10010"/>
+                    <a16:rowId xmlns:a16="http://schemas.microsoft.com/office/drawing/2014/main" val="10011"/>
                   </a:ext>
                 </a:extLst>
               </a:tr>
-              <a:tr h="155775">
+              <a:tr h="134725">
                 <a:tc>
                   <a:txBody>
                     <a:bodyPr/>
@@ -37267,7 +38690,7 @@
                           <a:cs typeface="Calibri"/>
                           <a:sym typeface="Calibri"/>
                         </a:rPr>
-                        <a:t>1398</a:t>
+                        <a:t>1399</a:t>
                       </a:r>
                       <a:endParaRPr sz="900">
                         <a:solidFill>
@@ -37324,11 +38747,11 @@
                 </a:tc>
                 <a:extLst>
                   <a:ext uri="{0D108BD9-81ED-4DB2-BD59-A6C34878D82A}">
-                    <a16:rowId xmlns:a16="http://schemas.microsoft.com/office/drawing/2014/main" val="10011"/>
+                    <a16:rowId xmlns:a16="http://schemas.microsoft.com/office/drawing/2014/main" val="10012"/>
                   </a:ext>
                 </a:extLst>
               </a:tr>
-              <a:tr h="155775">
+              <a:tr h="134725">
                 <a:tc>
                   <a:txBody>
                     <a:bodyPr/>
@@ -37355,7 +38778,7 @@
                           <a:ea typeface="Calibri"/>
                           <a:cs typeface="Calibri"/>
                           <a:sym typeface="Calibri"/>
-                          <a:hlinkClick r:id="rId36">
+                          <a:hlinkClick r:id="rId37">
                             <a:extLst>
                               <a:ext uri="{A12FA001-AC4F-418D-AE19-62706E023703}">
                                 <ahyp:hlinkClr xmlns:ahyp="http://schemas.microsoft.com/office/drawing/2018/hyperlinkcolor" val="tx"/>
@@ -37502,11 +38925,11 @@
                 </a:tc>
                 <a:extLst>
                   <a:ext uri="{0D108BD9-81ED-4DB2-BD59-A6C34878D82A}">
-                    <a16:rowId xmlns:a16="http://schemas.microsoft.com/office/drawing/2014/main" val="10012"/>
+                    <a16:rowId xmlns:a16="http://schemas.microsoft.com/office/drawing/2014/main" val="10013"/>
                   </a:ext>
                 </a:extLst>
               </a:tr>
-              <a:tr h="155775">
+              <a:tr h="134725">
                 <a:tc>
                   <a:txBody>
                     <a:bodyPr/>
@@ -37533,7 +38956,7 @@
                           <a:ea typeface="Calibri"/>
                           <a:cs typeface="Calibri"/>
                           <a:sym typeface="Calibri"/>
-                          <a:hlinkClick r:id="rId25">
+                          <a:hlinkClick r:id="rId38">
                             <a:extLst>
                               <a:ext uri="{A12FA001-AC4F-418D-AE19-62706E023703}">
                                 <ahyp:hlinkClr xmlns:ahyp="http://schemas.microsoft.com/office/drawing/2018/hyperlinkcolor" val="tx"/>
@@ -37541,7 +38964,7 @@
                             </a:extLst>
                           </a:hlinkClick>
                         </a:rPr>
-                        <a:t>qwen3-235b-a22b-no-thinking</a:t>
+                        <a:t>minimax-m1</a:t>
                       </a:r>
                       <a:endParaRPr sz="900" u="sng">
                         <a:solidFill>
@@ -37623,7 +39046,7 @@
                           <a:cs typeface="Calibri"/>
                           <a:sym typeface="Calibri"/>
                         </a:rPr>
-                        <a:t>1396</a:t>
+                        <a:t>1395</a:t>
                       </a:r>
                       <a:endParaRPr sz="900">
                         <a:solidFill>
@@ -37680,11 +39103,11 @@
                 </a:tc>
                 <a:extLst>
                   <a:ext uri="{0D108BD9-81ED-4DB2-BD59-A6C34878D82A}">
-                    <a16:rowId xmlns:a16="http://schemas.microsoft.com/office/drawing/2014/main" val="10013"/>
+                    <a16:rowId xmlns:a16="http://schemas.microsoft.com/office/drawing/2014/main" val="10014"/>
                   </a:ext>
                 </a:extLst>
               </a:tr>
-              <a:tr h="155775">
+              <a:tr h="134725">
                 <a:tc>
                   <a:txBody>
                     <a:bodyPr/>
@@ -37858,11 +39281,11 @@
                 </a:tc>
                 <a:extLst>
                   <a:ext uri="{0D108BD9-81ED-4DB2-BD59-A6C34878D82A}">
-                    <a16:rowId xmlns:a16="http://schemas.microsoft.com/office/drawing/2014/main" val="10014"/>
+                    <a16:rowId xmlns:a16="http://schemas.microsoft.com/office/drawing/2014/main" val="10015"/>
                   </a:ext>
                 </a:extLst>
               </a:tr>
-              <a:tr h="155775">
+              <a:tr h="134725">
                 <a:tc>
                   <a:txBody>
                     <a:bodyPr/>
@@ -38036,11 +39459,11 @@
                 </a:tc>
                 <a:extLst>
                   <a:ext uri="{0D108BD9-81ED-4DB2-BD59-A6C34878D82A}">
-                    <a16:rowId xmlns:a16="http://schemas.microsoft.com/office/drawing/2014/main" val="10015"/>
+                    <a16:rowId xmlns:a16="http://schemas.microsoft.com/office/drawing/2014/main" val="10016"/>
                   </a:ext>
                 </a:extLst>
               </a:tr>
-              <a:tr h="155775">
+              <a:tr h="134725">
                 <a:tc>
                   <a:txBody>
                     <a:bodyPr/>
@@ -38067,185 +39490,7 @@
                           <a:ea typeface="Calibri"/>
                           <a:cs typeface="Calibri"/>
                           <a:sym typeface="Calibri"/>
-                          <a:hlinkClick r:id="rId37">
-                            <a:extLst>
-                              <a:ext uri="{A12FA001-AC4F-418D-AE19-62706E023703}">
-                                <ahyp:hlinkClr xmlns:ahyp="http://schemas.microsoft.com/office/drawing/2018/hyperlinkcolor" val="tx"/>
-                              </a:ext>
-                            </a:extLst>
-                          </a:hlinkClick>
-                        </a:rPr>
-                        <a:t>minimax-m1</a:t>
-                      </a:r>
-                      <a:endParaRPr sz="900" u="sng">
-                        <a:solidFill>
-                          <a:srgbClr val="1155CC"/>
-                        </a:solidFill>
-                        <a:latin typeface="Calibri"/>
-                        <a:ea typeface="Calibri"/>
-                        <a:cs typeface="Calibri"/>
-                        <a:sym typeface="Calibri"/>
-                      </a:endParaRPr>
-                    </a:p>
-                  </a:txBody>
-                  <a:tcPr marL="28575" marR="28575" marT="19050" marB="19050" anchor="b">
-                    <a:lnL w="9525" cap="flat" cmpd="sng">
-                      <a:solidFill>
-                        <a:srgbClr val="FF0000"/>
-                      </a:solidFill>
-                      <a:prstDash val="solid"/>
-                      <a:round/>
-                      <a:headEnd type="none" w="sm" len="sm"/>
-                      <a:tailEnd type="none" w="sm" len="sm"/>
-                    </a:lnL>
-                    <a:lnR w="9525" cap="flat" cmpd="sng">
-                      <a:solidFill>
-                        <a:srgbClr val="FF0000"/>
-                      </a:solidFill>
-                      <a:prstDash val="solid"/>
-                      <a:round/>
-                      <a:headEnd type="none" w="sm" len="sm"/>
-                      <a:tailEnd type="none" w="sm" len="sm"/>
-                    </a:lnR>
-                    <a:lnT w="9525" cap="flat" cmpd="sng">
-                      <a:solidFill>
-                        <a:srgbClr val="FF0000"/>
-                      </a:solidFill>
-                      <a:prstDash val="solid"/>
-                      <a:round/>
-                      <a:headEnd type="none" w="sm" len="sm"/>
-                      <a:tailEnd type="none" w="sm" len="sm"/>
-                    </a:lnT>
-                    <a:lnB w="9525" cap="flat" cmpd="sng">
-                      <a:solidFill>
-                        <a:srgbClr val="FF0000"/>
-                      </a:solidFill>
-                      <a:prstDash val="solid"/>
-                      <a:round/>
-                      <a:headEnd type="none" w="sm" len="sm"/>
-                      <a:tailEnd type="none" w="sm" len="sm"/>
-                    </a:lnB>
-                    <a:solidFill>
-                      <a:srgbClr val="FFFFFF"/>
-                    </a:solidFill>
-                  </a:tcPr>
-                </a:tc>
-                <a:tc>
-                  <a:txBody>
-                    <a:bodyPr/>
-                    <a:lstStyle/>
-                    <a:p>
-                      <a:pPr marL="0" lvl="0" indent="0" algn="r" rtl="0">
-                        <a:lnSpc>
-                          <a:spcPct val="115000"/>
-                        </a:lnSpc>
-                        <a:spcBef>
-                          <a:spcPts val="0"/>
-                        </a:spcBef>
-                        <a:spcAft>
-                          <a:spcPts val="0"/>
-                        </a:spcAft>
-                        <a:buNone/>
-                      </a:pPr>
-                      <a:r>
-                        <a:rPr lang="en" sz="900">
-                          <a:solidFill>
-                            <a:srgbClr val="5D6272"/>
-                          </a:solidFill>
-                          <a:latin typeface="Calibri"/>
-                          <a:ea typeface="Calibri"/>
-                          <a:cs typeface="Calibri"/>
-                          <a:sym typeface="Calibri"/>
-                        </a:rPr>
-                        <a:t>1391</a:t>
-                      </a:r>
-                      <a:endParaRPr sz="900">
-                        <a:solidFill>
-                          <a:srgbClr val="5D6272"/>
-                        </a:solidFill>
-                        <a:latin typeface="Calibri"/>
-                        <a:ea typeface="Calibri"/>
-                        <a:cs typeface="Calibri"/>
-                        <a:sym typeface="Calibri"/>
-                      </a:endParaRPr>
-                    </a:p>
-                  </a:txBody>
-                  <a:tcPr marL="28575" marR="28575" marT="19050" marB="19050" anchor="b">
-                    <a:lnL w="9525" cap="flat" cmpd="sng">
-                      <a:solidFill>
-                        <a:srgbClr val="FF0000"/>
-                      </a:solidFill>
-                      <a:prstDash val="solid"/>
-                      <a:round/>
-                      <a:headEnd type="none" w="sm" len="sm"/>
-                      <a:tailEnd type="none" w="sm" len="sm"/>
-                    </a:lnL>
-                    <a:lnR w="9525" cap="flat" cmpd="sng">
-                      <a:solidFill>
-                        <a:srgbClr val="FF0000"/>
-                      </a:solidFill>
-                      <a:prstDash val="solid"/>
-                      <a:round/>
-                      <a:headEnd type="none" w="sm" len="sm"/>
-                      <a:tailEnd type="none" w="sm" len="sm"/>
-                    </a:lnR>
-                    <a:lnT w="9525" cap="flat" cmpd="sng">
-                      <a:solidFill>
-                        <a:srgbClr val="FF0000"/>
-                      </a:solidFill>
-                      <a:prstDash val="solid"/>
-                      <a:round/>
-                      <a:headEnd type="none" w="sm" len="sm"/>
-                      <a:tailEnd type="none" w="sm" len="sm"/>
-                    </a:lnT>
-                    <a:lnB w="9525" cap="flat" cmpd="sng">
-                      <a:solidFill>
-                        <a:srgbClr val="FF0000"/>
-                      </a:solidFill>
-                      <a:prstDash val="solid"/>
-                      <a:round/>
-                      <a:headEnd type="none" w="sm" len="sm"/>
-                      <a:tailEnd type="none" w="sm" len="sm"/>
-                    </a:lnB>
-                    <a:solidFill>
-                      <a:srgbClr val="FFFFFF"/>
-                    </a:solidFill>
-                  </a:tcPr>
-                </a:tc>
-                <a:extLst>
-                  <a:ext uri="{0D108BD9-81ED-4DB2-BD59-A6C34878D82A}">
-                    <a16:rowId xmlns:a16="http://schemas.microsoft.com/office/drawing/2014/main" val="10016"/>
-                  </a:ext>
-                </a:extLst>
-              </a:tr>
-              <a:tr h="155775">
-                <a:tc>
-                  <a:txBody>
-                    <a:bodyPr/>
-                    <a:lstStyle/>
-                    <a:p>
-                      <a:pPr marL="0" lvl="0" indent="0" algn="l" rtl="0">
-                        <a:lnSpc>
-                          <a:spcPct val="115000"/>
-                        </a:lnSpc>
-                        <a:spcBef>
-                          <a:spcPts val="0"/>
-                        </a:spcBef>
-                        <a:spcAft>
-                          <a:spcPts val="0"/>
-                        </a:spcAft>
-                        <a:buNone/>
-                      </a:pPr>
-                      <a:r>
-                        <a:rPr lang="en" sz="900" u="sng">
-                          <a:solidFill>
-                            <a:srgbClr val="1155CC"/>
-                          </a:solidFill>
-                          <a:latin typeface="Calibri"/>
-                          <a:ea typeface="Calibri"/>
-                          <a:cs typeface="Calibri"/>
-                          <a:sym typeface="Calibri"/>
-                          <a:hlinkClick r:id="rId38">
+                          <a:hlinkClick r:id="rId39">
                             <a:extLst>
                               <a:ext uri="{A12FA001-AC4F-418D-AE19-62706E023703}">
                                 <ahyp:hlinkClr xmlns:ahyp="http://schemas.microsoft.com/office/drawing/2018/hyperlinkcolor" val="tx"/>
@@ -38396,7 +39641,7 @@
                   </a:ext>
                 </a:extLst>
               </a:tr>
-              <a:tr h="155775">
+              <a:tr h="134725">
                 <a:tc>
                   <a:txBody>
                     <a:bodyPr/>
@@ -38513,7 +39758,7 @@
                           <a:cs typeface="Calibri"/>
                           <a:sym typeface="Calibri"/>
                         </a:rPr>
-                        <a:t>1385</a:t>
+                        <a:t>1386</a:t>
                       </a:r>
                       <a:endParaRPr sz="900">
                         <a:solidFill>
@@ -38574,7 +39819,7 @@
                   </a:ext>
                 </a:extLst>
               </a:tr>
-              <a:tr h="155775">
+              <a:tr h="134725">
                 <a:tc>
                   <a:txBody>
                     <a:bodyPr/>
@@ -38601,7 +39846,7 @@
                           <a:ea typeface="Calibri"/>
                           <a:cs typeface="Calibri"/>
                           <a:sym typeface="Calibri"/>
-                          <a:hlinkClick r:id="rId39">
+                          <a:hlinkClick r:id="rId40">
                             <a:extLst>
                               <a:ext uri="{A12FA001-AC4F-418D-AE19-62706E023703}">
                                 <ahyp:hlinkClr xmlns:ahyp="http://schemas.microsoft.com/office/drawing/2018/hyperlinkcolor" val="tx"/>
@@ -38691,7 +39936,7 @@
                           <a:cs typeface="Calibri"/>
                           <a:sym typeface="Calibri"/>
                         </a:rPr>
-                        <a:t>1382</a:t>
+                        <a:t>1383</a:t>
                       </a:r>
                       <a:endParaRPr sz="900">
                         <a:solidFill>
@@ -38752,7 +39997,7 @@
                   </a:ext>
                 </a:extLst>
               </a:tr>
-              <a:tr h="155775">
+              <a:tr h="134725">
                 <a:tc>
                   <a:txBody>
                     <a:bodyPr/>
@@ -38779,7 +40024,7 @@
                           <a:ea typeface="Calibri"/>
                           <a:cs typeface="Calibri"/>
                           <a:sym typeface="Calibri"/>
-                          <a:hlinkClick r:id="rId40">
+                          <a:hlinkClick r:id="rId41">
                             <a:extLst>
                               <a:ext uri="{A12FA001-AC4F-418D-AE19-62706E023703}">
                                 <ahyp:hlinkClr xmlns:ahyp="http://schemas.microsoft.com/office/drawing/2018/hyperlinkcolor" val="tx"/>
@@ -38934,91 +40179,48 @@
           </a:graphicData>
         </a:graphic>
       </p:graphicFrame>
+    </p:spTree>
+  </p:cSld>
+  <p:clrMapOvr>
+    <a:masterClrMapping/>
+  </p:clrMapOvr>
+</p:sld>
+</file>
+
+<file path=ppt/slides/slide20.xml><?xml version="1.0" encoding="utf-8"?>
+<p:sld xmlns:a="http://schemas.openxmlformats.org/drawingml/2006/main" xmlns:r="http://schemas.openxmlformats.org/officeDocument/2006/relationships" xmlns:p="http://schemas.openxmlformats.org/presentationml/2006/main">
+  <p:cSld>
+    <p:spTree>
+      <p:nvGrpSpPr>
+        <p:cNvPr id="1" name="Shape 307"/>
+        <p:cNvGrpSpPr/>
+        <p:nvPr/>
+      </p:nvGrpSpPr>
+      <p:grpSpPr>
+        <a:xfrm>
+          <a:off x="0" y="0"/>
+          <a:ext cx="0" cy="0"/>
+          <a:chOff x="0" y="0"/>
+          <a:chExt cx="0" cy="0"/>
+        </a:xfrm>
+      </p:grpSpPr>
       <p:sp>
         <p:nvSpPr>
-          <p:cNvPr id="127" name="Google Shape;127;p16"/>
-          <p:cNvSpPr/>
-          <p:nvPr/>
-        </p:nvSpPr>
-        <p:spPr>
-          <a:xfrm>
-            <a:off x="485139" y="1411201"/>
-            <a:ext cx="125400" cy="125400"/>
-          </a:xfrm>
-          <a:prstGeom prst="ellipse">
-            <a:avLst/>
-          </a:prstGeom>
-          <a:solidFill>
-            <a:srgbClr val="FFFF00"/>
-          </a:solidFill>
-          <a:ln w="9525" cap="flat" cmpd="sng">
-            <a:solidFill>
-              <a:srgbClr val="595959"/>
-            </a:solidFill>
-            <a:prstDash val="solid"/>
-            <a:round/>
-            <a:headEnd type="none" w="sm" len="sm"/>
-            <a:tailEnd type="none" w="sm" len="sm"/>
-          </a:ln>
-        </p:spPr>
-        <p:txBody>
-          <a:bodyPr spcFirstLastPara="1" wrap="square" lIns="91425" tIns="91425" rIns="91425" bIns="91425" anchor="ctr" anchorCtr="0">
-            <a:noAutofit/>
-          </a:bodyPr>
-          <a:lstStyle/>
-          <a:p>
-            <a:pPr marL="0" marR="0" lvl="0" indent="0" algn="ctr" rtl="0">
-              <a:lnSpc>
-                <a:spcPct val="100000"/>
-              </a:lnSpc>
-              <a:spcBef>
-                <a:spcPts val="0"/>
-              </a:spcBef>
-              <a:spcAft>
-                <a:spcPts val="0"/>
-              </a:spcAft>
-              <a:buClr>
-                <a:srgbClr val="000000"/>
-              </a:buClr>
-              <a:buSzPts val="1400"/>
-              <a:buFont typeface="Arial"/>
-              <a:buNone/>
-            </a:pPr>
-            <a:endParaRPr sz="1400" b="0" i="0" u="none" strike="noStrike" cap="none">
-              <a:solidFill>
-                <a:srgbClr val="000000"/>
-              </a:solidFill>
-              <a:latin typeface="Arial"/>
-              <a:ea typeface="Arial"/>
-              <a:cs typeface="Arial"/>
-              <a:sym typeface="Arial"/>
-            </a:endParaRPr>
-          </a:p>
-        </p:txBody>
-      </p:sp>
-      <p:sp>
-        <p:nvSpPr>
-          <p:cNvPr id="128" name="Google Shape;128;p16"/>
+          <p:cNvPr id="308" name="Google Shape;308;p34"/>
           <p:cNvSpPr txBox="1"/>
           <p:nvPr/>
         </p:nvSpPr>
         <p:spPr>
           <a:xfrm>
-            <a:off x="192998" y="3208559"/>
-            <a:ext cx="287100" cy="141600"/>
+            <a:off x="67350" y="52750"/>
+            <a:ext cx="3179400" cy="326400"/>
           </a:xfrm>
           <a:prstGeom prst="rect">
             <a:avLst/>
           </a:prstGeom>
           <a:noFill/>
-          <a:ln w="9525" cap="flat" cmpd="sng">
-            <a:solidFill>
-              <a:srgbClr val="FF0000"/>
-            </a:solidFill>
-            <a:prstDash val="solid"/>
-            <a:round/>
-            <a:headEnd type="none" w="sm" len="sm"/>
-            <a:tailEnd type="none" w="sm" len="sm"/>
+          <a:ln>
+            <a:noFill/>
           </a:ln>
         </p:spPr>
         <p:txBody>
@@ -39038,34 +40240,28 @@
                 <a:spcPts val="0"/>
               </a:spcAft>
               <a:buClr>
-                <a:srgbClr val="000000"/>
+                <a:schemeClr val="dk1"/>
               </a:buClr>
               <a:buSzPts val="1100"/>
               <a:buFont typeface="Arial"/>
               <a:buNone/>
             </a:pPr>
             <a:r>
-              <a:rPr lang="en" sz="800" b="0" i="0" u="none" strike="noStrike" cap="none">
-                <a:solidFill>
-                  <a:srgbClr val="1F2937"/>
-                </a:solidFill>
-                <a:highlight>
-                  <a:srgbClr val="FFFFFF"/>
-                </a:highlight>
-                <a:latin typeface="Calibri"/>
-                <a:ea typeface="Calibri"/>
-                <a:cs typeface="Calibri"/>
-                <a:sym typeface="Calibri"/>
-              </a:rPr>
-              <a:t>China</a:t>
-            </a:r>
-            <a:endParaRPr sz="800" b="0" i="0" u="none" strike="noStrike" cap="none">
-              <a:solidFill>
-                <a:srgbClr val="1F2937"/>
-              </a:solidFill>
-              <a:highlight>
-                <a:srgbClr val="FFFFFF"/>
-              </a:highlight>
+              <a:rPr lang="en" sz="2000" b="1" i="0" u="none" strike="noStrike" cap="none">
+                <a:solidFill>
+                  <a:schemeClr val="dk1"/>
+                </a:solidFill>
+                <a:latin typeface="Calibri"/>
+                <a:ea typeface="Calibri"/>
+                <a:cs typeface="Calibri"/>
+                <a:sym typeface="Calibri"/>
+              </a:rPr>
+              <a:t>Jobs</a:t>
+            </a:r>
+            <a:endParaRPr sz="2000" b="1" i="0" u="none" strike="noStrike" cap="none">
+              <a:solidFill>
+                <a:schemeClr val="dk1"/>
+              </a:solidFill>
               <a:latin typeface="Calibri"/>
               <a:ea typeface="Calibri"/>
               <a:cs typeface="Calibri"/>
@@ -39076,82 +40272,20 @@
       </p:sp>
       <p:sp>
         <p:nvSpPr>
-          <p:cNvPr id="129" name="Google Shape;129;p16"/>
-          <p:cNvSpPr/>
-          <p:nvPr/>
-        </p:nvSpPr>
-        <p:spPr>
-          <a:xfrm>
-            <a:off x="492264" y="3215806"/>
-            <a:ext cx="125400" cy="125400"/>
-          </a:xfrm>
-          <a:prstGeom prst="ellipse">
-            <a:avLst/>
-          </a:prstGeom>
-          <a:solidFill>
-            <a:srgbClr val="6AA84F"/>
-          </a:solidFill>
-          <a:ln w="9525" cap="flat" cmpd="sng">
-            <a:solidFill>
-              <a:srgbClr val="595959"/>
-            </a:solidFill>
-            <a:prstDash val="solid"/>
-            <a:round/>
-            <a:headEnd type="none" w="sm" len="sm"/>
-            <a:tailEnd type="none" w="sm" len="sm"/>
-          </a:ln>
-        </p:spPr>
-        <p:txBody>
-          <a:bodyPr spcFirstLastPara="1" wrap="square" lIns="91425" tIns="91425" rIns="91425" bIns="91425" anchor="ctr" anchorCtr="0">
-            <a:noAutofit/>
-          </a:bodyPr>
-          <a:lstStyle/>
-          <a:p>
-            <a:pPr marL="0" marR="0" lvl="0" indent="0" algn="ctr" rtl="0">
-              <a:lnSpc>
-                <a:spcPct val="100000"/>
-              </a:lnSpc>
-              <a:spcBef>
-                <a:spcPts val="0"/>
-              </a:spcBef>
-              <a:spcAft>
-                <a:spcPts val="0"/>
-              </a:spcAft>
-              <a:buClr>
-                <a:srgbClr val="000000"/>
-              </a:buClr>
-              <a:buSzPts val="1400"/>
-              <a:buFont typeface="Arial"/>
-              <a:buNone/>
-            </a:pPr>
-            <a:endParaRPr sz="1400" b="0" i="0" u="none" strike="noStrike" cap="none">
-              <a:solidFill>
-                <a:srgbClr val="000000"/>
-              </a:solidFill>
-              <a:latin typeface="Arial"/>
-              <a:ea typeface="Arial"/>
-              <a:cs typeface="Arial"/>
-              <a:sym typeface="Arial"/>
-            </a:endParaRPr>
-          </a:p>
-        </p:txBody>
-      </p:sp>
-      <p:sp>
-        <p:nvSpPr>
-          <p:cNvPr id="130" name="Google Shape;130;p16"/>
+          <p:cNvPr id="309" name="Google Shape;309;p34"/>
           <p:cNvSpPr txBox="1"/>
           <p:nvPr/>
         </p:nvSpPr>
         <p:spPr>
           <a:xfrm>
-            <a:off x="6317400" y="1487425"/>
-            <a:ext cx="2775000" cy="341700"/>
+            <a:off x="2102050" y="77475"/>
+            <a:ext cx="1800600" cy="387900"/>
           </a:xfrm>
           <a:prstGeom prst="rect">
             <a:avLst/>
           </a:prstGeom>
           <a:solidFill>
-            <a:srgbClr val="FCE5CD"/>
+            <a:srgbClr val="FFF2CC"/>
           </a:solidFill>
           <a:ln w="9525" cap="flat" cmpd="sng">
             <a:solidFill>
@@ -39179,23 +40313,24 @@
               <a:spcAft>
                 <a:spcPts val="0"/>
               </a:spcAft>
-              <a:buClr>
-                <a:schemeClr val="dk1"/>
-              </a:buClr>
               <a:buSzPts val="1200"/>
               <a:buFont typeface="Calibri"/>
               <a:buChar char="●"/>
             </a:pPr>
             <a:r>
-              <a:rPr lang="en" sz="1200">
-                <a:latin typeface="Calibri"/>
-                <a:ea typeface="Calibri"/>
-                <a:cs typeface="Calibri"/>
-                <a:sym typeface="Calibri"/>
-              </a:rPr>
-              <a:t>Grok 4 Benchmarks</a:t>
-            </a:r>
-            <a:endParaRPr sz="900">
+              <a:rPr lang="en" sz="1200" b="0" i="0" u="sng" strike="noStrike" cap="none">
+                <a:solidFill>
+                  <a:schemeClr val="hlink"/>
+                </a:solidFill>
+                <a:latin typeface="Calibri"/>
+                <a:ea typeface="Calibri"/>
+                <a:cs typeface="Calibri"/>
+                <a:sym typeface="Calibri"/>
+                <a:hlinkClick r:id="rId3"/>
+              </a:rPr>
+              <a:t>https://layoffs.fyi</a:t>
+            </a:r>
+            <a:endParaRPr sz="1200">
               <a:latin typeface="Calibri"/>
               <a:ea typeface="Calibri"/>
               <a:cs typeface="Calibri"/>
@@ -39203,25 +40338,22 @@
             </a:endParaRPr>
           </a:p>
           <a:p>
-            <a:pPr marL="171450" marR="0" lvl="0" indent="-114300" algn="l" rtl="0">
-              <a:lnSpc>
-                <a:spcPct val="100000"/>
-              </a:lnSpc>
-              <a:spcBef>
-                <a:spcPts val="0"/>
-              </a:spcBef>
-              <a:spcAft>
-                <a:spcPts val="0"/>
-              </a:spcAft>
-              <a:buClr>
-                <a:schemeClr val="dk1"/>
-              </a:buClr>
-              <a:buSzPts val="900"/>
+            <a:pPr marL="171450" marR="0" lvl="0" indent="-133350" algn="l" rtl="0">
+              <a:lnSpc>
+                <a:spcPct val="100000"/>
+              </a:lnSpc>
+              <a:spcBef>
+                <a:spcPts val="0"/>
+              </a:spcBef>
+              <a:spcAft>
+                <a:spcPts val="0"/>
+              </a:spcAft>
+              <a:buSzPts val="1200"/>
               <a:buFont typeface="Calibri"/>
               <a:buChar char="●"/>
             </a:pPr>
             <a:r>
-              <a:rPr lang="en" sz="900" u="sng">
+              <a:rPr lang="en" sz="1200" u="sng">
                 <a:solidFill>
                   <a:schemeClr val="hlink"/>
                 </a:solidFill>
@@ -39229,15 +40361,12 @@
                 <a:ea typeface="Calibri"/>
                 <a:cs typeface="Calibri"/>
                 <a:sym typeface="Calibri"/>
-                <a:hlinkClick r:id="rId41"/>
-              </a:rPr>
-              <a:t>https://artificialanalysis.ai/models/grok-4</a:t>
-            </a:r>
-            <a:r>
-              <a:rPr lang="en" sz="900">
-                <a:solidFill>
-                  <a:schemeClr val="dk1"/>
-                </a:solidFill>
+                <a:hlinkClick r:id="rId4"/>
+              </a:rPr>
+              <a:t>https://trueup.io/layoffs</a:t>
+            </a:r>
+            <a:r>
+              <a:rPr lang="en" sz="1200">
                 <a:latin typeface="Calibri"/>
                 <a:ea typeface="Calibri"/>
                 <a:cs typeface="Calibri"/>
@@ -39245,9 +40374,21 @@
               </a:rPr>
               <a:t> </a:t>
             </a:r>
-            <a:endParaRPr sz="900">
-              <a:solidFill>
-                <a:schemeClr val="dk1"/>
+            <a:r>
+              <a:rPr lang="en" sz="1200" b="0" i="0" u="none" strike="noStrike" cap="none">
+                <a:solidFill>
+                  <a:srgbClr val="000000"/>
+                </a:solidFill>
+                <a:latin typeface="Calibri"/>
+                <a:ea typeface="Calibri"/>
+                <a:cs typeface="Calibri"/>
+                <a:sym typeface="Calibri"/>
+              </a:rPr>
+              <a:t> </a:t>
+            </a:r>
+            <a:endParaRPr sz="1200" b="0" i="0" u="none" strike="noStrike" cap="none">
+              <a:solidFill>
+                <a:srgbClr val="000000"/>
               </a:solidFill>
               <a:latin typeface="Calibri"/>
               <a:ea typeface="Calibri"/>
@@ -39257,6 +40398,330 @@
           </a:p>
         </p:txBody>
       </p:sp>
+      <p:sp>
+        <p:nvSpPr>
+          <p:cNvPr id="310" name="Google Shape;310;p34"/>
+          <p:cNvSpPr txBox="1"/>
+          <p:nvPr/>
+        </p:nvSpPr>
+        <p:spPr>
+          <a:xfrm>
+            <a:off x="5300575" y="557950"/>
+            <a:ext cx="2607300" cy="572700"/>
+          </a:xfrm>
+          <a:prstGeom prst="rect">
+            <a:avLst/>
+          </a:prstGeom>
+          <a:solidFill>
+            <a:srgbClr val="FFF2CC"/>
+          </a:solidFill>
+          <a:ln w="9525" cap="flat" cmpd="sng">
+            <a:solidFill>
+              <a:srgbClr val="FF0000"/>
+            </a:solidFill>
+            <a:prstDash val="solid"/>
+            <a:round/>
+            <a:headEnd type="none" w="sm" len="sm"/>
+            <a:tailEnd type="none" w="sm" len="sm"/>
+          </a:ln>
+        </p:spPr>
+        <p:txBody>
+          <a:bodyPr spcFirstLastPara="1" wrap="square" lIns="9125" tIns="9125" rIns="9125" bIns="9125" anchor="t" anchorCtr="0">
+            <a:spAutoFit/>
+          </a:bodyPr>
+          <a:lstStyle/>
+          <a:p>
+            <a:pPr marL="171450" marR="0" lvl="0" indent="-133350" algn="l" rtl="0">
+              <a:lnSpc>
+                <a:spcPct val="100000"/>
+              </a:lnSpc>
+              <a:spcBef>
+                <a:spcPts val="0"/>
+              </a:spcBef>
+              <a:spcAft>
+                <a:spcPts val="0"/>
+              </a:spcAft>
+              <a:buSzPts val="1200"/>
+              <a:buFont typeface="Calibri"/>
+              <a:buChar char="●"/>
+            </a:pPr>
+            <a:r>
+              <a:rPr lang="en" sz="1200">
+                <a:latin typeface="Calibri"/>
+                <a:ea typeface="Calibri"/>
+                <a:cs typeface="Calibri"/>
+                <a:sym typeface="Calibri"/>
+              </a:rPr>
+              <a:t>Tech Layoffs in 2025: 74,408 people</a:t>
+            </a:r>
+            <a:endParaRPr sz="1200">
+              <a:latin typeface="Calibri"/>
+              <a:ea typeface="Calibri"/>
+              <a:cs typeface="Calibri"/>
+              <a:sym typeface="Calibri"/>
+            </a:endParaRPr>
+          </a:p>
+          <a:p>
+            <a:pPr marL="171450" marR="0" lvl="0" indent="-133350" algn="l" rtl="0">
+              <a:lnSpc>
+                <a:spcPct val="100000"/>
+              </a:lnSpc>
+              <a:spcBef>
+                <a:spcPts val="0"/>
+              </a:spcBef>
+              <a:spcAft>
+                <a:spcPts val="0"/>
+              </a:spcAft>
+              <a:buSzPts val="1200"/>
+              <a:buFont typeface="Calibri"/>
+              <a:buChar char="●"/>
+            </a:pPr>
+            <a:r>
+              <a:rPr lang="en" sz="1200">
+                <a:latin typeface="Calibri"/>
+                <a:ea typeface="Calibri"/>
+                <a:cs typeface="Calibri"/>
+                <a:sym typeface="Calibri"/>
+              </a:rPr>
+              <a:t>Compared to 2024: 152,922 people</a:t>
+            </a:r>
+            <a:endParaRPr sz="1200">
+              <a:latin typeface="Calibri"/>
+              <a:ea typeface="Calibri"/>
+              <a:cs typeface="Calibri"/>
+              <a:sym typeface="Calibri"/>
+            </a:endParaRPr>
+          </a:p>
+          <a:p>
+            <a:pPr marL="171450" marR="0" lvl="0" indent="-133350" algn="l" rtl="0">
+              <a:lnSpc>
+                <a:spcPct val="100000"/>
+              </a:lnSpc>
+              <a:spcBef>
+                <a:spcPts val="0"/>
+              </a:spcBef>
+              <a:spcAft>
+                <a:spcPts val="0"/>
+              </a:spcAft>
+              <a:buSzPts val="1200"/>
+              <a:buFont typeface="Calibri"/>
+              <a:buChar char="●"/>
+            </a:pPr>
+            <a:r>
+              <a:rPr lang="en" sz="1200" i="0" u="sng" strike="noStrike" cap="none">
+                <a:solidFill>
+                  <a:schemeClr val="hlink"/>
+                </a:solidFill>
+                <a:latin typeface="Calibri"/>
+                <a:ea typeface="Calibri"/>
+                <a:cs typeface="Calibri"/>
+                <a:sym typeface="Calibri"/>
+                <a:hlinkClick r:id="rId3"/>
+              </a:rPr>
+              <a:t>https://layoffs</a:t>
+            </a:r>
+            <a:endParaRPr sz="1200" i="0" u="none" strike="noStrike" cap="none">
+              <a:solidFill>
+                <a:srgbClr val="000000"/>
+              </a:solidFill>
+              <a:latin typeface="Calibri"/>
+              <a:ea typeface="Calibri"/>
+              <a:cs typeface="Calibri"/>
+              <a:sym typeface="Calibri"/>
+            </a:endParaRPr>
+          </a:p>
+        </p:txBody>
+      </p:sp>
+      <p:sp>
+        <p:nvSpPr>
+          <p:cNvPr id="311" name="Google Shape;311;p34"/>
+          <p:cNvSpPr txBox="1"/>
+          <p:nvPr/>
+        </p:nvSpPr>
+        <p:spPr>
+          <a:xfrm>
+            <a:off x="5300575" y="1471650"/>
+            <a:ext cx="3631800" cy="449400"/>
+          </a:xfrm>
+          <a:prstGeom prst="rect">
+            <a:avLst/>
+          </a:prstGeom>
+          <a:solidFill>
+            <a:srgbClr val="FFF2CC"/>
+          </a:solidFill>
+          <a:ln w="9525" cap="flat" cmpd="sng">
+            <a:solidFill>
+              <a:srgbClr val="FF0000"/>
+            </a:solidFill>
+            <a:prstDash val="solid"/>
+            <a:round/>
+            <a:headEnd type="none" w="sm" len="sm"/>
+            <a:tailEnd type="none" w="sm" len="sm"/>
+          </a:ln>
+        </p:spPr>
+        <p:txBody>
+          <a:bodyPr spcFirstLastPara="1" wrap="square" lIns="9125" tIns="9125" rIns="9125" bIns="9125" anchor="t" anchorCtr="0">
+            <a:spAutoFit/>
+          </a:bodyPr>
+          <a:lstStyle/>
+          <a:p>
+            <a:pPr marL="171450" marR="0" lvl="0" indent="-133350" algn="l" rtl="0">
+              <a:lnSpc>
+                <a:spcPct val="100000"/>
+              </a:lnSpc>
+              <a:spcBef>
+                <a:spcPts val="0"/>
+              </a:spcBef>
+              <a:spcAft>
+                <a:spcPts val="0"/>
+              </a:spcAft>
+              <a:buSzPts val="1200"/>
+              <a:buFont typeface="Calibri"/>
+              <a:buChar char="●"/>
+            </a:pPr>
+            <a:r>
+              <a:rPr lang="en" sz="1200">
+                <a:latin typeface="Calibri"/>
+                <a:ea typeface="Calibri"/>
+                <a:cs typeface="Calibri"/>
+                <a:sym typeface="Calibri"/>
+              </a:rPr>
+              <a:t>Microsoft laying off about 9,000 employees</a:t>
+            </a:r>
+            <a:endParaRPr sz="800">
+              <a:latin typeface="Calibri"/>
+              <a:ea typeface="Calibri"/>
+              <a:cs typeface="Calibri"/>
+              <a:sym typeface="Calibri"/>
+            </a:endParaRPr>
+          </a:p>
+          <a:p>
+            <a:pPr marL="171450" marR="0" lvl="0" indent="-107950" algn="l" rtl="0">
+              <a:lnSpc>
+                <a:spcPct val="100000"/>
+              </a:lnSpc>
+              <a:spcBef>
+                <a:spcPts val="0"/>
+              </a:spcBef>
+              <a:spcAft>
+                <a:spcPts val="0"/>
+              </a:spcAft>
+              <a:buSzPts val="800"/>
+              <a:buFont typeface="Calibri"/>
+              <a:buChar char="●"/>
+            </a:pPr>
+            <a:r>
+              <a:rPr lang="en" sz="800" u="sng">
+                <a:solidFill>
+                  <a:schemeClr val="hlink"/>
+                </a:solidFill>
+                <a:latin typeface="Calibri"/>
+                <a:ea typeface="Calibri"/>
+                <a:cs typeface="Calibri"/>
+                <a:sym typeface="Calibri"/>
+                <a:hlinkClick r:id="rId5"/>
+              </a:rPr>
+              <a:t>https://www.cnbc.com/2025/07/02/microsoft-laying-off-about-9000-employees-in-latest-round-of-cuts.html</a:t>
+            </a:r>
+            <a:r>
+              <a:rPr lang="en" sz="800">
+                <a:latin typeface="Calibri"/>
+                <a:ea typeface="Calibri"/>
+                <a:cs typeface="Calibri"/>
+                <a:sym typeface="Calibri"/>
+              </a:rPr>
+              <a:t> </a:t>
+            </a:r>
+            <a:endParaRPr sz="800" i="0" u="none" strike="noStrike" cap="none">
+              <a:solidFill>
+                <a:srgbClr val="000000"/>
+              </a:solidFill>
+              <a:latin typeface="Calibri"/>
+              <a:ea typeface="Calibri"/>
+              <a:cs typeface="Calibri"/>
+              <a:sym typeface="Calibri"/>
+            </a:endParaRPr>
+          </a:p>
+        </p:txBody>
+      </p:sp>
+      <p:pic>
+        <p:nvPicPr>
+          <p:cNvPr id="312" name="Google Shape;312;p34"/>
+          <p:cNvPicPr preferRelativeResize="0"/>
+          <p:nvPr/>
+        </p:nvPicPr>
+        <p:blipFill>
+          <a:blip r:embed="rId6" cstate="email">
+            <a:alphaModFix/>
+            <a:extLst>
+              <a:ext uri="{28A0092B-C50C-407E-A947-70E740481C1C}">
+                <a14:useLocalDpi xmlns:a14="http://schemas.microsoft.com/office/drawing/2010/main"/>
+              </a:ext>
+            </a:extLst>
+          </a:blip>
+          <a:stretch>
+            <a:fillRect/>
+          </a:stretch>
+        </p:blipFill>
+        <p:spPr>
+          <a:xfrm>
+            <a:off x="76200" y="541575"/>
+            <a:ext cx="5142900" cy="1904140"/>
+          </a:xfrm>
+          <a:prstGeom prst="rect">
+            <a:avLst/>
+          </a:prstGeom>
+          <a:noFill/>
+          <a:ln w="9525" cap="flat" cmpd="sng">
+            <a:solidFill>
+              <a:srgbClr val="FF0000"/>
+            </a:solidFill>
+            <a:prstDash val="solid"/>
+            <a:round/>
+            <a:headEnd type="none" w="sm" len="sm"/>
+            <a:tailEnd type="none" w="sm" len="sm"/>
+          </a:ln>
+        </p:spPr>
+      </p:pic>
+      <p:pic>
+        <p:nvPicPr>
+          <p:cNvPr id="313" name="Google Shape;313;p34"/>
+          <p:cNvPicPr preferRelativeResize="0"/>
+          <p:nvPr/>
+        </p:nvPicPr>
+        <p:blipFill>
+          <a:blip r:embed="rId7" cstate="email">
+            <a:alphaModFix/>
+            <a:extLst>
+              <a:ext uri="{28A0092B-C50C-407E-A947-70E740481C1C}">
+                <a14:useLocalDpi xmlns:a14="http://schemas.microsoft.com/office/drawing/2010/main"/>
+              </a:ext>
+            </a:extLst>
+          </a:blip>
+          <a:stretch>
+            <a:fillRect/>
+          </a:stretch>
+        </p:blipFill>
+        <p:spPr>
+          <a:xfrm>
+            <a:off x="76200" y="2526575"/>
+            <a:ext cx="5142890" cy="2464524"/>
+          </a:xfrm>
+          <a:prstGeom prst="rect">
+            <a:avLst/>
+          </a:prstGeom>
+          <a:noFill/>
+          <a:ln w="9525" cap="flat" cmpd="sng">
+            <a:solidFill>
+              <a:srgbClr val="FF0000"/>
+            </a:solidFill>
+            <a:prstDash val="solid"/>
+            <a:round/>
+            <a:headEnd type="none" w="sm" len="sm"/>
+            <a:tailEnd type="none" w="sm" len="sm"/>
+          </a:ln>
+        </p:spPr>
+      </p:pic>
     </p:spTree>
   </p:cSld>
   <p:clrMapOvr>
@@ -39265,12 +40730,12 @@
 </p:sld>
 </file>
 
-<file path=ppt/slides/slide20.xml><?xml version="1.0" encoding="utf-8"?>
+<file path=ppt/slides/slide21.xml><?xml version="1.0" encoding="utf-8"?>
 <p:sld xmlns:a="http://schemas.openxmlformats.org/drawingml/2006/main" xmlns:r="http://schemas.openxmlformats.org/officeDocument/2006/relationships" xmlns:p="http://schemas.openxmlformats.org/presentationml/2006/main">
   <p:cSld>
     <p:spTree>
       <p:nvGrpSpPr>
-        <p:cNvPr id="1" name="Shape 308"/>
+        <p:cNvPr id="1" name="Shape 317"/>
         <p:cNvGrpSpPr/>
         <p:nvPr/>
       </p:nvGrpSpPr>
@@ -39284,7 +40749,7 @@
       </p:grpSpPr>
       <p:pic>
         <p:nvPicPr>
-          <p:cNvPr id="309" name="Google Shape;309;p34"/>
+          <p:cNvPr id="318" name="Google Shape;318;p35"/>
           <p:cNvPicPr preferRelativeResize="0"/>
           <p:nvPr/>
         </p:nvPicPr>
@@ -39316,7 +40781,7 @@
       </p:pic>
       <p:sp>
         <p:nvSpPr>
-          <p:cNvPr id="310" name="Google Shape;310;p34"/>
+          <p:cNvPr id="319" name="Google Shape;319;p35"/>
           <p:cNvSpPr txBox="1"/>
           <p:nvPr/>
         </p:nvSpPr>
@@ -39382,7 +40847,7 @@
       </p:sp>
       <p:sp>
         <p:nvSpPr>
-          <p:cNvPr id="311" name="Google Shape;311;p34"/>
+          <p:cNvPr id="320" name="Google Shape;320;p35"/>
           <p:cNvSpPr txBox="1"/>
           <p:nvPr/>
         </p:nvSpPr>
@@ -39812,7 +41277,7 @@
       </p:sp>
       <p:pic>
         <p:nvPicPr>
-          <p:cNvPr id="312" name="Google Shape;312;p34"/>
+          <p:cNvPr id="321" name="Google Shape;321;p35"/>
           <p:cNvPicPr preferRelativeResize="0"/>
           <p:nvPr/>
         </p:nvPicPr>
@@ -39844,7 +41309,7 @@
       </p:pic>
       <p:sp>
         <p:nvSpPr>
-          <p:cNvPr id="313" name="Google Shape;313;p34"/>
+          <p:cNvPr id="322" name="Google Shape;322;p35"/>
           <p:cNvSpPr txBox="1"/>
           <p:nvPr/>
         </p:nvSpPr>
@@ -39923,7 +41388,7 @@
       </p:sp>
       <p:sp>
         <p:nvSpPr>
-          <p:cNvPr id="314" name="Google Shape;314;p34"/>
+          <p:cNvPr id="323" name="Google Shape;323;p35"/>
           <p:cNvSpPr txBox="1"/>
           <p:nvPr/>
         </p:nvSpPr>
@@ -39995,12 +41460,12 @@
 </p:sld>
 </file>
 
-<file path=ppt/slides/slide21.xml><?xml version="1.0" encoding="utf-8"?>
+<file path=ppt/slides/slide22.xml><?xml version="1.0" encoding="utf-8"?>
 <p:sld xmlns:a="http://schemas.openxmlformats.org/drawingml/2006/main" xmlns:r="http://schemas.openxmlformats.org/officeDocument/2006/relationships" xmlns:p="http://schemas.openxmlformats.org/presentationml/2006/main">
   <p:cSld>
     <p:spTree>
       <p:nvGrpSpPr>
-        <p:cNvPr id="1" name="Shape 318"/>
+        <p:cNvPr id="1" name="Shape 327"/>
         <p:cNvGrpSpPr/>
         <p:nvPr/>
       </p:nvGrpSpPr>
@@ -40014,7 +41479,7 @@
       </p:grpSpPr>
       <p:sp>
         <p:nvSpPr>
-          <p:cNvPr id="319" name="Google Shape;319;p35"/>
+          <p:cNvPr id="328" name="Google Shape;328;p36"/>
           <p:cNvSpPr txBox="1"/>
           <p:nvPr/>
         </p:nvSpPr>
@@ -40111,7 +41576,7 @@
         </p:nvSpPr>
         <p:spPr>
           <a:xfrm>
-            <a:off x="55075" y="10417"/>
+            <a:off x="55075" y="-9227"/>
             <a:ext cx="1722900" cy="326400"/>
           </a:xfrm>
           <a:prstGeom prst="rect">
@@ -40177,8 +41642,8 @@
         </p:nvSpPr>
         <p:spPr>
           <a:xfrm>
-            <a:off x="55075" y="355442"/>
-            <a:ext cx="4446000" cy="4636200"/>
+            <a:off x="35432" y="286690"/>
+            <a:ext cx="4446000" cy="4451400"/>
           </a:xfrm>
           <a:prstGeom prst="rect">
             <a:avLst/>
@@ -40220,6 +41685,19 @@
               <a:buChar char="●"/>
             </a:pPr>
             <a:r>
+              <a:rPr lang="en" sz="1200" b="1" u="sng">
+                <a:solidFill>
+                  <a:schemeClr val="hlink"/>
+                </a:solidFill>
+                <a:latin typeface="Calibri"/>
+                <a:ea typeface="Calibri"/>
+                <a:cs typeface="Calibri"/>
+                <a:sym typeface="Calibri"/>
+                <a:hlinkClick r:id="rId3"/>
+              </a:rPr>
+              <a:t>https://www.youtube.com/watch?v=MtYsUdfZPMA</a:t>
+            </a:r>
+            <a:r>
               <a:rPr lang="en" sz="1200" b="1">
                 <a:solidFill>
                   <a:srgbClr val="FF0000"/>
@@ -40229,7 +41707,7 @@
                 <a:cs typeface="Calibri"/>
                 <a:sym typeface="Calibri"/>
               </a:rPr>
-              <a:t>Achieved PhD-level competency across all academic disciplines</a:t>
+              <a:t> </a:t>
             </a:r>
             <a:endParaRPr sz="1200" b="1">
               <a:solidFill>
@@ -40253,7 +41731,7 @@
                 <a:spcPts val="0"/>
               </a:spcAft>
               <a:buClr>
-                <a:srgbClr val="3C78D8"/>
+                <a:srgbClr val="FF0000"/>
               </a:buClr>
               <a:buSzPts val="1200"/>
               <a:buFont typeface="Calibri"/>
@@ -40262,18 +41740,18 @@
             <a:r>
               <a:rPr lang="en" sz="1200" b="1">
                 <a:solidFill>
-                  <a:srgbClr val="3C78D8"/>
-                </a:solidFill>
-                <a:latin typeface="Calibri"/>
-                <a:ea typeface="Calibri"/>
-                <a:cs typeface="Calibri"/>
-                <a:sym typeface="Calibri"/>
-              </a:rPr>
-              <a:t>Perfect 100% SAT scores on standardized tests</a:t>
+                  <a:srgbClr val="FF0000"/>
+                </a:solidFill>
+                <a:latin typeface="Calibri"/>
+                <a:ea typeface="Calibri"/>
+                <a:cs typeface="Calibri"/>
+                <a:sym typeface="Calibri"/>
+              </a:rPr>
+              <a:t>Achieved PhD-level competency across all academic disciplines</a:t>
             </a:r>
             <a:endParaRPr sz="1200" b="1">
               <a:solidFill>
-                <a:srgbClr val="3C78D8"/>
+                <a:srgbClr val="FF0000"/>
               </a:solidFill>
               <a:latin typeface="Calibri"/>
               <a:ea typeface="Calibri"/>
@@ -40293,7 +41771,7 @@
                 <a:spcPts val="0"/>
               </a:spcAft>
               <a:buClr>
-                <a:srgbClr val="6AA84F"/>
+                <a:srgbClr val="3C78D8"/>
               </a:buClr>
               <a:buSzPts val="1200"/>
               <a:buFont typeface="Calibri"/>
@@ -40302,18 +41780,18 @@
             <a:r>
               <a:rPr lang="en" sz="1200" b="1">
                 <a:solidFill>
-                  <a:srgbClr val="6AA84F"/>
-                </a:solidFill>
-                <a:latin typeface="Calibri"/>
-                <a:ea typeface="Calibri"/>
-                <a:cs typeface="Calibri"/>
-                <a:sym typeface="Calibri"/>
-              </a:rPr>
-              <a:t>Reasoning capabilities that exceed human levels</a:t>
+                  <a:srgbClr val="3C78D8"/>
+                </a:solidFill>
+                <a:latin typeface="Calibri"/>
+                <a:ea typeface="Calibri"/>
+                <a:cs typeface="Calibri"/>
+                <a:sym typeface="Calibri"/>
+              </a:rPr>
+              <a:t>Perfect 100% SAT scores on standardized tests</a:t>
             </a:r>
             <a:endParaRPr sz="1200" b="1">
               <a:solidFill>
-                <a:srgbClr val="6AA84F"/>
+                <a:srgbClr val="3C78D8"/>
               </a:solidFill>
               <a:latin typeface="Calibri"/>
               <a:ea typeface="Calibri"/>
@@ -40333,27 +41811,27 @@
                 <a:spcPts val="0"/>
               </a:spcAft>
               <a:buClr>
-                <a:schemeClr val="dk1"/>
+                <a:srgbClr val="6AA84F"/>
               </a:buClr>
               <a:buSzPts val="1200"/>
               <a:buFont typeface="Calibri"/>
               <a:buChar char="●"/>
             </a:pPr>
             <a:r>
-              <a:rPr lang="en" sz="1200">
-                <a:solidFill>
-                  <a:schemeClr val="dk1"/>
-                </a:solidFill>
-                <a:latin typeface="Calibri"/>
-                <a:ea typeface="Calibri"/>
-                <a:cs typeface="Calibri"/>
-                <a:sym typeface="Calibri"/>
-              </a:rPr>
-              <a:t>Training: 100x more compute than Grok 2, two phases:</a:t>
-            </a:r>
-            <a:endParaRPr sz="1200">
-              <a:solidFill>
-                <a:schemeClr val="dk1"/>
+              <a:rPr lang="en" sz="1200" b="1">
+                <a:solidFill>
+                  <a:srgbClr val="6AA84F"/>
+                </a:solidFill>
+                <a:latin typeface="Calibri"/>
+                <a:ea typeface="Calibri"/>
+                <a:cs typeface="Calibri"/>
+                <a:sym typeface="Calibri"/>
+              </a:rPr>
+              <a:t>Reasoning capabilities that exceed human levels</a:t>
+            </a:r>
+            <a:endParaRPr sz="1200" b="1">
+              <a:solidFill>
+                <a:srgbClr val="6AA84F"/>
               </a:solidFill>
               <a:latin typeface="Calibri"/>
               <a:ea typeface="Calibri"/>
@@ -40362,38 +41840,38 @@
             </a:endParaRPr>
           </a:p>
           <a:p>
-            <a:pPr marL="342900" marR="0" lvl="1" indent="-133350" algn="l" rtl="0">
-              <a:lnSpc>
-                <a:spcPct val="100000"/>
-              </a:lnSpc>
-              <a:spcBef>
-                <a:spcPts val="0"/>
-              </a:spcBef>
-              <a:spcAft>
-                <a:spcPts val="0"/>
-              </a:spcAft>
-              <a:buClr>
-                <a:srgbClr val="3C78D8"/>
+            <a:pPr marL="171450" marR="0" lvl="0" indent="-133350" algn="l" rtl="0">
+              <a:lnSpc>
+                <a:spcPct val="100000"/>
+              </a:lnSpc>
+              <a:spcBef>
+                <a:spcPts val="0"/>
+              </a:spcBef>
+              <a:spcAft>
+                <a:spcPts val="0"/>
+              </a:spcAft>
+              <a:buClr>
+                <a:schemeClr val="dk1"/>
               </a:buClr>
               <a:buSzPts val="1200"/>
               <a:buFont typeface="Calibri"/>
-              <a:buChar char="○"/>
+              <a:buChar char="●"/>
             </a:pPr>
             <a:r>
               <a:rPr lang="en" sz="1200">
                 <a:solidFill>
-                  <a:srgbClr val="3C78D8"/>
-                </a:solidFill>
-                <a:latin typeface="Calibri"/>
-                <a:ea typeface="Calibri"/>
-                <a:cs typeface="Calibri"/>
-                <a:sym typeface="Calibri"/>
-              </a:rPr>
-              <a:t>Grok 2 → Grok 3: Focused on pre-training scaling</a:t>
+                  <a:schemeClr val="dk1"/>
+                </a:solidFill>
+                <a:latin typeface="Calibri"/>
+                <a:ea typeface="Calibri"/>
+                <a:cs typeface="Calibri"/>
+                <a:sym typeface="Calibri"/>
+              </a:rPr>
+              <a:t>Training: 100x more compute than Grok 2, two phases:</a:t>
             </a:r>
             <a:endParaRPr sz="1200">
               <a:solidFill>
-                <a:srgbClr val="3C78D8"/>
+                <a:schemeClr val="dk1"/>
               </a:solidFill>
               <a:latin typeface="Calibri"/>
               <a:ea typeface="Calibri"/>
@@ -40429,7 +41907,7 @@
                 <a:cs typeface="Calibri"/>
                 <a:sym typeface="Calibri"/>
               </a:rPr>
-              <a:t>Grok 3 → Grok 4: Focused on post-training RL (10x more RL compute than competitors) using Verifiable rewards</a:t>
+              <a:t>Grok 2 → Grok 3: Focused on pre-training scaling</a:t>
             </a:r>
             <a:endParaRPr sz="1200">
               <a:solidFill>
@@ -40442,50 +41920,38 @@
             </a:endParaRPr>
           </a:p>
           <a:p>
-            <a:pPr marL="171450" marR="0" lvl="0" indent="-133350" algn="l" rtl="0">
-              <a:lnSpc>
-                <a:spcPct val="100000"/>
-              </a:lnSpc>
-              <a:spcBef>
-                <a:spcPts val="0"/>
-              </a:spcBef>
-              <a:spcAft>
-                <a:spcPts val="0"/>
-              </a:spcAft>
-              <a:buClr>
-                <a:schemeClr val="dk1"/>
+            <a:pPr marL="342900" marR="0" lvl="1" indent="-133350" algn="l" rtl="0">
+              <a:lnSpc>
+                <a:spcPct val="100000"/>
+              </a:lnSpc>
+              <a:spcBef>
+                <a:spcPts val="0"/>
+              </a:spcBef>
+              <a:spcAft>
+                <a:spcPts val="0"/>
+              </a:spcAft>
+              <a:buClr>
+                <a:srgbClr val="3C78D8"/>
               </a:buClr>
               <a:buSzPts val="1200"/>
               <a:buFont typeface="Calibri"/>
-              <a:buChar char="●"/>
-            </a:pPr>
-            <a:r>
-              <a:rPr lang="en" sz="1200" b="1">
-                <a:solidFill>
-                  <a:srgbClr val="6AA84F"/>
-                </a:solidFill>
-                <a:latin typeface="Calibri"/>
-                <a:ea typeface="Calibri"/>
-                <a:cs typeface="Calibri"/>
-                <a:sym typeface="Calibri"/>
-              </a:rPr>
-              <a:t>Humanities Last Exam</a:t>
-            </a:r>
+              <a:buChar char="○"/>
+            </a:pPr>
             <a:r>
               <a:rPr lang="en" sz="1200">
                 <a:solidFill>
-                  <a:schemeClr val="dk1"/>
-                </a:solidFill>
-                <a:latin typeface="Calibri"/>
-                <a:ea typeface="Calibri"/>
-                <a:cs typeface="Calibri"/>
-                <a:sym typeface="Calibri"/>
-              </a:rPr>
-              <a:t>: 25.4% accuracy (single agent, no tools, beating Gemini 2.5 Pro and OpenAI's o3 high), 44.4% with multi-agent approach (compared to Gemini 2.5 Pro's 26.9%)</a:t>
+                  <a:srgbClr val="3C78D8"/>
+                </a:solidFill>
+                <a:latin typeface="Calibri"/>
+                <a:ea typeface="Calibri"/>
+                <a:cs typeface="Calibri"/>
+                <a:sym typeface="Calibri"/>
+              </a:rPr>
+              <a:t>Grok 3 → Grok 4: Focused on post-training RL (10x more RL compute than competitors) using Verifiable rewards</a:t>
             </a:r>
             <a:endParaRPr sz="1200">
               <a:solidFill>
-                <a:schemeClr val="dk1"/>
+                <a:srgbClr val="3C78D8"/>
               </a:solidFill>
               <a:latin typeface="Calibri"/>
               <a:ea typeface="Calibri"/>
@@ -40521,7 +41987,7 @@
                 <a:cs typeface="Calibri"/>
                 <a:sym typeface="Calibri"/>
               </a:rPr>
-              <a:t>AIME 2025 math exam</a:t>
+              <a:t>Humanities Last Exam</a:t>
             </a:r>
             <a:r>
               <a:rPr lang="en" sz="1200">
@@ -40533,7 +41999,7 @@
                 <a:cs typeface="Calibri"/>
                 <a:sym typeface="Calibri"/>
               </a:rPr>
-              <a:t>: 100%</a:t>
+              <a:t>: 25.4% accuracy (single agent, no tools, beating Gemini 2.5 Pro and OpenAI's o3 high), 44.4% with multi-agent approach (compared to Gemini 2.5 Pro's 26.9%)</a:t>
             </a:r>
             <a:endParaRPr sz="1200">
               <a:solidFill>
@@ -40573,7 +42039,7 @@
                 <a:cs typeface="Calibri"/>
                 <a:sym typeface="Calibri"/>
               </a:rPr>
-              <a:t>ARC-AGI-2</a:t>
+              <a:t>AIME 2025 math exam</a:t>
             </a:r>
             <a:r>
               <a:rPr lang="en" sz="1200">
@@ -40585,7 +42051,7 @@
                 <a:cs typeface="Calibri"/>
                 <a:sym typeface="Calibri"/>
               </a:rPr>
-              <a:t>: 16.2% accuracy (~ 2x better than Claude Opus 4)</a:t>
+              <a:t>: 100%</a:t>
             </a:r>
             <a:endParaRPr sz="1200">
               <a:solidFill>
@@ -40625,7 +42091,7 @@
                 <a:cs typeface="Calibri"/>
                 <a:sym typeface="Calibri"/>
               </a:rPr>
-              <a:t>GPQA (graduate-level science)</a:t>
+              <a:t>ARC-AGI-2</a:t>
             </a:r>
             <a:r>
               <a:rPr lang="en" sz="1200">
@@ -40637,7 +42103,7 @@
                 <a:cs typeface="Calibri"/>
                 <a:sym typeface="Calibri"/>
               </a:rPr>
-              <a:t>: 88%, (Gemini 2.5 Pro - 84%)</a:t>
+              <a:t>: 16.2% accuracy (~ 2x better than Claude Opus 4)</a:t>
             </a:r>
             <a:endParaRPr sz="1200">
               <a:solidFill>
@@ -40668,6 +42134,18 @@
               <a:buChar char="●"/>
             </a:pPr>
             <a:r>
+              <a:rPr lang="en" sz="1200" b="1">
+                <a:solidFill>
+                  <a:srgbClr val="6AA84F"/>
+                </a:solidFill>
+                <a:latin typeface="Calibri"/>
+                <a:ea typeface="Calibri"/>
+                <a:cs typeface="Calibri"/>
+                <a:sym typeface="Calibri"/>
+              </a:rPr>
+              <a:t>GPQA (graduate-level science)</a:t>
+            </a:r>
+            <a:r>
               <a:rPr lang="en" sz="1200">
                 <a:solidFill>
                   <a:schemeClr val="dk1"/>
@@ -40677,7 +42155,7 @@
                 <a:cs typeface="Calibri"/>
                 <a:sym typeface="Calibri"/>
               </a:rPr>
-              <a:t>Much better at reasoning than competitors</a:t>
+              <a:t>: 88%, (Gemini 2.5 Pro - 84%)</a:t>
             </a:r>
             <a:endParaRPr sz="1200">
               <a:solidFill>
@@ -40701,27 +42179,27 @@
                 <a:spcPts val="0"/>
               </a:spcAft>
               <a:buClr>
-                <a:srgbClr val="FF0000"/>
+                <a:schemeClr val="dk1"/>
               </a:buClr>
               <a:buSzPts val="1200"/>
               <a:buFont typeface="Calibri"/>
               <a:buChar char="●"/>
             </a:pPr>
             <a:r>
-              <a:rPr lang="en" sz="1200" b="1">
-                <a:solidFill>
-                  <a:srgbClr val="FF0000"/>
-                </a:solidFill>
-                <a:latin typeface="Calibri"/>
-                <a:ea typeface="Calibri"/>
-                <a:cs typeface="Calibri"/>
-                <a:sym typeface="Calibri"/>
-              </a:rPr>
-              <a:t>Grok 4: Single-agent version</a:t>
-            </a:r>
-            <a:endParaRPr sz="1200" b="1">
-              <a:solidFill>
-                <a:srgbClr val="FF0000"/>
+              <a:rPr lang="en" sz="1200">
+                <a:solidFill>
+                  <a:schemeClr val="dk1"/>
+                </a:solidFill>
+                <a:latin typeface="Calibri"/>
+                <a:ea typeface="Calibri"/>
+                <a:cs typeface="Calibri"/>
+                <a:sym typeface="Calibri"/>
+              </a:rPr>
+              <a:t>Much better at reasoning than competitors</a:t>
+            </a:r>
+            <a:endParaRPr sz="1200">
+              <a:solidFill>
+                <a:schemeClr val="dk1"/>
               </a:solidFill>
               <a:latin typeface="Calibri"/>
               <a:ea typeface="Calibri"/>
@@ -40757,7 +42235,7 @@
                 <a:cs typeface="Calibri"/>
                 <a:sym typeface="Calibri"/>
               </a:rPr>
-              <a:t>Grok 4 Heavy: Multi-agent: parallel agents share insights, and collaborate on solutions</a:t>
+              <a:t>Grok 4: Single-agent version</a:t>
             </a:r>
             <a:endParaRPr sz="1200" b="1">
               <a:solidFill>
@@ -40781,7 +42259,7 @@
                 <a:spcPts val="0"/>
               </a:spcAft>
               <a:buClr>
-                <a:srgbClr val="3C78D8"/>
+                <a:srgbClr val="FF0000"/>
               </a:buClr>
               <a:buSzPts val="1200"/>
               <a:buFont typeface="Calibri"/>
@@ -40790,18 +42268,18 @@
             <a:r>
               <a:rPr lang="en" sz="1200" b="1">
                 <a:solidFill>
-                  <a:srgbClr val="3C78D8"/>
-                </a:solidFill>
-                <a:latin typeface="Calibri"/>
-                <a:ea typeface="Calibri"/>
-                <a:cs typeface="Calibri"/>
-                <a:sym typeface="Calibri"/>
-              </a:rPr>
-              <a:t>context window 128K (256K for API)</a:t>
+                  <a:srgbClr val="FF0000"/>
+                </a:solidFill>
+                <a:latin typeface="Calibri"/>
+                <a:ea typeface="Calibri"/>
+                <a:cs typeface="Calibri"/>
+                <a:sym typeface="Calibri"/>
+              </a:rPr>
+              <a:t>Grok 4 Heavy: Multi-agent: parallel agents share insights, and collaborate on solutions</a:t>
             </a:r>
             <a:endParaRPr sz="1200" b="1">
               <a:solidFill>
-                <a:srgbClr val="3C78D8"/>
+                <a:srgbClr val="FF0000"/>
               </a:solidFill>
               <a:latin typeface="Calibri"/>
               <a:ea typeface="Calibri"/>
@@ -40821,7 +42299,7 @@
                 <a:spcPts val="0"/>
               </a:spcAft>
               <a:buClr>
-                <a:srgbClr val="6AA84F"/>
+                <a:srgbClr val="3C78D8"/>
               </a:buClr>
               <a:buSzPts val="1200"/>
               <a:buFont typeface="Calibri"/>
@@ -40830,18 +42308,18 @@
             <a:r>
               <a:rPr lang="en" sz="1200" b="1">
                 <a:solidFill>
-                  <a:srgbClr val="6AA84F"/>
-                </a:solidFill>
-                <a:latin typeface="Calibri"/>
-                <a:ea typeface="Calibri"/>
-                <a:cs typeface="Calibri"/>
-                <a:sym typeface="Calibri"/>
-              </a:rPr>
-              <a:t>X data access (real time)</a:t>
+                  <a:srgbClr val="3C78D8"/>
+                </a:solidFill>
+                <a:latin typeface="Calibri"/>
+                <a:ea typeface="Calibri"/>
+                <a:cs typeface="Calibri"/>
+                <a:sym typeface="Calibri"/>
+              </a:rPr>
+              <a:t>context window 128K (256K for API)</a:t>
             </a:r>
             <a:endParaRPr sz="1200" b="1">
               <a:solidFill>
-                <a:srgbClr val="6AA84F"/>
+                <a:srgbClr val="3C78D8"/>
               </a:solidFill>
               <a:latin typeface="Calibri"/>
               <a:ea typeface="Calibri"/>
@@ -40861,27 +42339,27 @@
                 <a:spcPts val="0"/>
               </a:spcAft>
               <a:buClr>
-                <a:schemeClr val="dk1"/>
+                <a:srgbClr val="6AA84F"/>
               </a:buClr>
               <a:buSzPts val="1200"/>
               <a:buFont typeface="Calibri"/>
               <a:buChar char="●"/>
             </a:pPr>
             <a:r>
-              <a:rPr lang="en" sz="1200">
-                <a:solidFill>
-                  <a:schemeClr val="dk1"/>
-                </a:solidFill>
-                <a:latin typeface="Calibri"/>
-                <a:ea typeface="Calibri"/>
-                <a:cs typeface="Calibri"/>
-                <a:sym typeface="Calibri"/>
-              </a:rPr>
-              <a:t>Advanced tool use (trained during development)</a:t>
-            </a:r>
-            <a:endParaRPr sz="1200">
-              <a:solidFill>
-                <a:schemeClr val="dk1"/>
+              <a:rPr lang="en" sz="1200" b="1">
+                <a:solidFill>
+                  <a:srgbClr val="6AA84F"/>
+                </a:solidFill>
+                <a:latin typeface="Calibri"/>
+                <a:ea typeface="Calibri"/>
+                <a:cs typeface="Calibri"/>
+                <a:sym typeface="Calibri"/>
+              </a:rPr>
+              <a:t>X data access (real time)</a:t>
+            </a:r>
+            <a:endParaRPr sz="1200" b="1">
+              <a:solidFill>
+                <a:srgbClr val="6AA84F"/>
               </a:solidFill>
               <a:latin typeface="Calibri"/>
               <a:ea typeface="Calibri"/>
@@ -40917,7 +42395,7 @@
                 <a:cs typeface="Calibri"/>
                 <a:sym typeface="Calibri"/>
               </a:rPr>
-              <a:t>Grok is available via the Grok website, iOS, and Android apps. It is also integrated into X (formerly Twitter), and accessible via API for developers and businesses</a:t>
+              <a:t>Advanced tool use (trained during development)</a:t>
             </a:r>
             <a:endParaRPr sz="1200">
               <a:solidFill>
@@ -40957,47 +42435,7 @@
                 <a:cs typeface="Calibri"/>
                 <a:sym typeface="Calibri"/>
               </a:rPr>
-              <a:t>API Price in/out per 1M tokens : $3/$15 (same as Claude 4 Sonnet)</a:t>
-            </a:r>
-            <a:endParaRPr sz="1200">
-              <a:solidFill>
-                <a:schemeClr val="dk1"/>
-              </a:solidFill>
-              <a:latin typeface="Calibri"/>
-              <a:ea typeface="Calibri"/>
-              <a:cs typeface="Calibri"/>
-              <a:sym typeface="Calibri"/>
-            </a:endParaRPr>
-          </a:p>
-          <a:p>
-            <a:pPr marL="171450" marR="0" lvl="0" indent="-133350" algn="l" rtl="0">
-              <a:lnSpc>
-                <a:spcPct val="100000"/>
-              </a:lnSpc>
-              <a:spcBef>
-                <a:spcPts val="0"/>
-              </a:spcBef>
-              <a:spcAft>
-                <a:spcPts val="0"/>
-              </a:spcAft>
-              <a:buClr>
-                <a:srgbClr val="FF0000"/>
-              </a:buClr>
-              <a:buSzPts val="1200"/>
-              <a:buFont typeface="Calibri"/>
-              <a:buChar char="●"/>
-            </a:pPr>
-            <a:r>
-              <a:rPr lang="en" sz="1200" b="1">
-                <a:solidFill>
-                  <a:srgbClr val="FF0000"/>
-                </a:solidFill>
-                <a:latin typeface="Calibri"/>
-                <a:ea typeface="Calibri"/>
-                <a:cs typeface="Calibri"/>
-                <a:sym typeface="Calibri"/>
-              </a:rPr>
-              <a:t>Subscriptions: SuprtGrok $30/mo &amp; SuperGrok Heavy $300/mo </a:t>
+              <a:t>Grok is available via the Grok website, iOS, and Android apps. It is also integrated into X (formerly Twitter), and accessible via API for developers and businesses</a:t>
             </a:r>
             <a:endParaRPr sz="1200" b="1">
               <a:solidFill>
@@ -41018,7 +42456,7 @@
           <p:nvPr/>
         </p:nvPicPr>
         <p:blipFill>
-          <a:blip r:embed="rId3" cstate="email">
+          <a:blip r:embed="rId4" cstate="email">
             <a:alphaModFix/>
             <a:extLst>
               <a:ext uri="{28A0092B-C50C-407E-A947-70E740481C1C}">
@@ -41058,7 +42496,7 @@
         </p:nvSpPr>
         <p:spPr>
           <a:xfrm>
-            <a:off x="4579575" y="3229088"/>
+            <a:off x="4579575" y="3305288"/>
             <a:ext cx="4515900" cy="1126800"/>
           </a:xfrm>
           <a:prstGeom prst="rect">
@@ -41309,7 +42747,7 @@
                 <a:ea typeface="Calibri"/>
                 <a:cs typeface="Calibri"/>
                 <a:sym typeface="Calibri"/>
-                <a:hlinkClick r:id="rId4"/>
+                <a:hlinkClick r:id="rId5"/>
               </a:rPr>
               <a:t>https://artificialanalysis.ai/models/grok-4</a:t>
             </a:r>
@@ -41344,7 +42782,7 @@
           <p:nvPr/>
         </p:nvPicPr>
         <p:blipFill>
-          <a:blip r:embed="rId5" cstate="email">
+          <a:blip r:embed="rId6" cstate="email">
             <a:alphaModFix/>
             <a:extLst>
               <a:ext uri="{28A0092B-C50C-407E-A947-70E740481C1C}">
@@ -41489,7 +42927,7 @@
                 <a:ea typeface="Calibri"/>
                 <a:cs typeface="Calibri"/>
                 <a:sym typeface="Calibri"/>
-                <a:hlinkClick r:id="rId6"/>
+                <a:hlinkClick r:id="rId7"/>
               </a:rPr>
               <a:t>https://artificialanalysis.ai</a:t>
             </a:r>
@@ -41508,6 +42946,120 @@
             <a:endParaRPr sz="1200">
               <a:solidFill>
                 <a:schemeClr val="dk1"/>
+              </a:solidFill>
+              <a:latin typeface="Calibri"/>
+              <a:ea typeface="Calibri"/>
+              <a:cs typeface="Calibri"/>
+              <a:sym typeface="Calibri"/>
+            </a:endParaRPr>
+          </a:p>
+        </p:txBody>
+      </p:sp>
+      <p:sp>
+        <p:nvSpPr>
+          <p:cNvPr id="141" name="Google Shape;141;p17"/>
+          <p:cNvSpPr txBox="1"/>
+          <p:nvPr/>
+        </p:nvSpPr>
+        <p:spPr>
+          <a:xfrm>
+            <a:off x="4579575" y="4564703"/>
+            <a:ext cx="4515900" cy="387900"/>
+          </a:xfrm>
+          <a:prstGeom prst="rect">
+            <a:avLst/>
+          </a:prstGeom>
+          <a:solidFill>
+            <a:srgbClr val="FFF2CC"/>
+          </a:solidFill>
+          <a:ln w="9525" cap="flat" cmpd="sng">
+            <a:solidFill>
+              <a:srgbClr val="FF0000"/>
+            </a:solidFill>
+            <a:prstDash val="solid"/>
+            <a:round/>
+            <a:headEnd type="none" w="sm" len="sm"/>
+            <a:tailEnd type="none" w="sm" len="sm"/>
+          </a:ln>
+        </p:spPr>
+        <p:txBody>
+          <a:bodyPr spcFirstLastPara="1" wrap="square" lIns="9125" tIns="9125" rIns="9125" bIns="9125" anchor="t" anchorCtr="0">
+            <a:spAutoFit/>
+          </a:bodyPr>
+          <a:lstStyle/>
+          <a:p>
+            <a:pPr marL="171450" marR="0" lvl="0" indent="-133350" algn="l" rtl="0">
+              <a:lnSpc>
+                <a:spcPct val="100000"/>
+              </a:lnSpc>
+              <a:spcBef>
+                <a:spcPts val="0"/>
+              </a:spcBef>
+              <a:spcAft>
+                <a:spcPts val="0"/>
+              </a:spcAft>
+              <a:buClr>
+                <a:srgbClr val="3C78D8"/>
+              </a:buClr>
+              <a:buSzPts val="1200"/>
+              <a:buFont typeface="Calibri"/>
+              <a:buChar char="●"/>
+            </a:pPr>
+            <a:r>
+              <a:rPr lang="en" sz="1200" b="1">
+                <a:solidFill>
+                  <a:srgbClr val="3C78D8"/>
+                </a:solidFill>
+                <a:latin typeface="Calibri"/>
+                <a:ea typeface="Calibri"/>
+                <a:cs typeface="Calibri"/>
+                <a:sym typeface="Calibri"/>
+              </a:rPr>
+              <a:t>API Price in/out per 1M tokens : $3/$15 (same as Claude 4 Sonnet)</a:t>
+            </a:r>
+            <a:endParaRPr sz="1200" b="1">
+              <a:solidFill>
+                <a:srgbClr val="3C78D8"/>
+              </a:solidFill>
+              <a:latin typeface="Calibri"/>
+              <a:ea typeface="Calibri"/>
+              <a:cs typeface="Calibri"/>
+              <a:sym typeface="Calibri"/>
+            </a:endParaRPr>
+          </a:p>
+          <a:p>
+            <a:pPr marL="171450" marR="0" lvl="0" indent="-133350" algn="l" rtl="0">
+              <a:lnSpc>
+                <a:spcPct val="100000"/>
+              </a:lnSpc>
+              <a:spcBef>
+                <a:spcPts val="0"/>
+              </a:spcBef>
+              <a:spcAft>
+                <a:spcPts val="0"/>
+              </a:spcAft>
+              <a:buClr>
+                <a:srgbClr val="FF0000"/>
+              </a:buClr>
+              <a:buSzPts val="1200"/>
+              <a:buFont typeface="Calibri"/>
+              <a:buChar char="●"/>
+            </a:pPr>
+            <a:r>
+              <a:rPr lang="en" sz="1200" b="1">
+                <a:solidFill>
+                  <a:srgbClr val="FF0000"/>
+                </a:solidFill>
+                <a:latin typeface="Calibri"/>
+                <a:ea typeface="Calibri"/>
+                <a:cs typeface="Calibri"/>
+                <a:sym typeface="Calibri"/>
+              </a:rPr>
+              <a:t>Subscriptions: SuprtGrok $30/mo &amp; SuperGrok Heavy $300/mo </a:t>
+            </a:r>
+            <a:endParaRPr sz="1200" b="1">
+              <a:solidFill>
+                <a:srgbClr val="FF0000"/>
               </a:solidFill>
               <a:latin typeface="Calibri"/>
               <a:ea typeface="Calibri"/>
@@ -41530,7 +43082,7 @@
   <p:cSld>
     <p:spTree>
       <p:nvGrpSpPr>
-        <p:cNvPr id="1" name="Shape 144"/>
+        <p:cNvPr id="1" name="Shape 145"/>
         <p:cNvGrpSpPr/>
         <p:nvPr/>
       </p:nvGrpSpPr>
@@ -41544,7 +43096,1398 @@
       </p:grpSpPr>
       <p:sp>
         <p:nvSpPr>
-          <p:cNvPr id="145" name="Google Shape;145;p18"/>
+          <p:cNvPr id="146" name="Google Shape;146;p18"/>
+          <p:cNvSpPr txBox="1"/>
+          <p:nvPr/>
+        </p:nvSpPr>
+        <p:spPr>
+          <a:xfrm>
+            <a:off x="55075" y="-9225"/>
+            <a:ext cx="1987800" cy="326400"/>
+          </a:xfrm>
+          <a:prstGeom prst="rect">
+            <a:avLst/>
+          </a:prstGeom>
+          <a:noFill/>
+          <a:ln>
+            <a:noFill/>
+          </a:ln>
+        </p:spPr>
+        <p:txBody>
+          <a:bodyPr spcFirstLastPara="1" wrap="square" lIns="9125" tIns="9125" rIns="9125" bIns="9125" anchor="t" anchorCtr="0">
+            <a:spAutoFit/>
+          </a:bodyPr>
+          <a:lstStyle/>
+          <a:p>
+            <a:pPr marL="0" marR="0" lvl="0" indent="0" algn="l" rtl="0">
+              <a:lnSpc>
+                <a:spcPct val="100000"/>
+              </a:lnSpc>
+              <a:spcBef>
+                <a:spcPts val="0"/>
+              </a:spcBef>
+              <a:spcAft>
+                <a:spcPts val="0"/>
+              </a:spcAft>
+              <a:buClr>
+                <a:schemeClr val="dk1"/>
+              </a:buClr>
+              <a:buSzPts val="1100"/>
+              <a:buFont typeface="Arial"/>
+              <a:buNone/>
+            </a:pPr>
+            <a:r>
+              <a:rPr lang="en" sz="2000" b="1">
+                <a:solidFill>
+                  <a:schemeClr val="dk1"/>
+                </a:solidFill>
+                <a:latin typeface="Calibri"/>
+                <a:ea typeface="Calibri"/>
+                <a:cs typeface="Calibri"/>
+                <a:sym typeface="Calibri"/>
+              </a:rPr>
+              <a:t>xAI's Grok 4 API</a:t>
+            </a:r>
+            <a:endParaRPr sz="2000" b="1" i="0" u="none" strike="noStrike" cap="none">
+              <a:solidFill>
+                <a:schemeClr val="dk1"/>
+              </a:solidFill>
+              <a:latin typeface="Calibri"/>
+              <a:ea typeface="Calibri"/>
+              <a:cs typeface="Calibri"/>
+              <a:sym typeface="Calibri"/>
+            </a:endParaRPr>
+          </a:p>
+        </p:txBody>
+      </p:sp>
+      <p:sp>
+        <p:nvSpPr>
+          <p:cNvPr id="147" name="Google Shape;147;p18"/>
+          <p:cNvSpPr txBox="1"/>
+          <p:nvPr/>
+        </p:nvSpPr>
+        <p:spPr>
+          <a:xfrm>
+            <a:off x="55075" y="522425"/>
+            <a:ext cx="4423500" cy="2235000"/>
+          </a:xfrm>
+          <a:prstGeom prst="rect">
+            <a:avLst/>
+          </a:prstGeom>
+          <a:solidFill>
+            <a:srgbClr val="FFF2CC"/>
+          </a:solidFill>
+          <a:ln w="9525" cap="flat" cmpd="sng">
+            <a:solidFill>
+              <a:srgbClr val="FF0000"/>
+            </a:solidFill>
+            <a:prstDash val="solid"/>
+            <a:round/>
+            <a:headEnd type="none" w="sm" len="sm"/>
+            <a:tailEnd type="none" w="sm" len="sm"/>
+          </a:ln>
+        </p:spPr>
+        <p:txBody>
+          <a:bodyPr spcFirstLastPara="1" wrap="square" lIns="9125" tIns="9125" rIns="9125" bIns="9125" anchor="t" anchorCtr="0">
+            <a:spAutoFit/>
+          </a:bodyPr>
+          <a:lstStyle/>
+          <a:p>
+            <a:pPr marL="0" marR="0" lvl="0" indent="0" algn="l" rtl="0">
+              <a:lnSpc>
+                <a:spcPct val="100000"/>
+              </a:lnSpc>
+              <a:spcBef>
+                <a:spcPts val="0"/>
+              </a:spcBef>
+              <a:spcAft>
+                <a:spcPts val="0"/>
+              </a:spcAft>
+              <a:buNone/>
+            </a:pPr>
+            <a:r>
+              <a:rPr lang="en" sz="900" b="1">
+                <a:solidFill>
+                  <a:srgbClr val="6AA84F"/>
+                </a:solidFill>
+                <a:latin typeface="Roboto Mono"/>
+                <a:ea typeface="Roboto Mono"/>
+                <a:cs typeface="Roboto Mono"/>
+                <a:sym typeface="Roboto Mono"/>
+              </a:rPr>
+              <a:t># pip install xai-sdk</a:t>
+            </a:r>
+            <a:endParaRPr sz="900" b="1">
+              <a:solidFill>
+                <a:srgbClr val="6AA84F"/>
+              </a:solidFill>
+              <a:latin typeface="Roboto Mono"/>
+              <a:ea typeface="Roboto Mono"/>
+              <a:cs typeface="Roboto Mono"/>
+              <a:sym typeface="Roboto Mono"/>
+            </a:endParaRPr>
+          </a:p>
+          <a:p>
+            <a:pPr marL="0" marR="0" lvl="0" indent="0" algn="l" rtl="0">
+              <a:lnSpc>
+                <a:spcPct val="100000"/>
+              </a:lnSpc>
+              <a:spcBef>
+                <a:spcPts val="0"/>
+              </a:spcBef>
+              <a:spcAft>
+                <a:spcPts val="0"/>
+              </a:spcAft>
+              <a:buNone/>
+            </a:pPr>
+            <a:r>
+              <a:rPr lang="en" sz="900" b="1">
+                <a:solidFill>
+                  <a:srgbClr val="6AA84F"/>
+                </a:solidFill>
+                <a:latin typeface="Roboto Mono"/>
+                <a:ea typeface="Roboto Mono"/>
+                <a:cs typeface="Roboto Mono"/>
+                <a:sym typeface="Roboto Mono"/>
+              </a:rPr>
+              <a:t># export XAI_API_KEY="your_api_key"</a:t>
+            </a:r>
+            <a:endParaRPr sz="900" b="1">
+              <a:solidFill>
+                <a:srgbClr val="6AA84F"/>
+              </a:solidFill>
+              <a:latin typeface="Roboto Mono"/>
+              <a:ea typeface="Roboto Mono"/>
+              <a:cs typeface="Roboto Mono"/>
+              <a:sym typeface="Roboto Mono"/>
+            </a:endParaRPr>
+          </a:p>
+          <a:p>
+            <a:pPr marL="0" marR="0" lvl="0" indent="0" algn="l" rtl="0">
+              <a:lnSpc>
+                <a:spcPct val="100000"/>
+              </a:lnSpc>
+              <a:spcBef>
+                <a:spcPts val="0"/>
+              </a:spcBef>
+              <a:spcAft>
+                <a:spcPts val="0"/>
+              </a:spcAft>
+              <a:buNone/>
+            </a:pPr>
+            <a:endParaRPr sz="900">
+              <a:solidFill>
+                <a:schemeClr val="dk1"/>
+              </a:solidFill>
+              <a:latin typeface="Roboto Mono"/>
+              <a:ea typeface="Roboto Mono"/>
+              <a:cs typeface="Roboto Mono"/>
+              <a:sym typeface="Roboto Mono"/>
+            </a:endParaRPr>
+          </a:p>
+          <a:p>
+            <a:pPr marL="0" marR="0" lvl="0" indent="0" algn="l" rtl="0">
+              <a:lnSpc>
+                <a:spcPct val="100000"/>
+              </a:lnSpc>
+              <a:spcBef>
+                <a:spcPts val="0"/>
+              </a:spcBef>
+              <a:spcAft>
+                <a:spcPts val="0"/>
+              </a:spcAft>
+              <a:buNone/>
+            </a:pPr>
+            <a:r>
+              <a:rPr lang="en" sz="900" b="1">
+                <a:solidFill>
+                  <a:srgbClr val="3C78D8"/>
+                </a:solidFill>
+                <a:latin typeface="Roboto Mono"/>
+                <a:ea typeface="Roboto Mono"/>
+                <a:cs typeface="Roboto Mono"/>
+                <a:sym typeface="Roboto Mono"/>
+              </a:rPr>
+              <a:t>from xai_sdk import Client</a:t>
+            </a:r>
+            <a:endParaRPr sz="900" b="1">
+              <a:solidFill>
+                <a:srgbClr val="3C78D8"/>
+              </a:solidFill>
+              <a:latin typeface="Roboto Mono"/>
+              <a:ea typeface="Roboto Mono"/>
+              <a:cs typeface="Roboto Mono"/>
+              <a:sym typeface="Roboto Mono"/>
+            </a:endParaRPr>
+          </a:p>
+          <a:p>
+            <a:pPr marL="0" marR="0" lvl="0" indent="0" algn="l" rtl="0">
+              <a:lnSpc>
+                <a:spcPct val="100000"/>
+              </a:lnSpc>
+              <a:spcBef>
+                <a:spcPts val="0"/>
+              </a:spcBef>
+              <a:spcAft>
+                <a:spcPts val="0"/>
+              </a:spcAft>
+              <a:buNone/>
+            </a:pPr>
+            <a:r>
+              <a:rPr lang="en" sz="900" b="1">
+                <a:solidFill>
+                  <a:srgbClr val="3C78D8"/>
+                </a:solidFill>
+                <a:latin typeface="Roboto Mono"/>
+                <a:ea typeface="Roboto Mono"/>
+                <a:cs typeface="Roboto Mono"/>
+                <a:sym typeface="Roboto Mono"/>
+              </a:rPr>
+              <a:t>from xai_sdk.chat import user, system</a:t>
+            </a:r>
+            <a:endParaRPr sz="900" b="1">
+              <a:solidFill>
+                <a:srgbClr val="3C78D8"/>
+              </a:solidFill>
+              <a:latin typeface="Roboto Mono"/>
+              <a:ea typeface="Roboto Mono"/>
+              <a:cs typeface="Roboto Mono"/>
+              <a:sym typeface="Roboto Mono"/>
+            </a:endParaRPr>
+          </a:p>
+          <a:p>
+            <a:pPr marL="0" marR="0" lvl="0" indent="0" algn="l" rtl="0">
+              <a:lnSpc>
+                <a:spcPct val="100000"/>
+              </a:lnSpc>
+              <a:spcBef>
+                <a:spcPts val="0"/>
+              </a:spcBef>
+              <a:spcAft>
+                <a:spcPts val="0"/>
+              </a:spcAft>
+              <a:buNone/>
+            </a:pPr>
+            <a:endParaRPr sz="900" b="1">
+              <a:solidFill>
+                <a:srgbClr val="3C78D8"/>
+              </a:solidFill>
+              <a:latin typeface="Roboto Mono"/>
+              <a:ea typeface="Roboto Mono"/>
+              <a:cs typeface="Roboto Mono"/>
+              <a:sym typeface="Roboto Mono"/>
+            </a:endParaRPr>
+          </a:p>
+          <a:p>
+            <a:pPr marL="0" marR="0" lvl="0" indent="0" algn="l" rtl="0">
+              <a:lnSpc>
+                <a:spcPct val="100000"/>
+              </a:lnSpc>
+              <a:spcBef>
+                <a:spcPts val="0"/>
+              </a:spcBef>
+              <a:spcAft>
+                <a:spcPts val="0"/>
+              </a:spcAft>
+              <a:buNone/>
+            </a:pPr>
+            <a:r>
+              <a:rPr lang="en" sz="900" b="1">
+                <a:solidFill>
+                  <a:srgbClr val="3C78D8"/>
+                </a:solidFill>
+                <a:latin typeface="Roboto Mono"/>
+                <a:ea typeface="Roboto Mono"/>
+                <a:cs typeface="Roboto Mono"/>
+                <a:sym typeface="Roboto Mono"/>
+              </a:rPr>
+              <a:t>client = Client(</a:t>
+            </a:r>
+            <a:endParaRPr sz="900" b="1">
+              <a:solidFill>
+                <a:srgbClr val="3C78D8"/>
+              </a:solidFill>
+              <a:latin typeface="Roboto Mono"/>
+              <a:ea typeface="Roboto Mono"/>
+              <a:cs typeface="Roboto Mono"/>
+              <a:sym typeface="Roboto Mono"/>
+            </a:endParaRPr>
+          </a:p>
+          <a:p>
+            <a:pPr marL="0" marR="0" lvl="0" indent="0" algn="l" rtl="0">
+              <a:lnSpc>
+                <a:spcPct val="100000"/>
+              </a:lnSpc>
+              <a:spcBef>
+                <a:spcPts val="0"/>
+              </a:spcBef>
+              <a:spcAft>
+                <a:spcPts val="0"/>
+              </a:spcAft>
+              <a:buNone/>
+            </a:pPr>
+            <a:r>
+              <a:rPr lang="en" sz="900" b="1">
+                <a:solidFill>
+                  <a:srgbClr val="3C78D8"/>
+                </a:solidFill>
+                <a:latin typeface="Roboto Mono"/>
+                <a:ea typeface="Roboto Mono"/>
+                <a:cs typeface="Roboto Mono"/>
+                <a:sym typeface="Roboto Mono"/>
+              </a:rPr>
+              <a:t>  api_host="api.x.ai"</a:t>
+            </a:r>
+            <a:endParaRPr sz="900" b="1">
+              <a:solidFill>
+                <a:srgbClr val="3C78D8"/>
+              </a:solidFill>
+              <a:latin typeface="Roboto Mono"/>
+              <a:ea typeface="Roboto Mono"/>
+              <a:cs typeface="Roboto Mono"/>
+              <a:sym typeface="Roboto Mono"/>
+            </a:endParaRPr>
+          </a:p>
+          <a:p>
+            <a:pPr marL="0" marR="0" lvl="0" indent="0" algn="l" rtl="0">
+              <a:lnSpc>
+                <a:spcPct val="100000"/>
+              </a:lnSpc>
+              <a:spcBef>
+                <a:spcPts val="0"/>
+              </a:spcBef>
+              <a:spcAft>
+                <a:spcPts val="0"/>
+              </a:spcAft>
+              <a:buNone/>
+            </a:pPr>
+            <a:r>
+              <a:rPr lang="en" sz="900" b="1">
+                <a:solidFill>
+                  <a:srgbClr val="3C78D8"/>
+                </a:solidFill>
+                <a:latin typeface="Roboto Mono"/>
+                <a:ea typeface="Roboto Mono"/>
+                <a:cs typeface="Roboto Mono"/>
+                <a:sym typeface="Roboto Mono"/>
+              </a:rPr>
+              <a:t>)</a:t>
+            </a:r>
+            <a:endParaRPr sz="900" b="1">
+              <a:solidFill>
+                <a:srgbClr val="3C78D8"/>
+              </a:solidFill>
+              <a:latin typeface="Roboto Mono"/>
+              <a:ea typeface="Roboto Mono"/>
+              <a:cs typeface="Roboto Mono"/>
+              <a:sym typeface="Roboto Mono"/>
+            </a:endParaRPr>
+          </a:p>
+          <a:p>
+            <a:pPr marL="0" marR="0" lvl="0" indent="0" algn="l" rtl="0">
+              <a:lnSpc>
+                <a:spcPct val="100000"/>
+              </a:lnSpc>
+              <a:spcBef>
+                <a:spcPts val="0"/>
+              </a:spcBef>
+              <a:spcAft>
+                <a:spcPts val="0"/>
+              </a:spcAft>
+              <a:buNone/>
+            </a:pPr>
+            <a:endParaRPr sz="900" b="1">
+              <a:solidFill>
+                <a:srgbClr val="3C78D8"/>
+              </a:solidFill>
+              <a:latin typeface="Roboto Mono"/>
+              <a:ea typeface="Roboto Mono"/>
+              <a:cs typeface="Roboto Mono"/>
+              <a:sym typeface="Roboto Mono"/>
+            </a:endParaRPr>
+          </a:p>
+          <a:p>
+            <a:pPr marL="0" marR="0" lvl="0" indent="0" algn="l" rtl="0">
+              <a:lnSpc>
+                <a:spcPct val="100000"/>
+              </a:lnSpc>
+              <a:spcBef>
+                <a:spcPts val="0"/>
+              </a:spcBef>
+              <a:spcAft>
+                <a:spcPts val="0"/>
+              </a:spcAft>
+              <a:buNone/>
+            </a:pPr>
+            <a:r>
+              <a:rPr lang="en" sz="900" b="1">
+                <a:solidFill>
+                  <a:srgbClr val="3C78D8"/>
+                </a:solidFill>
+                <a:latin typeface="Roboto Mono"/>
+                <a:ea typeface="Roboto Mono"/>
+                <a:cs typeface="Roboto Mono"/>
+                <a:sym typeface="Roboto Mono"/>
+              </a:rPr>
+              <a:t>chat = client.chat.create(model="grok-4-0709", temperature=0)</a:t>
+            </a:r>
+            <a:endParaRPr sz="900" b="1">
+              <a:solidFill>
+                <a:srgbClr val="3C78D8"/>
+              </a:solidFill>
+              <a:latin typeface="Roboto Mono"/>
+              <a:ea typeface="Roboto Mono"/>
+              <a:cs typeface="Roboto Mono"/>
+              <a:sym typeface="Roboto Mono"/>
+            </a:endParaRPr>
+          </a:p>
+          <a:p>
+            <a:pPr marL="0" marR="0" lvl="0" indent="0" algn="l" rtl="0">
+              <a:lnSpc>
+                <a:spcPct val="100000"/>
+              </a:lnSpc>
+              <a:spcBef>
+                <a:spcPts val="0"/>
+              </a:spcBef>
+              <a:spcAft>
+                <a:spcPts val="0"/>
+              </a:spcAft>
+              <a:buNone/>
+            </a:pPr>
+            <a:r>
+              <a:rPr lang="en" sz="900" b="1">
+                <a:solidFill>
+                  <a:srgbClr val="3C78D8"/>
+                </a:solidFill>
+                <a:latin typeface="Roboto Mono"/>
+                <a:ea typeface="Roboto Mono"/>
+                <a:cs typeface="Roboto Mono"/>
+                <a:sym typeface="Roboto Mono"/>
+              </a:rPr>
+              <a:t>chat.append(system("You are a PhD-level mathematician."))</a:t>
+            </a:r>
+            <a:endParaRPr sz="900" b="1">
+              <a:solidFill>
+                <a:srgbClr val="3C78D8"/>
+              </a:solidFill>
+              <a:latin typeface="Roboto Mono"/>
+              <a:ea typeface="Roboto Mono"/>
+              <a:cs typeface="Roboto Mono"/>
+              <a:sym typeface="Roboto Mono"/>
+            </a:endParaRPr>
+          </a:p>
+          <a:p>
+            <a:pPr marL="0" marR="0" lvl="0" indent="0" algn="l" rtl="0">
+              <a:lnSpc>
+                <a:spcPct val="100000"/>
+              </a:lnSpc>
+              <a:spcBef>
+                <a:spcPts val="0"/>
+              </a:spcBef>
+              <a:spcAft>
+                <a:spcPts val="0"/>
+              </a:spcAft>
+              <a:buNone/>
+            </a:pPr>
+            <a:r>
+              <a:rPr lang="en" sz="900" b="1">
+                <a:solidFill>
+                  <a:srgbClr val="3C78D8"/>
+                </a:solidFill>
+                <a:latin typeface="Roboto Mono"/>
+                <a:ea typeface="Roboto Mono"/>
+                <a:cs typeface="Roboto Mono"/>
+                <a:sym typeface="Roboto Mono"/>
+              </a:rPr>
+              <a:t>chat.append(user("What is 2 + 2?"))</a:t>
+            </a:r>
+            <a:endParaRPr sz="900" b="1">
+              <a:solidFill>
+                <a:srgbClr val="3C78D8"/>
+              </a:solidFill>
+              <a:latin typeface="Roboto Mono"/>
+              <a:ea typeface="Roboto Mono"/>
+              <a:cs typeface="Roboto Mono"/>
+              <a:sym typeface="Roboto Mono"/>
+            </a:endParaRPr>
+          </a:p>
+          <a:p>
+            <a:pPr marL="0" marR="0" lvl="0" indent="0" algn="l" rtl="0">
+              <a:lnSpc>
+                <a:spcPct val="100000"/>
+              </a:lnSpc>
+              <a:spcBef>
+                <a:spcPts val="0"/>
+              </a:spcBef>
+              <a:spcAft>
+                <a:spcPts val="0"/>
+              </a:spcAft>
+              <a:buNone/>
+            </a:pPr>
+            <a:endParaRPr sz="900" b="1">
+              <a:solidFill>
+                <a:srgbClr val="3C78D8"/>
+              </a:solidFill>
+              <a:latin typeface="Roboto Mono"/>
+              <a:ea typeface="Roboto Mono"/>
+              <a:cs typeface="Roboto Mono"/>
+              <a:sym typeface="Roboto Mono"/>
+            </a:endParaRPr>
+          </a:p>
+          <a:p>
+            <a:pPr marL="0" marR="0" lvl="0" indent="0" algn="l" rtl="0">
+              <a:lnSpc>
+                <a:spcPct val="100000"/>
+              </a:lnSpc>
+              <a:spcBef>
+                <a:spcPts val="0"/>
+              </a:spcBef>
+              <a:spcAft>
+                <a:spcPts val="0"/>
+              </a:spcAft>
+              <a:buNone/>
+            </a:pPr>
+            <a:r>
+              <a:rPr lang="en" sz="900" b="1">
+                <a:solidFill>
+                  <a:srgbClr val="3C78D8"/>
+                </a:solidFill>
+                <a:latin typeface="Roboto Mono"/>
+                <a:ea typeface="Roboto Mono"/>
+                <a:cs typeface="Roboto Mono"/>
+                <a:sym typeface="Roboto Mono"/>
+              </a:rPr>
+              <a:t>response = chat.sample()</a:t>
+            </a:r>
+            <a:endParaRPr sz="900" b="1">
+              <a:solidFill>
+                <a:srgbClr val="3C78D8"/>
+              </a:solidFill>
+              <a:latin typeface="Roboto Mono"/>
+              <a:ea typeface="Roboto Mono"/>
+              <a:cs typeface="Roboto Mono"/>
+              <a:sym typeface="Roboto Mono"/>
+            </a:endParaRPr>
+          </a:p>
+          <a:p>
+            <a:pPr marL="0" marR="0" lvl="0" indent="0" algn="l" rtl="0">
+              <a:lnSpc>
+                <a:spcPct val="100000"/>
+              </a:lnSpc>
+              <a:spcBef>
+                <a:spcPts val="0"/>
+              </a:spcBef>
+              <a:spcAft>
+                <a:spcPts val="0"/>
+              </a:spcAft>
+              <a:buNone/>
+            </a:pPr>
+            <a:r>
+              <a:rPr lang="en" sz="900" b="1">
+                <a:solidFill>
+                  <a:srgbClr val="3C78D8"/>
+                </a:solidFill>
+                <a:latin typeface="Roboto Mono"/>
+                <a:ea typeface="Roboto Mono"/>
+                <a:cs typeface="Roboto Mono"/>
+                <a:sym typeface="Roboto Mono"/>
+              </a:rPr>
+              <a:t>print(response.content)</a:t>
+            </a:r>
+            <a:endParaRPr sz="900" b="1">
+              <a:solidFill>
+                <a:srgbClr val="3C78D8"/>
+              </a:solidFill>
+              <a:latin typeface="Roboto Mono"/>
+              <a:ea typeface="Roboto Mono"/>
+              <a:cs typeface="Roboto Mono"/>
+              <a:sym typeface="Roboto Mono"/>
+            </a:endParaRPr>
+          </a:p>
+        </p:txBody>
+      </p:sp>
+      <p:sp>
+        <p:nvSpPr>
+          <p:cNvPr id="148" name="Google Shape;148;p18"/>
+          <p:cNvSpPr txBox="1"/>
+          <p:nvPr/>
+        </p:nvSpPr>
+        <p:spPr>
+          <a:xfrm>
+            <a:off x="55075" y="2896900"/>
+            <a:ext cx="4698600" cy="2096400"/>
+          </a:xfrm>
+          <a:prstGeom prst="rect">
+            <a:avLst/>
+          </a:prstGeom>
+          <a:solidFill>
+            <a:srgbClr val="FFF2CC"/>
+          </a:solidFill>
+          <a:ln w="9525" cap="flat" cmpd="sng">
+            <a:solidFill>
+              <a:srgbClr val="FF0000"/>
+            </a:solidFill>
+            <a:prstDash val="solid"/>
+            <a:round/>
+            <a:headEnd type="none" w="sm" len="sm"/>
+            <a:tailEnd type="none" w="sm" len="sm"/>
+          </a:ln>
+        </p:spPr>
+        <p:txBody>
+          <a:bodyPr spcFirstLastPara="1" wrap="square" lIns="9125" tIns="9125" rIns="9125" bIns="9125" anchor="t" anchorCtr="0">
+            <a:spAutoFit/>
+          </a:bodyPr>
+          <a:lstStyle/>
+          <a:p>
+            <a:pPr marL="0" marR="0" lvl="0" indent="0" algn="l" rtl="0">
+              <a:lnSpc>
+                <a:spcPct val="100000"/>
+              </a:lnSpc>
+              <a:spcBef>
+                <a:spcPts val="0"/>
+              </a:spcBef>
+              <a:spcAft>
+                <a:spcPts val="0"/>
+              </a:spcAft>
+              <a:buNone/>
+            </a:pPr>
+            <a:r>
+              <a:rPr lang="en" sz="900" b="1">
+                <a:solidFill>
+                  <a:srgbClr val="6AA84F"/>
+                </a:solidFill>
+                <a:latin typeface="Roboto Mono"/>
+                <a:ea typeface="Roboto Mono"/>
+                <a:cs typeface="Roboto Mono"/>
+                <a:sym typeface="Roboto Mono"/>
+              </a:rPr>
+              <a:t># streaming</a:t>
+            </a:r>
+            <a:endParaRPr sz="900" b="1">
+              <a:solidFill>
+                <a:srgbClr val="6AA84F"/>
+              </a:solidFill>
+              <a:latin typeface="Roboto Mono"/>
+              <a:ea typeface="Roboto Mono"/>
+              <a:cs typeface="Roboto Mono"/>
+              <a:sym typeface="Roboto Mono"/>
+            </a:endParaRPr>
+          </a:p>
+          <a:p>
+            <a:pPr marL="0" marR="0" lvl="0" indent="0" algn="l" rtl="0">
+              <a:lnSpc>
+                <a:spcPct val="100000"/>
+              </a:lnSpc>
+              <a:spcBef>
+                <a:spcPts val="0"/>
+              </a:spcBef>
+              <a:spcAft>
+                <a:spcPts val="0"/>
+              </a:spcAft>
+              <a:buNone/>
+            </a:pPr>
+            <a:endParaRPr sz="900" b="1">
+              <a:solidFill>
+                <a:srgbClr val="3C78D8"/>
+              </a:solidFill>
+              <a:latin typeface="Roboto Mono"/>
+              <a:ea typeface="Roboto Mono"/>
+              <a:cs typeface="Roboto Mono"/>
+              <a:sym typeface="Roboto Mono"/>
+            </a:endParaRPr>
+          </a:p>
+          <a:p>
+            <a:pPr marL="0" marR="0" lvl="0" indent="0" algn="l" rtl="0">
+              <a:lnSpc>
+                <a:spcPct val="100000"/>
+              </a:lnSpc>
+              <a:spcBef>
+                <a:spcPts val="0"/>
+              </a:spcBef>
+              <a:spcAft>
+                <a:spcPts val="0"/>
+              </a:spcAft>
+              <a:buNone/>
+            </a:pPr>
+            <a:r>
+              <a:rPr lang="en" sz="900" b="1">
+                <a:solidFill>
+                  <a:srgbClr val="3C78D8"/>
+                </a:solidFill>
+                <a:latin typeface="Roboto Mono"/>
+                <a:ea typeface="Roboto Mono"/>
+                <a:cs typeface="Roboto Mono"/>
+                <a:sym typeface="Roboto Mono"/>
+              </a:rPr>
+              <a:t>from xai_sdk import XAI</a:t>
+            </a:r>
+            <a:endParaRPr sz="900" b="1">
+              <a:solidFill>
+                <a:srgbClr val="3C78D8"/>
+              </a:solidFill>
+              <a:latin typeface="Roboto Mono"/>
+              <a:ea typeface="Roboto Mono"/>
+              <a:cs typeface="Roboto Mono"/>
+              <a:sym typeface="Roboto Mono"/>
+            </a:endParaRPr>
+          </a:p>
+          <a:p>
+            <a:pPr marL="0" marR="0" lvl="0" indent="0" algn="l" rtl="0">
+              <a:lnSpc>
+                <a:spcPct val="100000"/>
+              </a:lnSpc>
+              <a:spcBef>
+                <a:spcPts val="0"/>
+              </a:spcBef>
+              <a:spcAft>
+                <a:spcPts val="0"/>
+              </a:spcAft>
+              <a:buNone/>
+            </a:pPr>
+            <a:endParaRPr sz="900" b="1">
+              <a:solidFill>
+                <a:srgbClr val="3C78D8"/>
+              </a:solidFill>
+              <a:latin typeface="Roboto Mono"/>
+              <a:ea typeface="Roboto Mono"/>
+              <a:cs typeface="Roboto Mono"/>
+              <a:sym typeface="Roboto Mono"/>
+            </a:endParaRPr>
+          </a:p>
+          <a:p>
+            <a:pPr marL="0" marR="0" lvl="0" indent="0" algn="l" rtl="0">
+              <a:lnSpc>
+                <a:spcPct val="100000"/>
+              </a:lnSpc>
+              <a:spcBef>
+                <a:spcPts val="0"/>
+              </a:spcBef>
+              <a:spcAft>
+                <a:spcPts val="0"/>
+              </a:spcAft>
+              <a:buNone/>
+            </a:pPr>
+            <a:r>
+              <a:rPr lang="en" sz="900" b="1">
+                <a:solidFill>
+                  <a:srgbClr val="3C78D8"/>
+                </a:solidFill>
+                <a:latin typeface="Roboto Mono"/>
+                <a:ea typeface="Roboto Mono"/>
+                <a:cs typeface="Roboto Mono"/>
+                <a:sym typeface="Roboto Mono"/>
+              </a:rPr>
+              <a:t>llm = XAI(api_key="your_api_key", model="grok-3")</a:t>
+            </a:r>
+            <a:endParaRPr sz="900" b="1">
+              <a:solidFill>
+                <a:srgbClr val="3C78D8"/>
+              </a:solidFill>
+              <a:latin typeface="Roboto Mono"/>
+              <a:ea typeface="Roboto Mono"/>
+              <a:cs typeface="Roboto Mono"/>
+              <a:sym typeface="Roboto Mono"/>
+            </a:endParaRPr>
+          </a:p>
+          <a:p>
+            <a:pPr marL="0" marR="0" lvl="0" indent="0" algn="l" rtl="0">
+              <a:lnSpc>
+                <a:spcPct val="100000"/>
+              </a:lnSpc>
+              <a:spcBef>
+                <a:spcPts val="0"/>
+              </a:spcBef>
+              <a:spcAft>
+                <a:spcPts val="0"/>
+              </a:spcAft>
+              <a:buNone/>
+            </a:pPr>
+            <a:endParaRPr sz="900" b="1">
+              <a:solidFill>
+                <a:srgbClr val="3C78D8"/>
+              </a:solidFill>
+              <a:latin typeface="Roboto Mono"/>
+              <a:ea typeface="Roboto Mono"/>
+              <a:cs typeface="Roboto Mono"/>
+              <a:sym typeface="Roboto Mono"/>
+            </a:endParaRPr>
+          </a:p>
+          <a:p>
+            <a:pPr marL="0" marR="0" lvl="0" indent="0" algn="l" rtl="0">
+              <a:lnSpc>
+                <a:spcPct val="100000"/>
+              </a:lnSpc>
+              <a:spcBef>
+                <a:spcPts val="0"/>
+              </a:spcBef>
+              <a:spcAft>
+                <a:spcPts val="0"/>
+              </a:spcAft>
+              <a:buNone/>
+            </a:pPr>
+            <a:r>
+              <a:rPr lang="en" sz="900" b="1">
+                <a:solidFill>
+                  <a:srgbClr val="3C78D8"/>
+                </a:solidFill>
+                <a:latin typeface="Roboto Mono"/>
+                <a:ea typeface="Roboto Mono"/>
+                <a:cs typeface="Roboto Mono"/>
+                <a:sym typeface="Roboto Mono"/>
+              </a:rPr>
+              <a:t>response = llm.invoke(</a:t>
+            </a:r>
+            <a:endParaRPr sz="900" b="1">
+              <a:solidFill>
+                <a:srgbClr val="3C78D8"/>
+              </a:solidFill>
+              <a:latin typeface="Roboto Mono"/>
+              <a:ea typeface="Roboto Mono"/>
+              <a:cs typeface="Roboto Mono"/>
+              <a:sym typeface="Roboto Mono"/>
+            </a:endParaRPr>
+          </a:p>
+          <a:p>
+            <a:pPr marL="0" marR="0" lvl="0" indent="0" algn="l" rtl="0">
+              <a:lnSpc>
+                <a:spcPct val="100000"/>
+              </a:lnSpc>
+              <a:spcBef>
+                <a:spcPts val="0"/>
+              </a:spcBef>
+              <a:spcAft>
+                <a:spcPts val="0"/>
+              </a:spcAft>
+              <a:buNone/>
+            </a:pPr>
+            <a:r>
+              <a:rPr lang="en" sz="900" b="1">
+                <a:solidFill>
+                  <a:srgbClr val="3C78D8"/>
+                </a:solidFill>
+                <a:latin typeface="Roboto Mono"/>
+                <a:ea typeface="Roboto Mono"/>
+                <a:cs typeface="Roboto Mono"/>
+                <a:sym typeface="Roboto Mono"/>
+              </a:rPr>
+              <a:t>    messages=[{"role": "user", "content": "Tell me a joke!"}],</a:t>
+            </a:r>
+            <a:endParaRPr sz="900" b="1">
+              <a:solidFill>
+                <a:srgbClr val="3C78D8"/>
+              </a:solidFill>
+              <a:latin typeface="Roboto Mono"/>
+              <a:ea typeface="Roboto Mono"/>
+              <a:cs typeface="Roboto Mono"/>
+              <a:sym typeface="Roboto Mono"/>
+            </a:endParaRPr>
+          </a:p>
+          <a:p>
+            <a:pPr marL="0" marR="0" lvl="0" indent="0" algn="l" rtl="0">
+              <a:lnSpc>
+                <a:spcPct val="100000"/>
+              </a:lnSpc>
+              <a:spcBef>
+                <a:spcPts val="0"/>
+              </a:spcBef>
+              <a:spcAft>
+                <a:spcPts val="0"/>
+              </a:spcAft>
+              <a:buNone/>
+            </a:pPr>
+            <a:r>
+              <a:rPr lang="en" sz="900" b="1">
+                <a:solidFill>
+                  <a:srgbClr val="3C78D8"/>
+                </a:solidFill>
+                <a:latin typeface="Roboto Mono"/>
+                <a:ea typeface="Roboto Mono"/>
+                <a:cs typeface="Roboto Mono"/>
+                <a:sym typeface="Roboto Mono"/>
+              </a:rPr>
+              <a:t>    stream=True</a:t>
+            </a:r>
+            <a:endParaRPr sz="900" b="1">
+              <a:solidFill>
+                <a:srgbClr val="3C78D8"/>
+              </a:solidFill>
+              <a:latin typeface="Roboto Mono"/>
+              <a:ea typeface="Roboto Mono"/>
+              <a:cs typeface="Roboto Mono"/>
+              <a:sym typeface="Roboto Mono"/>
+            </a:endParaRPr>
+          </a:p>
+          <a:p>
+            <a:pPr marL="0" marR="0" lvl="0" indent="0" algn="l" rtl="0">
+              <a:lnSpc>
+                <a:spcPct val="100000"/>
+              </a:lnSpc>
+              <a:spcBef>
+                <a:spcPts val="0"/>
+              </a:spcBef>
+              <a:spcAft>
+                <a:spcPts val="0"/>
+              </a:spcAft>
+              <a:buNone/>
+            </a:pPr>
+            <a:r>
+              <a:rPr lang="en" sz="900" b="1">
+                <a:solidFill>
+                  <a:srgbClr val="3C78D8"/>
+                </a:solidFill>
+                <a:latin typeface="Roboto Mono"/>
+                <a:ea typeface="Roboto Mono"/>
+                <a:cs typeface="Roboto Mono"/>
+                <a:sym typeface="Roboto Mono"/>
+              </a:rPr>
+              <a:t>)</a:t>
+            </a:r>
+            <a:endParaRPr sz="900" b="1">
+              <a:solidFill>
+                <a:srgbClr val="3C78D8"/>
+              </a:solidFill>
+              <a:latin typeface="Roboto Mono"/>
+              <a:ea typeface="Roboto Mono"/>
+              <a:cs typeface="Roboto Mono"/>
+              <a:sym typeface="Roboto Mono"/>
+            </a:endParaRPr>
+          </a:p>
+          <a:p>
+            <a:pPr marL="0" marR="0" lvl="0" indent="0" algn="l" rtl="0">
+              <a:lnSpc>
+                <a:spcPct val="100000"/>
+              </a:lnSpc>
+              <a:spcBef>
+                <a:spcPts val="0"/>
+              </a:spcBef>
+              <a:spcAft>
+                <a:spcPts val="0"/>
+              </a:spcAft>
+              <a:buNone/>
+            </a:pPr>
+            <a:endParaRPr sz="900" b="1">
+              <a:solidFill>
+                <a:srgbClr val="3C78D8"/>
+              </a:solidFill>
+              <a:latin typeface="Roboto Mono"/>
+              <a:ea typeface="Roboto Mono"/>
+              <a:cs typeface="Roboto Mono"/>
+              <a:sym typeface="Roboto Mono"/>
+            </a:endParaRPr>
+          </a:p>
+          <a:p>
+            <a:pPr marL="0" marR="0" lvl="0" indent="0" algn="l" rtl="0">
+              <a:lnSpc>
+                <a:spcPct val="100000"/>
+              </a:lnSpc>
+              <a:spcBef>
+                <a:spcPts val="0"/>
+              </a:spcBef>
+              <a:spcAft>
+                <a:spcPts val="0"/>
+              </a:spcAft>
+              <a:buNone/>
+            </a:pPr>
+            <a:r>
+              <a:rPr lang="en" sz="900" b="1">
+                <a:solidFill>
+                  <a:srgbClr val="3C78D8"/>
+                </a:solidFill>
+                <a:latin typeface="Roboto Mono"/>
+                <a:ea typeface="Roboto Mono"/>
+                <a:cs typeface="Roboto Mono"/>
+                <a:sym typeface="Roboto Mono"/>
+              </a:rPr>
+              <a:t>for chunk in response:</a:t>
+            </a:r>
+            <a:endParaRPr sz="900" b="1">
+              <a:solidFill>
+                <a:srgbClr val="3C78D8"/>
+              </a:solidFill>
+              <a:latin typeface="Roboto Mono"/>
+              <a:ea typeface="Roboto Mono"/>
+              <a:cs typeface="Roboto Mono"/>
+              <a:sym typeface="Roboto Mono"/>
+            </a:endParaRPr>
+          </a:p>
+          <a:p>
+            <a:pPr marL="0" marR="0" lvl="0" indent="0" algn="l" rtl="0">
+              <a:lnSpc>
+                <a:spcPct val="100000"/>
+              </a:lnSpc>
+              <a:spcBef>
+                <a:spcPts val="0"/>
+              </a:spcBef>
+              <a:spcAft>
+                <a:spcPts val="0"/>
+              </a:spcAft>
+              <a:buNone/>
+            </a:pPr>
+            <a:r>
+              <a:rPr lang="en" sz="900" b="1">
+                <a:solidFill>
+                  <a:srgbClr val="3C78D8"/>
+                </a:solidFill>
+                <a:latin typeface="Roboto Mono"/>
+                <a:ea typeface="Roboto Mono"/>
+                <a:cs typeface="Roboto Mono"/>
+                <a:sym typeface="Roboto Mono"/>
+              </a:rPr>
+              <a:t>    if chunk.choices[0].delta and chunk.choices[0].delta.content:</a:t>
+            </a:r>
+            <a:endParaRPr sz="900" b="1">
+              <a:solidFill>
+                <a:srgbClr val="3C78D8"/>
+              </a:solidFill>
+              <a:latin typeface="Roboto Mono"/>
+              <a:ea typeface="Roboto Mono"/>
+              <a:cs typeface="Roboto Mono"/>
+              <a:sym typeface="Roboto Mono"/>
+            </a:endParaRPr>
+          </a:p>
+          <a:p>
+            <a:pPr marL="0" marR="0" lvl="0" indent="0" algn="l" rtl="0">
+              <a:lnSpc>
+                <a:spcPct val="100000"/>
+              </a:lnSpc>
+              <a:spcBef>
+                <a:spcPts val="0"/>
+              </a:spcBef>
+              <a:spcAft>
+                <a:spcPts val="0"/>
+              </a:spcAft>
+              <a:buNone/>
+            </a:pPr>
+            <a:r>
+              <a:rPr lang="en" sz="900" b="1">
+                <a:solidFill>
+                  <a:srgbClr val="3C78D8"/>
+                </a:solidFill>
+                <a:latin typeface="Roboto Mono"/>
+                <a:ea typeface="Roboto Mono"/>
+                <a:cs typeface="Roboto Mono"/>
+                <a:sym typeface="Roboto Mono"/>
+              </a:rPr>
+              <a:t>        print(chunk.choices[0].delta.content, end="", flush=True)</a:t>
+            </a:r>
+            <a:endParaRPr sz="900" b="1">
+              <a:solidFill>
+                <a:srgbClr val="3C78D8"/>
+              </a:solidFill>
+              <a:latin typeface="Roboto Mono"/>
+              <a:ea typeface="Roboto Mono"/>
+              <a:cs typeface="Roboto Mono"/>
+              <a:sym typeface="Roboto Mono"/>
+            </a:endParaRPr>
+          </a:p>
+          <a:p>
+            <a:pPr marL="0" marR="0" lvl="0" indent="0" algn="l" rtl="0">
+              <a:lnSpc>
+                <a:spcPct val="100000"/>
+              </a:lnSpc>
+              <a:spcBef>
+                <a:spcPts val="0"/>
+              </a:spcBef>
+              <a:spcAft>
+                <a:spcPts val="0"/>
+              </a:spcAft>
+              <a:buNone/>
+            </a:pPr>
+            <a:r>
+              <a:rPr lang="en" sz="900" b="1">
+                <a:solidFill>
+                  <a:srgbClr val="3C78D8"/>
+                </a:solidFill>
+                <a:latin typeface="Roboto Mono"/>
+                <a:ea typeface="Roboto Mono"/>
+                <a:cs typeface="Roboto Mono"/>
+                <a:sym typeface="Roboto Mono"/>
+              </a:rPr>
+              <a:t>print()</a:t>
+            </a:r>
+            <a:endParaRPr sz="900" b="1">
+              <a:solidFill>
+                <a:srgbClr val="3C78D8"/>
+              </a:solidFill>
+              <a:latin typeface="Roboto Mono"/>
+              <a:ea typeface="Roboto Mono"/>
+              <a:cs typeface="Roboto Mono"/>
+              <a:sym typeface="Roboto Mono"/>
+            </a:endParaRPr>
+          </a:p>
+        </p:txBody>
+      </p:sp>
+      <p:sp>
+        <p:nvSpPr>
+          <p:cNvPr id="149" name="Google Shape;149;p18"/>
+          <p:cNvSpPr txBox="1"/>
+          <p:nvPr/>
+        </p:nvSpPr>
+        <p:spPr>
+          <a:xfrm>
+            <a:off x="4655475" y="1268875"/>
+            <a:ext cx="4360800" cy="757200"/>
+          </a:xfrm>
+          <a:prstGeom prst="rect">
+            <a:avLst/>
+          </a:prstGeom>
+          <a:solidFill>
+            <a:srgbClr val="FFF2CC"/>
+          </a:solidFill>
+          <a:ln w="9525" cap="flat" cmpd="sng">
+            <a:solidFill>
+              <a:srgbClr val="FF0000"/>
+            </a:solidFill>
+            <a:prstDash val="solid"/>
+            <a:round/>
+            <a:headEnd type="none" w="sm" len="sm"/>
+            <a:tailEnd type="none" w="sm" len="sm"/>
+          </a:ln>
+        </p:spPr>
+        <p:txBody>
+          <a:bodyPr spcFirstLastPara="1" wrap="square" lIns="9125" tIns="9125" rIns="9125" bIns="9125" anchor="t" anchorCtr="0">
+            <a:spAutoFit/>
+          </a:bodyPr>
+          <a:lstStyle/>
+          <a:p>
+            <a:pPr marL="228600" marR="0" lvl="0" indent="-133350" algn="l" rtl="0">
+              <a:lnSpc>
+                <a:spcPct val="100000"/>
+              </a:lnSpc>
+              <a:spcBef>
+                <a:spcPts val="0"/>
+              </a:spcBef>
+              <a:spcAft>
+                <a:spcPts val="0"/>
+              </a:spcAft>
+              <a:buSzPts val="1200"/>
+              <a:buFont typeface="Roboto Mono"/>
+              <a:buChar char="●"/>
+            </a:pPr>
+            <a:r>
+              <a:rPr lang="en" sz="1200" b="1" u="sng">
+                <a:solidFill>
+                  <a:schemeClr val="hlink"/>
+                </a:solidFill>
+                <a:latin typeface="Roboto Mono"/>
+                <a:ea typeface="Roboto Mono"/>
+                <a:cs typeface="Roboto Mono"/>
+                <a:sym typeface="Roboto Mono"/>
+                <a:hlinkClick r:id="rId3"/>
+              </a:rPr>
+              <a:t>https://www.youtube.com/watch?v=KtWVjR26CMY</a:t>
+            </a:r>
+            <a:r>
+              <a:rPr lang="en" sz="1200" b="1">
+                <a:solidFill>
+                  <a:srgbClr val="3C78D8"/>
+                </a:solidFill>
+                <a:latin typeface="Roboto Mono"/>
+                <a:ea typeface="Roboto Mono"/>
+                <a:cs typeface="Roboto Mono"/>
+                <a:sym typeface="Roboto Mono"/>
+              </a:rPr>
+              <a:t> </a:t>
+            </a:r>
+            <a:endParaRPr sz="1200" b="1">
+              <a:solidFill>
+                <a:srgbClr val="3C78D8"/>
+              </a:solidFill>
+              <a:latin typeface="Roboto Mono"/>
+              <a:ea typeface="Roboto Mono"/>
+              <a:cs typeface="Roboto Mono"/>
+              <a:sym typeface="Roboto Mono"/>
+            </a:endParaRPr>
+          </a:p>
+          <a:p>
+            <a:pPr marL="228600" marR="0" lvl="0" indent="-133350" algn="l" rtl="0">
+              <a:lnSpc>
+                <a:spcPct val="100000"/>
+              </a:lnSpc>
+              <a:spcBef>
+                <a:spcPts val="0"/>
+              </a:spcBef>
+              <a:spcAft>
+                <a:spcPts val="0"/>
+              </a:spcAft>
+              <a:buClr>
+                <a:srgbClr val="3C78D8"/>
+              </a:buClr>
+              <a:buSzPts val="1200"/>
+              <a:buFont typeface="Roboto Mono"/>
+              <a:buChar char="●"/>
+            </a:pPr>
+            <a:r>
+              <a:rPr lang="en" sz="1200" b="1" u="sng">
+                <a:solidFill>
+                  <a:schemeClr val="hlink"/>
+                </a:solidFill>
+                <a:latin typeface="Roboto Mono"/>
+                <a:ea typeface="Roboto Mono"/>
+                <a:cs typeface="Roboto Mono"/>
+                <a:sym typeface="Roboto Mono"/>
+                <a:hlinkClick r:id="rId4"/>
+              </a:rPr>
+              <a:t>https://mer.vin/2025/07/xai-sdk-api/</a:t>
+            </a:r>
+            <a:r>
+              <a:rPr lang="en" sz="1200" b="1">
+                <a:solidFill>
+                  <a:srgbClr val="3C78D8"/>
+                </a:solidFill>
+                <a:latin typeface="Roboto Mono"/>
+                <a:ea typeface="Roboto Mono"/>
+                <a:cs typeface="Roboto Mono"/>
+                <a:sym typeface="Roboto Mono"/>
+              </a:rPr>
+              <a:t> </a:t>
+            </a:r>
+            <a:endParaRPr sz="1200" b="1">
+              <a:solidFill>
+                <a:srgbClr val="3C78D8"/>
+              </a:solidFill>
+              <a:latin typeface="Roboto Mono"/>
+              <a:ea typeface="Roboto Mono"/>
+              <a:cs typeface="Roboto Mono"/>
+              <a:sym typeface="Roboto Mono"/>
+            </a:endParaRPr>
+          </a:p>
+          <a:p>
+            <a:pPr marL="228600" marR="0" lvl="0" indent="-133350" algn="l" rtl="0">
+              <a:lnSpc>
+                <a:spcPct val="100000"/>
+              </a:lnSpc>
+              <a:spcBef>
+                <a:spcPts val="0"/>
+              </a:spcBef>
+              <a:spcAft>
+                <a:spcPts val="0"/>
+              </a:spcAft>
+              <a:buClr>
+                <a:srgbClr val="3C78D8"/>
+              </a:buClr>
+              <a:buSzPts val="1200"/>
+              <a:buFont typeface="Roboto Mono"/>
+              <a:buChar char="●"/>
+            </a:pPr>
+            <a:r>
+              <a:rPr lang="en" sz="1200" b="1" u="sng">
+                <a:solidFill>
+                  <a:schemeClr val="hlink"/>
+                </a:solidFill>
+                <a:latin typeface="Roboto Mono"/>
+                <a:ea typeface="Roboto Mono"/>
+                <a:cs typeface="Roboto Mono"/>
+                <a:sym typeface="Roboto Mono"/>
+                <a:hlinkClick r:id="rId5"/>
+              </a:rPr>
+              <a:t>https://x.ai/api</a:t>
+            </a:r>
+            <a:r>
+              <a:rPr lang="en" sz="1200" b="1">
+                <a:solidFill>
+                  <a:srgbClr val="3C78D8"/>
+                </a:solidFill>
+                <a:latin typeface="Roboto Mono"/>
+                <a:ea typeface="Roboto Mono"/>
+                <a:cs typeface="Roboto Mono"/>
+                <a:sym typeface="Roboto Mono"/>
+              </a:rPr>
+              <a:t> </a:t>
+            </a:r>
+            <a:endParaRPr sz="1200" b="1">
+              <a:solidFill>
+                <a:srgbClr val="3C78D8"/>
+              </a:solidFill>
+              <a:latin typeface="Roboto Mono"/>
+              <a:ea typeface="Roboto Mono"/>
+              <a:cs typeface="Roboto Mono"/>
+              <a:sym typeface="Roboto Mono"/>
+            </a:endParaRPr>
+          </a:p>
+          <a:p>
+            <a:pPr marL="228600" marR="0" lvl="0" indent="-133350" algn="l" rtl="0">
+              <a:lnSpc>
+                <a:spcPct val="100000"/>
+              </a:lnSpc>
+              <a:spcBef>
+                <a:spcPts val="0"/>
+              </a:spcBef>
+              <a:spcAft>
+                <a:spcPts val="0"/>
+              </a:spcAft>
+              <a:buClr>
+                <a:srgbClr val="3C78D8"/>
+              </a:buClr>
+              <a:buSzPts val="1200"/>
+              <a:buFont typeface="Roboto Mono"/>
+              <a:buChar char="●"/>
+            </a:pPr>
+            <a:r>
+              <a:rPr lang="en" sz="1200" b="1" u="sng">
+                <a:solidFill>
+                  <a:schemeClr val="hlink"/>
+                </a:solidFill>
+                <a:latin typeface="Roboto Mono"/>
+                <a:ea typeface="Roboto Mono"/>
+                <a:cs typeface="Roboto Mono"/>
+                <a:sym typeface="Roboto Mono"/>
+                <a:hlinkClick r:id="rId6"/>
+              </a:rPr>
+              <a:t>https://docs.praison.ai/docs/index</a:t>
+            </a:r>
+            <a:r>
+              <a:rPr lang="en" sz="1200" b="1">
+                <a:solidFill>
+                  <a:srgbClr val="3C78D8"/>
+                </a:solidFill>
+                <a:latin typeface="Roboto Mono"/>
+                <a:ea typeface="Roboto Mono"/>
+                <a:cs typeface="Roboto Mono"/>
+                <a:sym typeface="Roboto Mono"/>
+              </a:rPr>
+              <a:t> </a:t>
+            </a:r>
+            <a:endParaRPr sz="1200" b="1">
+              <a:solidFill>
+                <a:srgbClr val="3C78D8"/>
+              </a:solidFill>
+              <a:latin typeface="Roboto Mono"/>
+              <a:ea typeface="Roboto Mono"/>
+              <a:cs typeface="Roboto Mono"/>
+              <a:sym typeface="Roboto Mono"/>
+            </a:endParaRPr>
+          </a:p>
+        </p:txBody>
+      </p:sp>
+    </p:spTree>
+  </p:cSld>
+  <p:clrMapOvr>
+    <a:masterClrMapping/>
+  </p:clrMapOvr>
+</p:sld>
+</file>
+
+<file path=ppt/slides/slide5.xml><?xml version="1.0" encoding="utf-8"?>
+<p:sld xmlns:a="http://schemas.openxmlformats.org/drawingml/2006/main" xmlns:r="http://schemas.openxmlformats.org/officeDocument/2006/relationships" xmlns:p="http://schemas.openxmlformats.org/presentationml/2006/main">
+  <p:cSld>
+    <p:spTree>
+      <p:nvGrpSpPr>
+        <p:cNvPr id="1" name="Shape 153"/>
+        <p:cNvGrpSpPr/>
+        <p:nvPr/>
+      </p:nvGrpSpPr>
+      <p:grpSpPr>
+        <a:xfrm>
+          <a:off x="0" y="0"/>
+          <a:ext cx="0" cy="0"/>
+          <a:chOff x="0" y="0"/>
+          <a:chExt cx="0" cy="0"/>
+        </a:xfrm>
+      </p:grpSpPr>
+      <p:sp>
+        <p:nvSpPr>
+          <p:cNvPr id="154" name="Google Shape;154;p19"/>
           <p:cNvSpPr txBox="1"/>
           <p:nvPr/>
         </p:nvSpPr>
@@ -41610,7 +44553,7 @@
       </p:sp>
       <p:sp>
         <p:nvSpPr>
-          <p:cNvPr id="146" name="Google Shape;146;p18"/>
+          <p:cNvPr id="155" name="Google Shape;155;p19"/>
           <p:cNvSpPr txBox="1"/>
           <p:nvPr/>
         </p:nvSpPr>
@@ -41910,7 +44853,7 @@
       </p:sp>
       <p:pic>
         <p:nvPicPr>
-          <p:cNvPr id="147" name="Google Shape;147;p18"/>
+          <p:cNvPr id="156" name="Google Shape;156;p19"/>
           <p:cNvPicPr preferRelativeResize="0"/>
           <p:nvPr/>
         </p:nvPicPr>
@@ -41949,7 +44892,7 @@
       </p:pic>
       <p:sp>
         <p:nvSpPr>
-          <p:cNvPr id="148" name="Google Shape;148;p18"/>
+          <p:cNvPr id="157" name="Google Shape;157;p19"/>
           <p:cNvSpPr txBox="1"/>
           <p:nvPr/>
         </p:nvSpPr>
@@ -42196,7 +45139,7 @@
       </p:sp>
       <p:sp>
         <p:nvSpPr>
-          <p:cNvPr id="149" name="Google Shape;149;p18"/>
+          <p:cNvPr id="158" name="Google Shape;158;p19"/>
           <p:cNvSpPr txBox="1"/>
           <p:nvPr/>
         </p:nvSpPr>
@@ -42443,7 +45386,7 @@
       </p:sp>
       <p:pic>
         <p:nvPicPr>
-          <p:cNvPr id="150" name="Google Shape;150;p18"/>
+          <p:cNvPr id="159" name="Google Shape;159;p19"/>
           <p:cNvPicPr preferRelativeResize="0"/>
           <p:nvPr/>
         </p:nvPicPr>
@@ -42482,7 +45425,7 @@
       </p:pic>
       <p:pic>
         <p:nvPicPr>
-          <p:cNvPr id="151" name="Google Shape;151;p18"/>
+          <p:cNvPr id="160" name="Google Shape;160;p19"/>
           <p:cNvPicPr preferRelativeResize="0"/>
           <p:nvPr/>
         </p:nvPicPr>
@@ -42527,12 +45470,12 @@
 </p:sld>
 </file>
 
-<file path=ppt/slides/slide5.xml><?xml version="1.0" encoding="utf-8"?>
+<file path=ppt/slides/slide6.xml><?xml version="1.0" encoding="utf-8"?>
 <p:sld xmlns:a="http://schemas.openxmlformats.org/drawingml/2006/main" xmlns:r="http://schemas.openxmlformats.org/officeDocument/2006/relationships" xmlns:p="http://schemas.openxmlformats.org/presentationml/2006/main">
   <p:cSld>
     <p:spTree>
       <p:nvGrpSpPr>
-        <p:cNvPr id="1" name="Shape 155"/>
+        <p:cNvPr id="1" name="Shape 164"/>
         <p:cNvGrpSpPr/>
         <p:nvPr/>
       </p:nvGrpSpPr>
@@ -42546,7 +45489,7 @@
       </p:grpSpPr>
       <p:sp>
         <p:nvSpPr>
-          <p:cNvPr id="156" name="Google Shape;156;p19"/>
+          <p:cNvPr id="165" name="Google Shape;165;p20"/>
           <p:cNvSpPr txBox="1"/>
           <p:nvPr/>
         </p:nvSpPr>
@@ -42612,7 +45555,7 @@
       </p:sp>
       <p:sp>
         <p:nvSpPr>
-          <p:cNvPr id="157" name="Google Shape;157;p19"/>
+          <p:cNvPr id="166" name="Google Shape;166;p20"/>
           <p:cNvSpPr txBox="1"/>
           <p:nvPr/>
         </p:nvSpPr>
@@ -43016,7 +45959,7 @@
       </p:sp>
       <p:pic>
         <p:nvPicPr>
-          <p:cNvPr id="158" name="Google Shape;158;p19"/>
+          <p:cNvPr id="167" name="Google Shape;167;p20"/>
           <p:cNvPicPr preferRelativeResize="0"/>
           <p:nvPr/>
         </p:nvPicPr>
@@ -43055,7 +45998,7 @@
       </p:pic>
       <p:pic>
         <p:nvPicPr>
-          <p:cNvPr id="159" name="Google Shape;159;p19"/>
+          <p:cNvPr id="168" name="Google Shape;168;p20"/>
           <p:cNvPicPr preferRelativeResize="0"/>
           <p:nvPr/>
         </p:nvPicPr>
@@ -43093,7 +46036,7 @@
       </p:pic>
       <p:sp>
         <p:nvSpPr>
-          <p:cNvPr id="160" name="Google Shape;160;p19"/>
+          <p:cNvPr id="169" name="Google Shape;169;p20"/>
           <p:cNvSpPr txBox="1"/>
           <p:nvPr/>
         </p:nvSpPr>
@@ -43380,7 +46323,7 @@
       </p:sp>
       <p:sp>
         <p:nvSpPr>
-          <p:cNvPr id="161" name="Google Shape;161;p19"/>
+          <p:cNvPr id="170" name="Google Shape;170;p20"/>
           <p:cNvSpPr txBox="1"/>
           <p:nvPr/>
         </p:nvSpPr>
@@ -43587,7 +46530,7 @@
       </p:sp>
       <p:pic>
         <p:nvPicPr>
-          <p:cNvPr id="162" name="Google Shape;162;p19"/>
+          <p:cNvPr id="171" name="Google Shape;171;p20"/>
           <p:cNvPicPr preferRelativeResize="0"/>
           <p:nvPr/>
         </p:nvPicPr>
@@ -43626,7 +46569,7 @@
       </p:pic>
       <p:pic>
         <p:nvPicPr>
-          <p:cNvPr id="163" name="Google Shape;163;p19"/>
+          <p:cNvPr id="172" name="Google Shape;172;p20"/>
           <p:cNvPicPr preferRelativeResize="0"/>
           <p:nvPr/>
         </p:nvPicPr>
@@ -43671,12 +46614,12 @@
 </p:sld>
 </file>
 
-<file path=ppt/slides/slide6.xml><?xml version="1.0" encoding="utf-8"?>
+<file path=ppt/slides/slide7.xml><?xml version="1.0" encoding="utf-8"?>
 <p:sld xmlns:a="http://schemas.openxmlformats.org/drawingml/2006/main" xmlns:r="http://schemas.openxmlformats.org/officeDocument/2006/relationships" xmlns:p="http://schemas.openxmlformats.org/presentationml/2006/main">
   <p:cSld>
     <p:spTree>
       <p:nvGrpSpPr>
-        <p:cNvPr id="1" name="Shape 167"/>
+        <p:cNvPr id="1" name="Shape 176"/>
         <p:cNvGrpSpPr/>
         <p:nvPr/>
       </p:nvGrpSpPr>
@@ -43690,7 +46633,7 @@
       </p:grpSpPr>
       <p:sp>
         <p:nvSpPr>
-          <p:cNvPr id="168" name="Google Shape;168;p20"/>
+          <p:cNvPr id="177" name="Google Shape;177;p21"/>
           <p:cNvSpPr txBox="1"/>
           <p:nvPr/>
         </p:nvSpPr>
@@ -44005,7 +46948,7 @@
       </p:sp>
       <p:pic>
         <p:nvPicPr>
-          <p:cNvPr id="169" name="Google Shape;169;p20"/>
+          <p:cNvPr id="178" name="Google Shape;178;p21"/>
           <p:cNvPicPr preferRelativeResize="0"/>
           <p:nvPr/>
         </p:nvPicPr>
@@ -44050,12 +46993,12 @@
 </p:sld>
 </file>
 
-<file path=ppt/slides/slide7.xml><?xml version="1.0" encoding="utf-8"?>
+<file path=ppt/slides/slide8.xml><?xml version="1.0" encoding="utf-8"?>
 <p:sld xmlns:a="http://schemas.openxmlformats.org/drawingml/2006/main" xmlns:r="http://schemas.openxmlformats.org/officeDocument/2006/relationships" xmlns:p="http://schemas.openxmlformats.org/presentationml/2006/main">
   <p:cSld>
     <p:spTree>
       <p:nvGrpSpPr>
-        <p:cNvPr id="1" name="Shape 173"/>
+        <p:cNvPr id="1" name="Shape 182"/>
         <p:cNvGrpSpPr/>
         <p:nvPr/>
       </p:nvGrpSpPr>
@@ -44069,7 +47012,7 @@
       </p:grpSpPr>
       <p:sp>
         <p:nvSpPr>
-          <p:cNvPr id="174" name="Google Shape;174;p21"/>
+          <p:cNvPr id="183" name="Google Shape;183;p22"/>
           <p:cNvSpPr txBox="1"/>
           <p:nvPr/>
         </p:nvSpPr>
@@ -44135,7 +47078,7 @@
       </p:sp>
       <p:sp>
         <p:nvSpPr>
-          <p:cNvPr id="175" name="Google Shape;175;p21"/>
+          <p:cNvPr id="184" name="Google Shape;184;p22"/>
           <p:cNvSpPr txBox="1"/>
           <p:nvPr/>
         </p:nvSpPr>
@@ -44329,7 +47272,7 @@
       </p:sp>
       <p:sp>
         <p:nvSpPr>
-          <p:cNvPr id="176" name="Google Shape;176;p21"/>
+          <p:cNvPr id="185" name="Google Shape;185;p22"/>
           <p:cNvSpPr txBox="1"/>
           <p:nvPr/>
         </p:nvSpPr>
@@ -44446,7 +47389,7 @@
       </p:sp>
       <p:sp>
         <p:nvSpPr>
-          <p:cNvPr id="177" name="Google Shape;177;p21"/>
+          <p:cNvPr id="186" name="Google Shape;186;p22"/>
           <p:cNvSpPr txBox="1"/>
           <p:nvPr/>
         </p:nvSpPr>
@@ -44573,7 +47516,7 @@
       </p:sp>
       <p:sp>
         <p:nvSpPr>
-          <p:cNvPr id="178" name="Google Shape;178;p21"/>
+          <p:cNvPr id="187" name="Google Shape;187;p22"/>
           <p:cNvSpPr txBox="1"/>
           <p:nvPr/>
         </p:nvSpPr>
@@ -44815,7 +47758,7 @@
       </p:sp>
       <p:sp>
         <p:nvSpPr>
-          <p:cNvPr id="179" name="Google Shape;179;p21"/>
+          <p:cNvPr id="188" name="Google Shape;188;p22"/>
           <p:cNvSpPr txBox="1"/>
           <p:nvPr/>
         </p:nvSpPr>
@@ -45035,7 +47978,7 @@
       </p:sp>
       <p:pic>
         <p:nvPicPr>
-          <p:cNvPr id="180" name="Google Shape;180;p21"/>
+          <p:cNvPr id="189" name="Google Shape;189;p22"/>
           <p:cNvPicPr preferRelativeResize="0"/>
           <p:nvPr/>
         </p:nvPicPr>
@@ -45074,7 +48017,7 @@
       </p:pic>
       <p:pic>
         <p:nvPicPr>
-          <p:cNvPr id="181" name="Google Shape;181;p21"/>
+          <p:cNvPr id="190" name="Google Shape;190;p22"/>
           <p:cNvPicPr preferRelativeResize="0"/>
           <p:nvPr/>
         </p:nvPicPr>
@@ -45107,7 +48050,7 @@
       </p:pic>
       <p:pic>
         <p:nvPicPr>
-          <p:cNvPr id="182" name="Google Shape;182;p21"/>
+          <p:cNvPr id="191" name="Google Shape;191;p22"/>
           <p:cNvPicPr preferRelativeResize="0"/>
           <p:nvPr/>
         </p:nvPicPr>
@@ -45140,7 +48083,7 @@
       </p:pic>
       <p:pic>
         <p:nvPicPr>
-          <p:cNvPr id="183" name="Google Shape;183;p21"/>
+          <p:cNvPr id="192" name="Google Shape;192;p22"/>
           <p:cNvPicPr preferRelativeResize="0"/>
           <p:nvPr/>
         </p:nvPicPr>
@@ -45179,7 +48122,7 @@
       </p:pic>
       <p:pic>
         <p:nvPicPr>
-          <p:cNvPr id="184" name="Google Shape;184;p21"/>
+          <p:cNvPr id="193" name="Google Shape;193;p22"/>
           <p:cNvPicPr preferRelativeResize="0"/>
           <p:nvPr/>
         </p:nvPicPr>
@@ -45224,12 +48167,12 @@
 </p:sld>
 </file>
 
-<file path=ppt/slides/slide8.xml><?xml version="1.0" encoding="utf-8"?>
+<file path=ppt/slides/slide9.xml><?xml version="1.0" encoding="utf-8"?>
 <p:sld xmlns:a="http://schemas.openxmlformats.org/drawingml/2006/main" xmlns:r="http://schemas.openxmlformats.org/officeDocument/2006/relationships" xmlns:p="http://schemas.openxmlformats.org/presentationml/2006/main">
   <p:cSld>
     <p:spTree>
       <p:nvGrpSpPr>
-        <p:cNvPr id="1" name="Shape 188"/>
+        <p:cNvPr id="1" name="Shape 197"/>
         <p:cNvGrpSpPr/>
         <p:nvPr/>
       </p:nvGrpSpPr>
@@ -45243,7 +48186,7 @@
       </p:grpSpPr>
       <p:sp>
         <p:nvSpPr>
-          <p:cNvPr id="189" name="Google Shape;189;p22"/>
+          <p:cNvPr id="198" name="Google Shape;198;p23"/>
           <p:cNvSpPr txBox="1"/>
           <p:nvPr/>
         </p:nvSpPr>
@@ -45309,7 +48252,7 @@
       </p:sp>
       <p:sp>
         <p:nvSpPr>
-          <p:cNvPr id="190" name="Google Shape;190;p22"/>
+          <p:cNvPr id="199" name="Google Shape;199;p23"/>
           <p:cNvSpPr txBox="1"/>
           <p:nvPr/>
         </p:nvSpPr>
@@ -45556,7 +48499,7 @@
       </p:sp>
       <p:sp>
         <p:nvSpPr>
-          <p:cNvPr id="191" name="Google Shape;191;p22"/>
+          <p:cNvPr id="200" name="Google Shape;200;p23"/>
           <p:cNvSpPr txBox="1"/>
           <p:nvPr/>
         </p:nvSpPr>
@@ -45883,7 +48826,7 @@
       </p:sp>
       <p:sp>
         <p:nvSpPr>
-          <p:cNvPr id="192" name="Google Shape;192;p22"/>
+          <p:cNvPr id="201" name="Google Shape;201;p23"/>
           <p:cNvSpPr txBox="1"/>
           <p:nvPr/>
         </p:nvSpPr>
@@ -46062,7 +49005,7 @@
       </p:sp>
       <p:sp>
         <p:nvSpPr>
-          <p:cNvPr id="193" name="Google Shape;193;p22"/>
+          <p:cNvPr id="202" name="Google Shape;202;p23"/>
           <p:cNvSpPr txBox="1"/>
           <p:nvPr/>
         </p:nvSpPr>
@@ -46189,7 +49132,7 @@
       </p:sp>
       <p:pic>
         <p:nvPicPr>
-          <p:cNvPr id="194" name="Google Shape;194;p22"/>
+          <p:cNvPr id="203" name="Google Shape;203;p23"/>
           <p:cNvPicPr preferRelativeResize="0"/>
           <p:nvPr/>
         </p:nvPicPr>
@@ -46228,7 +49171,7 @@
       </p:pic>
       <p:pic>
         <p:nvPicPr>
-          <p:cNvPr id="195" name="Google Shape;195;p22"/>
+          <p:cNvPr id="204" name="Google Shape;204;p23"/>
           <p:cNvPicPr preferRelativeResize="0"/>
           <p:nvPr/>
         </p:nvPicPr>
@@ -46267,7 +49210,7 @@
       </p:pic>
       <p:pic>
         <p:nvPicPr>
-          <p:cNvPr id="196" name="Google Shape;196;p22"/>
+          <p:cNvPr id="205" name="Google Shape;205;p23"/>
           <p:cNvPicPr preferRelativeResize="0"/>
           <p:nvPr/>
         </p:nvPicPr>
@@ -46305,7 +49248,7 @@
       </p:pic>
       <p:pic>
         <p:nvPicPr>
-          <p:cNvPr id="197" name="Google Shape;197;p22"/>
+          <p:cNvPr id="206" name="Google Shape;206;p23"/>
           <p:cNvPicPr preferRelativeResize="0"/>
           <p:nvPr/>
         </p:nvPicPr>
@@ -46344,7 +49287,7 @@
       </p:pic>
       <p:sp>
         <p:nvSpPr>
-          <p:cNvPr id="198" name="Google Shape;198;p22"/>
+          <p:cNvPr id="207" name="Google Shape;207;p23"/>
           <p:cNvSpPr txBox="1"/>
           <p:nvPr/>
         </p:nvSpPr>
@@ -46524,7 +49467,7 @@
       </p:sp>
       <p:pic>
         <p:nvPicPr>
-          <p:cNvPr id="199" name="Google Shape;199;p22"/>
+          <p:cNvPr id="208" name="Google Shape;208;p23"/>
           <p:cNvPicPr preferRelativeResize="0"/>
           <p:nvPr/>
         </p:nvPicPr>
@@ -46545,1304 +49488,6 @@
           <a:xfrm>
             <a:off x="2705125" y="3719799"/>
             <a:ext cx="2636554" cy="457875"/>
-          </a:xfrm>
-          <a:prstGeom prst="rect">
-            <a:avLst/>
-          </a:prstGeom>
-          <a:noFill/>
-          <a:ln w="9525" cap="flat" cmpd="sng">
-            <a:solidFill>
-              <a:srgbClr val="FF0000"/>
-            </a:solidFill>
-            <a:prstDash val="solid"/>
-            <a:round/>
-            <a:headEnd type="none" w="sm" len="sm"/>
-            <a:tailEnd type="none" w="sm" len="sm"/>
-          </a:ln>
-        </p:spPr>
-      </p:pic>
-    </p:spTree>
-  </p:cSld>
-  <p:clrMapOvr>
-    <a:masterClrMapping/>
-  </p:clrMapOvr>
-</p:sld>
-</file>
-
-<file path=ppt/slides/slide9.xml><?xml version="1.0" encoding="utf-8"?>
-<p:sld xmlns:a="http://schemas.openxmlformats.org/drawingml/2006/main" xmlns:r="http://schemas.openxmlformats.org/officeDocument/2006/relationships" xmlns:p="http://schemas.openxmlformats.org/presentationml/2006/main">
-  <p:cSld>
-    <p:spTree>
-      <p:nvGrpSpPr>
-        <p:cNvPr id="1" name="Shape 203"/>
-        <p:cNvGrpSpPr/>
-        <p:nvPr/>
-      </p:nvGrpSpPr>
-      <p:grpSpPr>
-        <a:xfrm>
-          <a:off x="0" y="0"/>
-          <a:ext cx="0" cy="0"/>
-          <a:chOff x="0" y="0"/>
-          <a:chExt cx="0" cy="0"/>
-        </a:xfrm>
-      </p:grpSpPr>
-      <p:sp>
-        <p:nvSpPr>
-          <p:cNvPr id="204" name="Google Shape;204;p23"/>
-          <p:cNvSpPr txBox="1"/>
-          <p:nvPr/>
-        </p:nvSpPr>
-        <p:spPr>
-          <a:xfrm>
-            <a:off x="55075" y="10417"/>
-            <a:ext cx="1722900" cy="326400"/>
-          </a:xfrm>
-          <a:prstGeom prst="rect">
-            <a:avLst/>
-          </a:prstGeom>
-          <a:noFill/>
-          <a:ln>
-            <a:noFill/>
-          </a:ln>
-        </p:spPr>
-        <p:txBody>
-          <a:bodyPr spcFirstLastPara="1" wrap="square" lIns="9125" tIns="9125" rIns="9125" bIns="9125" anchor="t" anchorCtr="0">
-            <a:spAutoFit/>
-          </a:bodyPr>
-          <a:lstStyle/>
-          <a:p>
-            <a:pPr marL="0" marR="0" lvl="0" indent="0" algn="l" rtl="0">
-              <a:lnSpc>
-                <a:spcPct val="100000"/>
-              </a:lnSpc>
-              <a:spcBef>
-                <a:spcPts val="0"/>
-              </a:spcBef>
-              <a:spcAft>
-                <a:spcPts val="0"/>
-              </a:spcAft>
-              <a:buClr>
-                <a:schemeClr val="dk1"/>
-              </a:buClr>
-              <a:buSzPts val="1100"/>
-              <a:buFont typeface="Arial"/>
-              <a:buNone/>
-            </a:pPr>
-            <a:r>
-              <a:rPr lang="en" sz="2000" b="1">
-                <a:solidFill>
-                  <a:schemeClr val="dk1"/>
-                </a:solidFill>
-                <a:latin typeface="Calibri"/>
-                <a:ea typeface="Calibri"/>
-                <a:cs typeface="Calibri"/>
-                <a:sym typeface="Calibri"/>
-              </a:rPr>
-              <a:t>AI Updates 5</a:t>
-            </a:r>
-            <a:endParaRPr sz="2000" b="1" i="0" u="none" strike="noStrike" cap="none">
-              <a:solidFill>
-                <a:schemeClr val="dk1"/>
-              </a:solidFill>
-              <a:latin typeface="Calibri"/>
-              <a:ea typeface="Calibri"/>
-              <a:cs typeface="Calibri"/>
-              <a:sym typeface="Calibri"/>
-            </a:endParaRPr>
-          </a:p>
-        </p:txBody>
-      </p:sp>
-      <p:sp>
-        <p:nvSpPr>
-          <p:cNvPr id="205" name="Google Shape;205;p23"/>
-          <p:cNvSpPr txBox="1"/>
-          <p:nvPr/>
-        </p:nvSpPr>
-        <p:spPr>
-          <a:xfrm>
-            <a:off x="55075" y="347614"/>
-            <a:ext cx="4446000" cy="1588500"/>
-          </a:xfrm>
-          <a:prstGeom prst="rect">
-            <a:avLst/>
-          </a:prstGeom>
-          <a:solidFill>
-            <a:srgbClr val="FFF2CC"/>
-          </a:solidFill>
-          <a:ln w="9525" cap="flat" cmpd="sng">
-            <a:solidFill>
-              <a:srgbClr val="FF0000"/>
-            </a:solidFill>
-            <a:prstDash val="solid"/>
-            <a:round/>
-            <a:headEnd type="none" w="sm" len="sm"/>
-            <a:tailEnd type="none" w="sm" len="sm"/>
-          </a:ln>
-        </p:spPr>
-        <p:txBody>
-          <a:bodyPr spcFirstLastPara="1" wrap="square" lIns="9125" tIns="9125" rIns="9125" bIns="9125" anchor="t" anchorCtr="0">
-            <a:spAutoFit/>
-          </a:bodyPr>
-          <a:lstStyle/>
-          <a:p>
-            <a:pPr marL="171450" marR="0" lvl="0" indent="-107950" algn="l" rtl="0">
-              <a:lnSpc>
-                <a:spcPct val="100000"/>
-              </a:lnSpc>
-              <a:spcBef>
-                <a:spcPts val="0"/>
-              </a:spcBef>
-              <a:spcAft>
-                <a:spcPts val="0"/>
-              </a:spcAft>
-              <a:buClr>
-                <a:srgbClr val="FF0000"/>
-              </a:buClr>
-              <a:buSzPts val="800"/>
-              <a:buFont typeface="Calibri"/>
-              <a:buChar char="●"/>
-            </a:pPr>
-            <a:r>
-              <a:rPr lang="en" sz="1200" b="1">
-                <a:solidFill>
-                  <a:srgbClr val="FF0000"/>
-                </a:solidFill>
-                <a:latin typeface="Calibri"/>
-                <a:ea typeface="Calibri"/>
-                <a:cs typeface="Calibri"/>
-                <a:sym typeface="Calibri"/>
-              </a:rPr>
-              <a:t>Tencent Hunyuan3D-2.1 - generate 3D images</a:t>
-            </a:r>
-            <a:endParaRPr sz="1200">
-              <a:solidFill>
-                <a:schemeClr val="dk1"/>
-              </a:solidFill>
-              <a:latin typeface="Calibri"/>
-              <a:ea typeface="Calibri"/>
-              <a:cs typeface="Calibri"/>
-              <a:sym typeface="Calibri"/>
-            </a:endParaRPr>
-          </a:p>
-          <a:p>
-            <a:pPr marL="171450" marR="0" lvl="0" indent="-107950" algn="l" rtl="0">
-              <a:lnSpc>
-                <a:spcPct val="100000"/>
-              </a:lnSpc>
-              <a:spcBef>
-                <a:spcPts val="0"/>
-              </a:spcBef>
-              <a:spcAft>
-                <a:spcPts val="0"/>
-              </a:spcAft>
-              <a:buClr>
-                <a:schemeClr val="dk1"/>
-              </a:buClr>
-              <a:buSzPts val="800"/>
-              <a:buFont typeface="Calibri"/>
-              <a:buChar char="●"/>
-            </a:pPr>
-            <a:r>
-              <a:rPr lang="en" sz="1200">
-                <a:solidFill>
-                  <a:schemeClr val="dk1"/>
-                </a:solidFill>
-                <a:latin typeface="Calibri"/>
-                <a:ea typeface="Calibri"/>
-                <a:cs typeface="Calibri"/>
-                <a:sym typeface="Calibri"/>
-              </a:rPr>
-              <a:t>v 2.1 - </a:t>
-            </a:r>
-            <a:r>
-              <a:rPr lang="en" sz="1200" b="1">
-                <a:solidFill>
-                  <a:srgbClr val="3C78D8"/>
-                </a:solidFill>
-                <a:latin typeface="Calibri"/>
-                <a:ea typeface="Calibri"/>
-                <a:cs typeface="Calibri"/>
-                <a:sym typeface="Calibri"/>
-              </a:rPr>
-              <a:t>open‑source</a:t>
-            </a:r>
-            <a:r>
-              <a:rPr lang="en" sz="1200">
-                <a:solidFill>
-                  <a:schemeClr val="dk1"/>
-                </a:solidFill>
-                <a:latin typeface="Calibri"/>
-                <a:ea typeface="Calibri"/>
-                <a:cs typeface="Calibri"/>
-                <a:sym typeface="Calibri"/>
-              </a:rPr>
-              <a:t>, fully released weights and training code</a:t>
-            </a:r>
-            <a:endParaRPr sz="1200">
-              <a:solidFill>
-                <a:schemeClr val="dk1"/>
-              </a:solidFill>
-              <a:latin typeface="Calibri"/>
-              <a:ea typeface="Calibri"/>
-              <a:cs typeface="Calibri"/>
-              <a:sym typeface="Calibri"/>
-            </a:endParaRPr>
-          </a:p>
-          <a:p>
-            <a:pPr marL="171450" marR="0" lvl="0" indent="-107950" algn="l" rtl="0">
-              <a:lnSpc>
-                <a:spcPct val="100000"/>
-              </a:lnSpc>
-              <a:spcBef>
-                <a:spcPts val="0"/>
-              </a:spcBef>
-              <a:spcAft>
-                <a:spcPts val="0"/>
-              </a:spcAft>
-              <a:buClr>
-                <a:schemeClr val="dk1"/>
-              </a:buClr>
-              <a:buSzPts val="800"/>
-              <a:buFont typeface="Calibri"/>
-              <a:buChar char="●"/>
-            </a:pPr>
-            <a:r>
-              <a:rPr lang="en" sz="1200" b="1">
-                <a:solidFill>
-                  <a:srgbClr val="3C78D8"/>
-                </a:solidFill>
-                <a:latin typeface="Calibri"/>
-                <a:ea typeface="Calibri"/>
-                <a:cs typeface="Calibri"/>
-                <a:sym typeface="Calibri"/>
-              </a:rPr>
-              <a:t>physics‑based rendering (PBR)</a:t>
-            </a:r>
-            <a:r>
-              <a:rPr lang="en" sz="1200">
-                <a:solidFill>
-                  <a:schemeClr val="dk1"/>
-                </a:solidFill>
-                <a:latin typeface="Calibri"/>
-                <a:ea typeface="Calibri"/>
-                <a:cs typeface="Calibri"/>
-                <a:sym typeface="Calibri"/>
-              </a:rPr>
-              <a:t> texture synthesis pipeline</a:t>
-            </a:r>
-            <a:endParaRPr sz="1200">
-              <a:solidFill>
-                <a:schemeClr val="dk1"/>
-              </a:solidFill>
-              <a:latin typeface="Calibri"/>
-              <a:ea typeface="Calibri"/>
-              <a:cs typeface="Calibri"/>
-              <a:sym typeface="Calibri"/>
-            </a:endParaRPr>
-          </a:p>
-          <a:p>
-            <a:pPr marL="171450" marR="0" lvl="0" indent="-107950" algn="l" rtl="0">
-              <a:lnSpc>
-                <a:spcPct val="100000"/>
-              </a:lnSpc>
-              <a:spcBef>
-                <a:spcPts val="0"/>
-              </a:spcBef>
-              <a:spcAft>
-                <a:spcPts val="0"/>
-              </a:spcAft>
-              <a:buClr>
-                <a:schemeClr val="dk1"/>
-              </a:buClr>
-              <a:buSzPts val="800"/>
-              <a:buFont typeface="Calibri"/>
-              <a:buChar char="●"/>
-            </a:pPr>
-            <a:r>
-              <a:rPr lang="en" sz="1200" b="1">
-                <a:solidFill>
-                  <a:srgbClr val="3C78D8"/>
-                </a:solidFill>
-                <a:latin typeface="Calibri"/>
-                <a:ea typeface="Calibri"/>
-                <a:cs typeface="Calibri"/>
-                <a:sym typeface="Calibri"/>
-              </a:rPr>
-              <a:t>photorealistic </a:t>
-            </a:r>
-            <a:r>
-              <a:rPr lang="en" sz="1200">
-                <a:solidFill>
-                  <a:schemeClr val="dk1"/>
-                </a:solidFill>
-                <a:latin typeface="Calibri"/>
-                <a:ea typeface="Calibri"/>
-                <a:cs typeface="Calibri"/>
-                <a:sym typeface="Calibri"/>
-              </a:rPr>
-              <a:t>materials with lifelike lighting and reflections</a:t>
-            </a:r>
-            <a:endParaRPr sz="1200">
-              <a:solidFill>
-                <a:schemeClr val="dk1"/>
-              </a:solidFill>
-              <a:latin typeface="Calibri"/>
-              <a:ea typeface="Calibri"/>
-              <a:cs typeface="Calibri"/>
-              <a:sym typeface="Calibri"/>
-            </a:endParaRPr>
-          </a:p>
-          <a:p>
-            <a:pPr marL="171450" marR="0" lvl="0" indent="-107950" algn="l" rtl="0">
-              <a:lnSpc>
-                <a:spcPct val="100000"/>
-              </a:lnSpc>
-              <a:spcBef>
-                <a:spcPts val="0"/>
-              </a:spcBef>
-              <a:spcAft>
-                <a:spcPts val="0"/>
-              </a:spcAft>
-              <a:buClr>
-                <a:schemeClr val="dk1"/>
-              </a:buClr>
-              <a:buSzPts val="800"/>
-              <a:buFont typeface="Calibri"/>
-              <a:buChar char="●"/>
-            </a:pPr>
-            <a:r>
-              <a:rPr lang="en" sz="1200">
-                <a:solidFill>
-                  <a:schemeClr val="dk1"/>
-                </a:solidFill>
-                <a:latin typeface="Calibri"/>
-                <a:ea typeface="Calibri"/>
-                <a:cs typeface="Calibri"/>
-                <a:sym typeface="Calibri"/>
-              </a:rPr>
-              <a:t>outperforms competitors in geometry quality and texture fidelity, making it a strong tool for developers and artists looking for production‑ready 3D generation</a:t>
-            </a:r>
-            <a:endParaRPr sz="1200">
-              <a:solidFill>
-                <a:schemeClr val="dk1"/>
-              </a:solidFill>
-              <a:latin typeface="Calibri"/>
-              <a:ea typeface="Calibri"/>
-              <a:cs typeface="Calibri"/>
-              <a:sym typeface="Calibri"/>
-            </a:endParaRPr>
-          </a:p>
-          <a:p>
-            <a:pPr marL="171450" marR="0" lvl="0" indent="-88900" algn="l" rtl="0">
-              <a:lnSpc>
-                <a:spcPct val="100000"/>
-              </a:lnSpc>
-              <a:spcBef>
-                <a:spcPts val="0"/>
-              </a:spcBef>
-              <a:spcAft>
-                <a:spcPts val="0"/>
-              </a:spcAft>
-              <a:buClr>
-                <a:schemeClr val="dk1"/>
-              </a:buClr>
-              <a:buSzPts val="500"/>
-              <a:buFont typeface="Calibri"/>
-              <a:buChar char="●"/>
-            </a:pPr>
-            <a:r>
-              <a:rPr lang="en" sz="900" u="sng">
-                <a:solidFill>
-                  <a:schemeClr val="hlink"/>
-                </a:solidFill>
-                <a:latin typeface="Calibri"/>
-                <a:ea typeface="Calibri"/>
-                <a:cs typeface="Calibri"/>
-                <a:sym typeface="Calibri"/>
-                <a:hlinkClick r:id="rId3"/>
-              </a:rPr>
-              <a:t>https://www.artificialintelligence-news.com/news/tencent-hunyuan3d-polygen-a-model-for-art-grade-3d-assets/</a:t>
-            </a:r>
-            <a:r>
-              <a:rPr lang="en" sz="900">
-                <a:solidFill>
-                  <a:schemeClr val="dk1"/>
-                </a:solidFill>
-                <a:latin typeface="Calibri"/>
-                <a:ea typeface="Calibri"/>
-                <a:cs typeface="Calibri"/>
-                <a:sym typeface="Calibri"/>
-              </a:rPr>
-              <a:t> </a:t>
-            </a:r>
-            <a:endParaRPr sz="900">
-              <a:solidFill>
-                <a:schemeClr val="dk1"/>
-              </a:solidFill>
-              <a:latin typeface="Calibri"/>
-              <a:ea typeface="Calibri"/>
-              <a:cs typeface="Calibri"/>
-              <a:sym typeface="Calibri"/>
-            </a:endParaRPr>
-          </a:p>
-        </p:txBody>
-      </p:sp>
-      <p:sp>
-        <p:nvSpPr>
-          <p:cNvPr id="206" name="Google Shape;206;p23"/>
-          <p:cNvSpPr txBox="1"/>
-          <p:nvPr/>
-        </p:nvSpPr>
-        <p:spPr>
-          <a:xfrm>
-            <a:off x="55075" y="2066161"/>
-            <a:ext cx="4446000" cy="387900"/>
-          </a:xfrm>
-          <a:prstGeom prst="rect">
-            <a:avLst/>
-          </a:prstGeom>
-          <a:solidFill>
-            <a:srgbClr val="FFF2CC"/>
-          </a:solidFill>
-          <a:ln w="9525" cap="flat" cmpd="sng">
-            <a:solidFill>
-              <a:srgbClr val="FF0000"/>
-            </a:solidFill>
-            <a:prstDash val="solid"/>
-            <a:round/>
-            <a:headEnd type="none" w="sm" len="sm"/>
-            <a:tailEnd type="none" w="sm" len="sm"/>
-          </a:ln>
-        </p:spPr>
-        <p:txBody>
-          <a:bodyPr spcFirstLastPara="1" wrap="square" lIns="9125" tIns="9125" rIns="9125" bIns="9125" anchor="t" anchorCtr="0">
-            <a:spAutoFit/>
-          </a:bodyPr>
-          <a:lstStyle/>
-          <a:p>
-            <a:pPr marL="171450" marR="0" lvl="0" indent="-107950" algn="l" rtl="0">
-              <a:lnSpc>
-                <a:spcPct val="100000"/>
-              </a:lnSpc>
-              <a:spcBef>
-                <a:spcPts val="0"/>
-              </a:spcBef>
-              <a:spcAft>
-                <a:spcPts val="0"/>
-              </a:spcAft>
-              <a:buClr>
-                <a:schemeClr val="dk1"/>
-              </a:buClr>
-              <a:buSzPts val="800"/>
-              <a:buFont typeface="Calibri"/>
-              <a:buChar char="●"/>
-            </a:pPr>
-            <a:r>
-              <a:rPr lang="en" sz="1200" b="1">
-                <a:solidFill>
-                  <a:srgbClr val="FF0000"/>
-                </a:solidFill>
-                <a:latin typeface="Calibri"/>
-                <a:ea typeface="Calibri"/>
-                <a:cs typeface="Calibri"/>
-                <a:sym typeface="Calibri"/>
-              </a:rPr>
-              <a:t>Data industry consolidating.</a:t>
-            </a:r>
-            <a:r>
-              <a:rPr lang="en" sz="1200">
-                <a:solidFill>
-                  <a:schemeClr val="dk1"/>
-                </a:solidFill>
-                <a:latin typeface="Calibri"/>
-                <a:ea typeface="Calibri"/>
-                <a:cs typeface="Calibri"/>
-                <a:sym typeface="Calibri"/>
-              </a:rPr>
-              <a:t> </a:t>
-            </a:r>
-            <a:r>
-              <a:rPr lang="en" sz="1200" b="1">
-                <a:solidFill>
-                  <a:srgbClr val="3C78D8"/>
-                </a:solidFill>
-                <a:latin typeface="Calibri"/>
-                <a:ea typeface="Calibri"/>
-                <a:cs typeface="Calibri"/>
-                <a:sym typeface="Calibri"/>
-              </a:rPr>
-              <a:t>Databricks buying Neon</a:t>
-            </a:r>
-            <a:r>
-              <a:rPr lang="en" sz="1200">
-                <a:solidFill>
-                  <a:schemeClr val="dk1"/>
-                </a:solidFill>
-                <a:latin typeface="Calibri"/>
-                <a:ea typeface="Calibri"/>
-                <a:cs typeface="Calibri"/>
-                <a:sym typeface="Calibri"/>
-              </a:rPr>
-              <a:t> for $1 billion and </a:t>
-            </a:r>
-            <a:r>
-              <a:rPr lang="en" sz="1200" b="1">
-                <a:solidFill>
-                  <a:srgbClr val="3C78D8"/>
-                </a:solidFill>
-                <a:latin typeface="Calibri"/>
-                <a:ea typeface="Calibri"/>
-                <a:cs typeface="Calibri"/>
-                <a:sym typeface="Calibri"/>
-              </a:rPr>
-              <a:t>Salesforce buying Informatica</a:t>
-            </a:r>
-            <a:r>
-              <a:rPr lang="en" sz="1200">
-                <a:solidFill>
-                  <a:schemeClr val="dk1"/>
-                </a:solidFill>
-                <a:latin typeface="Calibri"/>
-                <a:ea typeface="Calibri"/>
-                <a:cs typeface="Calibri"/>
-                <a:sym typeface="Calibri"/>
-              </a:rPr>
-              <a:t> for $8 billion</a:t>
-            </a:r>
-            <a:endParaRPr sz="1200">
-              <a:solidFill>
-                <a:schemeClr val="dk1"/>
-              </a:solidFill>
-              <a:latin typeface="Calibri"/>
-              <a:ea typeface="Calibri"/>
-              <a:cs typeface="Calibri"/>
-              <a:sym typeface="Calibri"/>
-            </a:endParaRPr>
-          </a:p>
-        </p:txBody>
-      </p:sp>
-      <p:sp>
-        <p:nvSpPr>
-          <p:cNvPr id="207" name="Google Shape;207;p23"/>
-          <p:cNvSpPr txBox="1"/>
-          <p:nvPr/>
-        </p:nvSpPr>
-        <p:spPr>
-          <a:xfrm>
-            <a:off x="6774000" y="4404391"/>
-            <a:ext cx="2288400" cy="664800"/>
-          </a:xfrm>
-          <a:prstGeom prst="rect">
-            <a:avLst/>
-          </a:prstGeom>
-          <a:solidFill>
-            <a:srgbClr val="FFF2CC"/>
-          </a:solidFill>
-          <a:ln w="9525" cap="flat" cmpd="sng">
-            <a:solidFill>
-              <a:srgbClr val="FF0000"/>
-            </a:solidFill>
-            <a:prstDash val="solid"/>
-            <a:round/>
-            <a:headEnd type="none" w="sm" len="sm"/>
-            <a:tailEnd type="none" w="sm" len="sm"/>
-          </a:ln>
-        </p:spPr>
-        <p:txBody>
-          <a:bodyPr spcFirstLastPara="1" wrap="square" lIns="9125" tIns="9125" rIns="9125" bIns="9125" anchor="t" anchorCtr="0">
-            <a:spAutoFit/>
-          </a:bodyPr>
-          <a:lstStyle/>
-          <a:p>
-            <a:pPr marL="0" marR="0" lvl="0" indent="0" algn="l" rtl="0">
-              <a:lnSpc>
-                <a:spcPct val="100000"/>
-              </a:lnSpc>
-              <a:spcBef>
-                <a:spcPts val="0"/>
-              </a:spcBef>
-              <a:spcAft>
-                <a:spcPts val="0"/>
-              </a:spcAft>
-              <a:buNone/>
-            </a:pPr>
-            <a:r>
-              <a:rPr lang="en" sz="1200" b="1">
-                <a:solidFill>
-                  <a:srgbClr val="FF0000"/>
-                </a:solidFill>
-                <a:latin typeface="Calibri"/>
-                <a:ea typeface="Calibri"/>
-                <a:cs typeface="Calibri"/>
-                <a:sym typeface="Calibri"/>
-              </a:rPr>
-              <a:t>Character.AI’s Real-Time Video Generation</a:t>
-            </a:r>
-            <a:endParaRPr sz="900" b="1">
-              <a:solidFill>
-                <a:srgbClr val="FF0000"/>
-              </a:solidFill>
-              <a:latin typeface="Calibri"/>
-              <a:ea typeface="Calibri"/>
-              <a:cs typeface="Calibri"/>
-              <a:sym typeface="Calibri"/>
-            </a:endParaRPr>
-          </a:p>
-          <a:p>
-            <a:pPr marL="0" marR="0" lvl="0" indent="0" algn="l" rtl="0">
-              <a:lnSpc>
-                <a:spcPct val="100000"/>
-              </a:lnSpc>
-              <a:spcBef>
-                <a:spcPts val="0"/>
-              </a:spcBef>
-              <a:spcAft>
-                <a:spcPts val="0"/>
-              </a:spcAft>
-              <a:buNone/>
-            </a:pPr>
-            <a:r>
-              <a:rPr lang="en" sz="900" u="sng">
-                <a:solidFill>
-                  <a:schemeClr val="hlink"/>
-                </a:solidFill>
-                <a:latin typeface="Calibri"/>
-                <a:ea typeface="Calibri"/>
-                <a:cs typeface="Calibri"/>
-                <a:sym typeface="Calibri"/>
-                <a:hlinkClick r:id="rId4"/>
-              </a:rPr>
-              <a:t>https://blog.character.ai/character-ais-real-time-video-breakthrough/</a:t>
-            </a:r>
-            <a:r>
-              <a:rPr lang="en" sz="900">
-                <a:solidFill>
-                  <a:schemeClr val="dk1"/>
-                </a:solidFill>
-                <a:latin typeface="Calibri"/>
-                <a:ea typeface="Calibri"/>
-                <a:cs typeface="Calibri"/>
-                <a:sym typeface="Calibri"/>
-              </a:rPr>
-              <a:t> </a:t>
-            </a:r>
-            <a:endParaRPr sz="900">
-              <a:solidFill>
-                <a:schemeClr val="dk1"/>
-              </a:solidFill>
-              <a:latin typeface="Calibri"/>
-              <a:ea typeface="Calibri"/>
-              <a:cs typeface="Calibri"/>
-              <a:sym typeface="Calibri"/>
-            </a:endParaRPr>
-          </a:p>
-        </p:txBody>
-      </p:sp>
-      <p:pic>
-        <p:nvPicPr>
-          <p:cNvPr id="208" name="Google Shape;208;p23"/>
-          <p:cNvPicPr preferRelativeResize="0"/>
-          <p:nvPr/>
-        </p:nvPicPr>
-        <p:blipFill>
-          <a:blip r:embed="rId5" cstate="email">
-            <a:alphaModFix/>
-            <a:extLst>
-              <a:ext uri="{28A0092B-C50C-407E-A947-70E740481C1C}">
-                <a14:useLocalDpi xmlns:a14="http://schemas.microsoft.com/office/drawing/2010/main"/>
-              </a:ext>
-            </a:extLst>
-          </a:blip>
-          <a:stretch>
-            <a:fillRect/>
-          </a:stretch>
-        </p:blipFill>
-        <p:spPr>
-          <a:xfrm>
-            <a:off x="6949158" y="1878273"/>
-            <a:ext cx="1938075" cy="2465000"/>
-          </a:xfrm>
-          <a:prstGeom prst="rect">
-            <a:avLst/>
-          </a:prstGeom>
-          <a:noFill/>
-          <a:ln w="9525" cap="flat" cmpd="sng">
-            <a:solidFill>
-              <a:srgbClr val="FF0000"/>
-            </a:solidFill>
-            <a:prstDash val="solid"/>
-            <a:round/>
-            <a:headEnd type="none" w="sm" len="sm"/>
-            <a:tailEnd type="none" w="sm" len="sm"/>
-          </a:ln>
-        </p:spPr>
-      </p:pic>
-      <p:sp>
-        <p:nvSpPr>
-          <p:cNvPr id="209" name="Google Shape;209;p23"/>
-          <p:cNvSpPr txBox="1"/>
-          <p:nvPr/>
-        </p:nvSpPr>
-        <p:spPr>
-          <a:xfrm>
-            <a:off x="55075" y="2647314"/>
-            <a:ext cx="4446000" cy="1311300"/>
-          </a:xfrm>
-          <a:prstGeom prst="rect">
-            <a:avLst/>
-          </a:prstGeom>
-          <a:solidFill>
-            <a:srgbClr val="FFF2CC"/>
-          </a:solidFill>
-          <a:ln w="9525" cap="flat" cmpd="sng">
-            <a:solidFill>
-              <a:srgbClr val="FF0000"/>
-            </a:solidFill>
-            <a:prstDash val="solid"/>
-            <a:round/>
-            <a:headEnd type="none" w="sm" len="sm"/>
-            <a:tailEnd type="none" w="sm" len="sm"/>
-          </a:ln>
-        </p:spPr>
-        <p:txBody>
-          <a:bodyPr spcFirstLastPara="1" wrap="square" lIns="9125" tIns="9125" rIns="9125" bIns="9125" anchor="t" anchorCtr="0">
-            <a:spAutoFit/>
-          </a:bodyPr>
-          <a:lstStyle/>
-          <a:p>
-            <a:pPr marL="171450" marR="0" lvl="0" indent="-107950" algn="l" rtl="0">
-              <a:lnSpc>
-                <a:spcPct val="100000"/>
-              </a:lnSpc>
-              <a:spcBef>
-                <a:spcPts val="0"/>
-              </a:spcBef>
-              <a:spcAft>
-                <a:spcPts val="0"/>
-              </a:spcAft>
-              <a:buClr>
-                <a:srgbClr val="FF0000"/>
-              </a:buClr>
-              <a:buSzPts val="800"/>
-              <a:buFont typeface="Calibri"/>
-              <a:buChar char="●"/>
-            </a:pPr>
-            <a:r>
-              <a:rPr lang="en" sz="1200" b="1">
-                <a:solidFill>
-                  <a:srgbClr val="FF0000"/>
-                </a:solidFill>
-                <a:latin typeface="Calibri"/>
-                <a:ea typeface="Calibri"/>
-                <a:cs typeface="Calibri"/>
-                <a:sym typeface="Calibri"/>
-              </a:rPr>
-              <a:t>H Company Holo1 open-source action model</a:t>
-            </a:r>
-            <a:endParaRPr sz="1200" b="1">
-              <a:solidFill>
-                <a:srgbClr val="FF0000"/>
-              </a:solidFill>
-              <a:latin typeface="Calibri"/>
-              <a:ea typeface="Calibri"/>
-              <a:cs typeface="Calibri"/>
-              <a:sym typeface="Calibri"/>
-            </a:endParaRPr>
-          </a:p>
-          <a:p>
-            <a:pPr marL="171450" marR="0" lvl="0" indent="-107950" algn="l" rtl="0">
-              <a:lnSpc>
-                <a:spcPct val="100000"/>
-              </a:lnSpc>
-              <a:spcBef>
-                <a:spcPts val="0"/>
-              </a:spcBef>
-              <a:spcAft>
-                <a:spcPts val="0"/>
-              </a:spcAft>
-              <a:buClr>
-                <a:schemeClr val="dk1"/>
-              </a:buClr>
-              <a:buSzPts val="800"/>
-              <a:buFont typeface="Calibri"/>
-              <a:buChar char="●"/>
-            </a:pPr>
-            <a:r>
-              <a:rPr lang="en" sz="1200">
-                <a:solidFill>
-                  <a:schemeClr val="dk1"/>
-                </a:solidFill>
-                <a:latin typeface="Calibri"/>
-                <a:ea typeface="Calibri"/>
-                <a:cs typeface="Calibri"/>
-                <a:sym typeface="Calibri"/>
-              </a:rPr>
-              <a:t>Powers </a:t>
-            </a:r>
-            <a:r>
-              <a:rPr lang="en" sz="1200" b="1">
-                <a:solidFill>
-                  <a:srgbClr val="3C78D8"/>
-                </a:solidFill>
-                <a:latin typeface="Calibri"/>
-                <a:ea typeface="Calibri"/>
-                <a:cs typeface="Calibri"/>
-                <a:sym typeface="Calibri"/>
-              </a:rPr>
-              <a:t>Surfer H web-browsing agent</a:t>
-            </a:r>
-            <a:r>
-              <a:rPr lang="en" sz="1200">
-                <a:solidFill>
-                  <a:schemeClr val="dk1"/>
-                </a:solidFill>
-                <a:latin typeface="Calibri"/>
-                <a:ea typeface="Calibri"/>
-                <a:cs typeface="Calibri"/>
-                <a:sym typeface="Calibri"/>
-              </a:rPr>
-              <a:t> (top on WebVoyager)</a:t>
-            </a:r>
-            <a:endParaRPr sz="1200">
-              <a:solidFill>
-                <a:schemeClr val="dk1"/>
-              </a:solidFill>
-              <a:latin typeface="Calibri"/>
-              <a:ea typeface="Calibri"/>
-              <a:cs typeface="Calibri"/>
-              <a:sym typeface="Calibri"/>
-            </a:endParaRPr>
-          </a:p>
-          <a:p>
-            <a:pPr marL="171450" marR="0" lvl="0" indent="-107950" algn="l" rtl="0">
-              <a:lnSpc>
-                <a:spcPct val="100000"/>
-              </a:lnSpc>
-              <a:spcBef>
-                <a:spcPts val="0"/>
-              </a:spcBef>
-              <a:spcAft>
-                <a:spcPts val="0"/>
-              </a:spcAft>
-              <a:buClr>
-                <a:schemeClr val="dk1"/>
-              </a:buClr>
-              <a:buSzPts val="800"/>
-              <a:buFont typeface="Calibri"/>
-              <a:buChar char="●"/>
-            </a:pPr>
-            <a:r>
-              <a:rPr lang="en" sz="1200">
-                <a:solidFill>
-                  <a:schemeClr val="dk1"/>
-                </a:solidFill>
-                <a:latin typeface="Calibri"/>
-                <a:ea typeface="Calibri"/>
-                <a:cs typeface="Calibri"/>
-                <a:sym typeface="Calibri"/>
-              </a:rPr>
-              <a:t>With Holo1, you can automate multi-step browser workflows with SOTA accuracy outperforming OpenAI’s Operator, Gemini Flash, ...</a:t>
-            </a:r>
-            <a:endParaRPr sz="1200">
-              <a:solidFill>
-                <a:schemeClr val="dk1"/>
-              </a:solidFill>
-              <a:latin typeface="Calibri"/>
-              <a:ea typeface="Calibri"/>
-              <a:cs typeface="Calibri"/>
-              <a:sym typeface="Calibri"/>
-            </a:endParaRPr>
-          </a:p>
-          <a:p>
-            <a:pPr marL="171450" marR="0" lvl="0" indent="-107950" algn="l" rtl="0">
-              <a:lnSpc>
-                <a:spcPct val="100000"/>
-              </a:lnSpc>
-              <a:spcBef>
-                <a:spcPts val="0"/>
-              </a:spcBef>
-              <a:spcAft>
-                <a:spcPts val="0"/>
-              </a:spcAft>
-              <a:buClr>
-                <a:schemeClr val="dk1"/>
-              </a:buClr>
-              <a:buSzPts val="800"/>
-              <a:buFont typeface="Calibri"/>
-              <a:buChar char="●"/>
-            </a:pPr>
-            <a:r>
-              <a:rPr lang="en" sz="1200">
-                <a:solidFill>
-                  <a:schemeClr val="dk1"/>
-                </a:solidFill>
-                <a:latin typeface="Calibri"/>
-                <a:ea typeface="Calibri"/>
-                <a:cs typeface="Calibri"/>
-                <a:sym typeface="Calibri"/>
-              </a:rPr>
-              <a:t>Integrate with RAG workflows, RPA suites, and multi-agent hubs</a:t>
-            </a:r>
-            <a:endParaRPr sz="1200">
-              <a:solidFill>
-                <a:schemeClr val="dk1"/>
-              </a:solidFill>
-              <a:latin typeface="Calibri"/>
-              <a:ea typeface="Calibri"/>
-              <a:cs typeface="Calibri"/>
-              <a:sym typeface="Calibri"/>
-            </a:endParaRPr>
-          </a:p>
-          <a:p>
-            <a:pPr marL="171450" marR="0" lvl="0" indent="-107950" algn="l" rtl="0">
-              <a:lnSpc>
-                <a:spcPct val="100000"/>
-              </a:lnSpc>
-              <a:spcBef>
-                <a:spcPts val="0"/>
-              </a:spcBef>
-              <a:spcAft>
-                <a:spcPts val="0"/>
-              </a:spcAft>
-              <a:buClr>
-                <a:schemeClr val="dk1"/>
-              </a:buClr>
-              <a:buSzPts val="800"/>
-              <a:buFont typeface="Calibri"/>
-              <a:buChar char="●"/>
-            </a:pPr>
-            <a:r>
-              <a:rPr lang="en" sz="1200">
-                <a:solidFill>
-                  <a:schemeClr val="dk1"/>
-                </a:solidFill>
-                <a:latin typeface="Calibri"/>
-                <a:ea typeface="Calibri"/>
-                <a:cs typeface="Calibri"/>
-                <a:sym typeface="Calibri"/>
-              </a:rPr>
-              <a:t>Typical costs just $0.11 – $0.13 per run</a:t>
-            </a:r>
-            <a:endParaRPr sz="1200">
-              <a:solidFill>
-                <a:schemeClr val="dk1"/>
-              </a:solidFill>
-              <a:latin typeface="Calibri"/>
-              <a:ea typeface="Calibri"/>
-              <a:cs typeface="Calibri"/>
-              <a:sym typeface="Calibri"/>
-            </a:endParaRPr>
-          </a:p>
-          <a:p>
-            <a:pPr marL="171450" marR="0" lvl="0" indent="-133350" algn="l" rtl="0">
-              <a:lnSpc>
-                <a:spcPct val="100000"/>
-              </a:lnSpc>
-              <a:spcBef>
-                <a:spcPts val="0"/>
-              </a:spcBef>
-              <a:spcAft>
-                <a:spcPts val="0"/>
-              </a:spcAft>
-              <a:buClr>
-                <a:schemeClr val="dk1"/>
-              </a:buClr>
-              <a:buSzPts val="1200"/>
-              <a:buFont typeface="Calibri"/>
-              <a:buChar char="●"/>
-            </a:pPr>
-            <a:r>
-              <a:rPr lang="en" sz="1200" u="sng">
-                <a:solidFill>
-                  <a:schemeClr val="hlink"/>
-                </a:solidFill>
-                <a:latin typeface="Calibri"/>
-                <a:ea typeface="Calibri"/>
-                <a:cs typeface="Calibri"/>
-                <a:sym typeface="Calibri"/>
-                <a:hlinkClick r:id="rId6"/>
-              </a:rPr>
-              <a:t>https://www.hcompany.ai</a:t>
-            </a:r>
-            <a:r>
-              <a:rPr lang="en" sz="1200">
-                <a:solidFill>
-                  <a:schemeClr val="dk1"/>
-                </a:solidFill>
-                <a:latin typeface="Calibri"/>
-                <a:ea typeface="Calibri"/>
-                <a:cs typeface="Calibri"/>
-                <a:sym typeface="Calibri"/>
-              </a:rPr>
-              <a:t> </a:t>
-            </a:r>
-            <a:endParaRPr sz="1200">
-              <a:solidFill>
-                <a:schemeClr val="dk1"/>
-              </a:solidFill>
-              <a:latin typeface="Calibri"/>
-              <a:ea typeface="Calibri"/>
-              <a:cs typeface="Calibri"/>
-              <a:sym typeface="Calibri"/>
-            </a:endParaRPr>
-          </a:p>
-        </p:txBody>
-      </p:sp>
-      <p:sp>
-        <p:nvSpPr>
-          <p:cNvPr id="210" name="Google Shape;210;p23"/>
-          <p:cNvSpPr txBox="1"/>
-          <p:nvPr/>
-        </p:nvSpPr>
-        <p:spPr>
-          <a:xfrm>
-            <a:off x="55075" y="4059131"/>
-            <a:ext cx="4446000" cy="942000"/>
-          </a:xfrm>
-          <a:prstGeom prst="rect">
-            <a:avLst/>
-          </a:prstGeom>
-          <a:solidFill>
-            <a:srgbClr val="FFF2CC"/>
-          </a:solidFill>
-          <a:ln w="9525" cap="flat" cmpd="sng">
-            <a:solidFill>
-              <a:srgbClr val="FF0000"/>
-            </a:solidFill>
-            <a:prstDash val="solid"/>
-            <a:round/>
-            <a:headEnd type="none" w="sm" len="sm"/>
-            <a:tailEnd type="none" w="sm" len="sm"/>
-          </a:ln>
-        </p:spPr>
-        <p:txBody>
-          <a:bodyPr spcFirstLastPara="1" wrap="square" lIns="9125" tIns="9125" rIns="9125" bIns="9125" anchor="t" anchorCtr="0">
-            <a:spAutoFit/>
-          </a:bodyPr>
-          <a:lstStyle/>
-          <a:p>
-            <a:pPr marL="171450" marR="0" lvl="0" indent="-133350" algn="l" rtl="0">
-              <a:lnSpc>
-                <a:spcPct val="100000"/>
-              </a:lnSpc>
-              <a:spcBef>
-                <a:spcPts val="0"/>
-              </a:spcBef>
-              <a:spcAft>
-                <a:spcPts val="0"/>
-              </a:spcAft>
-              <a:buClr>
-                <a:srgbClr val="FF0000"/>
-              </a:buClr>
-              <a:buSzPts val="1200"/>
-              <a:buFont typeface="Calibri"/>
-              <a:buChar char="●"/>
-            </a:pPr>
-            <a:r>
-              <a:rPr lang="en" sz="1200" b="1">
-                <a:solidFill>
-                  <a:srgbClr val="FF0000"/>
-                </a:solidFill>
-                <a:latin typeface="Calibri"/>
-                <a:ea typeface="Calibri"/>
-                <a:cs typeface="Calibri"/>
-                <a:sym typeface="Calibri"/>
-              </a:rPr>
-              <a:t>Cursor pricing scandal</a:t>
-            </a:r>
-            <a:endParaRPr sz="1200" b="1">
-              <a:solidFill>
-                <a:srgbClr val="FF0000"/>
-              </a:solidFill>
-              <a:latin typeface="Calibri"/>
-              <a:ea typeface="Calibri"/>
-              <a:cs typeface="Calibri"/>
-              <a:sym typeface="Calibri"/>
-            </a:endParaRPr>
-          </a:p>
-          <a:p>
-            <a:pPr marL="171450" marR="0" lvl="0" indent="-133350" algn="l" rtl="0">
-              <a:lnSpc>
-                <a:spcPct val="100000"/>
-              </a:lnSpc>
-              <a:spcBef>
-                <a:spcPts val="0"/>
-              </a:spcBef>
-              <a:spcAft>
-                <a:spcPts val="0"/>
-              </a:spcAft>
-              <a:buClr>
-                <a:schemeClr val="dk1"/>
-              </a:buClr>
-              <a:buSzPts val="1200"/>
-              <a:buFont typeface="Calibri"/>
-              <a:buChar char="●"/>
-            </a:pPr>
-            <a:r>
-              <a:rPr lang="en" sz="1200">
-                <a:solidFill>
-                  <a:schemeClr val="dk1"/>
-                </a:solidFill>
-                <a:latin typeface="Calibri"/>
-                <a:ea typeface="Calibri"/>
-                <a:cs typeface="Calibri"/>
-                <a:sym typeface="Calibri"/>
-              </a:rPr>
-              <a:t>Cursor has switched from 500 requests per month to a token-based model - which effectively increased price</a:t>
-            </a:r>
-            <a:endParaRPr sz="1200">
-              <a:solidFill>
-                <a:schemeClr val="dk1"/>
-              </a:solidFill>
-              <a:latin typeface="Calibri"/>
-              <a:ea typeface="Calibri"/>
-              <a:cs typeface="Calibri"/>
-              <a:sym typeface="Calibri"/>
-            </a:endParaRPr>
-          </a:p>
-          <a:p>
-            <a:pPr marL="171450" marR="0" lvl="0" indent="-133350" algn="l" rtl="0">
-              <a:lnSpc>
-                <a:spcPct val="100000"/>
-              </a:lnSpc>
-              <a:spcBef>
-                <a:spcPts val="0"/>
-              </a:spcBef>
-              <a:spcAft>
-                <a:spcPts val="0"/>
-              </a:spcAft>
-              <a:buClr>
-                <a:schemeClr val="dk1"/>
-              </a:buClr>
-              <a:buSzPts val="1200"/>
-              <a:buFont typeface="Calibri"/>
-              <a:buChar char="●"/>
-            </a:pPr>
-            <a:r>
-              <a:rPr lang="en" sz="1200">
-                <a:solidFill>
-                  <a:schemeClr val="dk1"/>
-                </a:solidFill>
-                <a:latin typeface="Calibri"/>
-                <a:ea typeface="Calibri"/>
-                <a:cs typeface="Calibri"/>
-                <a:sym typeface="Calibri"/>
-              </a:rPr>
-              <a:t>Many customers are canceling and migrating to Claude Code and other alternatives</a:t>
-            </a:r>
-            <a:endParaRPr sz="1200">
-              <a:solidFill>
-                <a:schemeClr val="dk1"/>
-              </a:solidFill>
-              <a:latin typeface="Calibri"/>
-              <a:ea typeface="Calibri"/>
-              <a:cs typeface="Calibri"/>
-              <a:sym typeface="Calibri"/>
-            </a:endParaRPr>
-          </a:p>
-        </p:txBody>
-      </p:sp>
-      <p:pic>
-        <p:nvPicPr>
-          <p:cNvPr id="211" name="Google Shape;211;p23"/>
-          <p:cNvPicPr preferRelativeResize="0"/>
-          <p:nvPr/>
-        </p:nvPicPr>
-        <p:blipFill>
-          <a:blip r:embed="rId7" cstate="email">
-            <a:alphaModFix/>
-            <a:extLst>
-              <a:ext uri="{28A0092B-C50C-407E-A947-70E740481C1C}">
-                <a14:useLocalDpi xmlns:a14="http://schemas.microsoft.com/office/drawing/2010/main"/>
-              </a:ext>
-            </a:extLst>
-          </a:blip>
-          <a:stretch>
-            <a:fillRect/>
-          </a:stretch>
-        </p:blipFill>
-        <p:spPr>
-          <a:xfrm>
-            <a:off x="4531075" y="90875"/>
-            <a:ext cx="3068950" cy="1726276"/>
-          </a:xfrm>
-          <a:prstGeom prst="rect">
-            <a:avLst/>
-          </a:prstGeom>
-          <a:noFill/>
-          <a:ln w="9525" cap="flat" cmpd="sng">
-            <a:solidFill>
-              <a:srgbClr val="FF0000"/>
-            </a:solidFill>
-            <a:prstDash val="solid"/>
-            <a:round/>
-            <a:headEnd type="none" w="sm" len="sm"/>
-            <a:tailEnd type="none" w="sm" len="sm"/>
-          </a:ln>
-        </p:spPr>
-      </p:pic>
-      <p:pic>
-        <p:nvPicPr>
-          <p:cNvPr id="212" name="Google Shape;212;p23"/>
-          <p:cNvPicPr preferRelativeResize="0"/>
-          <p:nvPr/>
-        </p:nvPicPr>
-        <p:blipFill>
-          <a:blip r:embed="rId8" cstate="email">
-            <a:alphaModFix/>
-            <a:extLst>
-              <a:ext uri="{28A0092B-C50C-407E-A947-70E740481C1C}">
-                <a14:useLocalDpi xmlns:a14="http://schemas.microsoft.com/office/drawing/2010/main"/>
-              </a:ext>
-            </a:extLst>
-          </a:blip>
-          <a:stretch>
-            <a:fillRect/>
-          </a:stretch>
-        </p:blipFill>
-        <p:spPr>
-          <a:xfrm>
-            <a:off x="4564175" y="4059125"/>
-            <a:ext cx="1039994" cy="942000"/>
-          </a:xfrm>
-          <a:prstGeom prst="rect">
-            <a:avLst/>
-          </a:prstGeom>
-          <a:noFill/>
-          <a:ln w="9525" cap="flat" cmpd="sng">
-            <a:solidFill>
-              <a:srgbClr val="FF0000"/>
-            </a:solidFill>
-            <a:prstDash val="solid"/>
-            <a:round/>
-            <a:headEnd type="none" w="sm" len="sm"/>
-            <a:tailEnd type="none" w="sm" len="sm"/>
-          </a:ln>
-        </p:spPr>
-      </p:pic>
-      <p:pic>
-        <p:nvPicPr>
-          <p:cNvPr id="213" name="Google Shape;213;p23"/>
-          <p:cNvPicPr preferRelativeResize="0"/>
-          <p:nvPr/>
-        </p:nvPicPr>
-        <p:blipFill>
-          <a:blip r:embed="rId9" cstate="email">
-            <a:alphaModFix/>
-            <a:extLst>
-              <a:ext uri="{28A0092B-C50C-407E-A947-70E740481C1C}">
-                <a14:useLocalDpi xmlns:a14="http://schemas.microsoft.com/office/drawing/2010/main"/>
-              </a:ext>
-            </a:extLst>
-          </a:blip>
-          <a:stretch>
-            <a:fillRect/>
-          </a:stretch>
-        </p:blipFill>
-        <p:spPr>
-          <a:xfrm>
-            <a:off x="4601372" y="2831972"/>
-            <a:ext cx="1674691" cy="941999"/>
           </a:xfrm>
           <a:prstGeom prst="rect">
             <a:avLst/>
